--- a/CSS_プレゼン資料.pptx
+++ b/CSS_プレゼン資料.pptx
@@ -6,6 +6,10 @@
   </p:sldMasterIdLst>
   <p:sldIdLst>
     <p:sldId id="256" r:id="rId2"/>
+    <p:sldId id="257" r:id="rId3"/>
+    <p:sldId id="259" r:id="rId4"/>
+    <p:sldId id="258" r:id="rId5"/>
+    <p:sldId id="260" r:id="rId6"/>
   </p:sldIdLst>
   <p:sldSz cx="12192000" cy="6858000"/>
   <p:notesSz cx="6858000" cy="9144000"/>
@@ -104,6 +108,11 @@
       </a:defRPr>
     </a:lvl9pPr>
   </p:defaultTextStyle>
+  <p:extLst>
+    <p:ext uri="{EFAFB233-063F-42B5-8137-9DF3F51BA10A}">
+      <p15:sldGuideLst xmlns:p15="http://schemas.microsoft.com/office/powerpoint/2012/main"/>
+    </p:ext>
+  </p:extLst>
 </p:presentation>
 </file>
 
@@ -3424,6 +3433,407 @@
 </p:sld>
 </file>
 
+<file path=ppt/slides/slide2.xml><?xml version="1.0" encoding="utf-8"?>
+<p:sld xmlns:a="http://schemas.openxmlformats.org/drawingml/2006/main" xmlns:r="http://schemas.openxmlformats.org/officeDocument/2006/relationships" xmlns:p="http://schemas.openxmlformats.org/presentationml/2006/main">
+  <p:cSld>
+    <p:spTree>
+      <p:nvGrpSpPr>
+        <p:cNvPr id="1" name=""/>
+        <p:cNvGrpSpPr/>
+        <p:nvPr/>
+      </p:nvGrpSpPr>
+      <p:grpSpPr>
+        <a:xfrm>
+          <a:off x="0" y="0"/>
+          <a:ext cx="0" cy="0"/>
+          <a:chOff x="0" y="0"/>
+          <a:chExt cx="0" cy="0"/>
+        </a:xfrm>
+      </p:grpSpPr>
+      <p:sp>
+        <p:nvSpPr>
+          <p:cNvPr id="2" name="タイトル 1"/>
+          <p:cNvSpPr>
+            <a:spLocks noGrp="1"/>
+          </p:cNvSpPr>
+          <p:nvPr>
+            <p:ph type="title"/>
+          </p:nvPr>
+        </p:nvSpPr>
+        <p:spPr/>
+        <p:txBody>
+          <a:bodyPr/>
+          <a:lstStyle/>
+          <a:p>
+            <a:r>
+              <a:rPr kumimoji="1" lang="ja-JP" altLang="en-US" dirty="0" smtClean="0">
+                <a:latin typeface="Hiragino Kaku Gothic Pro W3" charset="-128"/>
+                <a:ea typeface="Hiragino Kaku Gothic Pro W3" charset="-128"/>
+                <a:cs typeface="Hiragino Kaku Gothic Pro W3" charset="-128"/>
+              </a:rPr>
+              <a:t>コンセプト</a:t>
+            </a:r>
+            <a:endParaRPr kumimoji="1" lang="ja-JP" altLang="en-US" dirty="0">
+              <a:latin typeface="Hiragino Kaku Gothic Pro W3" charset="-128"/>
+              <a:ea typeface="Hiragino Kaku Gothic Pro W3" charset="-128"/>
+              <a:cs typeface="Hiragino Kaku Gothic Pro W3" charset="-128"/>
+            </a:endParaRPr>
+          </a:p>
+        </p:txBody>
+      </p:sp>
+      <p:sp>
+        <p:nvSpPr>
+          <p:cNvPr id="3" name="コンテンツ プレースホルダー 2"/>
+          <p:cNvSpPr>
+            <a:spLocks noGrp="1"/>
+          </p:cNvSpPr>
+          <p:nvPr>
+            <p:ph idx="1"/>
+          </p:nvPr>
+        </p:nvSpPr>
+        <p:spPr/>
+        <p:txBody>
+          <a:bodyPr/>
+          <a:lstStyle/>
+          <a:p>
+            <a:r>
+              <a:rPr lang="en-US" altLang="ja-JP" dirty="0" smtClean="0"/>
+              <a:t>WEB</a:t>
+            </a:r>
+            <a:r>
+              <a:rPr lang="ja-JP" altLang="en-US" dirty="0"/>
+              <a:t>デザインをサポートするためのサービスです。</a:t>
+            </a:r>
+          </a:p>
+          <a:p>
+            <a:r>
+              <a:rPr lang="en-US" altLang="ja-JP" dirty="0" smtClean="0"/>
+              <a:t>HTML</a:t>
+            </a:r>
+            <a:r>
+              <a:rPr lang="ja-JP" altLang="en-US" dirty="0" smtClean="0"/>
+              <a:t>に対してデザインをしてダウンロードしたり、デザインした</a:t>
+            </a:r>
+            <a:r>
+              <a:rPr lang="en-US" altLang="ja-JP" dirty="0" smtClean="0"/>
+              <a:t>HTML</a:t>
+            </a:r>
+            <a:r>
+              <a:rPr lang="ja-JP" altLang="en-US" dirty="0" smtClean="0"/>
+              <a:t>を公開したり。他の人が公開した</a:t>
+            </a:r>
+            <a:r>
+              <a:rPr lang="en-US" altLang="ja-JP" dirty="0" smtClean="0"/>
+              <a:t>HTML</a:t>
+            </a:r>
+            <a:r>
+              <a:rPr lang="ja-JP" altLang="en-US" dirty="0" smtClean="0"/>
+              <a:t>を編集したり、ダウンロードすることができる。</a:t>
+            </a:r>
+            <a:endParaRPr kumimoji="1" lang="ja-JP" altLang="en-US" dirty="0">
+              <a:latin typeface="Hiragino Kaku Gothic Pro W3" charset="-128"/>
+              <a:ea typeface="Hiragino Kaku Gothic Pro W3" charset="-128"/>
+              <a:cs typeface="Hiragino Kaku Gothic Pro W3" charset="-128"/>
+            </a:endParaRPr>
+          </a:p>
+        </p:txBody>
+      </p:sp>
+    </p:spTree>
+    <p:extLst>
+      <p:ext uri="{BB962C8B-B14F-4D97-AF65-F5344CB8AC3E}">
+        <p14:creationId xmlns:p14="http://schemas.microsoft.com/office/powerpoint/2010/main" val="73702601"/>
+      </p:ext>
+    </p:extLst>
+  </p:cSld>
+  <p:clrMapOvr>
+    <a:masterClrMapping/>
+  </p:clrMapOvr>
+</p:sld>
+</file>
+
+<file path=ppt/slides/slide3.xml><?xml version="1.0" encoding="utf-8"?>
+<p:sld xmlns:a="http://schemas.openxmlformats.org/drawingml/2006/main" xmlns:r="http://schemas.openxmlformats.org/officeDocument/2006/relationships" xmlns:p="http://schemas.openxmlformats.org/presentationml/2006/main">
+  <p:cSld>
+    <p:spTree>
+      <p:nvGrpSpPr>
+        <p:cNvPr id="1" name=""/>
+        <p:cNvGrpSpPr/>
+        <p:nvPr/>
+      </p:nvGrpSpPr>
+      <p:grpSpPr>
+        <a:xfrm>
+          <a:off x="0" y="0"/>
+          <a:ext cx="0" cy="0"/>
+          <a:chOff x="0" y="0"/>
+          <a:chExt cx="0" cy="0"/>
+        </a:xfrm>
+      </p:grpSpPr>
+      <p:sp>
+        <p:nvSpPr>
+          <p:cNvPr id="2" name="タイトル 1"/>
+          <p:cNvSpPr>
+            <a:spLocks noGrp="1"/>
+          </p:cNvSpPr>
+          <p:nvPr>
+            <p:ph type="title"/>
+          </p:nvPr>
+        </p:nvSpPr>
+        <p:spPr/>
+        <p:txBody>
+          <a:bodyPr/>
+          <a:lstStyle/>
+          <a:p>
+            <a:r>
+              <a:rPr kumimoji="1" lang="ja-JP" altLang="en-US" dirty="0" smtClean="0">
+                <a:latin typeface="Hiragino Kaku Gothic Pro W3" charset="-128"/>
+                <a:ea typeface="Hiragino Kaku Gothic Pro W3" charset="-128"/>
+                <a:cs typeface="Hiragino Kaku Gothic Pro W3" charset="-128"/>
+              </a:rPr>
+              <a:t>ターゲット</a:t>
+            </a:r>
+            <a:endParaRPr kumimoji="1" lang="ja-JP" altLang="en-US" dirty="0">
+              <a:latin typeface="Hiragino Kaku Gothic Pro W3" charset="-128"/>
+              <a:ea typeface="Hiragino Kaku Gothic Pro W3" charset="-128"/>
+              <a:cs typeface="Hiragino Kaku Gothic Pro W3" charset="-128"/>
+            </a:endParaRPr>
+          </a:p>
+        </p:txBody>
+      </p:sp>
+      <p:sp>
+        <p:nvSpPr>
+          <p:cNvPr id="3" name="コンテンツ プレースホルダー 2"/>
+          <p:cNvSpPr>
+            <a:spLocks noGrp="1"/>
+          </p:cNvSpPr>
+          <p:nvPr>
+            <p:ph idx="1"/>
+          </p:nvPr>
+        </p:nvSpPr>
+        <p:spPr/>
+        <p:txBody>
+          <a:bodyPr/>
+          <a:lstStyle/>
+          <a:p>
+            <a:r>
+              <a:rPr kumimoji="1" lang="en-US" altLang="ja-JP" dirty="0" smtClean="0">
+                <a:latin typeface="Hiragino Kaku Gothic Pro W3" charset="-128"/>
+                <a:ea typeface="Hiragino Kaku Gothic Pro W3" charset="-128"/>
+                <a:cs typeface="Hiragino Kaku Gothic Pro W3" charset="-128"/>
+              </a:rPr>
+              <a:t>Web</a:t>
+            </a:r>
+            <a:r>
+              <a:rPr kumimoji="1" lang="ja-JP" altLang="en-US" dirty="0" smtClean="0">
+                <a:latin typeface="Hiragino Kaku Gothic Pro W3" charset="-128"/>
+                <a:ea typeface="Hiragino Kaku Gothic Pro W3" charset="-128"/>
+                <a:cs typeface="Hiragino Kaku Gothic Pro W3" charset="-128"/>
+              </a:rPr>
+              <a:t>のデザインが苦手なエンジニアやクリエイター</a:t>
+            </a:r>
+            <a:endParaRPr kumimoji="1" lang="en-US" altLang="ja-JP" dirty="0" smtClean="0">
+              <a:latin typeface="Hiragino Kaku Gothic Pro W3" charset="-128"/>
+              <a:ea typeface="Hiragino Kaku Gothic Pro W3" charset="-128"/>
+              <a:cs typeface="Hiragino Kaku Gothic Pro W3" charset="-128"/>
+            </a:endParaRPr>
+          </a:p>
+          <a:p>
+            <a:r>
+              <a:rPr kumimoji="1" lang="ja-JP" altLang="en-US" dirty="0" smtClean="0">
+                <a:latin typeface="Hiragino Kaku Gothic Pro W3" charset="-128"/>
+                <a:ea typeface="Hiragino Kaku Gothic Pro W3" charset="-128"/>
+                <a:cs typeface="Hiragino Kaku Gothic Pro W3" charset="-128"/>
+              </a:rPr>
+              <a:t>どんなデザインがあるのか気になる人</a:t>
+            </a:r>
+            <a:endParaRPr kumimoji="1" lang="ja-JP" altLang="en-US" dirty="0">
+              <a:latin typeface="Hiragino Kaku Gothic Pro W3" charset="-128"/>
+              <a:ea typeface="Hiragino Kaku Gothic Pro W3" charset="-128"/>
+              <a:cs typeface="Hiragino Kaku Gothic Pro W3" charset="-128"/>
+            </a:endParaRPr>
+          </a:p>
+        </p:txBody>
+      </p:sp>
+    </p:spTree>
+    <p:extLst>
+      <p:ext uri="{BB962C8B-B14F-4D97-AF65-F5344CB8AC3E}">
+        <p14:creationId xmlns:p14="http://schemas.microsoft.com/office/powerpoint/2010/main" val="895269191"/>
+      </p:ext>
+    </p:extLst>
+  </p:cSld>
+  <p:clrMapOvr>
+    <a:masterClrMapping/>
+  </p:clrMapOvr>
+</p:sld>
+</file>
+
+<file path=ppt/slides/slide4.xml><?xml version="1.0" encoding="utf-8"?>
+<p:sld xmlns:a="http://schemas.openxmlformats.org/drawingml/2006/main" xmlns:r="http://schemas.openxmlformats.org/officeDocument/2006/relationships" xmlns:p="http://schemas.openxmlformats.org/presentationml/2006/main">
+  <p:cSld>
+    <p:spTree>
+      <p:nvGrpSpPr>
+        <p:cNvPr id="1" name=""/>
+        <p:cNvGrpSpPr/>
+        <p:nvPr/>
+      </p:nvGrpSpPr>
+      <p:grpSpPr>
+        <a:xfrm>
+          <a:off x="0" y="0"/>
+          <a:ext cx="0" cy="0"/>
+          <a:chOff x="0" y="0"/>
+          <a:chExt cx="0" cy="0"/>
+        </a:xfrm>
+      </p:grpSpPr>
+      <p:sp>
+        <p:nvSpPr>
+          <p:cNvPr id="2" name="タイトル 1"/>
+          <p:cNvSpPr>
+            <a:spLocks noGrp="1"/>
+          </p:cNvSpPr>
+          <p:nvPr>
+            <p:ph type="title"/>
+          </p:nvPr>
+        </p:nvSpPr>
+        <p:spPr/>
+        <p:txBody>
+          <a:bodyPr/>
+          <a:lstStyle/>
+          <a:p>
+            <a:r>
+              <a:rPr kumimoji="1" lang="ja-JP" altLang="en-US" dirty="0" smtClean="0">
+                <a:latin typeface="Hiragino Kaku Gothic Pro W3" charset="-128"/>
+                <a:ea typeface="Hiragino Kaku Gothic Pro W3" charset="-128"/>
+                <a:cs typeface="Hiragino Kaku Gothic Pro W3" charset="-128"/>
+              </a:rPr>
+              <a:t>企画背景</a:t>
+            </a:r>
+            <a:endParaRPr kumimoji="1" lang="ja-JP" altLang="en-US" dirty="0">
+              <a:latin typeface="Hiragino Kaku Gothic Pro W3" charset="-128"/>
+              <a:ea typeface="Hiragino Kaku Gothic Pro W3" charset="-128"/>
+              <a:cs typeface="Hiragino Kaku Gothic Pro W3" charset="-128"/>
+            </a:endParaRPr>
+          </a:p>
+        </p:txBody>
+      </p:sp>
+      <p:sp>
+        <p:nvSpPr>
+          <p:cNvPr id="3" name="コンテンツ プレースホルダー 2"/>
+          <p:cNvSpPr>
+            <a:spLocks noGrp="1"/>
+          </p:cNvSpPr>
+          <p:nvPr>
+            <p:ph idx="1"/>
+          </p:nvPr>
+        </p:nvSpPr>
+        <p:spPr/>
+        <p:txBody>
+          <a:bodyPr/>
+          <a:lstStyle/>
+          <a:p>
+            <a:endParaRPr kumimoji="1" lang="ja-JP" altLang="en-US">
+              <a:latin typeface="Hiragino Kaku Gothic Pro W3" charset="-128"/>
+              <a:ea typeface="Hiragino Kaku Gothic Pro W3" charset="-128"/>
+              <a:cs typeface="Hiragino Kaku Gothic Pro W3" charset="-128"/>
+            </a:endParaRPr>
+          </a:p>
+        </p:txBody>
+      </p:sp>
+    </p:spTree>
+    <p:extLst>
+      <p:ext uri="{BB962C8B-B14F-4D97-AF65-F5344CB8AC3E}">
+        <p14:creationId xmlns:p14="http://schemas.microsoft.com/office/powerpoint/2010/main" val="2145345496"/>
+      </p:ext>
+    </p:extLst>
+  </p:cSld>
+  <p:clrMapOvr>
+    <a:masterClrMapping/>
+  </p:clrMapOvr>
+</p:sld>
+</file>
+
+<file path=ppt/slides/slide5.xml><?xml version="1.0" encoding="utf-8"?>
+<p:sld xmlns:a="http://schemas.openxmlformats.org/drawingml/2006/main" xmlns:r="http://schemas.openxmlformats.org/officeDocument/2006/relationships" xmlns:p="http://schemas.openxmlformats.org/presentationml/2006/main">
+  <p:cSld>
+    <p:spTree>
+      <p:nvGrpSpPr>
+        <p:cNvPr id="1" name=""/>
+        <p:cNvGrpSpPr/>
+        <p:nvPr/>
+      </p:nvGrpSpPr>
+      <p:grpSpPr>
+        <a:xfrm>
+          <a:off x="0" y="0"/>
+          <a:ext cx="0" cy="0"/>
+          <a:chOff x="0" y="0"/>
+          <a:chExt cx="0" cy="0"/>
+        </a:xfrm>
+      </p:grpSpPr>
+      <p:sp>
+        <p:nvSpPr>
+          <p:cNvPr id="2" name="タイトル 1"/>
+          <p:cNvSpPr>
+            <a:spLocks noGrp="1"/>
+          </p:cNvSpPr>
+          <p:nvPr>
+            <p:ph type="title"/>
+          </p:nvPr>
+        </p:nvSpPr>
+        <p:spPr/>
+        <p:txBody>
+          <a:bodyPr/>
+          <a:lstStyle/>
+          <a:p>
+            <a:r>
+              <a:rPr kumimoji="1" lang="ja-JP" altLang="en-US" dirty="0" smtClean="0">
+                <a:latin typeface="Hiragino Kaku Gothic Pro W3" charset="-128"/>
+                <a:ea typeface="Hiragino Kaku Gothic Pro W3" charset="-128"/>
+                <a:cs typeface="Hiragino Kaku Gothic Pro W3" charset="-128"/>
+              </a:rPr>
+              <a:t>開発するにあたって苦労した点</a:t>
+            </a:r>
+            <a:endParaRPr kumimoji="1" lang="ja-JP" altLang="en-US" dirty="0">
+              <a:latin typeface="Hiragino Kaku Gothic Pro W3" charset="-128"/>
+              <a:ea typeface="Hiragino Kaku Gothic Pro W3" charset="-128"/>
+              <a:cs typeface="Hiragino Kaku Gothic Pro W3" charset="-128"/>
+            </a:endParaRPr>
+          </a:p>
+        </p:txBody>
+      </p:sp>
+      <p:sp>
+        <p:nvSpPr>
+          <p:cNvPr id="3" name="コンテンツ プレースホルダー 2"/>
+          <p:cNvSpPr>
+            <a:spLocks noGrp="1"/>
+          </p:cNvSpPr>
+          <p:nvPr>
+            <p:ph idx="1"/>
+          </p:nvPr>
+        </p:nvSpPr>
+        <p:spPr/>
+        <p:txBody>
+          <a:bodyPr/>
+          <a:lstStyle/>
+          <a:p>
+            <a:endParaRPr kumimoji="1" lang="ja-JP" altLang="en-US">
+              <a:latin typeface="Hiragino Kaku Gothic Pro W3" charset="-128"/>
+              <a:ea typeface="Hiragino Kaku Gothic Pro W3" charset="-128"/>
+              <a:cs typeface="Hiragino Kaku Gothic Pro W3" charset="-128"/>
+            </a:endParaRPr>
+          </a:p>
+        </p:txBody>
+      </p:sp>
+    </p:spTree>
+    <p:extLst>
+      <p:ext uri="{BB962C8B-B14F-4D97-AF65-F5344CB8AC3E}">
+        <p14:creationId xmlns:p14="http://schemas.microsoft.com/office/powerpoint/2010/main" val="1426999527"/>
+      </p:ext>
+    </p:extLst>
+  </p:cSld>
+  <p:clrMapOvr>
+    <a:masterClrMapping/>
+  </p:clrMapOvr>
+</p:sld>
+</file>
+
 <file path=ppt/theme/theme1.xml><?xml version="1.0" encoding="utf-8"?>
 <a:theme xmlns:a="http://schemas.openxmlformats.org/drawingml/2006/main" name="ホワイト">
   <a:themeElements>

--- a/CSS_プレゼン資料.pptx
+++ b/CSS_プレゼン資料.pptx
@@ -9,7 +9,8 @@
     <p:sldId id="257" r:id="rId3"/>
     <p:sldId id="259" r:id="rId4"/>
     <p:sldId id="258" r:id="rId5"/>
-    <p:sldId id="260" r:id="rId6"/>
+    <p:sldId id="261" r:id="rId6"/>
+    <p:sldId id="260" r:id="rId7"/>
   </p:sldIdLst>
   <p:sldSz cx="12192000" cy="6858000"/>
   <p:notesSz cx="6858000" cy="9144000"/>
@@ -3788,6 +3789,184 @@
                 <a:ea typeface="Hiragino Kaku Gothic Pro W3" charset="-128"/>
                 <a:cs typeface="Hiragino Kaku Gothic Pro W3" charset="-128"/>
               </a:rPr>
+              <a:t>担当箇所</a:t>
+            </a:r>
+            <a:endParaRPr kumimoji="1" lang="ja-JP" altLang="en-US" dirty="0">
+              <a:latin typeface="Hiragino Kaku Gothic Pro W3" charset="-128"/>
+              <a:ea typeface="Hiragino Kaku Gothic Pro W3" charset="-128"/>
+              <a:cs typeface="Hiragino Kaku Gothic Pro W3" charset="-128"/>
+            </a:endParaRPr>
+          </a:p>
+        </p:txBody>
+      </p:sp>
+      <p:sp>
+        <p:nvSpPr>
+          <p:cNvPr id="3" name="コンテンツ プレースホルダー 2"/>
+          <p:cNvSpPr>
+            <a:spLocks noGrp="1"/>
+          </p:cNvSpPr>
+          <p:nvPr>
+            <p:ph idx="1"/>
+          </p:nvPr>
+        </p:nvSpPr>
+        <p:spPr/>
+        <p:txBody>
+          <a:bodyPr/>
+          <a:lstStyle/>
+          <a:p>
+            <a:r>
+              <a:rPr kumimoji="1" lang="ja-JP" altLang="en-US" dirty="0" smtClean="0">
+                <a:latin typeface="Hiragino Kaku Gothic Pro W3" charset="-128"/>
+                <a:ea typeface="Hiragino Kaku Gothic Pro W3" charset="-128"/>
+                <a:cs typeface="Hiragino Kaku Gothic Pro W3" charset="-128"/>
+              </a:rPr>
+              <a:t>海野</a:t>
+            </a:r>
+            <a:r>
+              <a:rPr kumimoji="1" lang="en-US" altLang="ja-JP" dirty="0" smtClean="0">
+                <a:latin typeface="Hiragino Kaku Gothic Pro W3" charset="-128"/>
+                <a:ea typeface="Hiragino Kaku Gothic Pro W3" charset="-128"/>
+                <a:cs typeface="Hiragino Kaku Gothic Pro W3" charset="-128"/>
+              </a:rPr>
+              <a:t> -</a:t>
+            </a:r>
+            <a:r>
+              <a:rPr kumimoji="1" lang="ja-JP" altLang="en-US" dirty="0" smtClean="0">
+                <a:latin typeface="Hiragino Kaku Gothic Pro W3" charset="-128"/>
+                <a:ea typeface="Hiragino Kaku Gothic Pro W3" charset="-128"/>
+                <a:cs typeface="Hiragino Kaku Gothic Pro W3" charset="-128"/>
+              </a:rPr>
+              <a:t>フロントサイド</a:t>
+            </a:r>
+            <a:endParaRPr lang="en-US" altLang="ja-JP" dirty="0">
+              <a:latin typeface="Hiragino Kaku Gothic Pro W3" charset="-128"/>
+              <a:ea typeface="Hiragino Kaku Gothic Pro W3" charset="-128"/>
+              <a:cs typeface="Hiragino Kaku Gothic Pro W3" charset="-128"/>
+            </a:endParaRPr>
+          </a:p>
+          <a:p>
+            <a:r>
+              <a:rPr kumimoji="1" lang="ja-JP" altLang="en-US" dirty="0" smtClean="0">
+                <a:latin typeface="Hiragino Kaku Gothic Pro W3" charset="-128"/>
+                <a:ea typeface="Hiragino Kaku Gothic Pro W3" charset="-128"/>
+                <a:cs typeface="Hiragino Kaku Gothic Pro W3" charset="-128"/>
+              </a:rPr>
+              <a:t>奥寺</a:t>
+            </a:r>
+            <a:r>
+              <a:rPr lang="en-US" altLang="ja-JP" dirty="0">
+                <a:latin typeface="Hiragino Kaku Gothic Pro W3" charset="-128"/>
+                <a:ea typeface="Hiragino Kaku Gothic Pro W3" charset="-128"/>
+                <a:cs typeface="Hiragino Kaku Gothic Pro W3" charset="-128"/>
+              </a:rPr>
+              <a:t> </a:t>
+            </a:r>
+            <a:r>
+              <a:rPr lang="en-US" altLang="ja-JP" dirty="0" smtClean="0">
+                <a:latin typeface="Hiragino Kaku Gothic Pro W3" charset="-128"/>
+                <a:ea typeface="Hiragino Kaku Gothic Pro W3" charset="-128"/>
+                <a:cs typeface="Hiragino Kaku Gothic Pro W3" charset="-128"/>
+              </a:rPr>
+              <a:t>-</a:t>
+            </a:r>
+            <a:r>
+              <a:rPr lang="ja-JP" altLang="en-US" dirty="0" smtClean="0">
+                <a:latin typeface="Hiragino Kaku Gothic Pro W3" charset="-128"/>
+                <a:ea typeface="Hiragino Kaku Gothic Pro W3" charset="-128"/>
+                <a:cs typeface="Hiragino Kaku Gothic Pro W3" charset="-128"/>
+              </a:rPr>
+              <a:t>サーバーサイド</a:t>
+            </a:r>
+            <a:endParaRPr lang="en-US" altLang="ja-JP" dirty="0" smtClean="0">
+              <a:latin typeface="Hiragino Kaku Gothic Pro W3" charset="-128"/>
+              <a:ea typeface="Hiragino Kaku Gothic Pro W3" charset="-128"/>
+              <a:cs typeface="Hiragino Kaku Gothic Pro W3" charset="-128"/>
+            </a:endParaRPr>
+          </a:p>
+          <a:p>
+            <a:r>
+              <a:rPr kumimoji="1" lang="ja-JP" altLang="en-US" dirty="0" smtClean="0">
+                <a:latin typeface="Hiragino Kaku Gothic Pro W3" charset="-128"/>
+                <a:ea typeface="Hiragino Kaku Gothic Pro W3" charset="-128"/>
+                <a:cs typeface="Hiragino Kaku Gothic Pro W3" charset="-128"/>
+              </a:rPr>
+              <a:t>桃井</a:t>
+            </a:r>
+            <a:r>
+              <a:rPr kumimoji="1" lang="en-US" altLang="ja-JP" dirty="0" smtClean="0">
+                <a:latin typeface="Hiragino Kaku Gothic Pro W3" charset="-128"/>
+                <a:ea typeface="Hiragino Kaku Gothic Pro W3" charset="-128"/>
+                <a:cs typeface="Hiragino Kaku Gothic Pro W3" charset="-128"/>
+              </a:rPr>
+              <a:t> -</a:t>
+            </a:r>
+            <a:r>
+              <a:rPr kumimoji="1" lang="ja-JP" altLang="en-US" dirty="0" smtClean="0">
+                <a:latin typeface="Hiragino Kaku Gothic Pro W3" charset="-128"/>
+                <a:ea typeface="Hiragino Kaku Gothic Pro W3" charset="-128"/>
+                <a:cs typeface="Hiragino Kaku Gothic Pro W3" charset="-128"/>
+              </a:rPr>
+              <a:t>フロントサイド</a:t>
+            </a:r>
+            <a:endParaRPr kumimoji="1" lang="en-US" altLang="ja-JP" dirty="0" smtClean="0">
+              <a:latin typeface="Hiragino Kaku Gothic Pro W3" charset="-128"/>
+              <a:ea typeface="Hiragino Kaku Gothic Pro W3" charset="-128"/>
+              <a:cs typeface="Hiragino Kaku Gothic Pro W3" charset="-128"/>
+            </a:endParaRPr>
+          </a:p>
+        </p:txBody>
+      </p:sp>
+    </p:spTree>
+    <p:extLst>
+      <p:ext uri="{BB962C8B-B14F-4D97-AF65-F5344CB8AC3E}">
+        <p14:creationId xmlns:p14="http://schemas.microsoft.com/office/powerpoint/2010/main" val="927007403"/>
+      </p:ext>
+    </p:extLst>
+  </p:cSld>
+  <p:clrMapOvr>
+    <a:masterClrMapping/>
+  </p:clrMapOvr>
+</p:sld>
+</file>
+
+<file path=ppt/slides/slide6.xml><?xml version="1.0" encoding="utf-8"?>
+<p:sld xmlns:a="http://schemas.openxmlformats.org/drawingml/2006/main" xmlns:r="http://schemas.openxmlformats.org/officeDocument/2006/relationships" xmlns:p="http://schemas.openxmlformats.org/presentationml/2006/main">
+  <p:cSld>
+    <p:spTree>
+      <p:nvGrpSpPr>
+        <p:cNvPr id="1" name=""/>
+        <p:cNvGrpSpPr/>
+        <p:nvPr/>
+      </p:nvGrpSpPr>
+      <p:grpSpPr>
+        <a:xfrm>
+          <a:off x="0" y="0"/>
+          <a:ext cx="0" cy="0"/>
+          <a:chOff x="0" y="0"/>
+          <a:chExt cx="0" cy="0"/>
+        </a:xfrm>
+      </p:grpSpPr>
+      <p:sp>
+        <p:nvSpPr>
+          <p:cNvPr id="2" name="タイトル 1"/>
+          <p:cNvSpPr>
+            <a:spLocks noGrp="1"/>
+          </p:cNvSpPr>
+          <p:nvPr>
+            <p:ph type="title"/>
+          </p:nvPr>
+        </p:nvSpPr>
+        <p:spPr/>
+        <p:txBody>
+          <a:bodyPr/>
+          <a:lstStyle/>
+          <a:p>
+            <a:r>
+              <a:rPr kumimoji="1" lang="ja-JP" altLang="en-US" dirty="0" smtClean="0">
+                <a:latin typeface="Hiragino Kaku Gothic Pro W3" charset="-128"/>
+                <a:ea typeface="Hiragino Kaku Gothic Pro W3" charset="-128"/>
+                <a:cs typeface="Hiragino Kaku Gothic Pro W3" charset="-128"/>
+              </a:rPr>
               <a:t>開発するにあたって苦労した点</a:t>
             </a:r>
             <a:endParaRPr kumimoji="1" lang="ja-JP" altLang="en-US" dirty="0">

--- a/CSS_プレゼン資料.pptx
+++ b/CSS_プレゼン資料.pptx
@@ -3503,8 +3503,13 @@
             </a:r>
             <a:r>
               <a:rPr lang="ja-JP" altLang="en-US" dirty="0"/>
-              <a:t>デザインをサポートするためのサービスです。</a:t>
-            </a:r>
+              <a:t>デザインをサポートするための</a:t>
+            </a:r>
+            <a:r>
+              <a:rPr lang="ja-JP" altLang="en-US" dirty="0" smtClean="0"/>
+              <a:t>サービス。</a:t>
+            </a:r>
+            <a:endParaRPr lang="ja-JP" altLang="en-US" dirty="0"/>
           </a:p>
           <a:p>
             <a:r>
@@ -3956,7 +3961,12 @@
             <p:ph type="title"/>
           </p:nvPr>
         </p:nvSpPr>
-        <p:spPr/>
+        <p:spPr>
+          <a:xfrm>
+            <a:off x="838200" y="176504"/>
+            <a:ext cx="10515600" cy="1325563"/>
+          </a:xfrm>
+        </p:spPr>
         <p:txBody>
           <a:bodyPr/>
           <a:lstStyle/>
@@ -3987,12 +3997,97 @@
             <p:ph idx="1"/>
           </p:nvPr>
         </p:nvSpPr>
-        <p:spPr/>
-        <p:txBody>
-          <a:bodyPr/>
-          <a:lstStyle/>
-          <a:p>
-            <a:endParaRPr kumimoji="1" lang="ja-JP" altLang="en-US">
+        <p:spPr>
+          <a:xfrm>
+            <a:off x="838200" y="1502067"/>
+            <a:ext cx="10515600" cy="4687717"/>
+          </a:xfrm>
+        </p:spPr>
+        <p:txBody>
+          <a:bodyPr/>
+          <a:lstStyle/>
+          <a:p>
+            <a:r>
+              <a:rPr kumimoji="1" lang="ja-JP" altLang="en-US" dirty="0" smtClean="0">
+                <a:latin typeface="Hiragino Kaku Gothic Pro W3" charset="-128"/>
+                <a:ea typeface="Hiragino Kaku Gothic Pro W3" charset="-128"/>
+                <a:cs typeface="Hiragino Kaku Gothic Pro W3" charset="-128"/>
+              </a:rPr>
+              <a:t>海野</a:t>
+            </a:r>
+            <a:endParaRPr lang="en-US" altLang="ja-JP" dirty="0">
+              <a:latin typeface="Hiragino Kaku Gothic Pro W3" charset="-128"/>
+              <a:ea typeface="Hiragino Kaku Gothic Pro W3" charset="-128"/>
+              <a:cs typeface="Hiragino Kaku Gothic Pro W3" charset="-128"/>
+            </a:endParaRPr>
+          </a:p>
+          <a:p>
+            <a:endParaRPr kumimoji="1" lang="en-US" altLang="ja-JP" dirty="0" smtClean="0">
+              <a:latin typeface="Hiragino Kaku Gothic Pro W3" charset="-128"/>
+              <a:ea typeface="Hiragino Kaku Gothic Pro W3" charset="-128"/>
+              <a:cs typeface="Hiragino Kaku Gothic Pro W3" charset="-128"/>
+            </a:endParaRPr>
+          </a:p>
+          <a:p>
+            <a:endParaRPr lang="en-US" altLang="ja-JP" dirty="0">
+              <a:latin typeface="Hiragino Kaku Gothic Pro W3" charset="-128"/>
+              <a:ea typeface="Hiragino Kaku Gothic Pro W3" charset="-128"/>
+              <a:cs typeface="Hiragino Kaku Gothic Pro W3" charset="-128"/>
+            </a:endParaRPr>
+          </a:p>
+          <a:p>
+            <a:r>
+              <a:rPr kumimoji="1" lang="ja-JP" altLang="en-US" dirty="0" smtClean="0">
+                <a:latin typeface="Hiragino Kaku Gothic Pro W3" charset="-128"/>
+                <a:ea typeface="Hiragino Kaku Gothic Pro W3" charset="-128"/>
+                <a:cs typeface="Hiragino Kaku Gothic Pro W3" charset="-128"/>
+              </a:rPr>
+              <a:t>奥寺</a:t>
+            </a:r>
+            <a:endParaRPr kumimoji="1" lang="en-US" altLang="ja-JP" dirty="0" smtClean="0">
+              <a:latin typeface="Hiragino Kaku Gothic Pro W3" charset="-128"/>
+              <a:ea typeface="Hiragino Kaku Gothic Pro W3" charset="-128"/>
+              <a:cs typeface="Hiragino Kaku Gothic Pro W3" charset="-128"/>
+            </a:endParaRPr>
+          </a:p>
+          <a:p>
+            <a:endParaRPr lang="en-US" altLang="ja-JP" dirty="0">
+              <a:latin typeface="Hiragino Kaku Gothic Pro W3" charset="-128"/>
+              <a:ea typeface="Hiragino Kaku Gothic Pro W3" charset="-128"/>
+              <a:cs typeface="Hiragino Kaku Gothic Pro W3" charset="-128"/>
+            </a:endParaRPr>
+          </a:p>
+          <a:p>
+            <a:endParaRPr kumimoji="1" lang="en-US" altLang="ja-JP" dirty="0" smtClean="0">
+              <a:latin typeface="Hiragino Kaku Gothic Pro W3" charset="-128"/>
+              <a:ea typeface="Hiragino Kaku Gothic Pro W3" charset="-128"/>
+              <a:cs typeface="Hiragino Kaku Gothic Pro W3" charset="-128"/>
+            </a:endParaRPr>
+          </a:p>
+          <a:p>
+            <a:r>
+              <a:rPr lang="ja-JP" altLang="en-US" dirty="0" smtClean="0">
+                <a:latin typeface="Hiragino Kaku Gothic Pro W3" charset="-128"/>
+                <a:ea typeface="Hiragino Kaku Gothic Pro W3" charset="-128"/>
+                <a:cs typeface="Hiragino Kaku Gothic Pro W3" charset="-128"/>
+              </a:rPr>
+              <a:t>桃井</a:t>
+            </a:r>
+            <a:endParaRPr lang="en-US" altLang="ja-JP" dirty="0" smtClean="0">
+              <a:latin typeface="Hiragino Kaku Gothic Pro W3" charset="-128"/>
+              <a:ea typeface="Hiragino Kaku Gothic Pro W3" charset="-128"/>
+              <a:cs typeface="Hiragino Kaku Gothic Pro W3" charset="-128"/>
+            </a:endParaRPr>
+          </a:p>
+          <a:p>
+            <a:endParaRPr kumimoji="1" lang="en-US" altLang="ja-JP" dirty="0">
+              <a:latin typeface="Hiragino Kaku Gothic Pro W3" charset="-128"/>
+              <a:ea typeface="Hiragino Kaku Gothic Pro W3" charset="-128"/>
+              <a:cs typeface="Hiragino Kaku Gothic Pro W3" charset="-128"/>
+            </a:endParaRPr>
+          </a:p>
+          <a:p>
+            <a:endParaRPr kumimoji="1" lang="ja-JP" altLang="en-US" dirty="0">
               <a:latin typeface="Hiragino Kaku Gothic Pro W3" charset="-128"/>
               <a:ea typeface="Hiragino Kaku Gothic Pro W3" charset="-128"/>
               <a:cs typeface="Hiragino Kaku Gothic Pro W3" charset="-128"/>

--- a/CSS_プレゼン資料.pptx
+++ b/CSS_プレゼン資料.pptx
@@ -6,11 +6,14 @@
   </p:sldMasterIdLst>
   <p:sldIdLst>
     <p:sldId id="256" r:id="rId2"/>
-    <p:sldId id="257" r:id="rId3"/>
+    <p:sldId id="258" r:id="rId3"/>
     <p:sldId id="259" r:id="rId4"/>
-    <p:sldId id="258" r:id="rId5"/>
-    <p:sldId id="261" r:id="rId6"/>
-    <p:sldId id="260" r:id="rId7"/>
+    <p:sldId id="257" r:id="rId5"/>
+    <p:sldId id="264" r:id="rId6"/>
+    <p:sldId id="261" r:id="rId7"/>
+    <p:sldId id="260" r:id="rId8"/>
+    <p:sldId id="262" r:id="rId9"/>
+    <p:sldId id="263" r:id="rId10"/>
   </p:sldIdLst>
   <p:sldSz cx="12192000" cy="6858000"/>
   <p:notesSz cx="6858000" cy="9144000"/>
@@ -248,7 +251,7 @@
           <a:p>
             <a:fld id="{21A8CBF7-404D-F54F-A93F-289B36D1F088}" type="datetimeFigureOut">
               <a:rPr kumimoji="1" lang="ja-JP" altLang="en-US" smtClean="0"/>
-              <a:t>2016/6/27</a:t>
+              <a:t>2016/6/28</a:t>
             </a:fld>
             <a:endParaRPr kumimoji="1" lang="ja-JP" altLang="en-US"/>
           </a:p>
@@ -450,7 +453,7 @@
           <a:p>
             <a:fld id="{21A8CBF7-404D-F54F-A93F-289B36D1F088}" type="datetimeFigureOut">
               <a:rPr kumimoji="1" lang="ja-JP" altLang="en-US" smtClean="0"/>
-              <a:t>2016/6/27</a:t>
+              <a:t>2016/6/28</a:t>
             </a:fld>
             <a:endParaRPr kumimoji="1" lang="ja-JP" altLang="en-US"/>
           </a:p>
@@ -662,7 +665,7 @@
           <a:p>
             <a:fld id="{21A8CBF7-404D-F54F-A93F-289B36D1F088}" type="datetimeFigureOut">
               <a:rPr kumimoji="1" lang="ja-JP" altLang="en-US" smtClean="0"/>
-              <a:t>2016/6/27</a:t>
+              <a:t>2016/6/28</a:t>
             </a:fld>
             <a:endParaRPr kumimoji="1" lang="ja-JP" altLang="en-US"/>
           </a:p>
@@ -864,7 +867,7 @@
           <a:p>
             <a:fld id="{21A8CBF7-404D-F54F-A93F-289B36D1F088}" type="datetimeFigureOut">
               <a:rPr kumimoji="1" lang="ja-JP" altLang="en-US" smtClean="0"/>
-              <a:t>2016/6/27</a:t>
+              <a:t>2016/6/28</a:t>
             </a:fld>
             <a:endParaRPr kumimoji="1" lang="ja-JP" altLang="en-US"/>
           </a:p>
@@ -1110,7 +1113,7 @@
           <a:p>
             <a:fld id="{21A8CBF7-404D-F54F-A93F-289B36D1F088}" type="datetimeFigureOut">
               <a:rPr kumimoji="1" lang="ja-JP" altLang="en-US" smtClean="0"/>
-              <a:t>2016/6/27</a:t>
+              <a:t>2016/6/28</a:t>
             </a:fld>
             <a:endParaRPr kumimoji="1" lang="ja-JP" altLang="en-US"/>
           </a:p>
@@ -1406,7 +1409,7 @@
           <a:p>
             <a:fld id="{21A8CBF7-404D-F54F-A93F-289B36D1F088}" type="datetimeFigureOut">
               <a:rPr kumimoji="1" lang="ja-JP" altLang="en-US" smtClean="0"/>
-              <a:t>2016/6/27</a:t>
+              <a:t>2016/6/28</a:t>
             </a:fld>
             <a:endParaRPr kumimoji="1" lang="ja-JP" altLang="en-US"/>
           </a:p>
@@ -1837,7 +1840,7 @@
           <a:p>
             <a:fld id="{21A8CBF7-404D-F54F-A93F-289B36D1F088}" type="datetimeFigureOut">
               <a:rPr kumimoji="1" lang="ja-JP" altLang="en-US" smtClean="0"/>
-              <a:t>2016/6/27</a:t>
+              <a:t>2016/6/28</a:t>
             </a:fld>
             <a:endParaRPr kumimoji="1" lang="ja-JP" altLang="en-US"/>
           </a:p>
@@ -1955,7 +1958,7 @@
           <a:p>
             <a:fld id="{21A8CBF7-404D-F54F-A93F-289B36D1F088}" type="datetimeFigureOut">
               <a:rPr kumimoji="1" lang="ja-JP" altLang="en-US" smtClean="0"/>
-              <a:t>2016/6/27</a:t>
+              <a:t>2016/6/28</a:t>
             </a:fld>
             <a:endParaRPr kumimoji="1" lang="ja-JP" altLang="en-US"/>
           </a:p>
@@ -2050,7 +2053,7 @@
           <a:p>
             <a:fld id="{21A8CBF7-404D-F54F-A93F-289B36D1F088}" type="datetimeFigureOut">
               <a:rPr kumimoji="1" lang="ja-JP" altLang="en-US" smtClean="0"/>
-              <a:t>2016/6/27</a:t>
+              <a:t>2016/6/28</a:t>
             </a:fld>
             <a:endParaRPr kumimoji="1" lang="ja-JP" altLang="en-US"/>
           </a:p>
@@ -2359,7 +2362,7 @@
           <a:p>
             <a:fld id="{21A8CBF7-404D-F54F-A93F-289B36D1F088}" type="datetimeFigureOut">
               <a:rPr kumimoji="1" lang="ja-JP" altLang="en-US" smtClean="0"/>
-              <a:t>2016/6/27</a:t>
+              <a:t>2016/6/28</a:t>
             </a:fld>
             <a:endParaRPr kumimoji="1" lang="ja-JP" altLang="en-US"/>
           </a:p>
@@ -2612,7 +2615,7 @@
           <a:p>
             <a:fld id="{21A8CBF7-404D-F54F-A93F-289B36D1F088}" type="datetimeFigureOut">
               <a:rPr kumimoji="1" lang="ja-JP" altLang="en-US" smtClean="0"/>
-              <a:t>2016/6/27</a:t>
+              <a:t>2016/6/28</a:t>
             </a:fld>
             <a:endParaRPr kumimoji="1" lang="ja-JP" altLang="en-US"/>
           </a:p>
@@ -2857,7 +2860,7 @@
           <a:p>
             <a:fld id="{21A8CBF7-404D-F54F-A93F-289B36D1F088}" type="datetimeFigureOut">
               <a:rPr kumimoji="1" lang="ja-JP" altLang="en-US" smtClean="0"/>
-              <a:t>2016/6/27</a:t>
+              <a:t>2016/6/28</a:t>
             </a:fld>
             <a:endParaRPr kumimoji="1" lang="ja-JP" altLang="en-US"/>
           </a:p>
@@ -3421,6 +3424,32 @@
           </a:p>
         </p:txBody>
       </p:sp>
+      <p:sp>
+        <p:nvSpPr>
+          <p:cNvPr id="4" name="テキスト ボックス 3"/>
+          <p:cNvSpPr txBox="1"/>
+          <p:nvPr/>
+        </p:nvSpPr>
+        <p:spPr>
+          <a:xfrm>
+            <a:off x="-576775" y="1322363"/>
+            <a:ext cx="184731" cy="369332"/>
+          </a:xfrm>
+          <a:prstGeom prst="rect">
+            <a:avLst/>
+          </a:prstGeom>
+          <a:noFill/>
+        </p:spPr>
+        <p:txBody>
+          <a:bodyPr wrap="none" rtlCol="0">
+            <a:spAutoFit/>
+          </a:bodyPr>
+          <a:lstStyle/>
+          <a:p>
+            <a:endParaRPr kumimoji="1" lang="ja-JP" altLang="en-US"/>
+          </a:p>
+        </p:txBody>
+      </p:sp>
     </p:spTree>
     <p:extLst>
       <p:ext uri="{BB962C8B-B14F-4D97-AF65-F5344CB8AC3E}">
@@ -3472,7 +3501,7 @@
                 <a:ea typeface="Hiragino Kaku Gothic Pro W3" charset="-128"/>
                 <a:cs typeface="Hiragino Kaku Gothic Pro W3" charset="-128"/>
               </a:rPr>
-              <a:t>コンセプト</a:t>
+              <a:t>企画背景</a:t>
             </a:r>
             <a:endParaRPr kumimoji="1" lang="ja-JP" altLang="en-US" dirty="0">
               <a:latin typeface="Hiragino Kaku Gothic Pro W3" charset="-128"/>
@@ -3497,45 +3526,6 @@
           <a:bodyPr/>
           <a:lstStyle/>
           <a:p>
-            <a:r>
-              <a:rPr lang="en-US" altLang="ja-JP" dirty="0" smtClean="0"/>
-              <a:t>WEB</a:t>
-            </a:r>
-            <a:r>
-              <a:rPr lang="ja-JP" altLang="en-US" dirty="0"/>
-              <a:t>デザインをサポートするための</a:t>
-            </a:r>
-            <a:r>
-              <a:rPr lang="ja-JP" altLang="en-US" dirty="0" smtClean="0"/>
-              <a:t>サービス。</a:t>
-            </a:r>
-            <a:endParaRPr lang="ja-JP" altLang="en-US" dirty="0"/>
-          </a:p>
-          <a:p>
-            <a:r>
-              <a:rPr lang="en-US" altLang="ja-JP" dirty="0" smtClean="0"/>
-              <a:t>HTML</a:t>
-            </a:r>
-            <a:r>
-              <a:rPr lang="ja-JP" altLang="en-US" dirty="0" smtClean="0"/>
-              <a:t>に対してデザインをしてダウンロードしたり、デザインした</a:t>
-            </a:r>
-            <a:r>
-              <a:rPr lang="en-US" altLang="ja-JP" dirty="0" smtClean="0"/>
-              <a:t>HTML</a:t>
-            </a:r>
-            <a:r>
-              <a:rPr lang="ja-JP" altLang="en-US" dirty="0" smtClean="0"/>
-              <a:t>を公開したり。他の人が公開した</a:t>
-            </a:r>
-            <a:r>
-              <a:rPr lang="en-US" altLang="ja-JP" dirty="0" smtClean="0"/>
-              <a:t>HTML</a:t>
-            </a:r>
-            <a:r>
-              <a:rPr lang="ja-JP" altLang="en-US" dirty="0" smtClean="0"/>
-              <a:t>を編集したり、ダウンロードすることができる。</a:t>
-            </a:r>
             <a:endParaRPr kumimoji="1" lang="ja-JP" altLang="en-US" dirty="0">
               <a:latin typeface="Hiragino Kaku Gothic Pro W3" charset="-128"/>
               <a:ea typeface="Hiragino Kaku Gothic Pro W3" charset="-128"/>
@@ -3547,7 +3537,7 @@
     </p:spTree>
     <p:extLst>
       <p:ext uri="{BB962C8B-B14F-4D97-AF65-F5344CB8AC3E}">
-        <p14:creationId xmlns:p14="http://schemas.microsoft.com/office/powerpoint/2010/main" val="73702601"/>
+        <p14:creationId xmlns:p14="http://schemas.microsoft.com/office/powerpoint/2010/main" val="2145345496"/>
       </p:ext>
     </p:extLst>
   </p:cSld>
@@ -3710,7 +3700,7 @@
                 <a:ea typeface="Hiragino Kaku Gothic Pro W3" charset="-128"/>
                 <a:cs typeface="Hiragino Kaku Gothic Pro W3" charset="-128"/>
               </a:rPr>
-              <a:t>企画背景</a:t>
+              <a:t>コンセプト</a:t>
             </a:r>
             <a:endParaRPr kumimoji="1" lang="ja-JP" altLang="en-US" dirty="0">
               <a:latin typeface="Hiragino Kaku Gothic Pro W3" charset="-128"/>
@@ -3735,18 +3725,97 @@
           <a:bodyPr/>
           <a:lstStyle/>
           <a:p>
-            <a:endParaRPr kumimoji="1" lang="ja-JP" altLang="en-US">
+            <a:r>
+              <a:rPr lang="en-US" altLang="ja-JP" dirty="0" smtClean="0">
+                <a:latin typeface="Hiragino Kaku Gothic Pro W3" charset="-128"/>
+                <a:ea typeface="Hiragino Kaku Gothic Pro W3" charset="-128"/>
+                <a:cs typeface="Hiragino Kaku Gothic Pro W3" charset="-128"/>
+              </a:rPr>
+              <a:t>WEB</a:t>
+            </a:r>
+            <a:r>
+              <a:rPr lang="ja-JP" altLang="en-US" dirty="0">
+                <a:latin typeface="Hiragino Kaku Gothic Pro W3" charset="-128"/>
+                <a:ea typeface="Hiragino Kaku Gothic Pro W3" charset="-128"/>
+                <a:cs typeface="Hiragino Kaku Gothic Pro W3" charset="-128"/>
+              </a:rPr>
+              <a:t>デザインをサポートするための</a:t>
+            </a:r>
+            <a:r>
+              <a:rPr lang="ja-JP" altLang="en-US" dirty="0" smtClean="0">
+                <a:latin typeface="Hiragino Kaku Gothic Pro W3" charset="-128"/>
+                <a:ea typeface="Hiragino Kaku Gothic Pro W3" charset="-128"/>
+                <a:cs typeface="Hiragino Kaku Gothic Pro W3" charset="-128"/>
+              </a:rPr>
+              <a:t>サービス。</a:t>
+            </a:r>
+            <a:endParaRPr lang="ja-JP" altLang="en-US" dirty="0">
               <a:latin typeface="Hiragino Kaku Gothic Pro W3" charset="-128"/>
               <a:ea typeface="Hiragino Kaku Gothic Pro W3" charset="-128"/>
               <a:cs typeface="Hiragino Kaku Gothic Pro W3" charset="-128"/>
             </a:endParaRPr>
           </a:p>
+          <a:p>
+            <a:r>
+              <a:rPr lang="en-US" altLang="ja-JP" dirty="0" smtClean="0">
+                <a:latin typeface="Hiragino Kaku Gothic Pro W3" charset="-128"/>
+                <a:ea typeface="Hiragino Kaku Gothic Pro W3" charset="-128"/>
+                <a:cs typeface="Hiragino Kaku Gothic Pro W3" charset="-128"/>
+              </a:rPr>
+              <a:t>HTML</a:t>
+            </a:r>
+            <a:r>
+              <a:rPr lang="ja-JP" altLang="en-US" dirty="0" smtClean="0">
+                <a:latin typeface="Hiragino Kaku Gothic Pro W3" charset="-128"/>
+                <a:ea typeface="Hiragino Kaku Gothic Pro W3" charset="-128"/>
+                <a:cs typeface="Hiragino Kaku Gothic Pro W3" charset="-128"/>
+              </a:rPr>
+              <a:t>に対してデザインをしてダウンロードしたり、デザインした</a:t>
+            </a:r>
+            <a:r>
+              <a:rPr lang="en-US" altLang="ja-JP" dirty="0" smtClean="0">
+                <a:latin typeface="Hiragino Kaku Gothic Pro W3" charset="-128"/>
+                <a:ea typeface="Hiragino Kaku Gothic Pro W3" charset="-128"/>
+                <a:cs typeface="Hiragino Kaku Gothic Pro W3" charset="-128"/>
+              </a:rPr>
+              <a:t>HTML</a:t>
+            </a:r>
+            <a:r>
+              <a:rPr lang="ja-JP" altLang="en-US" dirty="0" smtClean="0">
+                <a:latin typeface="Hiragino Kaku Gothic Pro W3" charset="-128"/>
+                <a:ea typeface="Hiragino Kaku Gothic Pro W3" charset="-128"/>
+                <a:cs typeface="Hiragino Kaku Gothic Pro W3" charset="-128"/>
+              </a:rPr>
+              <a:t>を公開したり。他の人が公開した</a:t>
+            </a:r>
+            <a:r>
+              <a:rPr lang="en-US" altLang="ja-JP" dirty="0" smtClean="0">
+                <a:latin typeface="Hiragino Kaku Gothic Pro W3" charset="-128"/>
+                <a:ea typeface="Hiragino Kaku Gothic Pro W3" charset="-128"/>
+                <a:cs typeface="Hiragino Kaku Gothic Pro W3" charset="-128"/>
+              </a:rPr>
+              <a:t>HTML</a:t>
+            </a:r>
+            <a:r>
+              <a:rPr lang="ja-JP" altLang="en-US" dirty="0" smtClean="0">
+                <a:latin typeface="Hiragino Kaku Gothic Pro W3" charset="-128"/>
+                <a:ea typeface="Hiragino Kaku Gothic Pro W3" charset="-128"/>
+                <a:cs typeface="Hiragino Kaku Gothic Pro W3" charset="-128"/>
+              </a:rPr>
+              <a:t>を編集したり、ダウンロードすることができる。</a:t>
+            </a:r>
+            <a:endParaRPr kumimoji="1" lang="ja-JP" altLang="en-US" dirty="0">
+              <a:latin typeface="Hiragino Kaku Gothic Pro W3" charset="-128"/>
+              <a:ea typeface="Hiragino Kaku Gothic Pro W3" charset="-128"/>
+              <a:cs typeface="Hiragino Kaku Gothic Pro W3" charset="-128"/>
+            </a:endParaRPr>
+          </a:p>
         </p:txBody>
       </p:sp>
     </p:spTree>
     <p:extLst>
       <p:ext uri="{BB962C8B-B14F-4D97-AF65-F5344CB8AC3E}">
-        <p14:creationId xmlns:p14="http://schemas.microsoft.com/office/powerpoint/2010/main" val="2145345496"/>
+        <p14:creationId xmlns:p14="http://schemas.microsoft.com/office/powerpoint/2010/main" val="73702601"/>
       </p:ext>
     </p:extLst>
   </p:cSld>
@@ -3794,7 +3863,23 @@
                 <a:ea typeface="Hiragino Kaku Gothic Pro W3" charset="-128"/>
                 <a:cs typeface="Hiragino Kaku Gothic Pro W3" charset="-128"/>
               </a:rPr>
-              <a:t>担当箇所</a:t>
+              <a:t>この</a:t>
+            </a:r>
+            <a:r>
+              <a:rPr kumimoji="1" lang="en-US" altLang="ja-JP" dirty="0" smtClean="0">
+                <a:latin typeface="Hiragino Kaku Gothic Pro W3" charset="-128"/>
+                <a:ea typeface="Hiragino Kaku Gothic Pro W3" charset="-128"/>
+                <a:cs typeface="Hiragino Kaku Gothic Pro W3" charset="-128"/>
+              </a:rPr>
+              <a:t>WEB</a:t>
+            </a:r>
+            <a:r>
+              <a:rPr kumimoji="1" lang="ja-JP" altLang="en-US" dirty="0" smtClean="0">
+                <a:latin typeface="Hiragino Kaku Gothic Pro W3" charset="-128"/>
+                <a:ea typeface="Hiragino Kaku Gothic Pro W3" charset="-128"/>
+                <a:cs typeface="Hiragino Kaku Gothic Pro W3" charset="-128"/>
+              </a:rPr>
+              <a:t>アプリで出来ること</a:t>
             </a:r>
             <a:endParaRPr kumimoji="1" lang="ja-JP" altLang="en-US" dirty="0">
               <a:latin typeface="Hiragino Kaku Gothic Pro W3" charset="-128"/>
@@ -3819,29 +3904,16 @@
           <a:bodyPr/>
           <a:lstStyle/>
           <a:p>
-            <a:r>
-              <a:rPr kumimoji="1" lang="ja-JP" altLang="en-US" dirty="0" smtClean="0">
-                <a:latin typeface="Hiragino Kaku Gothic Pro W3" charset="-128"/>
-                <a:ea typeface="Hiragino Kaku Gothic Pro W3" charset="-128"/>
-                <a:cs typeface="Hiragino Kaku Gothic Pro W3" charset="-128"/>
-              </a:rPr>
-              <a:t>海野</a:t>
-            </a:r>
-            <a:r>
-              <a:rPr kumimoji="1" lang="en-US" altLang="ja-JP" dirty="0" smtClean="0">
-                <a:latin typeface="Hiragino Kaku Gothic Pro W3" charset="-128"/>
-                <a:ea typeface="Hiragino Kaku Gothic Pro W3" charset="-128"/>
-                <a:cs typeface="Hiragino Kaku Gothic Pro W3" charset="-128"/>
-              </a:rPr>
-              <a:t> -</a:t>
-            </a:r>
-            <a:r>
-              <a:rPr kumimoji="1" lang="ja-JP" altLang="en-US" dirty="0" smtClean="0">
-                <a:latin typeface="Hiragino Kaku Gothic Pro W3" charset="-128"/>
-                <a:ea typeface="Hiragino Kaku Gothic Pro W3" charset="-128"/>
-                <a:cs typeface="Hiragino Kaku Gothic Pro W3" charset="-128"/>
-              </a:rPr>
-              <a:t>フロントサイド</a:t>
+            <a:pPr marL="0" indent="0">
+              <a:buNone/>
+            </a:pPr>
+            <a:r>
+              <a:rPr lang="en-US" altLang="ja-JP" dirty="0" smtClean="0">
+                <a:latin typeface="Hiragino Kaku Gothic Pro W3" charset="-128"/>
+                <a:ea typeface="Hiragino Kaku Gothic Pro W3" charset="-128"/>
+                <a:cs typeface="Hiragino Kaku Gothic Pro W3" charset="-128"/>
+              </a:rPr>
+              <a:t>HTML</a:t>
             </a:r>
             <a:endParaRPr lang="en-US" altLang="ja-JP" dirty="0">
               <a:latin typeface="Hiragino Kaku Gothic Pro W3" charset="-128"/>
@@ -3850,29 +3922,16 @@
             </a:endParaRPr>
           </a:p>
           <a:p>
-            <a:r>
-              <a:rPr kumimoji="1" lang="ja-JP" altLang="en-US" dirty="0" smtClean="0">
-                <a:latin typeface="Hiragino Kaku Gothic Pro W3" charset="-128"/>
-                <a:ea typeface="Hiragino Kaku Gothic Pro W3" charset="-128"/>
-                <a:cs typeface="Hiragino Kaku Gothic Pro W3" charset="-128"/>
-              </a:rPr>
-              <a:t>奥寺</a:t>
-            </a:r>
-            <a:r>
-              <a:rPr lang="en-US" altLang="ja-JP" dirty="0">
-                <a:latin typeface="Hiragino Kaku Gothic Pro W3" charset="-128"/>
-                <a:ea typeface="Hiragino Kaku Gothic Pro W3" charset="-128"/>
-                <a:cs typeface="Hiragino Kaku Gothic Pro W3" charset="-128"/>
-              </a:rPr>
-              <a:t> </a:t>
-            </a:r>
+            <a:pPr marL="0" indent="0">
+              <a:buNone/>
+            </a:pPr>
             <a:r>
               <a:rPr lang="en-US" altLang="ja-JP" dirty="0" smtClean="0">
                 <a:latin typeface="Hiragino Kaku Gothic Pro W3" charset="-128"/>
                 <a:ea typeface="Hiragino Kaku Gothic Pro W3" charset="-128"/>
                 <a:cs typeface="Hiragino Kaku Gothic Pro W3" charset="-128"/>
               </a:rPr>
-              <a:t>-</a:t>
+              <a:t>	</a:t>
             </a:r>
             <a:r>
               <a:rPr lang="ja-JP" altLang="en-US" dirty="0" smtClean="0">
@@ -3880,51 +3939,126 @@
                 <a:ea typeface="Hiragino Kaku Gothic Pro W3" charset="-128"/>
                 <a:cs typeface="Hiragino Kaku Gothic Pro W3" charset="-128"/>
               </a:rPr>
-              <a:t>サーバーサイド</a:t>
-            </a:r>
-            <a:endParaRPr lang="en-US" altLang="ja-JP" dirty="0" smtClean="0">
+              <a:t>アップロード</a:t>
+            </a:r>
+            <a:endParaRPr lang="en-US" altLang="ja-JP" dirty="0">
               <a:latin typeface="Hiragino Kaku Gothic Pro W3" charset="-128"/>
               <a:ea typeface="Hiragino Kaku Gothic Pro W3" charset="-128"/>
               <a:cs typeface="Hiragino Kaku Gothic Pro W3" charset="-128"/>
             </a:endParaRPr>
           </a:p>
           <a:p>
-            <a:r>
-              <a:rPr kumimoji="1" lang="ja-JP" altLang="en-US" dirty="0" smtClean="0">
-                <a:latin typeface="Hiragino Kaku Gothic Pro W3" charset="-128"/>
-                <a:ea typeface="Hiragino Kaku Gothic Pro W3" charset="-128"/>
-                <a:cs typeface="Hiragino Kaku Gothic Pro W3" charset="-128"/>
-              </a:rPr>
-              <a:t>桃井</a:t>
-            </a:r>
-            <a:r>
-              <a:rPr kumimoji="1" lang="en-US" altLang="ja-JP" dirty="0" smtClean="0">
-                <a:latin typeface="Hiragino Kaku Gothic Pro W3" charset="-128"/>
-                <a:ea typeface="Hiragino Kaku Gothic Pro W3" charset="-128"/>
-                <a:cs typeface="Hiragino Kaku Gothic Pro W3" charset="-128"/>
-              </a:rPr>
-              <a:t> -</a:t>
-            </a:r>
-            <a:r>
-              <a:rPr kumimoji="1" lang="ja-JP" altLang="en-US" dirty="0" smtClean="0">
-                <a:latin typeface="Hiragino Kaku Gothic Pro W3" charset="-128"/>
-                <a:ea typeface="Hiragino Kaku Gothic Pro W3" charset="-128"/>
-                <a:cs typeface="Hiragino Kaku Gothic Pro W3" charset="-128"/>
-              </a:rPr>
-              <a:t>フロントサイド</a:t>
-            </a:r>
+            <a:pPr marL="0" indent="0">
+              <a:buNone/>
+            </a:pPr>
+            <a:r>
+              <a:rPr lang="en-US" altLang="ja-JP" dirty="0" smtClean="0">
+                <a:latin typeface="Hiragino Kaku Gothic Pro W3" charset="-128"/>
+                <a:ea typeface="Hiragino Kaku Gothic Pro W3" charset="-128"/>
+                <a:cs typeface="Hiragino Kaku Gothic Pro W3" charset="-128"/>
+              </a:rPr>
+              <a:t>	</a:t>
+            </a:r>
+            <a:r>
+              <a:rPr lang="ja-JP" altLang="en-US" dirty="0" smtClean="0">
+                <a:latin typeface="Hiragino Kaku Gothic Pro W3" charset="-128"/>
+                <a:ea typeface="Hiragino Kaku Gothic Pro W3" charset="-128"/>
+                <a:cs typeface="Hiragino Kaku Gothic Pro W3" charset="-128"/>
+              </a:rPr>
+              <a:t>デザイン</a:t>
+            </a:r>
+            <a:endParaRPr lang="en-US" altLang="ja-JP" dirty="0">
+              <a:latin typeface="Hiragino Kaku Gothic Pro W3" charset="-128"/>
+              <a:ea typeface="Hiragino Kaku Gothic Pro W3" charset="-128"/>
+              <a:cs typeface="Hiragino Kaku Gothic Pro W3" charset="-128"/>
+            </a:endParaRPr>
+          </a:p>
+          <a:p>
+            <a:pPr marL="0" indent="0">
+              <a:buNone/>
+            </a:pPr>
+            <a:r>
+              <a:rPr lang="en-US" altLang="ja-JP" dirty="0" smtClean="0">
+                <a:latin typeface="Hiragino Kaku Gothic Pro W3" charset="-128"/>
+                <a:ea typeface="Hiragino Kaku Gothic Pro W3" charset="-128"/>
+                <a:cs typeface="Hiragino Kaku Gothic Pro W3" charset="-128"/>
+              </a:rPr>
+              <a:t>	</a:t>
+            </a:r>
+            <a:r>
+              <a:rPr lang="ja-JP" altLang="en-US" dirty="0" smtClean="0">
+                <a:latin typeface="Hiragino Kaku Gothic Pro W3" charset="-128"/>
+                <a:ea typeface="Hiragino Kaku Gothic Pro W3" charset="-128"/>
+                <a:cs typeface="Hiragino Kaku Gothic Pro W3" charset="-128"/>
+              </a:rPr>
+              <a:t>保存</a:t>
+            </a:r>
+            <a:endParaRPr lang="en-US" altLang="ja-JP" dirty="0">
+              <a:latin typeface="Hiragino Kaku Gothic Pro W3" charset="-128"/>
+              <a:ea typeface="Hiragino Kaku Gothic Pro W3" charset="-128"/>
+              <a:cs typeface="Hiragino Kaku Gothic Pro W3" charset="-128"/>
+            </a:endParaRPr>
+          </a:p>
+          <a:p>
+            <a:pPr marL="0" indent="0">
+              <a:buNone/>
+            </a:pPr>
+            <a:r>
+              <a:rPr lang="en-US" altLang="ja-JP" dirty="0" smtClean="0">
+                <a:latin typeface="Hiragino Kaku Gothic Pro W3" charset="-128"/>
+                <a:ea typeface="Hiragino Kaku Gothic Pro W3" charset="-128"/>
+                <a:cs typeface="Hiragino Kaku Gothic Pro W3" charset="-128"/>
+              </a:rPr>
+              <a:t>	</a:t>
+            </a:r>
+            <a:r>
+              <a:rPr lang="ja-JP" altLang="en-US" dirty="0" smtClean="0">
+                <a:latin typeface="Hiragino Kaku Gothic Pro W3" charset="-128"/>
+                <a:ea typeface="Hiragino Kaku Gothic Pro W3" charset="-128"/>
+                <a:cs typeface="Hiragino Kaku Gothic Pro W3" charset="-128"/>
+              </a:rPr>
+              <a:t>ダウンロード</a:t>
+            </a:r>
+            <a:endParaRPr lang="en-US" altLang="ja-JP" dirty="0">
+              <a:latin typeface="Hiragino Kaku Gothic Pro W3" charset="-128"/>
+              <a:ea typeface="Hiragino Kaku Gothic Pro W3" charset="-128"/>
+              <a:cs typeface="Hiragino Kaku Gothic Pro W3" charset="-128"/>
+            </a:endParaRPr>
+          </a:p>
+          <a:p>
+            <a:pPr marL="0" indent="0">
+              <a:buNone/>
+            </a:pPr>
             <a:endParaRPr kumimoji="1" lang="en-US" altLang="ja-JP" dirty="0" smtClean="0">
               <a:latin typeface="Hiragino Kaku Gothic Pro W3" charset="-128"/>
               <a:ea typeface="Hiragino Kaku Gothic Pro W3" charset="-128"/>
               <a:cs typeface="Hiragino Kaku Gothic Pro W3" charset="-128"/>
             </a:endParaRPr>
           </a:p>
+          <a:p>
+            <a:pPr marL="0" indent="0">
+              <a:buNone/>
+            </a:pPr>
+            <a:r>
+              <a:rPr kumimoji="1" lang="ja-JP" altLang="en-US" dirty="0" smtClean="0">
+                <a:latin typeface="Hiragino Kaku Gothic Pro W3" charset="-128"/>
+                <a:ea typeface="Hiragino Kaku Gothic Pro W3" charset="-128"/>
+                <a:cs typeface="Hiragino Kaku Gothic Pro W3" charset="-128"/>
+              </a:rPr>
+              <a:t>会員登録することで画像が保存でき、編集時に使用可能に</a:t>
+            </a:r>
+            <a:endParaRPr kumimoji="1" lang="ja-JP" altLang="en-US" dirty="0">
+              <a:latin typeface="Hiragino Kaku Gothic Pro W3" charset="-128"/>
+              <a:ea typeface="Hiragino Kaku Gothic Pro W3" charset="-128"/>
+              <a:cs typeface="Hiragino Kaku Gothic Pro W3" charset="-128"/>
+            </a:endParaRPr>
+          </a:p>
         </p:txBody>
       </p:sp>
     </p:spTree>
     <p:extLst>
       <p:ext uri="{BB962C8B-B14F-4D97-AF65-F5344CB8AC3E}">
-        <p14:creationId xmlns:p14="http://schemas.microsoft.com/office/powerpoint/2010/main" val="927007403"/>
+        <p14:creationId xmlns:p14="http://schemas.microsoft.com/office/powerpoint/2010/main" val="700388344"/>
       </p:ext>
     </p:extLst>
   </p:cSld>
@@ -3961,6 +4095,184 @@
             <p:ph type="title"/>
           </p:nvPr>
         </p:nvSpPr>
+        <p:spPr/>
+        <p:txBody>
+          <a:bodyPr/>
+          <a:lstStyle/>
+          <a:p>
+            <a:r>
+              <a:rPr kumimoji="1" lang="ja-JP" altLang="en-US" dirty="0" smtClean="0">
+                <a:latin typeface="Hiragino Kaku Gothic Pro W3" charset="-128"/>
+                <a:ea typeface="Hiragino Kaku Gothic Pro W3" charset="-128"/>
+                <a:cs typeface="Hiragino Kaku Gothic Pro W3" charset="-128"/>
+              </a:rPr>
+              <a:t>担当箇所</a:t>
+            </a:r>
+            <a:endParaRPr kumimoji="1" lang="ja-JP" altLang="en-US" dirty="0">
+              <a:latin typeface="Hiragino Kaku Gothic Pro W3" charset="-128"/>
+              <a:ea typeface="Hiragino Kaku Gothic Pro W3" charset="-128"/>
+              <a:cs typeface="Hiragino Kaku Gothic Pro W3" charset="-128"/>
+            </a:endParaRPr>
+          </a:p>
+        </p:txBody>
+      </p:sp>
+      <p:sp>
+        <p:nvSpPr>
+          <p:cNvPr id="3" name="コンテンツ プレースホルダー 2"/>
+          <p:cNvSpPr>
+            <a:spLocks noGrp="1"/>
+          </p:cNvSpPr>
+          <p:nvPr>
+            <p:ph idx="1"/>
+          </p:nvPr>
+        </p:nvSpPr>
+        <p:spPr/>
+        <p:txBody>
+          <a:bodyPr/>
+          <a:lstStyle/>
+          <a:p>
+            <a:r>
+              <a:rPr kumimoji="1" lang="ja-JP" altLang="en-US" dirty="0" smtClean="0">
+                <a:latin typeface="Hiragino Kaku Gothic Pro W3" charset="-128"/>
+                <a:ea typeface="Hiragino Kaku Gothic Pro W3" charset="-128"/>
+                <a:cs typeface="Hiragino Kaku Gothic Pro W3" charset="-128"/>
+              </a:rPr>
+              <a:t>海野</a:t>
+            </a:r>
+            <a:r>
+              <a:rPr kumimoji="1" lang="en-US" altLang="ja-JP" dirty="0" smtClean="0">
+                <a:latin typeface="Hiragino Kaku Gothic Pro W3" charset="-128"/>
+                <a:ea typeface="Hiragino Kaku Gothic Pro W3" charset="-128"/>
+                <a:cs typeface="Hiragino Kaku Gothic Pro W3" charset="-128"/>
+              </a:rPr>
+              <a:t> -</a:t>
+            </a:r>
+            <a:r>
+              <a:rPr kumimoji="1" lang="ja-JP" altLang="en-US" dirty="0" smtClean="0">
+                <a:latin typeface="Hiragino Kaku Gothic Pro W3" charset="-128"/>
+                <a:ea typeface="Hiragino Kaku Gothic Pro W3" charset="-128"/>
+                <a:cs typeface="Hiragino Kaku Gothic Pro W3" charset="-128"/>
+              </a:rPr>
+              <a:t>フロントサイド</a:t>
+            </a:r>
+            <a:endParaRPr lang="en-US" altLang="ja-JP" dirty="0">
+              <a:latin typeface="Hiragino Kaku Gothic Pro W3" charset="-128"/>
+              <a:ea typeface="Hiragino Kaku Gothic Pro W3" charset="-128"/>
+              <a:cs typeface="Hiragino Kaku Gothic Pro W3" charset="-128"/>
+            </a:endParaRPr>
+          </a:p>
+          <a:p>
+            <a:r>
+              <a:rPr kumimoji="1" lang="ja-JP" altLang="en-US" dirty="0" smtClean="0">
+                <a:latin typeface="Hiragino Kaku Gothic Pro W3" charset="-128"/>
+                <a:ea typeface="Hiragino Kaku Gothic Pro W3" charset="-128"/>
+                <a:cs typeface="Hiragino Kaku Gothic Pro W3" charset="-128"/>
+              </a:rPr>
+              <a:t>奥寺</a:t>
+            </a:r>
+            <a:r>
+              <a:rPr lang="en-US" altLang="ja-JP" dirty="0">
+                <a:latin typeface="Hiragino Kaku Gothic Pro W3" charset="-128"/>
+                <a:ea typeface="Hiragino Kaku Gothic Pro W3" charset="-128"/>
+                <a:cs typeface="Hiragino Kaku Gothic Pro W3" charset="-128"/>
+              </a:rPr>
+              <a:t> </a:t>
+            </a:r>
+            <a:r>
+              <a:rPr lang="en-US" altLang="ja-JP" dirty="0" smtClean="0">
+                <a:latin typeface="Hiragino Kaku Gothic Pro W3" charset="-128"/>
+                <a:ea typeface="Hiragino Kaku Gothic Pro W3" charset="-128"/>
+                <a:cs typeface="Hiragino Kaku Gothic Pro W3" charset="-128"/>
+              </a:rPr>
+              <a:t>-</a:t>
+            </a:r>
+            <a:r>
+              <a:rPr lang="ja-JP" altLang="en-US" dirty="0" smtClean="0">
+                <a:latin typeface="Hiragino Kaku Gothic Pro W3" charset="-128"/>
+                <a:ea typeface="Hiragino Kaku Gothic Pro W3" charset="-128"/>
+                <a:cs typeface="Hiragino Kaku Gothic Pro W3" charset="-128"/>
+              </a:rPr>
+              <a:t>サーバーサイド</a:t>
+            </a:r>
+            <a:endParaRPr lang="en-US" altLang="ja-JP" dirty="0" smtClean="0">
+              <a:latin typeface="Hiragino Kaku Gothic Pro W3" charset="-128"/>
+              <a:ea typeface="Hiragino Kaku Gothic Pro W3" charset="-128"/>
+              <a:cs typeface="Hiragino Kaku Gothic Pro W3" charset="-128"/>
+            </a:endParaRPr>
+          </a:p>
+          <a:p>
+            <a:r>
+              <a:rPr kumimoji="1" lang="ja-JP" altLang="en-US" dirty="0" smtClean="0">
+                <a:latin typeface="Hiragino Kaku Gothic Pro W3" charset="-128"/>
+                <a:ea typeface="Hiragino Kaku Gothic Pro W3" charset="-128"/>
+                <a:cs typeface="Hiragino Kaku Gothic Pro W3" charset="-128"/>
+              </a:rPr>
+              <a:t>桃井</a:t>
+            </a:r>
+            <a:r>
+              <a:rPr kumimoji="1" lang="en-US" altLang="ja-JP" dirty="0" smtClean="0">
+                <a:latin typeface="Hiragino Kaku Gothic Pro W3" charset="-128"/>
+                <a:ea typeface="Hiragino Kaku Gothic Pro W3" charset="-128"/>
+                <a:cs typeface="Hiragino Kaku Gothic Pro W3" charset="-128"/>
+              </a:rPr>
+              <a:t> -</a:t>
+            </a:r>
+            <a:r>
+              <a:rPr kumimoji="1" lang="ja-JP" altLang="en-US" dirty="0" smtClean="0">
+                <a:latin typeface="Hiragino Kaku Gothic Pro W3" charset="-128"/>
+                <a:ea typeface="Hiragino Kaku Gothic Pro W3" charset="-128"/>
+                <a:cs typeface="Hiragino Kaku Gothic Pro W3" charset="-128"/>
+              </a:rPr>
+              <a:t>フロントサイド</a:t>
+            </a:r>
+            <a:endParaRPr kumimoji="1" lang="en-US" altLang="ja-JP" dirty="0" smtClean="0">
+              <a:latin typeface="Hiragino Kaku Gothic Pro W3" charset="-128"/>
+              <a:ea typeface="Hiragino Kaku Gothic Pro W3" charset="-128"/>
+              <a:cs typeface="Hiragino Kaku Gothic Pro W3" charset="-128"/>
+            </a:endParaRPr>
+          </a:p>
+        </p:txBody>
+      </p:sp>
+    </p:spTree>
+    <p:extLst>
+      <p:ext uri="{BB962C8B-B14F-4D97-AF65-F5344CB8AC3E}">
+        <p14:creationId xmlns:p14="http://schemas.microsoft.com/office/powerpoint/2010/main" val="927007403"/>
+      </p:ext>
+    </p:extLst>
+  </p:cSld>
+  <p:clrMapOvr>
+    <a:masterClrMapping/>
+  </p:clrMapOvr>
+</p:sld>
+</file>
+
+<file path=ppt/slides/slide7.xml><?xml version="1.0" encoding="utf-8"?>
+<p:sld xmlns:a="http://schemas.openxmlformats.org/drawingml/2006/main" xmlns:r="http://schemas.openxmlformats.org/officeDocument/2006/relationships" xmlns:p="http://schemas.openxmlformats.org/presentationml/2006/main">
+  <p:cSld>
+    <p:spTree>
+      <p:nvGrpSpPr>
+        <p:cNvPr id="1" name=""/>
+        <p:cNvGrpSpPr/>
+        <p:nvPr/>
+      </p:nvGrpSpPr>
+      <p:grpSpPr>
+        <a:xfrm>
+          <a:off x="0" y="0"/>
+          <a:ext cx="0" cy="0"/>
+          <a:chOff x="0" y="0"/>
+          <a:chExt cx="0" cy="0"/>
+        </a:xfrm>
+      </p:grpSpPr>
+      <p:sp>
+        <p:nvSpPr>
+          <p:cNvPr id="2" name="タイトル 1"/>
+          <p:cNvSpPr>
+            <a:spLocks noGrp="1"/>
+          </p:cNvSpPr>
+          <p:nvPr>
+            <p:ph type="title"/>
+          </p:nvPr>
+        </p:nvSpPr>
         <p:spPr>
           <a:xfrm>
             <a:off x="838200" y="176504"/>
@@ -4004,7 +4316,9 @@
           </a:xfrm>
         </p:spPr>
         <p:txBody>
-          <a:bodyPr/>
+          <a:bodyPr>
+            <a:normAutofit/>
+          </a:bodyPr>
           <a:lstStyle/>
           <a:p>
             <a:r>
@@ -4080,6 +4394,32 @@
             </a:endParaRPr>
           </a:p>
           <a:p>
+            <a:pPr marL="0" indent="0">
+              <a:buNone/>
+            </a:pPr>
+            <a:r>
+              <a:rPr lang="en-US" altLang="ja-JP" sz="2100" dirty="0" smtClean="0">
+                <a:latin typeface="Hiragino Kaku Gothic Pro W3" charset="-128"/>
+                <a:ea typeface="Hiragino Kaku Gothic Pro W3" charset="-128"/>
+                <a:cs typeface="Hiragino Kaku Gothic Pro W3" charset="-128"/>
+              </a:rPr>
+              <a:t>	</a:t>
+            </a:r>
+            <a:r>
+              <a:rPr lang="ja-JP" altLang="en-US" sz="2100" dirty="0" smtClean="0">
+                <a:latin typeface="Hiragino Kaku Gothic Pro W3" charset="-128"/>
+                <a:ea typeface="Hiragino Kaku Gothic Pro W3" charset="-128"/>
+                <a:cs typeface="Hiragino Kaku Gothic Pro W3" charset="-128"/>
+              </a:rPr>
+              <a:t>メイン機能の仕様変更の回数が多く書き直しに時間を取られてた事。</a:t>
+            </a:r>
+            <a:endParaRPr lang="en-US" altLang="ja-JP" sz="2100" dirty="0" smtClean="0">
+              <a:latin typeface="Hiragino Kaku Gothic Pro W3" charset="-128"/>
+              <a:ea typeface="Hiragino Kaku Gothic Pro W3" charset="-128"/>
+              <a:cs typeface="Hiragino Kaku Gothic Pro W3" charset="-128"/>
+            </a:endParaRPr>
+          </a:p>
+          <a:p>
             <a:endParaRPr kumimoji="1" lang="en-US" altLang="ja-JP" dirty="0">
               <a:latin typeface="Hiragino Kaku Gothic Pro W3" charset="-128"/>
               <a:ea typeface="Hiragino Kaku Gothic Pro W3" charset="-128"/>
@@ -4099,6 +4439,182 @@
     <p:extLst>
       <p:ext uri="{BB962C8B-B14F-4D97-AF65-F5344CB8AC3E}">
         <p14:creationId xmlns:p14="http://schemas.microsoft.com/office/powerpoint/2010/main" val="1426999527"/>
+      </p:ext>
+    </p:extLst>
+  </p:cSld>
+  <p:clrMapOvr>
+    <a:masterClrMapping/>
+  </p:clrMapOvr>
+</p:sld>
+</file>
+
+<file path=ppt/slides/slide8.xml><?xml version="1.0" encoding="utf-8"?>
+<p:sld xmlns:a="http://schemas.openxmlformats.org/drawingml/2006/main" xmlns:r="http://schemas.openxmlformats.org/officeDocument/2006/relationships" xmlns:p="http://schemas.openxmlformats.org/presentationml/2006/main">
+  <p:cSld>
+    <p:spTree>
+      <p:nvGrpSpPr>
+        <p:cNvPr id="1" name=""/>
+        <p:cNvGrpSpPr/>
+        <p:nvPr/>
+      </p:nvGrpSpPr>
+      <p:grpSpPr>
+        <a:xfrm>
+          <a:off x="0" y="0"/>
+          <a:ext cx="0" cy="0"/>
+          <a:chOff x="0" y="0"/>
+          <a:chExt cx="0" cy="0"/>
+        </a:xfrm>
+      </p:grpSpPr>
+      <p:sp>
+        <p:nvSpPr>
+          <p:cNvPr id="2" name="タイトル 1"/>
+          <p:cNvSpPr>
+            <a:spLocks noGrp="1"/>
+          </p:cNvSpPr>
+          <p:nvPr>
+            <p:ph type="title"/>
+          </p:nvPr>
+        </p:nvSpPr>
+        <p:spPr/>
+        <p:txBody>
+          <a:bodyPr/>
+          <a:lstStyle/>
+          <a:p>
+            <a:r>
+              <a:rPr kumimoji="1" lang="ja-JP" altLang="en-US" dirty="0" smtClean="0">
+                <a:latin typeface="Hiragino Kaku Gothic Pro W3" charset="-128"/>
+                <a:ea typeface="Hiragino Kaku Gothic Pro W3" charset="-128"/>
+                <a:cs typeface="Hiragino Kaku Gothic Pro W3" charset="-128"/>
+              </a:rPr>
+              <a:t>開発で工夫した点</a:t>
+            </a:r>
+            <a:endParaRPr kumimoji="1" lang="ja-JP" altLang="en-US" dirty="0">
+              <a:latin typeface="Hiragino Kaku Gothic Pro W3" charset="-128"/>
+              <a:ea typeface="Hiragino Kaku Gothic Pro W3" charset="-128"/>
+              <a:cs typeface="Hiragino Kaku Gothic Pro W3" charset="-128"/>
+            </a:endParaRPr>
+          </a:p>
+        </p:txBody>
+      </p:sp>
+      <p:sp>
+        <p:nvSpPr>
+          <p:cNvPr id="3" name="コンテンツ プレースホルダー 2"/>
+          <p:cNvSpPr>
+            <a:spLocks noGrp="1"/>
+          </p:cNvSpPr>
+          <p:nvPr>
+            <p:ph idx="1"/>
+          </p:nvPr>
+        </p:nvSpPr>
+        <p:spPr/>
+        <p:txBody>
+          <a:bodyPr/>
+          <a:lstStyle/>
+          <a:p>
+            <a:r>
+              <a:rPr kumimoji="1" lang="ja-JP" altLang="en-US" dirty="0" smtClean="0">
+                <a:latin typeface="Hiragino Kaku Gothic Pro W3" charset="-128"/>
+                <a:ea typeface="Hiragino Kaku Gothic Pro W3" charset="-128"/>
+                <a:cs typeface="Hiragino Kaku Gothic Pro W3" charset="-128"/>
+              </a:rPr>
+              <a:t>開発コストが足りなくなる事が予測できたので開発予定期間の前から開発に着手していた。</a:t>
+            </a:r>
+            <a:endParaRPr kumimoji="1" lang="ja-JP" altLang="en-US" dirty="0">
+              <a:latin typeface="Hiragino Kaku Gothic Pro W3" charset="-128"/>
+              <a:ea typeface="Hiragino Kaku Gothic Pro W3" charset="-128"/>
+              <a:cs typeface="Hiragino Kaku Gothic Pro W3" charset="-128"/>
+            </a:endParaRPr>
+          </a:p>
+        </p:txBody>
+      </p:sp>
+    </p:spTree>
+    <p:extLst>
+      <p:ext uri="{BB962C8B-B14F-4D97-AF65-F5344CB8AC3E}">
+        <p14:creationId xmlns:p14="http://schemas.microsoft.com/office/powerpoint/2010/main" val="684258252"/>
+      </p:ext>
+    </p:extLst>
+  </p:cSld>
+  <p:clrMapOvr>
+    <a:masterClrMapping/>
+  </p:clrMapOvr>
+</p:sld>
+</file>
+
+<file path=ppt/slides/slide9.xml><?xml version="1.0" encoding="utf-8"?>
+<p:sld xmlns:a="http://schemas.openxmlformats.org/drawingml/2006/main" xmlns:r="http://schemas.openxmlformats.org/officeDocument/2006/relationships" xmlns:p="http://schemas.openxmlformats.org/presentationml/2006/main">
+  <p:cSld>
+    <p:spTree>
+      <p:nvGrpSpPr>
+        <p:cNvPr id="1" name=""/>
+        <p:cNvGrpSpPr/>
+        <p:nvPr/>
+      </p:nvGrpSpPr>
+      <p:grpSpPr>
+        <a:xfrm>
+          <a:off x="0" y="0"/>
+          <a:ext cx="0" cy="0"/>
+          <a:chOff x="0" y="0"/>
+          <a:chExt cx="0" cy="0"/>
+        </a:xfrm>
+      </p:grpSpPr>
+      <p:sp>
+        <p:nvSpPr>
+          <p:cNvPr id="2" name="タイトル 1"/>
+          <p:cNvSpPr>
+            <a:spLocks noGrp="1"/>
+          </p:cNvSpPr>
+          <p:nvPr>
+            <p:ph type="title"/>
+          </p:nvPr>
+        </p:nvSpPr>
+        <p:spPr/>
+        <p:txBody>
+          <a:bodyPr/>
+          <a:lstStyle/>
+          <a:p>
+            <a:r>
+              <a:rPr kumimoji="1" lang="ja-JP" altLang="en-US" dirty="0" smtClean="0">
+                <a:latin typeface="Hiragino Kaku Gothic Pro W3" charset="-128"/>
+                <a:ea typeface="Hiragino Kaku Gothic Pro W3" charset="-128"/>
+                <a:cs typeface="Hiragino Kaku Gothic Pro W3" charset="-128"/>
+              </a:rPr>
+              <a:t>今後の展望</a:t>
+            </a:r>
+            <a:endParaRPr kumimoji="1" lang="ja-JP" altLang="en-US" dirty="0">
+              <a:latin typeface="Hiragino Kaku Gothic Pro W3" charset="-128"/>
+              <a:ea typeface="Hiragino Kaku Gothic Pro W3" charset="-128"/>
+              <a:cs typeface="Hiragino Kaku Gothic Pro W3" charset="-128"/>
+            </a:endParaRPr>
+          </a:p>
+        </p:txBody>
+      </p:sp>
+      <p:sp>
+        <p:nvSpPr>
+          <p:cNvPr id="3" name="コンテンツ プレースホルダー 2"/>
+          <p:cNvSpPr>
+            <a:spLocks noGrp="1"/>
+          </p:cNvSpPr>
+          <p:nvPr>
+            <p:ph idx="1"/>
+          </p:nvPr>
+        </p:nvSpPr>
+        <p:spPr/>
+        <p:txBody>
+          <a:bodyPr/>
+          <a:lstStyle/>
+          <a:p>
+            <a:endParaRPr kumimoji="1" lang="ja-JP" altLang="en-US" dirty="0">
+              <a:latin typeface="Hiragino Kaku Gothic Pro W3" charset="-128"/>
+              <a:ea typeface="Hiragino Kaku Gothic Pro W3" charset="-128"/>
+              <a:cs typeface="Hiragino Kaku Gothic Pro W3" charset="-128"/>
+            </a:endParaRPr>
+          </a:p>
+        </p:txBody>
+      </p:sp>
+    </p:spTree>
+    <p:extLst>
+      <p:ext uri="{BB962C8B-B14F-4D97-AF65-F5344CB8AC3E}">
+        <p14:creationId xmlns:p14="http://schemas.microsoft.com/office/powerpoint/2010/main" val="1450074479"/>
       </p:ext>
     </p:extLst>
   </p:cSld>

--- a/CSS_プレゼン資料.pptx
+++ b/CSS_プレゼン資料.pptx
@@ -2,7 +2,7 @@
 <file path=ppt/presentation.xml><?xml version="1.0" encoding="utf-8"?>
 <p:presentation xmlns:a="http://schemas.openxmlformats.org/drawingml/2006/main" xmlns:r="http://schemas.openxmlformats.org/officeDocument/2006/relationships" xmlns:p="http://schemas.openxmlformats.org/presentationml/2006/main" saveSubsetFonts="1" autoCompressPictures="0">
   <p:sldMasterIdLst>
-    <p:sldMasterId id="2147483648" r:id="rId1"/>
+    <p:sldMasterId id="2147483660" r:id="rId1"/>
   </p:sldMasterIdLst>
   <p:sldIdLst>
     <p:sldId id="256" r:id="rId2"/>
@@ -121,7 +121,7 @@
 </file>
 
 <file path=ppt/slideLayouts/slideLayout1.xml><?xml version="1.0" encoding="utf-8"?>
-<p:sldLayout xmlns:a="http://schemas.openxmlformats.org/drawingml/2006/main" xmlns:r="http://schemas.openxmlformats.org/officeDocument/2006/relationships" xmlns:p="http://schemas.openxmlformats.org/presentationml/2006/main" type="title" preserve="1">
+<p:sldLayout xmlns:a="http://schemas.openxmlformats.org/drawingml/2006/main" xmlns:r="http://schemas.openxmlformats.org/officeDocument/2006/relationships" xmlns:p="http://schemas.openxmlformats.org/presentationml/2006/main" showMasterSp="0" type="title" preserve="1">
   <p:cSld name="タイトル スライド">
     <p:spTree>
       <p:nvGrpSpPr>
@@ -137,9 +137,539 @@
           <a:chExt cx="0" cy="0"/>
         </a:xfrm>
       </p:grpSpPr>
-      <p:sp>
-        <p:nvSpPr>
-          <p:cNvPr id="2" name="タイトル 1"/>
+      <p:grpSp>
+        <p:nvGrpSpPr>
+          <p:cNvPr id="7" name="Group 6"/>
+          <p:cNvGrpSpPr/>
+          <p:nvPr/>
+        </p:nvGrpSpPr>
+        <p:grpSpPr>
+          <a:xfrm>
+            <a:off x="0" y="-8467"/>
+            <a:ext cx="12192000" cy="6866467"/>
+            <a:chOff x="0" y="-8467"/>
+            <a:chExt cx="12192000" cy="6866467"/>
+          </a:xfrm>
+        </p:grpSpPr>
+        <p:cxnSp>
+          <p:nvCxnSpPr>
+            <p:cNvPr id="32" name="Straight Connector 31"/>
+            <p:cNvCxnSpPr/>
+            <p:nvPr/>
+          </p:nvCxnSpPr>
+          <p:spPr>
+            <a:xfrm>
+              <a:off x="9371012" y="0"/>
+              <a:ext cx="1219200" cy="6858000"/>
+            </a:xfrm>
+            <a:prstGeom prst="line">
+              <a:avLst/>
+            </a:prstGeom>
+            <a:ln w="9525">
+              <a:solidFill>
+                <a:schemeClr val="bg1">
+                  <a:lumMod val="75000"/>
+                </a:schemeClr>
+              </a:solidFill>
+            </a:ln>
+          </p:spPr>
+          <p:style>
+            <a:lnRef idx="2">
+              <a:schemeClr val="accent1"/>
+            </a:lnRef>
+            <a:fillRef idx="0">
+              <a:schemeClr val="accent1"/>
+            </a:fillRef>
+            <a:effectRef idx="1">
+              <a:schemeClr val="accent1"/>
+            </a:effectRef>
+            <a:fontRef idx="minor">
+              <a:schemeClr val="tx1"/>
+            </a:fontRef>
+          </p:style>
+        </p:cxnSp>
+        <p:cxnSp>
+          <p:nvCxnSpPr>
+            <p:cNvPr id="21" name="Straight Connector 20"/>
+            <p:cNvCxnSpPr/>
+            <p:nvPr/>
+          </p:nvCxnSpPr>
+          <p:spPr>
+            <a:xfrm flipH="1">
+              <a:off x="7425267" y="3681413"/>
+              <a:ext cx="4763558" cy="3176587"/>
+            </a:xfrm>
+            <a:prstGeom prst="line">
+              <a:avLst/>
+            </a:prstGeom>
+            <a:ln w="9525">
+              <a:solidFill>
+                <a:schemeClr val="bg1">
+                  <a:lumMod val="85000"/>
+                </a:schemeClr>
+              </a:solidFill>
+            </a:ln>
+          </p:spPr>
+          <p:style>
+            <a:lnRef idx="2">
+              <a:schemeClr val="accent1"/>
+            </a:lnRef>
+            <a:fillRef idx="0">
+              <a:schemeClr val="accent1"/>
+            </a:fillRef>
+            <a:effectRef idx="1">
+              <a:schemeClr val="accent1"/>
+            </a:effectRef>
+            <a:fontRef idx="minor">
+              <a:schemeClr val="tx1"/>
+            </a:fontRef>
+          </p:style>
+        </p:cxnSp>
+        <p:sp>
+          <p:nvSpPr>
+            <p:cNvPr id="24" name="Rectangle 23"/>
+            <p:cNvSpPr/>
+            <p:nvPr/>
+          </p:nvSpPr>
+          <p:spPr>
+            <a:xfrm>
+              <a:off x="9181476" y="-8467"/>
+              <a:ext cx="3007349" cy="6866467"/>
+            </a:xfrm>
+            <a:custGeom>
+              <a:avLst/>
+              <a:gdLst/>
+              <a:ahLst/>
+              <a:cxnLst/>
+              <a:rect l="l" t="t" r="r" b="b"/>
+              <a:pathLst>
+                <a:path w="3007349" h="6866467">
+                  <a:moveTo>
+                    <a:pt x="2045532" y="0"/>
+                  </a:moveTo>
+                  <a:lnTo>
+                    <a:pt x="3007349" y="0"/>
+                  </a:lnTo>
+                  <a:lnTo>
+                    <a:pt x="3007349" y="6866467"/>
+                  </a:lnTo>
+                  <a:lnTo>
+                    <a:pt x="0" y="6866467"/>
+                  </a:lnTo>
+                  <a:lnTo>
+                    <a:pt x="2045532" y="0"/>
+                  </a:lnTo>
+                  <a:close/>
+                </a:path>
+              </a:pathLst>
+            </a:custGeom>
+            <a:solidFill>
+              <a:schemeClr val="accent1">
+                <a:alpha val="30000"/>
+              </a:schemeClr>
+            </a:solidFill>
+            <a:ln>
+              <a:noFill/>
+            </a:ln>
+            <a:effectLst/>
+          </p:spPr>
+          <p:style>
+            <a:lnRef idx="1">
+              <a:schemeClr val="accent1"/>
+            </a:lnRef>
+            <a:fillRef idx="3">
+              <a:schemeClr val="accent1"/>
+            </a:fillRef>
+            <a:effectRef idx="2">
+              <a:schemeClr val="accent1"/>
+            </a:effectRef>
+            <a:fontRef idx="minor">
+              <a:schemeClr val="lt1"/>
+            </a:fontRef>
+          </p:style>
+        </p:sp>
+        <p:sp>
+          <p:nvSpPr>
+            <p:cNvPr id="26" name="Rectangle 25"/>
+            <p:cNvSpPr/>
+            <p:nvPr/>
+          </p:nvSpPr>
+          <p:spPr>
+            <a:xfrm>
+              <a:off x="9603442" y="-8467"/>
+              <a:ext cx="2588558" cy="6866467"/>
+            </a:xfrm>
+            <a:custGeom>
+              <a:avLst/>
+              <a:gdLst/>
+              <a:ahLst/>
+              <a:cxnLst/>
+              <a:rect l="l" t="t" r="r" b="b"/>
+              <a:pathLst>
+                <a:path w="2573311" h="6866467">
+                  <a:moveTo>
+                    <a:pt x="0" y="0"/>
+                  </a:moveTo>
+                  <a:lnTo>
+                    <a:pt x="2573311" y="0"/>
+                  </a:lnTo>
+                  <a:lnTo>
+                    <a:pt x="2573311" y="6866467"/>
+                  </a:lnTo>
+                  <a:lnTo>
+                    <a:pt x="1202336" y="6866467"/>
+                  </a:lnTo>
+                  <a:lnTo>
+                    <a:pt x="0" y="0"/>
+                  </a:lnTo>
+                  <a:close/>
+                </a:path>
+              </a:pathLst>
+            </a:custGeom>
+            <a:solidFill>
+              <a:schemeClr val="accent1">
+                <a:alpha val="20000"/>
+              </a:schemeClr>
+            </a:solidFill>
+            <a:ln>
+              <a:noFill/>
+            </a:ln>
+            <a:effectLst/>
+          </p:spPr>
+          <p:style>
+            <a:lnRef idx="1">
+              <a:schemeClr val="accent1"/>
+            </a:lnRef>
+            <a:fillRef idx="3">
+              <a:schemeClr val="accent1"/>
+            </a:fillRef>
+            <a:effectRef idx="2">
+              <a:schemeClr val="accent1"/>
+            </a:effectRef>
+            <a:fontRef idx="minor">
+              <a:schemeClr val="lt1"/>
+            </a:fontRef>
+          </p:style>
+        </p:sp>
+        <p:sp>
+          <p:nvSpPr>
+            <p:cNvPr id="27" name="Isosceles Triangle 26"/>
+            <p:cNvSpPr/>
+            <p:nvPr/>
+          </p:nvSpPr>
+          <p:spPr>
+            <a:xfrm>
+              <a:off x="8932333" y="3048000"/>
+              <a:ext cx="3259667" cy="3810000"/>
+            </a:xfrm>
+            <a:prstGeom prst="triangle">
+              <a:avLst>
+                <a:gd name="adj" fmla="val 100000"/>
+              </a:avLst>
+            </a:prstGeom>
+            <a:solidFill>
+              <a:schemeClr val="accent2">
+                <a:alpha val="72000"/>
+              </a:schemeClr>
+            </a:solidFill>
+            <a:ln>
+              <a:noFill/>
+            </a:ln>
+            <a:effectLst/>
+          </p:spPr>
+          <p:style>
+            <a:lnRef idx="1">
+              <a:schemeClr val="accent1"/>
+            </a:lnRef>
+            <a:fillRef idx="3">
+              <a:schemeClr val="accent1"/>
+            </a:fillRef>
+            <a:effectRef idx="2">
+              <a:schemeClr val="accent1"/>
+            </a:effectRef>
+            <a:fontRef idx="minor">
+              <a:schemeClr val="lt1"/>
+            </a:fontRef>
+          </p:style>
+        </p:sp>
+        <p:sp>
+          <p:nvSpPr>
+            <p:cNvPr id="28" name="Rectangle 27"/>
+            <p:cNvSpPr/>
+            <p:nvPr/>
+          </p:nvSpPr>
+          <p:spPr>
+            <a:xfrm>
+              <a:off x="9334500" y="-8467"/>
+              <a:ext cx="2854326" cy="6866467"/>
+            </a:xfrm>
+            <a:custGeom>
+              <a:avLst/>
+              <a:gdLst/>
+              <a:ahLst/>
+              <a:cxnLst/>
+              <a:rect l="l" t="t" r="r" b="b"/>
+              <a:pathLst>
+                <a:path w="2858013" h="6866467">
+                  <a:moveTo>
+                    <a:pt x="0" y="0"/>
+                  </a:moveTo>
+                  <a:lnTo>
+                    <a:pt x="2858013" y="0"/>
+                  </a:lnTo>
+                  <a:lnTo>
+                    <a:pt x="2858013" y="6866467"/>
+                  </a:lnTo>
+                  <a:lnTo>
+                    <a:pt x="2473942" y="6866467"/>
+                  </a:lnTo>
+                  <a:lnTo>
+                    <a:pt x="0" y="0"/>
+                  </a:lnTo>
+                  <a:close/>
+                </a:path>
+              </a:pathLst>
+            </a:custGeom>
+            <a:solidFill>
+              <a:schemeClr val="accent2">
+                <a:lumMod val="75000"/>
+                <a:alpha val="70000"/>
+              </a:schemeClr>
+            </a:solidFill>
+            <a:ln>
+              <a:noFill/>
+            </a:ln>
+            <a:effectLst/>
+          </p:spPr>
+          <p:style>
+            <a:lnRef idx="1">
+              <a:schemeClr val="accent1"/>
+            </a:lnRef>
+            <a:fillRef idx="3">
+              <a:schemeClr val="accent1"/>
+            </a:fillRef>
+            <a:effectRef idx="2">
+              <a:schemeClr val="accent1"/>
+            </a:effectRef>
+            <a:fontRef idx="minor">
+              <a:schemeClr val="lt1"/>
+            </a:fontRef>
+          </p:style>
+        </p:sp>
+        <p:sp>
+          <p:nvSpPr>
+            <p:cNvPr id="29" name="Rectangle 28"/>
+            <p:cNvSpPr/>
+            <p:nvPr/>
+          </p:nvSpPr>
+          <p:spPr>
+            <a:xfrm>
+              <a:off x="10898730" y="-8467"/>
+              <a:ext cx="1290094" cy="6866467"/>
+            </a:xfrm>
+            <a:custGeom>
+              <a:avLst/>
+              <a:gdLst/>
+              <a:ahLst/>
+              <a:cxnLst/>
+              <a:rect l="l" t="t" r="r" b="b"/>
+              <a:pathLst>
+                <a:path w="1290094" h="6858000">
+                  <a:moveTo>
+                    <a:pt x="1019735" y="0"/>
+                  </a:moveTo>
+                  <a:lnTo>
+                    <a:pt x="1290094" y="0"/>
+                  </a:lnTo>
+                  <a:lnTo>
+                    <a:pt x="1290094" y="6858000"/>
+                  </a:lnTo>
+                  <a:lnTo>
+                    <a:pt x="0" y="6858000"/>
+                  </a:lnTo>
+                  <a:lnTo>
+                    <a:pt x="1019735" y="0"/>
+                  </a:lnTo>
+                  <a:close/>
+                </a:path>
+              </a:pathLst>
+            </a:custGeom>
+            <a:solidFill>
+              <a:schemeClr val="accent1">
+                <a:lumMod val="60000"/>
+                <a:lumOff val="40000"/>
+                <a:alpha val="70000"/>
+              </a:schemeClr>
+            </a:solidFill>
+            <a:ln>
+              <a:noFill/>
+            </a:ln>
+            <a:effectLst/>
+          </p:spPr>
+          <p:style>
+            <a:lnRef idx="1">
+              <a:schemeClr val="accent1"/>
+            </a:lnRef>
+            <a:fillRef idx="3">
+              <a:schemeClr val="accent1"/>
+            </a:fillRef>
+            <a:effectRef idx="2">
+              <a:schemeClr val="accent1"/>
+            </a:effectRef>
+            <a:fontRef idx="minor">
+              <a:schemeClr val="lt1"/>
+            </a:fontRef>
+          </p:style>
+        </p:sp>
+        <p:sp>
+          <p:nvSpPr>
+            <p:cNvPr id="30" name="Rectangle 29"/>
+            <p:cNvSpPr/>
+            <p:nvPr/>
+          </p:nvSpPr>
+          <p:spPr>
+            <a:xfrm>
+              <a:off x="10938999" y="-8467"/>
+              <a:ext cx="1249825" cy="6866467"/>
+            </a:xfrm>
+            <a:custGeom>
+              <a:avLst/>
+              <a:gdLst/>
+              <a:ahLst/>
+              <a:cxnLst/>
+              <a:rect l="l" t="t" r="r" b="b"/>
+              <a:pathLst>
+                <a:path w="1249825" h="6858000">
+                  <a:moveTo>
+                    <a:pt x="0" y="0"/>
+                  </a:moveTo>
+                  <a:lnTo>
+                    <a:pt x="1249825" y="0"/>
+                  </a:lnTo>
+                  <a:lnTo>
+                    <a:pt x="1249825" y="6858000"/>
+                  </a:lnTo>
+                  <a:lnTo>
+                    <a:pt x="1109382" y="6858000"/>
+                  </a:lnTo>
+                  <a:lnTo>
+                    <a:pt x="0" y="0"/>
+                  </a:lnTo>
+                  <a:close/>
+                </a:path>
+              </a:pathLst>
+            </a:custGeom>
+            <a:solidFill>
+              <a:schemeClr val="accent1">
+                <a:alpha val="65000"/>
+              </a:schemeClr>
+            </a:solidFill>
+            <a:ln>
+              <a:noFill/>
+            </a:ln>
+            <a:effectLst/>
+          </p:spPr>
+          <p:style>
+            <a:lnRef idx="1">
+              <a:schemeClr val="accent1"/>
+            </a:lnRef>
+            <a:fillRef idx="3">
+              <a:schemeClr val="accent1"/>
+            </a:fillRef>
+            <a:effectRef idx="2">
+              <a:schemeClr val="accent1"/>
+            </a:effectRef>
+            <a:fontRef idx="minor">
+              <a:schemeClr val="lt1"/>
+            </a:fontRef>
+          </p:style>
+        </p:sp>
+        <p:sp>
+          <p:nvSpPr>
+            <p:cNvPr id="31" name="Isosceles Triangle 30"/>
+            <p:cNvSpPr/>
+            <p:nvPr/>
+          </p:nvSpPr>
+          <p:spPr>
+            <a:xfrm>
+              <a:off x="10371666" y="3589867"/>
+              <a:ext cx="1817159" cy="3268133"/>
+            </a:xfrm>
+            <a:prstGeom prst="triangle">
+              <a:avLst>
+                <a:gd name="adj" fmla="val 100000"/>
+              </a:avLst>
+            </a:prstGeom>
+            <a:solidFill>
+              <a:schemeClr val="accent1">
+                <a:alpha val="80000"/>
+              </a:schemeClr>
+            </a:solidFill>
+            <a:ln>
+              <a:noFill/>
+            </a:ln>
+            <a:effectLst/>
+          </p:spPr>
+          <p:style>
+            <a:lnRef idx="1">
+              <a:schemeClr val="accent1"/>
+            </a:lnRef>
+            <a:fillRef idx="3">
+              <a:schemeClr val="accent1"/>
+            </a:fillRef>
+            <a:effectRef idx="2">
+              <a:schemeClr val="accent1"/>
+            </a:effectRef>
+            <a:fontRef idx="minor">
+              <a:schemeClr val="lt1"/>
+            </a:fontRef>
+          </p:style>
+        </p:sp>
+        <p:sp>
+          <p:nvSpPr>
+            <p:cNvPr id="19" name="Isosceles Triangle 18"/>
+            <p:cNvSpPr/>
+            <p:nvPr/>
+          </p:nvSpPr>
+          <p:spPr>
+            <a:xfrm rot="10800000">
+              <a:off x="0" y="0"/>
+              <a:ext cx="842596" cy="5666154"/>
+            </a:xfrm>
+            <a:prstGeom prst="triangle">
+              <a:avLst>
+                <a:gd name="adj" fmla="val 100000"/>
+              </a:avLst>
+            </a:prstGeom>
+            <a:solidFill>
+              <a:schemeClr val="accent1">
+                <a:alpha val="85000"/>
+              </a:schemeClr>
+            </a:solidFill>
+            <a:ln>
+              <a:noFill/>
+            </a:ln>
+            <a:effectLst/>
+          </p:spPr>
+          <p:style>
+            <a:lnRef idx="1">
+              <a:schemeClr val="accent1"/>
+            </a:lnRef>
+            <a:fillRef idx="3">
+              <a:schemeClr val="accent1"/>
+            </a:fillRef>
+            <a:effectRef idx="2">
+              <a:schemeClr val="accent1"/>
+            </a:effectRef>
+            <a:fontRef idx="minor">
+              <a:schemeClr val="lt1"/>
+            </a:fontRef>
+          </p:style>
+        </p:sp>
+      </p:grpSp>
+      <p:sp>
+        <p:nvSpPr>
+          <p:cNvPr id="2" name="Title 1"/>
           <p:cNvSpPr>
             <a:spLocks noGrp="1"/>
           </p:cNvSpPr>
@@ -149,29 +679,35 @@
         </p:nvSpPr>
         <p:spPr>
           <a:xfrm>
-            <a:off x="1524000" y="1122363"/>
-            <a:ext cx="9144000" cy="2387600"/>
+            <a:off x="1507067" y="2404534"/>
+            <a:ext cx="7766936" cy="1646302"/>
           </a:xfrm>
         </p:spPr>
         <p:txBody>
-          <a:bodyPr anchor="b"/>
+          <a:bodyPr anchor="b">
+            <a:noAutofit/>
+          </a:bodyPr>
           <a:lstStyle>
-            <a:lvl1pPr algn="ctr">
-              <a:defRPr sz="6000"/>
+            <a:lvl1pPr algn="r">
+              <a:defRPr sz="5400">
+                <a:solidFill>
+                  <a:schemeClr val="accent1"/>
+                </a:solidFill>
+              </a:defRPr>
             </a:lvl1pPr>
           </a:lstStyle>
           <a:p>
             <a:r>
-              <a:rPr kumimoji="1" lang="ja-JP" altLang="en-US" smtClean="0"/>
+              <a:rPr lang="ja-JP" altLang="en-US" smtClean="0"/>
               <a:t>マスター タイトルの書式設定</a:t>
             </a:r>
-            <a:endParaRPr kumimoji="1" lang="ja-JP" altLang="en-US"/>
-          </a:p>
-        </p:txBody>
-      </p:sp>
-      <p:sp>
-        <p:nvSpPr>
-          <p:cNvPr id="3" name="サブタイトル 2"/>
+            <a:endParaRPr lang="en-US" dirty="0"/>
+          </a:p>
+        </p:txBody>
+      </p:sp>
+      <p:sp>
+        <p:nvSpPr>
+          <p:cNvPr id="3" name="Subtitle 2"/>
           <p:cNvSpPr>
             <a:spLocks noGrp="1"/>
           </p:cNvSpPr>
@@ -181,62 +717,117 @@
         </p:nvSpPr>
         <p:spPr>
           <a:xfrm>
-            <a:off x="1524000" y="3602038"/>
-            <a:ext cx="9144000" cy="1655762"/>
+            <a:off x="1507067" y="4050833"/>
+            <a:ext cx="7766936" cy="1096899"/>
           </a:xfrm>
         </p:spPr>
         <p:txBody>
-          <a:bodyPr/>
+          <a:bodyPr anchor="t"/>
           <a:lstStyle>
-            <a:lvl1pPr marL="0" indent="0" algn="ctr">
-              <a:buNone/>
-              <a:defRPr sz="2400"/>
+            <a:lvl1pPr marL="0" indent="0" algn="r">
+              <a:buNone/>
+              <a:defRPr>
+                <a:solidFill>
+                  <a:schemeClr val="tx1">
+                    <a:lumMod val="50000"/>
+                    <a:lumOff val="50000"/>
+                  </a:schemeClr>
+                </a:solidFill>
+              </a:defRPr>
             </a:lvl1pPr>
             <a:lvl2pPr marL="457200" indent="0" algn="ctr">
               <a:buNone/>
-              <a:defRPr sz="2000"/>
+              <a:defRPr>
+                <a:solidFill>
+                  <a:schemeClr val="tx1">
+                    <a:tint val="75000"/>
+                  </a:schemeClr>
+                </a:solidFill>
+              </a:defRPr>
             </a:lvl2pPr>
             <a:lvl3pPr marL="914400" indent="0" algn="ctr">
               <a:buNone/>
-              <a:defRPr sz="1800"/>
+              <a:defRPr>
+                <a:solidFill>
+                  <a:schemeClr val="tx1">
+                    <a:tint val="75000"/>
+                  </a:schemeClr>
+                </a:solidFill>
+              </a:defRPr>
             </a:lvl3pPr>
             <a:lvl4pPr marL="1371600" indent="0" algn="ctr">
               <a:buNone/>
-              <a:defRPr sz="1600"/>
+              <a:defRPr>
+                <a:solidFill>
+                  <a:schemeClr val="tx1">
+                    <a:tint val="75000"/>
+                  </a:schemeClr>
+                </a:solidFill>
+              </a:defRPr>
             </a:lvl4pPr>
             <a:lvl5pPr marL="1828800" indent="0" algn="ctr">
               <a:buNone/>
-              <a:defRPr sz="1600"/>
+              <a:defRPr>
+                <a:solidFill>
+                  <a:schemeClr val="tx1">
+                    <a:tint val="75000"/>
+                  </a:schemeClr>
+                </a:solidFill>
+              </a:defRPr>
             </a:lvl5pPr>
             <a:lvl6pPr marL="2286000" indent="0" algn="ctr">
               <a:buNone/>
-              <a:defRPr sz="1600"/>
+              <a:defRPr>
+                <a:solidFill>
+                  <a:schemeClr val="tx1">
+                    <a:tint val="75000"/>
+                  </a:schemeClr>
+                </a:solidFill>
+              </a:defRPr>
             </a:lvl6pPr>
             <a:lvl7pPr marL="2743200" indent="0" algn="ctr">
               <a:buNone/>
-              <a:defRPr sz="1600"/>
+              <a:defRPr>
+                <a:solidFill>
+                  <a:schemeClr val="tx1">
+                    <a:tint val="75000"/>
+                  </a:schemeClr>
+                </a:solidFill>
+              </a:defRPr>
             </a:lvl7pPr>
             <a:lvl8pPr marL="3200400" indent="0" algn="ctr">
               <a:buNone/>
-              <a:defRPr sz="1600"/>
+              <a:defRPr>
+                <a:solidFill>
+                  <a:schemeClr val="tx1">
+                    <a:tint val="75000"/>
+                  </a:schemeClr>
+                </a:solidFill>
+              </a:defRPr>
             </a:lvl8pPr>
             <a:lvl9pPr marL="3657600" indent="0" algn="ctr">
               <a:buNone/>
-              <a:defRPr sz="1600"/>
+              <a:defRPr>
+                <a:solidFill>
+                  <a:schemeClr val="tx1">
+                    <a:tint val="75000"/>
+                  </a:schemeClr>
+                </a:solidFill>
+              </a:defRPr>
             </a:lvl9pPr>
           </a:lstStyle>
           <a:p>
             <a:r>
-              <a:rPr kumimoji="1" lang="ja-JP" altLang="en-US" smtClean="0"/>
+              <a:rPr lang="ja-JP" altLang="en-US" smtClean="0"/>
               <a:t>マスター サブタイトルの書式設定</a:t>
             </a:r>
-            <a:endParaRPr kumimoji="1" lang="ja-JP" altLang="en-US"/>
-          </a:p>
-        </p:txBody>
-      </p:sp>
-      <p:sp>
-        <p:nvSpPr>
-          <p:cNvPr id="4" name="日付プレースホルダー 3"/>
+            <a:endParaRPr lang="en-US" dirty="0"/>
+          </a:p>
+        </p:txBody>
+      </p:sp>
+      <p:sp>
+        <p:nvSpPr>
+          <p:cNvPr id="4" name="Date Placeholder 3"/>
           <p:cNvSpPr>
             <a:spLocks noGrp="1"/>
           </p:cNvSpPr>
@@ -259,7 +850,7 @@
       </p:sp>
       <p:sp>
         <p:nvSpPr>
-          <p:cNvPr id="5" name="フッター プレースホルダー 4"/>
+          <p:cNvPr id="5" name="Footer Placeholder 4"/>
           <p:cNvSpPr>
             <a:spLocks noGrp="1"/>
           </p:cNvSpPr>
@@ -278,7 +869,7 @@
       </p:sp>
       <p:sp>
         <p:nvSpPr>
-          <p:cNvPr id="6" name="スライド番号プレースホルダー 5"/>
+          <p:cNvPr id="6" name="Slide Number Placeholder 5"/>
           <p:cNvSpPr>
             <a:spLocks noGrp="1"/>
           </p:cNvSpPr>
@@ -302,7 +893,7 @@
     </p:spTree>
     <p:extLst>
       <p:ext uri="{BB962C8B-B14F-4D97-AF65-F5344CB8AC3E}">
-        <p14:creationId xmlns:p14="http://schemas.microsoft.com/office/powerpoint/2010/main" val="1600110453"/>
+        <p14:creationId xmlns:p14="http://schemas.microsoft.com/office/powerpoint/2010/main" val="1397872198"/>
       </p:ext>
     </p:extLst>
   </p:cSld>
@@ -313,6 +904,1619 @@
 </file>
 
 <file path=ppt/slideLayouts/slideLayout10.xml><?xml version="1.0" encoding="utf-8"?>
+<p:sldLayout xmlns:a="http://schemas.openxmlformats.org/drawingml/2006/main" xmlns:r="http://schemas.openxmlformats.org/officeDocument/2006/relationships" xmlns:p="http://schemas.openxmlformats.org/presentationml/2006/main" preserve="1">
+  <p:cSld name="タイトルとキャプション">
+    <p:spTree>
+      <p:nvGrpSpPr>
+        <p:cNvPr id="1" name=""/>
+        <p:cNvGrpSpPr/>
+        <p:nvPr/>
+      </p:nvGrpSpPr>
+      <p:grpSpPr>
+        <a:xfrm>
+          <a:off x="0" y="0"/>
+          <a:ext cx="0" cy="0"/>
+          <a:chOff x="0" y="0"/>
+          <a:chExt cx="0" cy="0"/>
+        </a:xfrm>
+      </p:grpSpPr>
+      <p:sp>
+        <p:nvSpPr>
+          <p:cNvPr id="2" name="Title 1"/>
+          <p:cNvSpPr>
+            <a:spLocks noGrp="1"/>
+          </p:cNvSpPr>
+          <p:nvPr>
+            <p:ph type="title"/>
+          </p:nvPr>
+        </p:nvSpPr>
+        <p:spPr>
+          <a:xfrm>
+            <a:off x="677335" y="609600"/>
+            <a:ext cx="8596668" cy="3403600"/>
+          </a:xfrm>
+        </p:spPr>
+        <p:txBody>
+          <a:bodyPr anchor="ctr">
+            <a:normAutofit/>
+          </a:bodyPr>
+          <a:lstStyle>
+            <a:lvl1pPr algn="l">
+              <a:defRPr sz="4400" b="0" cap="none"/>
+            </a:lvl1pPr>
+          </a:lstStyle>
+          <a:p>
+            <a:r>
+              <a:rPr lang="ja-JP" altLang="en-US" smtClean="0"/>
+              <a:t>マスター タイトルの書式設定</a:t>
+            </a:r>
+            <a:endParaRPr lang="en-US" dirty="0"/>
+          </a:p>
+        </p:txBody>
+      </p:sp>
+      <p:sp>
+        <p:nvSpPr>
+          <p:cNvPr id="3" name="Text Placeholder 2"/>
+          <p:cNvSpPr>
+            <a:spLocks noGrp="1"/>
+          </p:cNvSpPr>
+          <p:nvPr>
+            <p:ph type="body" idx="1"/>
+          </p:nvPr>
+        </p:nvSpPr>
+        <p:spPr>
+          <a:xfrm>
+            <a:off x="677335" y="4470400"/>
+            <a:ext cx="8596668" cy="1570962"/>
+          </a:xfrm>
+        </p:spPr>
+        <p:txBody>
+          <a:bodyPr anchor="ctr">
+            <a:normAutofit/>
+          </a:bodyPr>
+          <a:lstStyle>
+            <a:lvl1pPr marL="0" indent="0" algn="l">
+              <a:buNone/>
+              <a:defRPr sz="1800">
+                <a:solidFill>
+                  <a:schemeClr val="tx1">
+                    <a:lumMod val="75000"/>
+                    <a:lumOff val="25000"/>
+                  </a:schemeClr>
+                </a:solidFill>
+              </a:defRPr>
+            </a:lvl1pPr>
+            <a:lvl2pPr marL="457200" indent="0">
+              <a:buNone/>
+              <a:defRPr sz="1800">
+                <a:solidFill>
+                  <a:schemeClr val="tx1">
+                    <a:tint val="75000"/>
+                  </a:schemeClr>
+                </a:solidFill>
+              </a:defRPr>
+            </a:lvl2pPr>
+            <a:lvl3pPr marL="914400" indent="0">
+              <a:buNone/>
+              <a:defRPr sz="1600">
+                <a:solidFill>
+                  <a:schemeClr val="tx1">
+                    <a:tint val="75000"/>
+                  </a:schemeClr>
+                </a:solidFill>
+              </a:defRPr>
+            </a:lvl3pPr>
+            <a:lvl4pPr marL="1371600" indent="0">
+              <a:buNone/>
+              <a:defRPr sz="1400">
+                <a:solidFill>
+                  <a:schemeClr val="tx1">
+                    <a:tint val="75000"/>
+                  </a:schemeClr>
+                </a:solidFill>
+              </a:defRPr>
+            </a:lvl4pPr>
+            <a:lvl5pPr marL="1828800" indent="0">
+              <a:buNone/>
+              <a:defRPr sz="1400">
+                <a:solidFill>
+                  <a:schemeClr val="tx1">
+                    <a:tint val="75000"/>
+                  </a:schemeClr>
+                </a:solidFill>
+              </a:defRPr>
+            </a:lvl5pPr>
+            <a:lvl6pPr marL="2286000" indent="0">
+              <a:buNone/>
+              <a:defRPr sz="1400">
+                <a:solidFill>
+                  <a:schemeClr val="tx1">
+                    <a:tint val="75000"/>
+                  </a:schemeClr>
+                </a:solidFill>
+              </a:defRPr>
+            </a:lvl6pPr>
+            <a:lvl7pPr marL="2743200" indent="0">
+              <a:buNone/>
+              <a:defRPr sz="1400">
+                <a:solidFill>
+                  <a:schemeClr val="tx1">
+                    <a:tint val="75000"/>
+                  </a:schemeClr>
+                </a:solidFill>
+              </a:defRPr>
+            </a:lvl7pPr>
+            <a:lvl8pPr marL="3200400" indent="0">
+              <a:buNone/>
+              <a:defRPr sz="1400">
+                <a:solidFill>
+                  <a:schemeClr val="tx1">
+                    <a:tint val="75000"/>
+                  </a:schemeClr>
+                </a:solidFill>
+              </a:defRPr>
+            </a:lvl8pPr>
+            <a:lvl9pPr marL="3657600" indent="0">
+              <a:buNone/>
+              <a:defRPr sz="1400">
+                <a:solidFill>
+                  <a:schemeClr val="tx1">
+                    <a:tint val="75000"/>
+                  </a:schemeClr>
+                </a:solidFill>
+              </a:defRPr>
+            </a:lvl9pPr>
+          </a:lstStyle>
+          <a:p>
+            <a:pPr lvl="0"/>
+            <a:r>
+              <a:rPr lang="ja-JP" altLang="en-US" smtClean="0"/>
+              <a:t>マスター テキストの書式設定</a:t>
+            </a:r>
+          </a:p>
+        </p:txBody>
+      </p:sp>
+      <p:sp>
+        <p:nvSpPr>
+          <p:cNvPr id="4" name="Date Placeholder 3"/>
+          <p:cNvSpPr>
+            <a:spLocks noGrp="1"/>
+          </p:cNvSpPr>
+          <p:nvPr>
+            <p:ph type="dt" sz="half" idx="10"/>
+          </p:nvPr>
+        </p:nvSpPr>
+        <p:spPr/>
+        <p:txBody>
+          <a:bodyPr/>
+          <a:lstStyle/>
+          <a:p>
+            <a:fld id="{21A8CBF7-404D-F54F-A93F-289B36D1F088}" type="datetimeFigureOut">
+              <a:rPr kumimoji="1" lang="ja-JP" altLang="en-US" smtClean="0"/>
+              <a:t>2016/6/28</a:t>
+            </a:fld>
+            <a:endParaRPr kumimoji="1" lang="ja-JP" altLang="en-US"/>
+          </a:p>
+        </p:txBody>
+      </p:sp>
+      <p:sp>
+        <p:nvSpPr>
+          <p:cNvPr id="5" name="Footer Placeholder 4"/>
+          <p:cNvSpPr>
+            <a:spLocks noGrp="1"/>
+          </p:cNvSpPr>
+          <p:nvPr>
+            <p:ph type="ftr" sz="quarter" idx="11"/>
+          </p:nvPr>
+        </p:nvSpPr>
+        <p:spPr/>
+        <p:txBody>
+          <a:bodyPr/>
+          <a:lstStyle/>
+          <a:p>
+            <a:endParaRPr kumimoji="1" lang="ja-JP" altLang="en-US"/>
+          </a:p>
+        </p:txBody>
+      </p:sp>
+      <p:sp>
+        <p:nvSpPr>
+          <p:cNvPr id="6" name="Slide Number Placeholder 5"/>
+          <p:cNvSpPr>
+            <a:spLocks noGrp="1"/>
+          </p:cNvSpPr>
+          <p:nvPr>
+            <p:ph type="sldNum" sz="quarter" idx="12"/>
+          </p:nvPr>
+        </p:nvSpPr>
+        <p:spPr/>
+        <p:txBody>
+          <a:bodyPr/>
+          <a:lstStyle/>
+          <a:p>
+            <a:fld id="{D17297BC-E241-E944-B653-93E33A0B6276}" type="slidenum">
+              <a:rPr kumimoji="1" lang="ja-JP" altLang="en-US" smtClean="0"/>
+              <a:t>‹#›</a:t>
+            </a:fld>
+            <a:endParaRPr kumimoji="1" lang="ja-JP" altLang="en-US"/>
+          </a:p>
+        </p:txBody>
+      </p:sp>
+    </p:spTree>
+    <p:extLst>
+      <p:ext uri="{BB962C8B-B14F-4D97-AF65-F5344CB8AC3E}">
+        <p14:creationId xmlns:p14="http://schemas.microsoft.com/office/powerpoint/2010/main" val="1976383081"/>
+      </p:ext>
+    </p:extLst>
+  </p:cSld>
+  <p:clrMapOvr>
+    <a:masterClrMapping/>
+  </p:clrMapOvr>
+</p:sldLayout>
+</file>
+
+<file path=ppt/slideLayouts/slideLayout11.xml><?xml version="1.0" encoding="utf-8"?>
+<p:sldLayout xmlns:a="http://schemas.openxmlformats.org/drawingml/2006/main" xmlns:r="http://schemas.openxmlformats.org/officeDocument/2006/relationships" xmlns:p="http://schemas.openxmlformats.org/presentationml/2006/main" preserve="1">
+  <p:cSld name="引用 (キャプション付き)">
+    <p:spTree>
+      <p:nvGrpSpPr>
+        <p:cNvPr id="1" name=""/>
+        <p:cNvGrpSpPr/>
+        <p:nvPr/>
+      </p:nvGrpSpPr>
+      <p:grpSpPr>
+        <a:xfrm>
+          <a:off x="0" y="0"/>
+          <a:ext cx="0" cy="0"/>
+          <a:chOff x="0" y="0"/>
+          <a:chExt cx="0" cy="0"/>
+        </a:xfrm>
+      </p:grpSpPr>
+      <p:sp>
+        <p:nvSpPr>
+          <p:cNvPr id="2" name="Title 1"/>
+          <p:cNvSpPr>
+            <a:spLocks noGrp="1"/>
+          </p:cNvSpPr>
+          <p:nvPr>
+            <p:ph type="title"/>
+          </p:nvPr>
+        </p:nvSpPr>
+        <p:spPr>
+          <a:xfrm>
+            <a:off x="931334" y="609600"/>
+            <a:ext cx="8094134" cy="3022600"/>
+          </a:xfrm>
+        </p:spPr>
+        <p:txBody>
+          <a:bodyPr anchor="ctr">
+            <a:normAutofit/>
+          </a:bodyPr>
+          <a:lstStyle>
+            <a:lvl1pPr algn="l">
+              <a:defRPr sz="4400" b="0" cap="none"/>
+            </a:lvl1pPr>
+          </a:lstStyle>
+          <a:p>
+            <a:r>
+              <a:rPr lang="ja-JP" altLang="en-US" smtClean="0"/>
+              <a:t>マスター タイトルの書式設定</a:t>
+            </a:r>
+            <a:endParaRPr lang="en-US" dirty="0"/>
+          </a:p>
+        </p:txBody>
+      </p:sp>
+      <p:sp>
+        <p:nvSpPr>
+          <p:cNvPr id="23" name="Text Placeholder 9"/>
+          <p:cNvSpPr>
+            <a:spLocks noGrp="1"/>
+          </p:cNvSpPr>
+          <p:nvPr>
+            <p:ph type="body" sz="quarter" idx="13"/>
+          </p:nvPr>
+        </p:nvSpPr>
+        <p:spPr>
+          <a:xfrm>
+            <a:off x="1366139" y="3632200"/>
+            <a:ext cx="7224524" cy="381000"/>
+          </a:xfrm>
+        </p:spPr>
+        <p:txBody>
+          <a:bodyPr anchor="ctr">
+            <a:noAutofit/>
+          </a:bodyPr>
+          <a:lstStyle>
+            <a:lvl1pPr marL="0" indent="0">
+              <a:buFontTx/>
+              <a:buNone/>
+              <a:defRPr sz="1600">
+                <a:solidFill>
+                  <a:schemeClr val="tx1">
+                    <a:lumMod val="50000"/>
+                    <a:lumOff val="50000"/>
+                  </a:schemeClr>
+                </a:solidFill>
+              </a:defRPr>
+            </a:lvl1pPr>
+            <a:lvl2pPr marL="457200" indent="0">
+              <a:buFontTx/>
+              <a:buNone/>
+              <a:defRPr/>
+            </a:lvl2pPr>
+            <a:lvl3pPr marL="914400" indent="0">
+              <a:buFontTx/>
+              <a:buNone/>
+              <a:defRPr/>
+            </a:lvl3pPr>
+            <a:lvl4pPr marL="1371600" indent="0">
+              <a:buFontTx/>
+              <a:buNone/>
+              <a:defRPr/>
+            </a:lvl4pPr>
+            <a:lvl5pPr marL="1828800" indent="0">
+              <a:buFontTx/>
+              <a:buNone/>
+              <a:defRPr/>
+            </a:lvl5pPr>
+          </a:lstStyle>
+          <a:p>
+            <a:pPr lvl="0"/>
+            <a:r>
+              <a:rPr lang="ja-JP" altLang="en-US" smtClean="0"/>
+              <a:t>マスター テキストの書式設定</a:t>
+            </a:r>
+          </a:p>
+        </p:txBody>
+      </p:sp>
+      <p:sp>
+        <p:nvSpPr>
+          <p:cNvPr id="3" name="Text Placeholder 2"/>
+          <p:cNvSpPr>
+            <a:spLocks noGrp="1"/>
+          </p:cNvSpPr>
+          <p:nvPr>
+            <p:ph type="body" idx="1"/>
+          </p:nvPr>
+        </p:nvSpPr>
+        <p:spPr>
+          <a:xfrm>
+            <a:off x="677335" y="4470400"/>
+            <a:ext cx="8596668" cy="1570962"/>
+          </a:xfrm>
+        </p:spPr>
+        <p:txBody>
+          <a:bodyPr anchor="ctr">
+            <a:normAutofit/>
+          </a:bodyPr>
+          <a:lstStyle>
+            <a:lvl1pPr marL="0" indent="0" algn="l">
+              <a:buNone/>
+              <a:defRPr sz="1800">
+                <a:solidFill>
+                  <a:schemeClr val="tx1">
+                    <a:lumMod val="75000"/>
+                    <a:lumOff val="25000"/>
+                  </a:schemeClr>
+                </a:solidFill>
+              </a:defRPr>
+            </a:lvl1pPr>
+            <a:lvl2pPr marL="457200" indent="0">
+              <a:buNone/>
+              <a:defRPr sz="1800">
+                <a:solidFill>
+                  <a:schemeClr val="tx1">
+                    <a:tint val="75000"/>
+                  </a:schemeClr>
+                </a:solidFill>
+              </a:defRPr>
+            </a:lvl2pPr>
+            <a:lvl3pPr marL="914400" indent="0">
+              <a:buNone/>
+              <a:defRPr sz="1600">
+                <a:solidFill>
+                  <a:schemeClr val="tx1">
+                    <a:tint val="75000"/>
+                  </a:schemeClr>
+                </a:solidFill>
+              </a:defRPr>
+            </a:lvl3pPr>
+            <a:lvl4pPr marL="1371600" indent="0">
+              <a:buNone/>
+              <a:defRPr sz="1400">
+                <a:solidFill>
+                  <a:schemeClr val="tx1">
+                    <a:tint val="75000"/>
+                  </a:schemeClr>
+                </a:solidFill>
+              </a:defRPr>
+            </a:lvl4pPr>
+            <a:lvl5pPr marL="1828800" indent="0">
+              <a:buNone/>
+              <a:defRPr sz="1400">
+                <a:solidFill>
+                  <a:schemeClr val="tx1">
+                    <a:tint val="75000"/>
+                  </a:schemeClr>
+                </a:solidFill>
+              </a:defRPr>
+            </a:lvl5pPr>
+            <a:lvl6pPr marL="2286000" indent="0">
+              <a:buNone/>
+              <a:defRPr sz="1400">
+                <a:solidFill>
+                  <a:schemeClr val="tx1">
+                    <a:tint val="75000"/>
+                  </a:schemeClr>
+                </a:solidFill>
+              </a:defRPr>
+            </a:lvl6pPr>
+            <a:lvl7pPr marL="2743200" indent="0">
+              <a:buNone/>
+              <a:defRPr sz="1400">
+                <a:solidFill>
+                  <a:schemeClr val="tx1">
+                    <a:tint val="75000"/>
+                  </a:schemeClr>
+                </a:solidFill>
+              </a:defRPr>
+            </a:lvl7pPr>
+            <a:lvl8pPr marL="3200400" indent="0">
+              <a:buNone/>
+              <a:defRPr sz="1400">
+                <a:solidFill>
+                  <a:schemeClr val="tx1">
+                    <a:tint val="75000"/>
+                  </a:schemeClr>
+                </a:solidFill>
+              </a:defRPr>
+            </a:lvl8pPr>
+            <a:lvl9pPr marL="3657600" indent="0">
+              <a:buNone/>
+              <a:defRPr sz="1400">
+                <a:solidFill>
+                  <a:schemeClr val="tx1">
+                    <a:tint val="75000"/>
+                  </a:schemeClr>
+                </a:solidFill>
+              </a:defRPr>
+            </a:lvl9pPr>
+          </a:lstStyle>
+          <a:p>
+            <a:pPr lvl="0"/>
+            <a:r>
+              <a:rPr lang="ja-JP" altLang="en-US" smtClean="0"/>
+              <a:t>マスター テキストの書式設定</a:t>
+            </a:r>
+          </a:p>
+        </p:txBody>
+      </p:sp>
+      <p:sp>
+        <p:nvSpPr>
+          <p:cNvPr id="4" name="Date Placeholder 3"/>
+          <p:cNvSpPr>
+            <a:spLocks noGrp="1"/>
+          </p:cNvSpPr>
+          <p:nvPr>
+            <p:ph type="dt" sz="half" idx="10"/>
+          </p:nvPr>
+        </p:nvSpPr>
+        <p:spPr/>
+        <p:txBody>
+          <a:bodyPr/>
+          <a:lstStyle/>
+          <a:p>
+            <a:fld id="{21A8CBF7-404D-F54F-A93F-289B36D1F088}" type="datetimeFigureOut">
+              <a:rPr kumimoji="1" lang="ja-JP" altLang="en-US" smtClean="0"/>
+              <a:t>2016/6/28</a:t>
+            </a:fld>
+            <a:endParaRPr kumimoji="1" lang="ja-JP" altLang="en-US"/>
+          </a:p>
+        </p:txBody>
+      </p:sp>
+      <p:sp>
+        <p:nvSpPr>
+          <p:cNvPr id="5" name="Footer Placeholder 4"/>
+          <p:cNvSpPr>
+            <a:spLocks noGrp="1"/>
+          </p:cNvSpPr>
+          <p:nvPr>
+            <p:ph type="ftr" sz="quarter" idx="11"/>
+          </p:nvPr>
+        </p:nvSpPr>
+        <p:spPr/>
+        <p:txBody>
+          <a:bodyPr/>
+          <a:lstStyle/>
+          <a:p>
+            <a:endParaRPr kumimoji="1" lang="ja-JP" altLang="en-US"/>
+          </a:p>
+        </p:txBody>
+      </p:sp>
+      <p:sp>
+        <p:nvSpPr>
+          <p:cNvPr id="6" name="Slide Number Placeholder 5"/>
+          <p:cNvSpPr>
+            <a:spLocks noGrp="1"/>
+          </p:cNvSpPr>
+          <p:nvPr>
+            <p:ph type="sldNum" sz="quarter" idx="12"/>
+          </p:nvPr>
+        </p:nvSpPr>
+        <p:spPr/>
+        <p:txBody>
+          <a:bodyPr/>
+          <a:lstStyle/>
+          <a:p>
+            <a:fld id="{D17297BC-E241-E944-B653-93E33A0B6276}" type="slidenum">
+              <a:rPr kumimoji="1" lang="ja-JP" altLang="en-US" smtClean="0"/>
+              <a:t>‹#›</a:t>
+            </a:fld>
+            <a:endParaRPr kumimoji="1" lang="ja-JP" altLang="en-US"/>
+          </a:p>
+        </p:txBody>
+      </p:sp>
+      <p:sp>
+        <p:nvSpPr>
+          <p:cNvPr id="20" name="TextBox 19"/>
+          <p:cNvSpPr txBox="1"/>
+          <p:nvPr/>
+        </p:nvSpPr>
+        <p:spPr>
+          <a:xfrm>
+            <a:off x="541870" y="790378"/>
+            <a:ext cx="609600" cy="584776"/>
+          </a:xfrm>
+          <a:prstGeom prst="rect">
+            <a:avLst/>
+          </a:prstGeom>
+        </p:spPr>
+        <p:txBody>
+          <a:bodyPr vert="horz" lIns="91440" tIns="45720" rIns="91440" bIns="45720" rtlCol="0" anchor="ctr">
+            <a:noAutofit/>
+          </a:bodyPr>
+          <a:lstStyle/>
+          <a:p>
+            <a:pPr lvl="0"/>
+            <a:r>
+              <a:rPr lang="en-US" sz="8000" baseline="0" dirty="0">
+                <a:ln w="3175" cmpd="sng">
+                  <a:noFill/>
+                </a:ln>
+                <a:solidFill>
+                  <a:schemeClr val="accent1">
+                    <a:lumMod val="60000"/>
+                    <a:lumOff val="40000"/>
+                  </a:schemeClr>
+                </a:solidFill>
+                <a:effectLst/>
+                <a:latin typeface="Arial"/>
+              </a:rPr>
+              <a:t>“</a:t>
+            </a:r>
+          </a:p>
+        </p:txBody>
+      </p:sp>
+      <p:sp>
+        <p:nvSpPr>
+          <p:cNvPr id="22" name="TextBox 21"/>
+          <p:cNvSpPr txBox="1"/>
+          <p:nvPr/>
+        </p:nvSpPr>
+        <p:spPr>
+          <a:xfrm>
+            <a:off x="8893011" y="2886556"/>
+            <a:ext cx="609600" cy="584776"/>
+          </a:xfrm>
+          <a:prstGeom prst="rect">
+            <a:avLst/>
+          </a:prstGeom>
+        </p:spPr>
+        <p:txBody>
+          <a:bodyPr vert="horz" lIns="91440" tIns="45720" rIns="91440" bIns="45720" rtlCol="0" anchor="ctr">
+            <a:noAutofit/>
+          </a:bodyPr>
+          <a:lstStyle/>
+          <a:p>
+            <a:pPr lvl="0"/>
+            <a:r>
+              <a:rPr lang="en-US" sz="8000" baseline="0" dirty="0">
+                <a:ln w="3175" cmpd="sng">
+                  <a:noFill/>
+                </a:ln>
+                <a:solidFill>
+                  <a:schemeClr val="accent1">
+                    <a:lumMod val="60000"/>
+                    <a:lumOff val="40000"/>
+                  </a:schemeClr>
+                </a:solidFill>
+                <a:latin typeface="Arial"/>
+              </a:rPr>
+              <a:t>”</a:t>
+            </a:r>
+            <a:endParaRPr lang="en-US" dirty="0">
+              <a:solidFill>
+                <a:schemeClr val="accent1">
+                  <a:lumMod val="60000"/>
+                  <a:lumOff val="40000"/>
+                </a:schemeClr>
+              </a:solidFill>
+              <a:latin typeface="Arial"/>
+            </a:endParaRPr>
+          </a:p>
+        </p:txBody>
+      </p:sp>
+    </p:spTree>
+    <p:extLst>
+      <p:ext uri="{BB962C8B-B14F-4D97-AF65-F5344CB8AC3E}">
+        <p14:creationId xmlns:p14="http://schemas.microsoft.com/office/powerpoint/2010/main" val="1940874218"/>
+      </p:ext>
+    </p:extLst>
+  </p:cSld>
+  <p:clrMapOvr>
+    <a:masterClrMapping/>
+  </p:clrMapOvr>
+</p:sldLayout>
+</file>
+
+<file path=ppt/slideLayouts/slideLayout12.xml><?xml version="1.0" encoding="utf-8"?>
+<p:sldLayout xmlns:a="http://schemas.openxmlformats.org/drawingml/2006/main" xmlns:r="http://schemas.openxmlformats.org/officeDocument/2006/relationships" xmlns:p="http://schemas.openxmlformats.org/presentationml/2006/main" preserve="1">
+  <p:cSld name="名札">
+    <p:spTree>
+      <p:nvGrpSpPr>
+        <p:cNvPr id="1" name=""/>
+        <p:cNvGrpSpPr/>
+        <p:nvPr/>
+      </p:nvGrpSpPr>
+      <p:grpSpPr>
+        <a:xfrm>
+          <a:off x="0" y="0"/>
+          <a:ext cx="0" cy="0"/>
+          <a:chOff x="0" y="0"/>
+          <a:chExt cx="0" cy="0"/>
+        </a:xfrm>
+      </p:grpSpPr>
+      <p:sp>
+        <p:nvSpPr>
+          <p:cNvPr id="2" name="Title 1"/>
+          <p:cNvSpPr>
+            <a:spLocks noGrp="1"/>
+          </p:cNvSpPr>
+          <p:nvPr>
+            <p:ph type="title"/>
+          </p:nvPr>
+        </p:nvSpPr>
+        <p:spPr>
+          <a:xfrm>
+            <a:off x="677335" y="1931988"/>
+            <a:ext cx="8596668" cy="2595460"/>
+          </a:xfrm>
+        </p:spPr>
+        <p:txBody>
+          <a:bodyPr anchor="b">
+            <a:normAutofit/>
+          </a:bodyPr>
+          <a:lstStyle>
+            <a:lvl1pPr algn="l">
+              <a:defRPr sz="4400" b="0" cap="none"/>
+            </a:lvl1pPr>
+          </a:lstStyle>
+          <a:p>
+            <a:r>
+              <a:rPr lang="ja-JP" altLang="en-US" smtClean="0"/>
+              <a:t>マスター タイトルの書式設定</a:t>
+            </a:r>
+            <a:endParaRPr lang="en-US" dirty="0"/>
+          </a:p>
+        </p:txBody>
+      </p:sp>
+      <p:sp>
+        <p:nvSpPr>
+          <p:cNvPr id="3" name="Text Placeholder 2"/>
+          <p:cNvSpPr>
+            <a:spLocks noGrp="1"/>
+          </p:cNvSpPr>
+          <p:nvPr>
+            <p:ph type="body" idx="1"/>
+          </p:nvPr>
+        </p:nvSpPr>
+        <p:spPr>
+          <a:xfrm>
+            <a:off x="677335" y="4527448"/>
+            <a:ext cx="8596668" cy="1513914"/>
+          </a:xfrm>
+        </p:spPr>
+        <p:txBody>
+          <a:bodyPr anchor="t">
+            <a:normAutofit/>
+          </a:bodyPr>
+          <a:lstStyle>
+            <a:lvl1pPr marL="0" indent="0" algn="l">
+              <a:buNone/>
+              <a:defRPr sz="1800">
+                <a:solidFill>
+                  <a:schemeClr val="tx1">
+                    <a:lumMod val="75000"/>
+                    <a:lumOff val="25000"/>
+                  </a:schemeClr>
+                </a:solidFill>
+              </a:defRPr>
+            </a:lvl1pPr>
+            <a:lvl2pPr marL="457200" indent="0">
+              <a:buNone/>
+              <a:defRPr sz="1800">
+                <a:solidFill>
+                  <a:schemeClr val="tx1">
+                    <a:tint val="75000"/>
+                  </a:schemeClr>
+                </a:solidFill>
+              </a:defRPr>
+            </a:lvl2pPr>
+            <a:lvl3pPr marL="914400" indent="0">
+              <a:buNone/>
+              <a:defRPr sz="1600">
+                <a:solidFill>
+                  <a:schemeClr val="tx1">
+                    <a:tint val="75000"/>
+                  </a:schemeClr>
+                </a:solidFill>
+              </a:defRPr>
+            </a:lvl3pPr>
+            <a:lvl4pPr marL="1371600" indent="0">
+              <a:buNone/>
+              <a:defRPr sz="1400">
+                <a:solidFill>
+                  <a:schemeClr val="tx1">
+                    <a:tint val="75000"/>
+                  </a:schemeClr>
+                </a:solidFill>
+              </a:defRPr>
+            </a:lvl4pPr>
+            <a:lvl5pPr marL="1828800" indent="0">
+              <a:buNone/>
+              <a:defRPr sz="1400">
+                <a:solidFill>
+                  <a:schemeClr val="tx1">
+                    <a:tint val="75000"/>
+                  </a:schemeClr>
+                </a:solidFill>
+              </a:defRPr>
+            </a:lvl5pPr>
+            <a:lvl6pPr marL="2286000" indent="0">
+              <a:buNone/>
+              <a:defRPr sz="1400">
+                <a:solidFill>
+                  <a:schemeClr val="tx1">
+                    <a:tint val="75000"/>
+                  </a:schemeClr>
+                </a:solidFill>
+              </a:defRPr>
+            </a:lvl6pPr>
+            <a:lvl7pPr marL="2743200" indent="0">
+              <a:buNone/>
+              <a:defRPr sz="1400">
+                <a:solidFill>
+                  <a:schemeClr val="tx1">
+                    <a:tint val="75000"/>
+                  </a:schemeClr>
+                </a:solidFill>
+              </a:defRPr>
+            </a:lvl7pPr>
+            <a:lvl8pPr marL="3200400" indent="0">
+              <a:buNone/>
+              <a:defRPr sz="1400">
+                <a:solidFill>
+                  <a:schemeClr val="tx1">
+                    <a:tint val="75000"/>
+                  </a:schemeClr>
+                </a:solidFill>
+              </a:defRPr>
+            </a:lvl8pPr>
+            <a:lvl9pPr marL="3657600" indent="0">
+              <a:buNone/>
+              <a:defRPr sz="1400">
+                <a:solidFill>
+                  <a:schemeClr val="tx1">
+                    <a:tint val="75000"/>
+                  </a:schemeClr>
+                </a:solidFill>
+              </a:defRPr>
+            </a:lvl9pPr>
+          </a:lstStyle>
+          <a:p>
+            <a:pPr lvl="0"/>
+            <a:r>
+              <a:rPr lang="ja-JP" altLang="en-US" smtClean="0"/>
+              <a:t>マスター テキストの書式設定</a:t>
+            </a:r>
+          </a:p>
+        </p:txBody>
+      </p:sp>
+      <p:sp>
+        <p:nvSpPr>
+          <p:cNvPr id="4" name="Date Placeholder 3"/>
+          <p:cNvSpPr>
+            <a:spLocks noGrp="1"/>
+          </p:cNvSpPr>
+          <p:nvPr>
+            <p:ph type="dt" sz="half" idx="10"/>
+          </p:nvPr>
+        </p:nvSpPr>
+        <p:spPr/>
+        <p:txBody>
+          <a:bodyPr/>
+          <a:lstStyle/>
+          <a:p>
+            <a:fld id="{21A8CBF7-404D-F54F-A93F-289B36D1F088}" type="datetimeFigureOut">
+              <a:rPr kumimoji="1" lang="ja-JP" altLang="en-US" smtClean="0"/>
+              <a:t>2016/6/28</a:t>
+            </a:fld>
+            <a:endParaRPr kumimoji="1" lang="ja-JP" altLang="en-US"/>
+          </a:p>
+        </p:txBody>
+      </p:sp>
+      <p:sp>
+        <p:nvSpPr>
+          <p:cNvPr id="5" name="Footer Placeholder 4"/>
+          <p:cNvSpPr>
+            <a:spLocks noGrp="1"/>
+          </p:cNvSpPr>
+          <p:nvPr>
+            <p:ph type="ftr" sz="quarter" idx="11"/>
+          </p:nvPr>
+        </p:nvSpPr>
+        <p:spPr/>
+        <p:txBody>
+          <a:bodyPr/>
+          <a:lstStyle/>
+          <a:p>
+            <a:endParaRPr kumimoji="1" lang="ja-JP" altLang="en-US"/>
+          </a:p>
+        </p:txBody>
+      </p:sp>
+      <p:sp>
+        <p:nvSpPr>
+          <p:cNvPr id="6" name="Slide Number Placeholder 5"/>
+          <p:cNvSpPr>
+            <a:spLocks noGrp="1"/>
+          </p:cNvSpPr>
+          <p:nvPr>
+            <p:ph type="sldNum" sz="quarter" idx="12"/>
+          </p:nvPr>
+        </p:nvSpPr>
+        <p:spPr/>
+        <p:txBody>
+          <a:bodyPr/>
+          <a:lstStyle/>
+          <a:p>
+            <a:fld id="{D17297BC-E241-E944-B653-93E33A0B6276}" type="slidenum">
+              <a:rPr kumimoji="1" lang="ja-JP" altLang="en-US" smtClean="0"/>
+              <a:t>‹#›</a:t>
+            </a:fld>
+            <a:endParaRPr kumimoji="1" lang="ja-JP" altLang="en-US"/>
+          </a:p>
+        </p:txBody>
+      </p:sp>
+    </p:spTree>
+    <p:extLst>
+      <p:ext uri="{BB962C8B-B14F-4D97-AF65-F5344CB8AC3E}">
+        <p14:creationId xmlns:p14="http://schemas.microsoft.com/office/powerpoint/2010/main" val="2143867643"/>
+      </p:ext>
+    </p:extLst>
+  </p:cSld>
+  <p:clrMapOvr>
+    <a:masterClrMapping/>
+  </p:clrMapOvr>
+</p:sldLayout>
+</file>
+
+<file path=ppt/slideLayouts/slideLayout13.xml><?xml version="1.0" encoding="utf-8"?>
+<p:sldLayout xmlns:a="http://schemas.openxmlformats.org/drawingml/2006/main" xmlns:r="http://schemas.openxmlformats.org/officeDocument/2006/relationships" xmlns:p="http://schemas.openxmlformats.org/presentationml/2006/main" preserve="1">
+  <p:cSld name="引用付きの名札">
+    <p:spTree>
+      <p:nvGrpSpPr>
+        <p:cNvPr id="1" name=""/>
+        <p:cNvGrpSpPr/>
+        <p:nvPr/>
+      </p:nvGrpSpPr>
+      <p:grpSpPr>
+        <a:xfrm>
+          <a:off x="0" y="0"/>
+          <a:ext cx="0" cy="0"/>
+          <a:chOff x="0" y="0"/>
+          <a:chExt cx="0" cy="0"/>
+        </a:xfrm>
+      </p:grpSpPr>
+      <p:sp>
+        <p:nvSpPr>
+          <p:cNvPr id="2" name="Title 1"/>
+          <p:cNvSpPr>
+            <a:spLocks noGrp="1"/>
+          </p:cNvSpPr>
+          <p:nvPr>
+            <p:ph type="title"/>
+          </p:nvPr>
+        </p:nvSpPr>
+        <p:spPr>
+          <a:xfrm>
+            <a:off x="931334" y="609600"/>
+            <a:ext cx="8094134" cy="3022600"/>
+          </a:xfrm>
+        </p:spPr>
+        <p:txBody>
+          <a:bodyPr anchor="ctr">
+            <a:normAutofit/>
+          </a:bodyPr>
+          <a:lstStyle>
+            <a:lvl1pPr algn="l">
+              <a:defRPr sz="4400" b="0" cap="none"/>
+            </a:lvl1pPr>
+          </a:lstStyle>
+          <a:p>
+            <a:r>
+              <a:rPr lang="ja-JP" altLang="en-US" smtClean="0"/>
+              <a:t>マスター タイトルの書式設定</a:t>
+            </a:r>
+            <a:endParaRPr lang="en-US" dirty="0"/>
+          </a:p>
+        </p:txBody>
+      </p:sp>
+      <p:sp>
+        <p:nvSpPr>
+          <p:cNvPr id="23" name="Text Placeholder 9"/>
+          <p:cNvSpPr>
+            <a:spLocks noGrp="1"/>
+          </p:cNvSpPr>
+          <p:nvPr>
+            <p:ph type="body" sz="quarter" idx="13"/>
+          </p:nvPr>
+        </p:nvSpPr>
+        <p:spPr>
+          <a:xfrm>
+            <a:off x="677332" y="4013200"/>
+            <a:ext cx="8596669" cy="514248"/>
+          </a:xfrm>
+        </p:spPr>
+        <p:txBody>
+          <a:bodyPr anchor="b">
+            <a:noAutofit/>
+          </a:bodyPr>
+          <a:lstStyle>
+            <a:lvl1pPr marL="0" indent="0">
+              <a:buFontTx/>
+              <a:buNone/>
+              <a:defRPr sz="2400">
+                <a:solidFill>
+                  <a:schemeClr val="tx1">
+                    <a:lumMod val="75000"/>
+                    <a:lumOff val="25000"/>
+                  </a:schemeClr>
+                </a:solidFill>
+              </a:defRPr>
+            </a:lvl1pPr>
+            <a:lvl2pPr marL="457200" indent="0">
+              <a:buFontTx/>
+              <a:buNone/>
+              <a:defRPr/>
+            </a:lvl2pPr>
+            <a:lvl3pPr marL="914400" indent="0">
+              <a:buFontTx/>
+              <a:buNone/>
+              <a:defRPr/>
+            </a:lvl3pPr>
+            <a:lvl4pPr marL="1371600" indent="0">
+              <a:buFontTx/>
+              <a:buNone/>
+              <a:defRPr/>
+            </a:lvl4pPr>
+            <a:lvl5pPr marL="1828800" indent="0">
+              <a:buFontTx/>
+              <a:buNone/>
+              <a:defRPr/>
+            </a:lvl5pPr>
+          </a:lstStyle>
+          <a:p>
+            <a:pPr lvl="0"/>
+            <a:r>
+              <a:rPr lang="ja-JP" altLang="en-US" smtClean="0"/>
+              <a:t>マスター テキストの書式設定</a:t>
+            </a:r>
+          </a:p>
+        </p:txBody>
+      </p:sp>
+      <p:sp>
+        <p:nvSpPr>
+          <p:cNvPr id="3" name="Text Placeholder 2"/>
+          <p:cNvSpPr>
+            <a:spLocks noGrp="1"/>
+          </p:cNvSpPr>
+          <p:nvPr>
+            <p:ph type="body" idx="1"/>
+          </p:nvPr>
+        </p:nvSpPr>
+        <p:spPr>
+          <a:xfrm>
+            <a:off x="677335" y="4527448"/>
+            <a:ext cx="8596668" cy="1513914"/>
+          </a:xfrm>
+        </p:spPr>
+        <p:txBody>
+          <a:bodyPr anchor="t">
+            <a:normAutofit/>
+          </a:bodyPr>
+          <a:lstStyle>
+            <a:lvl1pPr marL="0" indent="0" algn="l">
+              <a:buNone/>
+              <a:defRPr sz="1800">
+                <a:solidFill>
+                  <a:schemeClr val="tx1">
+                    <a:lumMod val="50000"/>
+                    <a:lumOff val="50000"/>
+                  </a:schemeClr>
+                </a:solidFill>
+              </a:defRPr>
+            </a:lvl1pPr>
+            <a:lvl2pPr marL="457200" indent="0">
+              <a:buNone/>
+              <a:defRPr sz="1800">
+                <a:solidFill>
+                  <a:schemeClr val="tx1">
+                    <a:tint val="75000"/>
+                  </a:schemeClr>
+                </a:solidFill>
+              </a:defRPr>
+            </a:lvl2pPr>
+            <a:lvl3pPr marL="914400" indent="0">
+              <a:buNone/>
+              <a:defRPr sz="1600">
+                <a:solidFill>
+                  <a:schemeClr val="tx1">
+                    <a:tint val="75000"/>
+                  </a:schemeClr>
+                </a:solidFill>
+              </a:defRPr>
+            </a:lvl3pPr>
+            <a:lvl4pPr marL="1371600" indent="0">
+              <a:buNone/>
+              <a:defRPr sz="1400">
+                <a:solidFill>
+                  <a:schemeClr val="tx1">
+                    <a:tint val="75000"/>
+                  </a:schemeClr>
+                </a:solidFill>
+              </a:defRPr>
+            </a:lvl4pPr>
+            <a:lvl5pPr marL="1828800" indent="0">
+              <a:buNone/>
+              <a:defRPr sz="1400">
+                <a:solidFill>
+                  <a:schemeClr val="tx1">
+                    <a:tint val="75000"/>
+                  </a:schemeClr>
+                </a:solidFill>
+              </a:defRPr>
+            </a:lvl5pPr>
+            <a:lvl6pPr marL="2286000" indent="0">
+              <a:buNone/>
+              <a:defRPr sz="1400">
+                <a:solidFill>
+                  <a:schemeClr val="tx1">
+                    <a:tint val="75000"/>
+                  </a:schemeClr>
+                </a:solidFill>
+              </a:defRPr>
+            </a:lvl6pPr>
+            <a:lvl7pPr marL="2743200" indent="0">
+              <a:buNone/>
+              <a:defRPr sz="1400">
+                <a:solidFill>
+                  <a:schemeClr val="tx1">
+                    <a:tint val="75000"/>
+                  </a:schemeClr>
+                </a:solidFill>
+              </a:defRPr>
+            </a:lvl7pPr>
+            <a:lvl8pPr marL="3200400" indent="0">
+              <a:buNone/>
+              <a:defRPr sz="1400">
+                <a:solidFill>
+                  <a:schemeClr val="tx1">
+                    <a:tint val="75000"/>
+                  </a:schemeClr>
+                </a:solidFill>
+              </a:defRPr>
+            </a:lvl8pPr>
+            <a:lvl9pPr marL="3657600" indent="0">
+              <a:buNone/>
+              <a:defRPr sz="1400">
+                <a:solidFill>
+                  <a:schemeClr val="tx1">
+                    <a:tint val="75000"/>
+                  </a:schemeClr>
+                </a:solidFill>
+              </a:defRPr>
+            </a:lvl9pPr>
+          </a:lstStyle>
+          <a:p>
+            <a:pPr lvl="0"/>
+            <a:r>
+              <a:rPr lang="ja-JP" altLang="en-US" smtClean="0"/>
+              <a:t>マスター テキストの書式設定</a:t>
+            </a:r>
+          </a:p>
+        </p:txBody>
+      </p:sp>
+      <p:sp>
+        <p:nvSpPr>
+          <p:cNvPr id="4" name="Date Placeholder 3"/>
+          <p:cNvSpPr>
+            <a:spLocks noGrp="1"/>
+          </p:cNvSpPr>
+          <p:nvPr>
+            <p:ph type="dt" sz="half" idx="10"/>
+          </p:nvPr>
+        </p:nvSpPr>
+        <p:spPr/>
+        <p:txBody>
+          <a:bodyPr/>
+          <a:lstStyle/>
+          <a:p>
+            <a:fld id="{21A8CBF7-404D-F54F-A93F-289B36D1F088}" type="datetimeFigureOut">
+              <a:rPr kumimoji="1" lang="ja-JP" altLang="en-US" smtClean="0"/>
+              <a:t>2016/6/28</a:t>
+            </a:fld>
+            <a:endParaRPr kumimoji="1" lang="ja-JP" altLang="en-US"/>
+          </a:p>
+        </p:txBody>
+      </p:sp>
+      <p:sp>
+        <p:nvSpPr>
+          <p:cNvPr id="5" name="Footer Placeholder 4"/>
+          <p:cNvSpPr>
+            <a:spLocks noGrp="1"/>
+          </p:cNvSpPr>
+          <p:nvPr>
+            <p:ph type="ftr" sz="quarter" idx="11"/>
+          </p:nvPr>
+        </p:nvSpPr>
+        <p:spPr/>
+        <p:txBody>
+          <a:bodyPr/>
+          <a:lstStyle/>
+          <a:p>
+            <a:endParaRPr kumimoji="1" lang="ja-JP" altLang="en-US"/>
+          </a:p>
+        </p:txBody>
+      </p:sp>
+      <p:sp>
+        <p:nvSpPr>
+          <p:cNvPr id="6" name="Slide Number Placeholder 5"/>
+          <p:cNvSpPr>
+            <a:spLocks noGrp="1"/>
+          </p:cNvSpPr>
+          <p:nvPr>
+            <p:ph type="sldNum" sz="quarter" idx="12"/>
+          </p:nvPr>
+        </p:nvSpPr>
+        <p:spPr/>
+        <p:txBody>
+          <a:bodyPr/>
+          <a:lstStyle/>
+          <a:p>
+            <a:fld id="{D17297BC-E241-E944-B653-93E33A0B6276}" type="slidenum">
+              <a:rPr kumimoji="1" lang="ja-JP" altLang="en-US" smtClean="0"/>
+              <a:t>‹#›</a:t>
+            </a:fld>
+            <a:endParaRPr kumimoji="1" lang="ja-JP" altLang="en-US"/>
+          </a:p>
+        </p:txBody>
+      </p:sp>
+      <p:sp>
+        <p:nvSpPr>
+          <p:cNvPr id="24" name="TextBox 23"/>
+          <p:cNvSpPr txBox="1"/>
+          <p:nvPr/>
+        </p:nvSpPr>
+        <p:spPr>
+          <a:xfrm>
+            <a:off x="541870" y="790378"/>
+            <a:ext cx="609600" cy="584776"/>
+          </a:xfrm>
+          <a:prstGeom prst="rect">
+            <a:avLst/>
+          </a:prstGeom>
+        </p:spPr>
+        <p:txBody>
+          <a:bodyPr vert="horz" lIns="91440" tIns="45720" rIns="91440" bIns="45720" rtlCol="0" anchor="ctr">
+            <a:noAutofit/>
+          </a:bodyPr>
+          <a:lstStyle/>
+          <a:p>
+            <a:pPr lvl="0"/>
+            <a:r>
+              <a:rPr lang="en-US" sz="8000" baseline="0" dirty="0">
+                <a:ln w="3175" cmpd="sng">
+                  <a:noFill/>
+                </a:ln>
+                <a:solidFill>
+                  <a:schemeClr val="accent1">
+                    <a:lumMod val="60000"/>
+                    <a:lumOff val="40000"/>
+                  </a:schemeClr>
+                </a:solidFill>
+                <a:effectLst/>
+                <a:latin typeface="Arial"/>
+              </a:rPr>
+              <a:t>“</a:t>
+            </a:r>
+          </a:p>
+        </p:txBody>
+      </p:sp>
+      <p:sp>
+        <p:nvSpPr>
+          <p:cNvPr id="25" name="TextBox 24"/>
+          <p:cNvSpPr txBox="1"/>
+          <p:nvPr/>
+        </p:nvSpPr>
+        <p:spPr>
+          <a:xfrm>
+            <a:off x="8893011" y="2886556"/>
+            <a:ext cx="609600" cy="584776"/>
+          </a:xfrm>
+          <a:prstGeom prst="rect">
+            <a:avLst/>
+          </a:prstGeom>
+        </p:spPr>
+        <p:txBody>
+          <a:bodyPr vert="horz" lIns="91440" tIns="45720" rIns="91440" bIns="45720" rtlCol="0" anchor="ctr">
+            <a:noAutofit/>
+          </a:bodyPr>
+          <a:lstStyle/>
+          <a:p>
+            <a:pPr lvl="0"/>
+            <a:r>
+              <a:rPr lang="en-US" sz="8000" baseline="0" dirty="0">
+                <a:ln w="3175" cmpd="sng">
+                  <a:noFill/>
+                </a:ln>
+                <a:solidFill>
+                  <a:schemeClr val="accent1">
+                    <a:lumMod val="60000"/>
+                    <a:lumOff val="40000"/>
+                  </a:schemeClr>
+                </a:solidFill>
+                <a:effectLst/>
+                <a:latin typeface="Arial"/>
+              </a:rPr>
+              <a:t>”</a:t>
+            </a:r>
+          </a:p>
+        </p:txBody>
+      </p:sp>
+    </p:spTree>
+    <p:extLst>
+      <p:ext uri="{BB962C8B-B14F-4D97-AF65-F5344CB8AC3E}">
+        <p14:creationId xmlns:p14="http://schemas.microsoft.com/office/powerpoint/2010/main" val="1502846535"/>
+      </p:ext>
+    </p:extLst>
+  </p:cSld>
+  <p:clrMapOvr>
+    <a:masterClrMapping/>
+  </p:clrMapOvr>
+</p:sldLayout>
+</file>
+
+<file path=ppt/slideLayouts/slideLayout14.xml><?xml version="1.0" encoding="utf-8"?>
+<p:sldLayout xmlns:a="http://schemas.openxmlformats.org/drawingml/2006/main" xmlns:r="http://schemas.openxmlformats.org/officeDocument/2006/relationships" xmlns:p="http://schemas.openxmlformats.org/presentationml/2006/main" preserve="1">
+  <p:cSld name="真または偽">
+    <p:spTree>
+      <p:nvGrpSpPr>
+        <p:cNvPr id="1" name=""/>
+        <p:cNvGrpSpPr/>
+        <p:nvPr/>
+      </p:nvGrpSpPr>
+      <p:grpSpPr>
+        <a:xfrm>
+          <a:off x="0" y="0"/>
+          <a:ext cx="0" cy="0"/>
+          <a:chOff x="0" y="0"/>
+          <a:chExt cx="0" cy="0"/>
+        </a:xfrm>
+      </p:grpSpPr>
+      <p:sp>
+        <p:nvSpPr>
+          <p:cNvPr id="2" name="Title 1"/>
+          <p:cNvSpPr>
+            <a:spLocks noGrp="1"/>
+          </p:cNvSpPr>
+          <p:nvPr>
+            <p:ph type="title"/>
+          </p:nvPr>
+        </p:nvSpPr>
+        <p:spPr>
+          <a:xfrm>
+            <a:off x="685799" y="609600"/>
+            <a:ext cx="8588203" cy="3022600"/>
+          </a:xfrm>
+        </p:spPr>
+        <p:txBody>
+          <a:bodyPr anchor="ctr">
+            <a:normAutofit/>
+          </a:bodyPr>
+          <a:lstStyle>
+            <a:lvl1pPr algn="l">
+              <a:defRPr sz="4400" b="0" cap="none"/>
+            </a:lvl1pPr>
+          </a:lstStyle>
+          <a:p>
+            <a:r>
+              <a:rPr lang="ja-JP" altLang="en-US" smtClean="0"/>
+              <a:t>マスター タイトルの書式設定</a:t>
+            </a:r>
+            <a:endParaRPr lang="en-US" dirty="0"/>
+          </a:p>
+        </p:txBody>
+      </p:sp>
+      <p:sp>
+        <p:nvSpPr>
+          <p:cNvPr id="23" name="Text Placeholder 9"/>
+          <p:cNvSpPr>
+            <a:spLocks noGrp="1"/>
+          </p:cNvSpPr>
+          <p:nvPr>
+            <p:ph type="body" sz="quarter" idx="13"/>
+          </p:nvPr>
+        </p:nvSpPr>
+        <p:spPr>
+          <a:xfrm>
+            <a:off x="677332" y="4013200"/>
+            <a:ext cx="8596669" cy="514248"/>
+          </a:xfrm>
+        </p:spPr>
+        <p:txBody>
+          <a:bodyPr anchor="b">
+            <a:noAutofit/>
+          </a:bodyPr>
+          <a:lstStyle>
+            <a:lvl1pPr marL="0" indent="0">
+              <a:buFontTx/>
+              <a:buNone/>
+              <a:defRPr sz="2400">
+                <a:solidFill>
+                  <a:schemeClr val="accent1"/>
+                </a:solidFill>
+              </a:defRPr>
+            </a:lvl1pPr>
+            <a:lvl2pPr marL="457200" indent="0">
+              <a:buFontTx/>
+              <a:buNone/>
+              <a:defRPr/>
+            </a:lvl2pPr>
+            <a:lvl3pPr marL="914400" indent="0">
+              <a:buFontTx/>
+              <a:buNone/>
+              <a:defRPr/>
+            </a:lvl3pPr>
+            <a:lvl4pPr marL="1371600" indent="0">
+              <a:buFontTx/>
+              <a:buNone/>
+              <a:defRPr/>
+            </a:lvl4pPr>
+            <a:lvl5pPr marL="1828800" indent="0">
+              <a:buFontTx/>
+              <a:buNone/>
+              <a:defRPr/>
+            </a:lvl5pPr>
+          </a:lstStyle>
+          <a:p>
+            <a:pPr lvl="0"/>
+            <a:r>
+              <a:rPr lang="ja-JP" altLang="en-US" smtClean="0"/>
+              <a:t>マスター テキストの書式設定</a:t>
+            </a:r>
+          </a:p>
+        </p:txBody>
+      </p:sp>
+      <p:sp>
+        <p:nvSpPr>
+          <p:cNvPr id="3" name="Text Placeholder 2"/>
+          <p:cNvSpPr>
+            <a:spLocks noGrp="1"/>
+          </p:cNvSpPr>
+          <p:nvPr>
+            <p:ph type="body" idx="1"/>
+          </p:nvPr>
+        </p:nvSpPr>
+        <p:spPr>
+          <a:xfrm>
+            <a:off x="677335" y="4527448"/>
+            <a:ext cx="8596668" cy="1513914"/>
+          </a:xfrm>
+        </p:spPr>
+        <p:txBody>
+          <a:bodyPr anchor="t">
+            <a:normAutofit/>
+          </a:bodyPr>
+          <a:lstStyle>
+            <a:lvl1pPr marL="0" indent="0" algn="l">
+              <a:buNone/>
+              <a:defRPr sz="1800">
+                <a:solidFill>
+                  <a:schemeClr val="tx1">
+                    <a:lumMod val="50000"/>
+                    <a:lumOff val="50000"/>
+                  </a:schemeClr>
+                </a:solidFill>
+              </a:defRPr>
+            </a:lvl1pPr>
+            <a:lvl2pPr marL="457200" indent="0">
+              <a:buNone/>
+              <a:defRPr sz="1800">
+                <a:solidFill>
+                  <a:schemeClr val="tx1">
+                    <a:tint val="75000"/>
+                  </a:schemeClr>
+                </a:solidFill>
+              </a:defRPr>
+            </a:lvl2pPr>
+            <a:lvl3pPr marL="914400" indent="0">
+              <a:buNone/>
+              <a:defRPr sz="1600">
+                <a:solidFill>
+                  <a:schemeClr val="tx1">
+                    <a:tint val="75000"/>
+                  </a:schemeClr>
+                </a:solidFill>
+              </a:defRPr>
+            </a:lvl3pPr>
+            <a:lvl4pPr marL="1371600" indent="0">
+              <a:buNone/>
+              <a:defRPr sz="1400">
+                <a:solidFill>
+                  <a:schemeClr val="tx1">
+                    <a:tint val="75000"/>
+                  </a:schemeClr>
+                </a:solidFill>
+              </a:defRPr>
+            </a:lvl4pPr>
+            <a:lvl5pPr marL="1828800" indent="0">
+              <a:buNone/>
+              <a:defRPr sz="1400">
+                <a:solidFill>
+                  <a:schemeClr val="tx1">
+                    <a:tint val="75000"/>
+                  </a:schemeClr>
+                </a:solidFill>
+              </a:defRPr>
+            </a:lvl5pPr>
+            <a:lvl6pPr marL="2286000" indent="0">
+              <a:buNone/>
+              <a:defRPr sz="1400">
+                <a:solidFill>
+                  <a:schemeClr val="tx1">
+                    <a:tint val="75000"/>
+                  </a:schemeClr>
+                </a:solidFill>
+              </a:defRPr>
+            </a:lvl6pPr>
+            <a:lvl7pPr marL="2743200" indent="0">
+              <a:buNone/>
+              <a:defRPr sz="1400">
+                <a:solidFill>
+                  <a:schemeClr val="tx1">
+                    <a:tint val="75000"/>
+                  </a:schemeClr>
+                </a:solidFill>
+              </a:defRPr>
+            </a:lvl7pPr>
+            <a:lvl8pPr marL="3200400" indent="0">
+              <a:buNone/>
+              <a:defRPr sz="1400">
+                <a:solidFill>
+                  <a:schemeClr val="tx1">
+                    <a:tint val="75000"/>
+                  </a:schemeClr>
+                </a:solidFill>
+              </a:defRPr>
+            </a:lvl8pPr>
+            <a:lvl9pPr marL="3657600" indent="0">
+              <a:buNone/>
+              <a:defRPr sz="1400">
+                <a:solidFill>
+                  <a:schemeClr val="tx1">
+                    <a:tint val="75000"/>
+                  </a:schemeClr>
+                </a:solidFill>
+              </a:defRPr>
+            </a:lvl9pPr>
+          </a:lstStyle>
+          <a:p>
+            <a:pPr lvl="0"/>
+            <a:r>
+              <a:rPr lang="ja-JP" altLang="en-US" smtClean="0"/>
+              <a:t>マスター テキストの書式設定</a:t>
+            </a:r>
+          </a:p>
+        </p:txBody>
+      </p:sp>
+      <p:sp>
+        <p:nvSpPr>
+          <p:cNvPr id="4" name="Date Placeholder 3"/>
+          <p:cNvSpPr>
+            <a:spLocks noGrp="1"/>
+          </p:cNvSpPr>
+          <p:nvPr>
+            <p:ph type="dt" sz="half" idx="10"/>
+          </p:nvPr>
+        </p:nvSpPr>
+        <p:spPr/>
+        <p:txBody>
+          <a:bodyPr/>
+          <a:lstStyle/>
+          <a:p>
+            <a:fld id="{21A8CBF7-404D-F54F-A93F-289B36D1F088}" type="datetimeFigureOut">
+              <a:rPr kumimoji="1" lang="ja-JP" altLang="en-US" smtClean="0"/>
+              <a:t>2016/6/28</a:t>
+            </a:fld>
+            <a:endParaRPr kumimoji="1" lang="ja-JP" altLang="en-US"/>
+          </a:p>
+        </p:txBody>
+      </p:sp>
+      <p:sp>
+        <p:nvSpPr>
+          <p:cNvPr id="5" name="Footer Placeholder 4"/>
+          <p:cNvSpPr>
+            <a:spLocks noGrp="1"/>
+          </p:cNvSpPr>
+          <p:nvPr>
+            <p:ph type="ftr" sz="quarter" idx="11"/>
+          </p:nvPr>
+        </p:nvSpPr>
+        <p:spPr/>
+        <p:txBody>
+          <a:bodyPr/>
+          <a:lstStyle/>
+          <a:p>
+            <a:endParaRPr kumimoji="1" lang="ja-JP" altLang="en-US"/>
+          </a:p>
+        </p:txBody>
+      </p:sp>
+      <p:sp>
+        <p:nvSpPr>
+          <p:cNvPr id="6" name="Slide Number Placeholder 5"/>
+          <p:cNvSpPr>
+            <a:spLocks noGrp="1"/>
+          </p:cNvSpPr>
+          <p:nvPr>
+            <p:ph type="sldNum" sz="quarter" idx="12"/>
+          </p:nvPr>
+        </p:nvSpPr>
+        <p:spPr/>
+        <p:txBody>
+          <a:bodyPr/>
+          <a:lstStyle/>
+          <a:p>
+            <a:fld id="{D17297BC-E241-E944-B653-93E33A0B6276}" type="slidenum">
+              <a:rPr kumimoji="1" lang="ja-JP" altLang="en-US" smtClean="0"/>
+              <a:t>‹#›</a:t>
+            </a:fld>
+            <a:endParaRPr kumimoji="1" lang="ja-JP" altLang="en-US"/>
+          </a:p>
+        </p:txBody>
+      </p:sp>
+    </p:spTree>
+    <p:extLst>
+      <p:ext uri="{BB962C8B-B14F-4D97-AF65-F5344CB8AC3E}">
+        <p14:creationId xmlns:p14="http://schemas.microsoft.com/office/powerpoint/2010/main" val="1786541378"/>
+      </p:ext>
+    </p:extLst>
+  </p:cSld>
+  <p:clrMapOvr>
+    <a:masterClrMapping/>
+  </p:clrMapOvr>
+</p:sldLayout>
+</file>
+
+<file path=ppt/slideLayouts/slideLayout15.xml><?xml version="1.0" encoding="utf-8"?>
 <p:sldLayout xmlns:a="http://schemas.openxmlformats.org/drawingml/2006/main" xmlns:r="http://schemas.openxmlformats.org/officeDocument/2006/relationships" xmlns:p="http://schemas.openxmlformats.org/presentationml/2006/main" type="vertTx" preserve="1">
   <p:cSld name="タイトルと&#10;縦書きテキスト">
     <p:spTree>
@@ -331,7 +2535,7 @@
       </p:grpSpPr>
       <p:sp>
         <p:nvSpPr>
-          <p:cNvPr id="2" name="タイトル 1"/>
+          <p:cNvPr id="2" name="Title 1"/>
           <p:cNvSpPr>
             <a:spLocks noGrp="1"/>
           </p:cNvSpPr>
@@ -345,16 +2549,16 @@
           <a:lstStyle/>
           <a:p>
             <a:r>
-              <a:rPr kumimoji="1" lang="ja-JP" altLang="en-US" smtClean="0"/>
+              <a:rPr lang="ja-JP" altLang="en-US" smtClean="0"/>
               <a:t>マスター タイトルの書式設定</a:t>
             </a:r>
-            <a:endParaRPr kumimoji="1" lang="ja-JP" altLang="en-US"/>
-          </a:p>
-        </p:txBody>
-      </p:sp>
-      <p:sp>
-        <p:nvSpPr>
-          <p:cNvPr id="3" name="縦書きテキスト プレースホルダー 2"/>
+            <a:endParaRPr lang="en-US" dirty="0"/>
+          </a:p>
+        </p:txBody>
+      </p:sp>
+      <p:sp>
+        <p:nvSpPr>
+          <p:cNvPr id="3" name="Vertical Text Placeholder 2"/>
           <p:cNvSpPr>
             <a:spLocks noGrp="1"/>
           </p:cNvSpPr>
@@ -369,76 +2573,76 @@
           <a:p>
             <a:pPr lvl="0"/>
             <a:r>
-              <a:rPr kumimoji="1" lang="ja-JP" altLang="en-US" smtClean="0"/>
+              <a:rPr lang="ja-JP" altLang="en-US" smtClean="0"/>
               <a:t>マスター テキストの書式設定</a:t>
             </a:r>
           </a:p>
           <a:p>
             <a:pPr lvl="1"/>
             <a:r>
-              <a:rPr kumimoji="1" lang="ja-JP" altLang="en-US" smtClean="0"/>
+              <a:rPr lang="ja-JP" altLang="en-US" smtClean="0"/>
               <a:t>第 </a:t>
             </a:r>
             <a:r>
-              <a:rPr kumimoji="1" lang="en-US" altLang="ja-JP" smtClean="0"/>
+              <a:rPr lang="en-US" altLang="ja-JP" smtClean="0"/>
               <a:t>2 </a:t>
             </a:r>
             <a:r>
-              <a:rPr kumimoji="1" lang="ja-JP" altLang="en-US" smtClean="0"/>
+              <a:rPr lang="ja-JP" altLang="en-US" smtClean="0"/>
               <a:t>レベル</a:t>
             </a:r>
           </a:p>
           <a:p>
             <a:pPr lvl="2"/>
             <a:r>
-              <a:rPr kumimoji="1" lang="ja-JP" altLang="en-US" smtClean="0"/>
+              <a:rPr lang="ja-JP" altLang="en-US" smtClean="0"/>
               <a:t>第 </a:t>
             </a:r>
             <a:r>
-              <a:rPr kumimoji="1" lang="en-US" altLang="ja-JP" smtClean="0"/>
+              <a:rPr lang="en-US" altLang="ja-JP" smtClean="0"/>
               <a:t>3 </a:t>
             </a:r>
             <a:r>
-              <a:rPr kumimoji="1" lang="ja-JP" altLang="en-US" smtClean="0"/>
+              <a:rPr lang="ja-JP" altLang="en-US" smtClean="0"/>
               <a:t>レベル</a:t>
             </a:r>
           </a:p>
           <a:p>
             <a:pPr lvl="3"/>
             <a:r>
-              <a:rPr kumimoji="1" lang="ja-JP" altLang="en-US" smtClean="0"/>
+              <a:rPr lang="ja-JP" altLang="en-US" smtClean="0"/>
               <a:t>第 </a:t>
             </a:r>
             <a:r>
-              <a:rPr kumimoji="1" lang="en-US" altLang="ja-JP" smtClean="0"/>
+              <a:rPr lang="en-US" altLang="ja-JP" smtClean="0"/>
               <a:t>4 </a:t>
             </a:r>
             <a:r>
-              <a:rPr kumimoji="1" lang="ja-JP" altLang="en-US" smtClean="0"/>
+              <a:rPr lang="ja-JP" altLang="en-US" smtClean="0"/>
               <a:t>レベル</a:t>
             </a:r>
           </a:p>
           <a:p>
             <a:pPr lvl="4"/>
             <a:r>
-              <a:rPr kumimoji="1" lang="ja-JP" altLang="en-US" smtClean="0"/>
+              <a:rPr lang="ja-JP" altLang="en-US" smtClean="0"/>
               <a:t>第 </a:t>
             </a:r>
             <a:r>
-              <a:rPr kumimoji="1" lang="en-US" altLang="ja-JP" smtClean="0"/>
+              <a:rPr lang="en-US" altLang="ja-JP" smtClean="0"/>
               <a:t>5 </a:t>
             </a:r>
             <a:r>
-              <a:rPr kumimoji="1" lang="ja-JP" altLang="en-US" smtClean="0"/>
+              <a:rPr lang="ja-JP" altLang="en-US" smtClean="0"/>
               <a:t>レベル</a:t>
             </a:r>
-            <a:endParaRPr kumimoji="1" lang="ja-JP" altLang="en-US"/>
-          </a:p>
-        </p:txBody>
-      </p:sp>
-      <p:sp>
-        <p:nvSpPr>
-          <p:cNvPr id="4" name="日付プレースホルダー 3"/>
+            <a:endParaRPr lang="en-US" dirty="0"/>
+          </a:p>
+        </p:txBody>
+      </p:sp>
+      <p:sp>
+        <p:nvSpPr>
+          <p:cNvPr id="4" name="Date Placeholder 3"/>
           <p:cNvSpPr>
             <a:spLocks noGrp="1"/>
           </p:cNvSpPr>
@@ -461,7 +2665,7 @@
       </p:sp>
       <p:sp>
         <p:nvSpPr>
-          <p:cNvPr id="5" name="フッター プレースホルダー 4"/>
+          <p:cNvPr id="5" name="Footer Placeholder 4"/>
           <p:cNvSpPr>
             <a:spLocks noGrp="1"/>
           </p:cNvSpPr>
@@ -480,7 +2684,7 @@
       </p:sp>
       <p:sp>
         <p:nvSpPr>
-          <p:cNvPr id="6" name="スライド番号プレースホルダー 5"/>
+          <p:cNvPr id="6" name="Slide Number Placeholder 5"/>
           <p:cNvSpPr>
             <a:spLocks noGrp="1"/>
           </p:cNvSpPr>
@@ -504,7 +2708,7 @@
     </p:spTree>
     <p:extLst>
       <p:ext uri="{BB962C8B-B14F-4D97-AF65-F5344CB8AC3E}">
-        <p14:creationId xmlns:p14="http://schemas.microsoft.com/office/powerpoint/2010/main" val="8062360"/>
+        <p14:creationId xmlns:p14="http://schemas.microsoft.com/office/powerpoint/2010/main" val="284587692"/>
       </p:ext>
     </p:extLst>
   </p:cSld>
@@ -514,7 +2718,7 @@
 </p:sldLayout>
 </file>
 
-<file path=ppt/slideLayouts/slideLayout11.xml><?xml version="1.0" encoding="utf-8"?>
+<file path=ppt/slideLayouts/slideLayout16.xml><?xml version="1.0" encoding="utf-8"?>
 <p:sldLayout xmlns:a="http://schemas.openxmlformats.org/drawingml/2006/main" xmlns:r="http://schemas.openxmlformats.org/officeDocument/2006/relationships" xmlns:p="http://schemas.openxmlformats.org/presentationml/2006/main" type="vertTitleAndTx" preserve="1">
   <p:cSld name="縦書きタイトルと縦書きテキスト">
     <p:spTree>
@@ -533,7 +2737,7 @@
       </p:grpSpPr>
       <p:sp>
         <p:nvSpPr>
-          <p:cNvPr id="2" name="縦書きタイトル 1"/>
+          <p:cNvPr id="2" name="Vertical Title 1"/>
           <p:cNvSpPr>
             <a:spLocks noGrp="1"/>
           </p:cNvSpPr>
@@ -543,25 +2747,25 @@
         </p:nvSpPr>
         <p:spPr>
           <a:xfrm>
-            <a:off x="8724900" y="365125"/>
-            <a:ext cx="2628900" cy="5811838"/>
+            <a:off x="7967673" y="609599"/>
+            <a:ext cx="1304743" cy="5251451"/>
           </a:xfrm>
         </p:spPr>
         <p:txBody>
-          <a:bodyPr vert="eaVert"/>
-          <a:lstStyle/>
-          <a:p>
-            <a:r>
-              <a:rPr kumimoji="1" lang="ja-JP" altLang="en-US" smtClean="0"/>
+          <a:bodyPr vert="eaVert" anchor="ctr"/>
+          <a:lstStyle/>
+          <a:p>
+            <a:r>
+              <a:rPr lang="ja-JP" altLang="en-US" smtClean="0"/>
               <a:t>マスター タイトルの書式設定</a:t>
             </a:r>
-            <a:endParaRPr kumimoji="1" lang="ja-JP" altLang="en-US"/>
-          </a:p>
-        </p:txBody>
-      </p:sp>
-      <p:sp>
-        <p:nvSpPr>
-          <p:cNvPr id="3" name="縦書きテキスト プレースホルダー 2"/>
+            <a:endParaRPr lang="en-US" dirty="0"/>
+          </a:p>
+        </p:txBody>
+      </p:sp>
+      <p:sp>
+        <p:nvSpPr>
+          <p:cNvPr id="3" name="Vertical Text Placeholder 2"/>
           <p:cNvSpPr>
             <a:spLocks noGrp="1"/>
           </p:cNvSpPr>
@@ -571,8 +2775,8 @@
         </p:nvSpPr>
         <p:spPr>
           <a:xfrm>
-            <a:off x="838200" y="365125"/>
-            <a:ext cx="7734300" cy="5811838"/>
+            <a:off x="677335" y="609600"/>
+            <a:ext cx="7060150" cy="5251450"/>
           </a:xfrm>
         </p:spPr>
         <p:txBody>
@@ -581,76 +2785,76 @@
           <a:p>
             <a:pPr lvl="0"/>
             <a:r>
-              <a:rPr kumimoji="1" lang="ja-JP" altLang="en-US" smtClean="0"/>
+              <a:rPr lang="ja-JP" altLang="en-US" smtClean="0"/>
               <a:t>マスター テキストの書式設定</a:t>
             </a:r>
           </a:p>
           <a:p>
             <a:pPr lvl="1"/>
             <a:r>
-              <a:rPr kumimoji="1" lang="ja-JP" altLang="en-US" smtClean="0"/>
+              <a:rPr lang="ja-JP" altLang="en-US" smtClean="0"/>
               <a:t>第 </a:t>
             </a:r>
             <a:r>
-              <a:rPr kumimoji="1" lang="en-US" altLang="ja-JP" smtClean="0"/>
+              <a:rPr lang="en-US" altLang="ja-JP" smtClean="0"/>
               <a:t>2 </a:t>
             </a:r>
             <a:r>
-              <a:rPr kumimoji="1" lang="ja-JP" altLang="en-US" smtClean="0"/>
+              <a:rPr lang="ja-JP" altLang="en-US" smtClean="0"/>
               <a:t>レベル</a:t>
             </a:r>
           </a:p>
           <a:p>
             <a:pPr lvl="2"/>
             <a:r>
-              <a:rPr kumimoji="1" lang="ja-JP" altLang="en-US" smtClean="0"/>
+              <a:rPr lang="ja-JP" altLang="en-US" smtClean="0"/>
               <a:t>第 </a:t>
             </a:r>
             <a:r>
-              <a:rPr kumimoji="1" lang="en-US" altLang="ja-JP" smtClean="0"/>
+              <a:rPr lang="en-US" altLang="ja-JP" smtClean="0"/>
               <a:t>3 </a:t>
             </a:r>
             <a:r>
-              <a:rPr kumimoji="1" lang="ja-JP" altLang="en-US" smtClean="0"/>
+              <a:rPr lang="ja-JP" altLang="en-US" smtClean="0"/>
               <a:t>レベル</a:t>
             </a:r>
           </a:p>
           <a:p>
             <a:pPr lvl="3"/>
             <a:r>
-              <a:rPr kumimoji="1" lang="ja-JP" altLang="en-US" smtClean="0"/>
+              <a:rPr lang="ja-JP" altLang="en-US" smtClean="0"/>
               <a:t>第 </a:t>
             </a:r>
             <a:r>
-              <a:rPr kumimoji="1" lang="en-US" altLang="ja-JP" smtClean="0"/>
+              <a:rPr lang="en-US" altLang="ja-JP" smtClean="0"/>
               <a:t>4 </a:t>
             </a:r>
             <a:r>
-              <a:rPr kumimoji="1" lang="ja-JP" altLang="en-US" smtClean="0"/>
+              <a:rPr lang="ja-JP" altLang="en-US" smtClean="0"/>
               <a:t>レベル</a:t>
             </a:r>
           </a:p>
           <a:p>
             <a:pPr lvl="4"/>
             <a:r>
-              <a:rPr kumimoji="1" lang="ja-JP" altLang="en-US" smtClean="0"/>
+              <a:rPr lang="ja-JP" altLang="en-US" smtClean="0"/>
               <a:t>第 </a:t>
             </a:r>
             <a:r>
-              <a:rPr kumimoji="1" lang="en-US" altLang="ja-JP" smtClean="0"/>
+              <a:rPr lang="en-US" altLang="ja-JP" smtClean="0"/>
               <a:t>5 </a:t>
             </a:r>
             <a:r>
-              <a:rPr kumimoji="1" lang="ja-JP" altLang="en-US" smtClean="0"/>
+              <a:rPr lang="ja-JP" altLang="en-US" smtClean="0"/>
               <a:t>レベル</a:t>
             </a:r>
-            <a:endParaRPr kumimoji="1" lang="ja-JP" altLang="en-US"/>
-          </a:p>
-        </p:txBody>
-      </p:sp>
-      <p:sp>
-        <p:nvSpPr>
-          <p:cNvPr id="4" name="日付プレースホルダー 3"/>
+            <a:endParaRPr lang="en-US" dirty="0"/>
+          </a:p>
+        </p:txBody>
+      </p:sp>
+      <p:sp>
+        <p:nvSpPr>
+          <p:cNvPr id="4" name="Date Placeholder 3"/>
           <p:cNvSpPr>
             <a:spLocks noGrp="1"/>
           </p:cNvSpPr>
@@ -673,7 +2877,7 @@
       </p:sp>
       <p:sp>
         <p:nvSpPr>
-          <p:cNvPr id="5" name="フッター プレースホルダー 4"/>
+          <p:cNvPr id="5" name="Footer Placeholder 4"/>
           <p:cNvSpPr>
             <a:spLocks noGrp="1"/>
           </p:cNvSpPr>
@@ -692,7 +2896,7 @@
       </p:sp>
       <p:sp>
         <p:nvSpPr>
-          <p:cNvPr id="6" name="スライド番号プレースホルダー 5"/>
+          <p:cNvPr id="6" name="Slide Number Placeholder 5"/>
           <p:cNvSpPr>
             <a:spLocks noGrp="1"/>
           </p:cNvSpPr>
@@ -716,7 +2920,7 @@
     </p:spTree>
     <p:extLst>
       <p:ext uri="{BB962C8B-B14F-4D97-AF65-F5344CB8AC3E}">
-        <p14:creationId xmlns:p14="http://schemas.microsoft.com/office/powerpoint/2010/main" val="212614759"/>
+        <p14:creationId xmlns:p14="http://schemas.microsoft.com/office/powerpoint/2010/main" val="619257575"/>
       </p:ext>
     </p:extLst>
   </p:cSld>
@@ -745,7 +2949,7 @@
       </p:grpSpPr>
       <p:sp>
         <p:nvSpPr>
-          <p:cNvPr id="2" name="タイトル 1"/>
+          <p:cNvPr id="2" name="Title 1"/>
           <p:cNvSpPr>
             <a:spLocks noGrp="1"/>
           </p:cNvSpPr>
@@ -755,104 +2959,110 @@
         </p:nvSpPr>
         <p:spPr/>
         <p:txBody>
+          <a:bodyPr>
+            <a:normAutofit/>
+          </a:bodyPr>
+          <a:lstStyle>
+            <a:lvl1pPr>
+              <a:defRPr sz="3600"/>
+            </a:lvl1pPr>
+          </a:lstStyle>
+          <a:p>
+            <a:r>
+              <a:rPr lang="ja-JP" altLang="en-US" smtClean="0"/>
+              <a:t>マスター タイトルの書式設定</a:t>
+            </a:r>
+            <a:endParaRPr lang="en-US" dirty="0"/>
+          </a:p>
+        </p:txBody>
+      </p:sp>
+      <p:sp>
+        <p:nvSpPr>
+          <p:cNvPr id="3" name="Content Placeholder 2"/>
+          <p:cNvSpPr>
+            <a:spLocks noGrp="1"/>
+          </p:cNvSpPr>
+          <p:nvPr>
+            <p:ph idx="1"/>
+          </p:nvPr>
+        </p:nvSpPr>
+        <p:spPr/>
+        <p:txBody>
           <a:bodyPr/>
           <a:lstStyle/>
           <a:p>
-            <a:r>
-              <a:rPr kumimoji="1" lang="ja-JP" altLang="en-US" smtClean="0"/>
-              <a:t>マスター タイトルの書式設定</a:t>
-            </a:r>
-            <a:endParaRPr kumimoji="1" lang="ja-JP" altLang="en-US"/>
-          </a:p>
-        </p:txBody>
-      </p:sp>
-      <p:sp>
-        <p:nvSpPr>
-          <p:cNvPr id="3" name="コンテンツ プレースホルダー 2"/>
-          <p:cNvSpPr>
-            <a:spLocks noGrp="1"/>
-          </p:cNvSpPr>
-          <p:nvPr>
-            <p:ph idx="1"/>
-          </p:nvPr>
-        </p:nvSpPr>
-        <p:spPr/>
-        <p:txBody>
-          <a:bodyPr/>
-          <a:lstStyle/>
-          <a:p>
             <a:pPr lvl="0"/>
             <a:r>
-              <a:rPr kumimoji="1" lang="ja-JP" altLang="en-US" smtClean="0"/>
+              <a:rPr lang="ja-JP" altLang="en-US" smtClean="0"/>
               <a:t>マスター テキストの書式設定</a:t>
             </a:r>
           </a:p>
           <a:p>
             <a:pPr lvl="1"/>
             <a:r>
-              <a:rPr kumimoji="1" lang="ja-JP" altLang="en-US" smtClean="0"/>
+              <a:rPr lang="ja-JP" altLang="en-US" smtClean="0"/>
               <a:t>第 </a:t>
             </a:r>
             <a:r>
-              <a:rPr kumimoji="1" lang="en-US" altLang="ja-JP" smtClean="0"/>
+              <a:rPr lang="en-US" altLang="ja-JP" smtClean="0"/>
               <a:t>2 </a:t>
             </a:r>
             <a:r>
-              <a:rPr kumimoji="1" lang="ja-JP" altLang="en-US" smtClean="0"/>
+              <a:rPr lang="ja-JP" altLang="en-US" smtClean="0"/>
               <a:t>レベル</a:t>
             </a:r>
           </a:p>
           <a:p>
             <a:pPr lvl="2"/>
             <a:r>
-              <a:rPr kumimoji="1" lang="ja-JP" altLang="en-US" smtClean="0"/>
+              <a:rPr lang="ja-JP" altLang="en-US" smtClean="0"/>
               <a:t>第 </a:t>
             </a:r>
             <a:r>
-              <a:rPr kumimoji="1" lang="en-US" altLang="ja-JP" smtClean="0"/>
+              <a:rPr lang="en-US" altLang="ja-JP" smtClean="0"/>
               <a:t>3 </a:t>
             </a:r>
             <a:r>
-              <a:rPr kumimoji="1" lang="ja-JP" altLang="en-US" smtClean="0"/>
+              <a:rPr lang="ja-JP" altLang="en-US" smtClean="0"/>
               <a:t>レベル</a:t>
             </a:r>
           </a:p>
           <a:p>
             <a:pPr lvl="3"/>
             <a:r>
-              <a:rPr kumimoji="1" lang="ja-JP" altLang="en-US" smtClean="0"/>
+              <a:rPr lang="ja-JP" altLang="en-US" smtClean="0"/>
               <a:t>第 </a:t>
             </a:r>
             <a:r>
-              <a:rPr kumimoji="1" lang="en-US" altLang="ja-JP" smtClean="0"/>
+              <a:rPr lang="en-US" altLang="ja-JP" smtClean="0"/>
               <a:t>4 </a:t>
             </a:r>
             <a:r>
-              <a:rPr kumimoji="1" lang="ja-JP" altLang="en-US" smtClean="0"/>
+              <a:rPr lang="ja-JP" altLang="en-US" smtClean="0"/>
               <a:t>レベル</a:t>
             </a:r>
           </a:p>
           <a:p>
             <a:pPr lvl="4"/>
             <a:r>
-              <a:rPr kumimoji="1" lang="ja-JP" altLang="en-US" smtClean="0"/>
+              <a:rPr lang="ja-JP" altLang="en-US" smtClean="0"/>
               <a:t>第 </a:t>
             </a:r>
             <a:r>
-              <a:rPr kumimoji="1" lang="en-US" altLang="ja-JP" smtClean="0"/>
+              <a:rPr lang="en-US" altLang="ja-JP" smtClean="0"/>
               <a:t>5 </a:t>
             </a:r>
             <a:r>
-              <a:rPr kumimoji="1" lang="ja-JP" altLang="en-US" smtClean="0"/>
+              <a:rPr lang="ja-JP" altLang="en-US" smtClean="0"/>
               <a:t>レベル</a:t>
             </a:r>
-            <a:endParaRPr kumimoji="1" lang="ja-JP" altLang="en-US"/>
-          </a:p>
-        </p:txBody>
-      </p:sp>
-      <p:sp>
-        <p:nvSpPr>
-          <p:cNvPr id="4" name="日付プレースホルダー 3"/>
+            <a:endParaRPr lang="en-US" dirty="0"/>
+          </a:p>
+        </p:txBody>
+      </p:sp>
+      <p:sp>
+        <p:nvSpPr>
+          <p:cNvPr id="4" name="Date Placeholder 3"/>
           <p:cNvSpPr>
             <a:spLocks noGrp="1"/>
           </p:cNvSpPr>
@@ -875,7 +3085,7 @@
       </p:sp>
       <p:sp>
         <p:nvSpPr>
-          <p:cNvPr id="5" name="フッター プレースホルダー 4"/>
+          <p:cNvPr id="5" name="Footer Placeholder 4"/>
           <p:cNvSpPr>
             <a:spLocks noGrp="1"/>
           </p:cNvSpPr>
@@ -894,7 +3104,7 @@
       </p:sp>
       <p:sp>
         <p:nvSpPr>
-          <p:cNvPr id="6" name="スライド番号プレースホルダー 5"/>
+          <p:cNvPr id="6" name="Slide Number Placeholder 5"/>
           <p:cNvSpPr>
             <a:spLocks noGrp="1"/>
           </p:cNvSpPr>
@@ -918,7 +3128,7 @@
     </p:spTree>
     <p:extLst>
       <p:ext uri="{BB962C8B-B14F-4D97-AF65-F5344CB8AC3E}">
-        <p14:creationId xmlns:p14="http://schemas.microsoft.com/office/powerpoint/2010/main" val="2110346018"/>
+        <p14:creationId xmlns:p14="http://schemas.microsoft.com/office/powerpoint/2010/main" val="566933606"/>
       </p:ext>
     </p:extLst>
   </p:cSld>
@@ -947,7 +3157,7 @@
       </p:grpSpPr>
       <p:sp>
         <p:nvSpPr>
-          <p:cNvPr id="2" name="タイトル 1"/>
+          <p:cNvPr id="2" name="Title 1"/>
           <p:cNvSpPr>
             <a:spLocks noGrp="1"/>
           </p:cNvSpPr>
@@ -957,29 +3167,29 @@
         </p:nvSpPr>
         <p:spPr>
           <a:xfrm>
-            <a:off x="831850" y="1709738"/>
-            <a:ext cx="10515600" cy="2852737"/>
+            <a:off x="677335" y="2700867"/>
+            <a:ext cx="8596668" cy="1826581"/>
           </a:xfrm>
         </p:spPr>
         <p:txBody>
           <a:bodyPr anchor="b"/>
           <a:lstStyle>
-            <a:lvl1pPr>
-              <a:defRPr sz="6000"/>
+            <a:lvl1pPr algn="l">
+              <a:defRPr sz="4000" b="0" cap="none"/>
             </a:lvl1pPr>
           </a:lstStyle>
           <a:p>
             <a:r>
-              <a:rPr kumimoji="1" lang="ja-JP" altLang="en-US" smtClean="0"/>
+              <a:rPr lang="ja-JP" altLang="en-US" smtClean="0"/>
               <a:t>マスター タイトルの書式設定</a:t>
             </a:r>
-            <a:endParaRPr kumimoji="1" lang="ja-JP" altLang="en-US"/>
-          </a:p>
-        </p:txBody>
-      </p:sp>
-      <p:sp>
-        <p:nvSpPr>
-          <p:cNvPr id="3" name="テキスト プレースホルダー 2"/>
+            <a:endParaRPr lang="en-US" dirty="0"/>
+          </a:p>
+        </p:txBody>
+      </p:sp>
+      <p:sp>
+        <p:nvSpPr>
+          <p:cNvPr id="3" name="Text Placeholder 2"/>
           <p:cNvSpPr>
             <a:spLocks noGrp="1"/>
           </p:cNvSpPr>
@@ -989,26 +3199,27 @@
         </p:nvSpPr>
         <p:spPr>
           <a:xfrm>
-            <a:off x="831850" y="4589463"/>
-            <a:ext cx="10515600" cy="1500187"/>
+            <a:off x="677335" y="4527448"/>
+            <a:ext cx="8596668" cy="860400"/>
           </a:xfrm>
         </p:spPr>
         <p:txBody>
-          <a:bodyPr/>
+          <a:bodyPr anchor="t"/>
           <a:lstStyle>
-            <a:lvl1pPr marL="0" indent="0">
-              <a:buNone/>
-              <a:defRPr sz="2400">
+            <a:lvl1pPr marL="0" indent="0" algn="l">
+              <a:buNone/>
+              <a:defRPr sz="2000">
                 <a:solidFill>
                   <a:schemeClr val="tx1">
-                    <a:tint val="75000"/>
+                    <a:lumMod val="50000"/>
+                    <a:lumOff val="50000"/>
                   </a:schemeClr>
                 </a:solidFill>
               </a:defRPr>
             </a:lvl1pPr>
             <a:lvl2pPr marL="457200" indent="0">
               <a:buNone/>
-              <a:defRPr sz="2000">
+              <a:defRPr sz="1800">
                 <a:solidFill>
                   <a:schemeClr val="tx1">
                     <a:tint val="75000"/>
@@ -1018,7 +3229,7 @@
             </a:lvl2pPr>
             <a:lvl3pPr marL="914400" indent="0">
               <a:buNone/>
-              <a:defRPr sz="1800">
+              <a:defRPr sz="1600">
                 <a:solidFill>
                   <a:schemeClr val="tx1">
                     <a:tint val="75000"/>
@@ -1028,7 +3239,7 @@
             </a:lvl3pPr>
             <a:lvl4pPr marL="1371600" indent="0">
               <a:buNone/>
-              <a:defRPr sz="1600">
+              <a:defRPr sz="1400">
                 <a:solidFill>
                   <a:schemeClr val="tx1">
                     <a:tint val="75000"/>
@@ -1038,7 +3249,7 @@
             </a:lvl4pPr>
             <a:lvl5pPr marL="1828800" indent="0">
               <a:buNone/>
-              <a:defRPr sz="1600">
+              <a:defRPr sz="1400">
                 <a:solidFill>
                   <a:schemeClr val="tx1">
                     <a:tint val="75000"/>
@@ -1048,7 +3259,7 @@
             </a:lvl5pPr>
             <a:lvl6pPr marL="2286000" indent="0">
               <a:buNone/>
-              <a:defRPr sz="1600">
+              <a:defRPr sz="1400">
                 <a:solidFill>
                   <a:schemeClr val="tx1">
                     <a:tint val="75000"/>
@@ -1058,7 +3269,7 @@
             </a:lvl6pPr>
             <a:lvl7pPr marL="2743200" indent="0">
               <a:buNone/>
-              <a:defRPr sz="1600">
+              <a:defRPr sz="1400">
                 <a:solidFill>
                   <a:schemeClr val="tx1">
                     <a:tint val="75000"/>
@@ -1068,7 +3279,7 @@
             </a:lvl7pPr>
             <a:lvl8pPr marL="3200400" indent="0">
               <a:buNone/>
-              <a:defRPr sz="1600">
+              <a:defRPr sz="1400">
                 <a:solidFill>
                   <a:schemeClr val="tx1">
                     <a:tint val="75000"/>
@@ -1078,7 +3289,7 @@
             </a:lvl8pPr>
             <a:lvl9pPr marL="3657600" indent="0">
               <a:buNone/>
-              <a:defRPr sz="1600">
+              <a:defRPr sz="1400">
                 <a:solidFill>
                   <a:schemeClr val="tx1">
                     <a:tint val="75000"/>
@@ -1090,7 +3301,7 @@
           <a:p>
             <a:pPr lvl="0"/>
             <a:r>
-              <a:rPr kumimoji="1" lang="ja-JP" altLang="en-US" smtClean="0"/>
+              <a:rPr lang="ja-JP" altLang="en-US" smtClean="0"/>
               <a:t>マスター テキストの書式設定</a:t>
             </a:r>
           </a:p>
@@ -1098,7 +3309,7 @@
       </p:sp>
       <p:sp>
         <p:nvSpPr>
-          <p:cNvPr id="4" name="日付プレースホルダー 3"/>
+          <p:cNvPr id="4" name="Date Placeholder 3"/>
           <p:cNvSpPr>
             <a:spLocks noGrp="1"/>
           </p:cNvSpPr>
@@ -1121,7 +3332,7 @@
       </p:sp>
       <p:sp>
         <p:nvSpPr>
-          <p:cNvPr id="5" name="フッター プレースホルダー 4"/>
+          <p:cNvPr id="5" name="Footer Placeholder 4"/>
           <p:cNvSpPr>
             <a:spLocks noGrp="1"/>
           </p:cNvSpPr>
@@ -1140,7 +3351,7 @@
       </p:sp>
       <p:sp>
         <p:nvSpPr>
-          <p:cNvPr id="6" name="スライド番号プレースホルダー 5"/>
+          <p:cNvPr id="6" name="Slide Number Placeholder 5"/>
           <p:cNvSpPr>
             <a:spLocks noGrp="1"/>
           </p:cNvSpPr>
@@ -1164,7 +3375,7 @@
     </p:spTree>
     <p:extLst>
       <p:ext uri="{BB962C8B-B14F-4D97-AF65-F5344CB8AC3E}">
-        <p14:creationId xmlns:p14="http://schemas.microsoft.com/office/powerpoint/2010/main" val="745610674"/>
+        <p14:creationId xmlns:p14="http://schemas.microsoft.com/office/powerpoint/2010/main" val="68174303"/>
       </p:ext>
     </p:extLst>
   </p:cSld>
@@ -1193,7 +3404,7 @@
       </p:grpSpPr>
       <p:sp>
         <p:nvSpPr>
-          <p:cNvPr id="2" name="タイトル 1"/>
+          <p:cNvPr id="2" name="Title 1"/>
           <p:cNvSpPr>
             <a:spLocks noGrp="1"/>
           </p:cNvSpPr>
@@ -1207,16 +3418,16 @@
           <a:lstStyle/>
           <a:p>
             <a:r>
-              <a:rPr kumimoji="1" lang="ja-JP" altLang="en-US" smtClean="0"/>
+              <a:rPr lang="ja-JP" altLang="en-US" smtClean="0"/>
               <a:t>マスター タイトルの書式設定</a:t>
             </a:r>
-            <a:endParaRPr kumimoji="1" lang="ja-JP" altLang="en-US"/>
-          </a:p>
-        </p:txBody>
-      </p:sp>
-      <p:sp>
-        <p:nvSpPr>
-          <p:cNvPr id="3" name="コンテンツ プレースホルダー 2"/>
+            <a:endParaRPr lang="en-US" dirty="0"/>
+          </a:p>
+        </p:txBody>
+      </p:sp>
+      <p:sp>
+        <p:nvSpPr>
+          <p:cNvPr id="3" name="Content Placeholder 2"/>
           <p:cNvSpPr>
             <a:spLocks noGrp="1"/>
           </p:cNvSpPr>
@@ -1226,8 +3437,8 @@
         </p:nvSpPr>
         <p:spPr>
           <a:xfrm>
-            <a:off x="838200" y="1825625"/>
-            <a:ext cx="5181600" cy="4351338"/>
+            <a:off x="677334" y="2160589"/>
+            <a:ext cx="4184035" cy="3880772"/>
           </a:xfrm>
         </p:spPr>
         <p:txBody>
@@ -1236,76 +3447,76 @@
           <a:p>
             <a:pPr lvl="0"/>
             <a:r>
-              <a:rPr kumimoji="1" lang="ja-JP" altLang="en-US" smtClean="0"/>
+              <a:rPr lang="ja-JP" altLang="en-US" smtClean="0"/>
               <a:t>マスター テキストの書式設定</a:t>
             </a:r>
           </a:p>
           <a:p>
             <a:pPr lvl="1"/>
             <a:r>
-              <a:rPr kumimoji="1" lang="ja-JP" altLang="en-US" smtClean="0"/>
+              <a:rPr lang="ja-JP" altLang="en-US" smtClean="0"/>
               <a:t>第 </a:t>
             </a:r>
             <a:r>
-              <a:rPr kumimoji="1" lang="en-US" altLang="ja-JP" smtClean="0"/>
+              <a:rPr lang="en-US" altLang="ja-JP" smtClean="0"/>
               <a:t>2 </a:t>
             </a:r>
             <a:r>
-              <a:rPr kumimoji="1" lang="ja-JP" altLang="en-US" smtClean="0"/>
+              <a:rPr lang="ja-JP" altLang="en-US" smtClean="0"/>
               <a:t>レベル</a:t>
             </a:r>
           </a:p>
           <a:p>
             <a:pPr lvl="2"/>
             <a:r>
-              <a:rPr kumimoji="1" lang="ja-JP" altLang="en-US" smtClean="0"/>
+              <a:rPr lang="ja-JP" altLang="en-US" smtClean="0"/>
               <a:t>第 </a:t>
             </a:r>
             <a:r>
-              <a:rPr kumimoji="1" lang="en-US" altLang="ja-JP" smtClean="0"/>
+              <a:rPr lang="en-US" altLang="ja-JP" smtClean="0"/>
               <a:t>3 </a:t>
             </a:r>
             <a:r>
-              <a:rPr kumimoji="1" lang="ja-JP" altLang="en-US" smtClean="0"/>
+              <a:rPr lang="ja-JP" altLang="en-US" smtClean="0"/>
               <a:t>レベル</a:t>
             </a:r>
           </a:p>
           <a:p>
             <a:pPr lvl="3"/>
             <a:r>
-              <a:rPr kumimoji="1" lang="ja-JP" altLang="en-US" smtClean="0"/>
+              <a:rPr lang="ja-JP" altLang="en-US" smtClean="0"/>
               <a:t>第 </a:t>
             </a:r>
             <a:r>
-              <a:rPr kumimoji="1" lang="en-US" altLang="ja-JP" smtClean="0"/>
+              <a:rPr lang="en-US" altLang="ja-JP" smtClean="0"/>
               <a:t>4 </a:t>
             </a:r>
             <a:r>
-              <a:rPr kumimoji="1" lang="ja-JP" altLang="en-US" smtClean="0"/>
+              <a:rPr lang="ja-JP" altLang="en-US" smtClean="0"/>
               <a:t>レベル</a:t>
             </a:r>
           </a:p>
           <a:p>
             <a:pPr lvl="4"/>
             <a:r>
-              <a:rPr kumimoji="1" lang="ja-JP" altLang="en-US" smtClean="0"/>
+              <a:rPr lang="ja-JP" altLang="en-US" smtClean="0"/>
               <a:t>第 </a:t>
             </a:r>
             <a:r>
-              <a:rPr kumimoji="1" lang="en-US" altLang="ja-JP" smtClean="0"/>
+              <a:rPr lang="en-US" altLang="ja-JP" smtClean="0"/>
               <a:t>5 </a:t>
             </a:r>
             <a:r>
-              <a:rPr kumimoji="1" lang="ja-JP" altLang="en-US" smtClean="0"/>
+              <a:rPr lang="ja-JP" altLang="en-US" smtClean="0"/>
               <a:t>レベル</a:t>
             </a:r>
-            <a:endParaRPr kumimoji="1" lang="ja-JP" altLang="en-US"/>
-          </a:p>
-        </p:txBody>
-      </p:sp>
-      <p:sp>
-        <p:nvSpPr>
-          <p:cNvPr id="4" name="コンテンツ プレースホルダー 3"/>
+            <a:endParaRPr lang="en-US" dirty="0"/>
+          </a:p>
+        </p:txBody>
+      </p:sp>
+      <p:sp>
+        <p:nvSpPr>
+          <p:cNvPr id="4" name="Content Placeholder 3"/>
           <p:cNvSpPr>
             <a:spLocks noGrp="1"/>
           </p:cNvSpPr>
@@ -1315,8 +3526,8 @@
         </p:nvSpPr>
         <p:spPr>
           <a:xfrm>
-            <a:off x="6172200" y="1825625"/>
-            <a:ext cx="5181600" cy="4351338"/>
+            <a:off x="5089970" y="2160589"/>
+            <a:ext cx="4184034" cy="3880773"/>
           </a:xfrm>
         </p:spPr>
         <p:txBody>
@@ -1325,76 +3536,76 @@
           <a:p>
             <a:pPr lvl="0"/>
             <a:r>
-              <a:rPr kumimoji="1" lang="ja-JP" altLang="en-US" smtClean="0"/>
+              <a:rPr lang="ja-JP" altLang="en-US" smtClean="0"/>
               <a:t>マスター テキストの書式設定</a:t>
             </a:r>
           </a:p>
           <a:p>
             <a:pPr lvl="1"/>
             <a:r>
-              <a:rPr kumimoji="1" lang="ja-JP" altLang="en-US" smtClean="0"/>
+              <a:rPr lang="ja-JP" altLang="en-US" smtClean="0"/>
               <a:t>第 </a:t>
             </a:r>
             <a:r>
-              <a:rPr kumimoji="1" lang="en-US" altLang="ja-JP" smtClean="0"/>
+              <a:rPr lang="en-US" altLang="ja-JP" smtClean="0"/>
               <a:t>2 </a:t>
             </a:r>
             <a:r>
-              <a:rPr kumimoji="1" lang="ja-JP" altLang="en-US" smtClean="0"/>
+              <a:rPr lang="ja-JP" altLang="en-US" smtClean="0"/>
               <a:t>レベル</a:t>
             </a:r>
           </a:p>
           <a:p>
             <a:pPr lvl="2"/>
             <a:r>
-              <a:rPr kumimoji="1" lang="ja-JP" altLang="en-US" smtClean="0"/>
+              <a:rPr lang="ja-JP" altLang="en-US" smtClean="0"/>
               <a:t>第 </a:t>
             </a:r>
             <a:r>
-              <a:rPr kumimoji="1" lang="en-US" altLang="ja-JP" smtClean="0"/>
+              <a:rPr lang="en-US" altLang="ja-JP" smtClean="0"/>
               <a:t>3 </a:t>
             </a:r>
             <a:r>
-              <a:rPr kumimoji="1" lang="ja-JP" altLang="en-US" smtClean="0"/>
+              <a:rPr lang="ja-JP" altLang="en-US" smtClean="0"/>
               <a:t>レベル</a:t>
             </a:r>
           </a:p>
           <a:p>
             <a:pPr lvl="3"/>
             <a:r>
-              <a:rPr kumimoji="1" lang="ja-JP" altLang="en-US" smtClean="0"/>
+              <a:rPr lang="ja-JP" altLang="en-US" smtClean="0"/>
               <a:t>第 </a:t>
             </a:r>
             <a:r>
-              <a:rPr kumimoji="1" lang="en-US" altLang="ja-JP" smtClean="0"/>
+              <a:rPr lang="en-US" altLang="ja-JP" smtClean="0"/>
               <a:t>4 </a:t>
             </a:r>
             <a:r>
-              <a:rPr kumimoji="1" lang="ja-JP" altLang="en-US" smtClean="0"/>
+              <a:rPr lang="ja-JP" altLang="en-US" smtClean="0"/>
               <a:t>レベル</a:t>
             </a:r>
           </a:p>
           <a:p>
             <a:pPr lvl="4"/>
             <a:r>
-              <a:rPr kumimoji="1" lang="ja-JP" altLang="en-US" smtClean="0"/>
+              <a:rPr lang="ja-JP" altLang="en-US" smtClean="0"/>
               <a:t>第 </a:t>
             </a:r>
             <a:r>
-              <a:rPr kumimoji="1" lang="en-US" altLang="ja-JP" smtClean="0"/>
+              <a:rPr lang="en-US" altLang="ja-JP" smtClean="0"/>
               <a:t>5 </a:t>
             </a:r>
             <a:r>
-              <a:rPr kumimoji="1" lang="ja-JP" altLang="en-US" smtClean="0"/>
+              <a:rPr lang="ja-JP" altLang="en-US" smtClean="0"/>
               <a:t>レベル</a:t>
             </a:r>
-            <a:endParaRPr kumimoji="1" lang="ja-JP" altLang="en-US"/>
-          </a:p>
-        </p:txBody>
-      </p:sp>
-      <p:sp>
-        <p:nvSpPr>
-          <p:cNvPr id="5" name="日付プレースホルダー 4"/>
+            <a:endParaRPr lang="en-US" dirty="0"/>
+          </a:p>
+        </p:txBody>
+      </p:sp>
+      <p:sp>
+        <p:nvSpPr>
+          <p:cNvPr id="5" name="Date Placeholder 4"/>
           <p:cNvSpPr>
             <a:spLocks noGrp="1"/>
           </p:cNvSpPr>
@@ -1417,7 +3628,7 @@
       </p:sp>
       <p:sp>
         <p:nvSpPr>
-          <p:cNvPr id="6" name="フッター プレースホルダー 5"/>
+          <p:cNvPr id="6" name="Footer Placeholder 5"/>
           <p:cNvSpPr>
             <a:spLocks noGrp="1"/>
           </p:cNvSpPr>
@@ -1436,7 +3647,7 @@
       </p:sp>
       <p:sp>
         <p:nvSpPr>
-          <p:cNvPr id="7" name="スライド番号プレースホルダー 6"/>
+          <p:cNvPr id="7" name="Slide Number Placeholder 6"/>
           <p:cNvSpPr>
             <a:spLocks noGrp="1"/>
           </p:cNvSpPr>
@@ -1460,7 +3671,7 @@
     </p:spTree>
     <p:extLst>
       <p:ext uri="{BB962C8B-B14F-4D97-AF65-F5344CB8AC3E}">
-        <p14:creationId xmlns:p14="http://schemas.microsoft.com/office/powerpoint/2010/main" val="911517673"/>
+        <p14:creationId xmlns:p14="http://schemas.microsoft.com/office/powerpoint/2010/main" val="1196726670"/>
       </p:ext>
     </p:extLst>
   </p:cSld>
@@ -1489,54 +3700,55 @@
       </p:grpSpPr>
       <p:sp>
         <p:nvSpPr>
-          <p:cNvPr id="2" name="タイトル 1"/>
+          <p:cNvPr id="2" name="Title 1"/>
           <p:cNvSpPr>
             <a:spLocks noGrp="1"/>
           </p:cNvSpPr>
           <p:nvPr>
             <p:ph type="title"/>
+          </p:nvPr>
+        </p:nvSpPr>
+        <p:spPr/>
+        <p:txBody>
+          <a:bodyPr/>
+          <a:lstStyle>
+            <a:lvl1pPr>
+              <a:defRPr/>
+            </a:lvl1pPr>
+          </a:lstStyle>
+          <a:p>
+            <a:r>
+              <a:rPr lang="ja-JP" altLang="en-US" smtClean="0"/>
+              <a:t>マスター タイトルの書式設定</a:t>
+            </a:r>
+            <a:endParaRPr lang="en-US" dirty="0"/>
+          </a:p>
+        </p:txBody>
+      </p:sp>
+      <p:sp>
+        <p:nvSpPr>
+          <p:cNvPr id="3" name="Text Placeholder 2"/>
+          <p:cNvSpPr>
+            <a:spLocks noGrp="1"/>
+          </p:cNvSpPr>
+          <p:nvPr>
+            <p:ph type="body" idx="1"/>
           </p:nvPr>
         </p:nvSpPr>
         <p:spPr>
           <a:xfrm>
-            <a:off x="839788" y="365125"/>
-            <a:ext cx="10515600" cy="1325563"/>
+            <a:off x="675745" y="2160983"/>
+            <a:ext cx="4185623" cy="576262"/>
           </a:xfrm>
         </p:spPr>
         <p:txBody>
-          <a:bodyPr/>
-          <a:lstStyle/>
-          <a:p>
-            <a:r>
-              <a:rPr kumimoji="1" lang="ja-JP" altLang="en-US" smtClean="0"/>
-              <a:t>マスター タイトルの書式設定</a:t>
-            </a:r>
-            <a:endParaRPr kumimoji="1" lang="ja-JP" altLang="en-US"/>
-          </a:p>
-        </p:txBody>
-      </p:sp>
-      <p:sp>
-        <p:nvSpPr>
-          <p:cNvPr id="3" name="テキスト プレースホルダー 2"/>
-          <p:cNvSpPr>
-            <a:spLocks noGrp="1"/>
-          </p:cNvSpPr>
-          <p:nvPr>
-            <p:ph type="body" idx="1"/>
-          </p:nvPr>
-        </p:nvSpPr>
-        <p:spPr>
-          <a:xfrm>
-            <a:off x="839788" y="1681163"/>
-            <a:ext cx="5157787" cy="823912"/>
-          </a:xfrm>
-        </p:spPr>
-        <p:txBody>
-          <a:bodyPr anchor="b"/>
+          <a:bodyPr anchor="b">
+            <a:noAutofit/>
+          </a:bodyPr>
           <a:lstStyle>
             <a:lvl1pPr marL="0" indent="0">
               <a:buNone/>
-              <a:defRPr sz="2400" b="1"/>
+              <a:defRPr sz="2400" b="0"/>
             </a:lvl1pPr>
             <a:lvl2pPr marL="457200" indent="0">
               <a:buNone/>
@@ -1574,7 +3786,7 @@
           <a:p>
             <a:pPr lvl="0"/>
             <a:r>
-              <a:rPr kumimoji="1" lang="ja-JP" altLang="en-US" smtClean="0"/>
+              <a:rPr lang="ja-JP" altLang="en-US" smtClean="0"/>
               <a:t>マスター テキストの書式設定</a:t>
             </a:r>
           </a:p>
@@ -1582,7 +3794,7 @@
       </p:sp>
       <p:sp>
         <p:nvSpPr>
-          <p:cNvPr id="4" name="コンテンツ プレースホルダー 3"/>
+          <p:cNvPr id="4" name="Content Placeholder 3"/>
           <p:cNvSpPr>
             <a:spLocks noGrp="1"/>
           </p:cNvSpPr>
@@ -1592,86 +3804,88 @@
         </p:nvSpPr>
         <p:spPr>
           <a:xfrm>
-            <a:off x="839788" y="2505075"/>
-            <a:ext cx="5157787" cy="3684588"/>
+            <a:off x="675745" y="2737245"/>
+            <a:ext cx="4185623" cy="3304117"/>
           </a:xfrm>
         </p:spPr>
         <p:txBody>
-          <a:bodyPr/>
+          <a:bodyPr>
+            <a:normAutofit/>
+          </a:bodyPr>
           <a:lstStyle/>
           <a:p>
             <a:pPr lvl="0"/>
             <a:r>
-              <a:rPr kumimoji="1" lang="ja-JP" altLang="en-US" smtClean="0"/>
+              <a:rPr lang="ja-JP" altLang="en-US" smtClean="0"/>
               <a:t>マスター テキストの書式設定</a:t>
             </a:r>
           </a:p>
           <a:p>
             <a:pPr lvl="1"/>
             <a:r>
-              <a:rPr kumimoji="1" lang="ja-JP" altLang="en-US" smtClean="0"/>
+              <a:rPr lang="ja-JP" altLang="en-US" smtClean="0"/>
               <a:t>第 </a:t>
             </a:r>
             <a:r>
-              <a:rPr kumimoji="1" lang="en-US" altLang="ja-JP" smtClean="0"/>
+              <a:rPr lang="en-US" altLang="ja-JP" smtClean="0"/>
               <a:t>2 </a:t>
             </a:r>
             <a:r>
-              <a:rPr kumimoji="1" lang="ja-JP" altLang="en-US" smtClean="0"/>
+              <a:rPr lang="ja-JP" altLang="en-US" smtClean="0"/>
               <a:t>レベル</a:t>
             </a:r>
           </a:p>
           <a:p>
             <a:pPr lvl="2"/>
             <a:r>
-              <a:rPr kumimoji="1" lang="ja-JP" altLang="en-US" smtClean="0"/>
+              <a:rPr lang="ja-JP" altLang="en-US" smtClean="0"/>
               <a:t>第 </a:t>
             </a:r>
             <a:r>
-              <a:rPr kumimoji="1" lang="en-US" altLang="ja-JP" smtClean="0"/>
+              <a:rPr lang="en-US" altLang="ja-JP" smtClean="0"/>
               <a:t>3 </a:t>
             </a:r>
             <a:r>
-              <a:rPr kumimoji="1" lang="ja-JP" altLang="en-US" smtClean="0"/>
+              <a:rPr lang="ja-JP" altLang="en-US" smtClean="0"/>
               <a:t>レベル</a:t>
             </a:r>
           </a:p>
           <a:p>
             <a:pPr lvl="3"/>
             <a:r>
-              <a:rPr kumimoji="1" lang="ja-JP" altLang="en-US" smtClean="0"/>
+              <a:rPr lang="ja-JP" altLang="en-US" smtClean="0"/>
               <a:t>第 </a:t>
             </a:r>
             <a:r>
-              <a:rPr kumimoji="1" lang="en-US" altLang="ja-JP" smtClean="0"/>
+              <a:rPr lang="en-US" altLang="ja-JP" smtClean="0"/>
               <a:t>4 </a:t>
             </a:r>
             <a:r>
-              <a:rPr kumimoji="1" lang="ja-JP" altLang="en-US" smtClean="0"/>
+              <a:rPr lang="ja-JP" altLang="en-US" smtClean="0"/>
               <a:t>レベル</a:t>
             </a:r>
           </a:p>
           <a:p>
             <a:pPr lvl="4"/>
             <a:r>
-              <a:rPr kumimoji="1" lang="ja-JP" altLang="en-US" smtClean="0"/>
+              <a:rPr lang="ja-JP" altLang="en-US" smtClean="0"/>
               <a:t>第 </a:t>
             </a:r>
             <a:r>
-              <a:rPr kumimoji="1" lang="en-US" altLang="ja-JP" smtClean="0"/>
+              <a:rPr lang="en-US" altLang="ja-JP" smtClean="0"/>
               <a:t>5 </a:t>
             </a:r>
             <a:r>
-              <a:rPr kumimoji="1" lang="ja-JP" altLang="en-US" smtClean="0"/>
+              <a:rPr lang="ja-JP" altLang="en-US" smtClean="0"/>
               <a:t>レベル</a:t>
             </a:r>
-            <a:endParaRPr kumimoji="1" lang="ja-JP" altLang="en-US"/>
-          </a:p>
-        </p:txBody>
-      </p:sp>
-      <p:sp>
-        <p:nvSpPr>
-          <p:cNvPr id="5" name="テキスト プレースホルダー 4"/>
+            <a:endParaRPr lang="en-US" dirty="0"/>
+          </a:p>
+        </p:txBody>
+      </p:sp>
+      <p:sp>
+        <p:nvSpPr>
+          <p:cNvPr id="5" name="Text Placeholder 4"/>
           <p:cNvSpPr>
             <a:spLocks noGrp="1"/>
           </p:cNvSpPr>
@@ -1681,16 +3895,18 @@
         </p:nvSpPr>
         <p:spPr>
           <a:xfrm>
-            <a:off x="6172200" y="1681163"/>
-            <a:ext cx="5183188" cy="823912"/>
+            <a:off x="5088383" y="2160983"/>
+            <a:ext cx="4185618" cy="576262"/>
           </a:xfrm>
         </p:spPr>
         <p:txBody>
-          <a:bodyPr anchor="b"/>
+          <a:bodyPr anchor="b">
+            <a:noAutofit/>
+          </a:bodyPr>
           <a:lstStyle>
             <a:lvl1pPr marL="0" indent="0">
               <a:buNone/>
-              <a:defRPr sz="2400" b="1"/>
+              <a:defRPr sz="2400" b="0"/>
             </a:lvl1pPr>
             <a:lvl2pPr marL="457200" indent="0">
               <a:buNone/>
@@ -1728,7 +3944,7 @@
           <a:p>
             <a:pPr lvl="0"/>
             <a:r>
-              <a:rPr kumimoji="1" lang="ja-JP" altLang="en-US" smtClean="0"/>
+              <a:rPr lang="ja-JP" altLang="en-US" smtClean="0"/>
               <a:t>マスター テキストの書式設定</a:t>
             </a:r>
           </a:p>
@@ -1736,7 +3952,7 @@
       </p:sp>
       <p:sp>
         <p:nvSpPr>
-          <p:cNvPr id="6" name="コンテンツ プレースホルダー 5"/>
+          <p:cNvPr id="6" name="Content Placeholder 5"/>
           <p:cNvSpPr>
             <a:spLocks noGrp="1"/>
           </p:cNvSpPr>
@@ -1746,86 +3962,88 @@
         </p:nvSpPr>
         <p:spPr>
           <a:xfrm>
-            <a:off x="6172200" y="2505075"/>
-            <a:ext cx="5183188" cy="3684588"/>
+            <a:off x="5088384" y="2737245"/>
+            <a:ext cx="4185617" cy="3304117"/>
           </a:xfrm>
         </p:spPr>
         <p:txBody>
-          <a:bodyPr/>
+          <a:bodyPr>
+            <a:normAutofit/>
+          </a:bodyPr>
           <a:lstStyle/>
           <a:p>
             <a:pPr lvl="0"/>
             <a:r>
-              <a:rPr kumimoji="1" lang="ja-JP" altLang="en-US" smtClean="0"/>
+              <a:rPr lang="ja-JP" altLang="en-US" smtClean="0"/>
               <a:t>マスター テキストの書式設定</a:t>
             </a:r>
           </a:p>
           <a:p>
             <a:pPr lvl="1"/>
             <a:r>
-              <a:rPr kumimoji="1" lang="ja-JP" altLang="en-US" smtClean="0"/>
+              <a:rPr lang="ja-JP" altLang="en-US" smtClean="0"/>
               <a:t>第 </a:t>
             </a:r>
             <a:r>
-              <a:rPr kumimoji="1" lang="en-US" altLang="ja-JP" smtClean="0"/>
+              <a:rPr lang="en-US" altLang="ja-JP" smtClean="0"/>
               <a:t>2 </a:t>
             </a:r>
             <a:r>
-              <a:rPr kumimoji="1" lang="ja-JP" altLang="en-US" smtClean="0"/>
+              <a:rPr lang="ja-JP" altLang="en-US" smtClean="0"/>
               <a:t>レベル</a:t>
             </a:r>
           </a:p>
           <a:p>
             <a:pPr lvl="2"/>
             <a:r>
-              <a:rPr kumimoji="1" lang="ja-JP" altLang="en-US" smtClean="0"/>
+              <a:rPr lang="ja-JP" altLang="en-US" smtClean="0"/>
               <a:t>第 </a:t>
             </a:r>
             <a:r>
-              <a:rPr kumimoji="1" lang="en-US" altLang="ja-JP" smtClean="0"/>
+              <a:rPr lang="en-US" altLang="ja-JP" smtClean="0"/>
               <a:t>3 </a:t>
             </a:r>
             <a:r>
-              <a:rPr kumimoji="1" lang="ja-JP" altLang="en-US" smtClean="0"/>
+              <a:rPr lang="ja-JP" altLang="en-US" smtClean="0"/>
               <a:t>レベル</a:t>
             </a:r>
           </a:p>
           <a:p>
             <a:pPr lvl="3"/>
             <a:r>
-              <a:rPr kumimoji="1" lang="ja-JP" altLang="en-US" smtClean="0"/>
+              <a:rPr lang="ja-JP" altLang="en-US" smtClean="0"/>
               <a:t>第 </a:t>
             </a:r>
             <a:r>
-              <a:rPr kumimoji="1" lang="en-US" altLang="ja-JP" smtClean="0"/>
+              <a:rPr lang="en-US" altLang="ja-JP" smtClean="0"/>
               <a:t>4 </a:t>
             </a:r>
             <a:r>
-              <a:rPr kumimoji="1" lang="ja-JP" altLang="en-US" smtClean="0"/>
+              <a:rPr lang="ja-JP" altLang="en-US" smtClean="0"/>
               <a:t>レベル</a:t>
             </a:r>
           </a:p>
           <a:p>
             <a:pPr lvl="4"/>
             <a:r>
-              <a:rPr kumimoji="1" lang="ja-JP" altLang="en-US" smtClean="0"/>
+              <a:rPr lang="ja-JP" altLang="en-US" smtClean="0"/>
               <a:t>第 </a:t>
             </a:r>
             <a:r>
-              <a:rPr kumimoji="1" lang="en-US" altLang="ja-JP" smtClean="0"/>
+              <a:rPr lang="en-US" altLang="ja-JP" smtClean="0"/>
               <a:t>5 </a:t>
             </a:r>
             <a:r>
-              <a:rPr kumimoji="1" lang="ja-JP" altLang="en-US" smtClean="0"/>
+              <a:rPr lang="ja-JP" altLang="en-US" smtClean="0"/>
               <a:t>レベル</a:t>
             </a:r>
-            <a:endParaRPr kumimoji="1" lang="ja-JP" altLang="en-US"/>
-          </a:p>
-        </p:txBody>
-      </p:sp>
-      <p:sp>
-        <p:nvSpPr>
-          <p:cNvPr id="7" name="日付プレースホルダー 6"/>
+            <a:endParaRPr lang="en-US" dirty="0"/>
+          </a:p>
+        </p:txBody>
+      </p:sp>
+      <p:sp>
+        <p:nvSpPr>
+          <p:cNvPr id="7" name="Date Placeholder 6"/>
           <p:cNvSpPr>
             <a:spLocks noGrp="1"/>
           </p:cNvSpPr>
@@ -1848,7 +4066,7 @@
       </p:sp>
       <p:sp>
         <p:nvSpPr>
-          <p:cNvPr id="8" name="フッター プレースホルダー 7"/>
+          <p:cNvPr id="8" name="Footer Placeholder 7"/>
           <p:cNvSpPr>
             <a:spLocks noGrp="1"/>
           </p:cNvSpPr>
@@ -1867,7 +4085,7 @@
       </p:sp>
       <p:sp>
         <p:nvSpPr>
-          <p:cNvPr id="9" name="スライド番号プレースホルダー 8"/>
+          <p:cNvPr id="9" name="Slide Number Placeholder 8"/>
           <p:cNvSpPr>
             <a:spLocks noGrp="1"/>
           </p:cNvSpPr>
@@ -1891,7 +4109,7 @@
     </p:spTree>
     <p:extLst>
       <p:ext uri="{BB962C8B-B14F-4D97-AF65-F5344CB8AC3E}">
-        <p14:creationId xmlns:p14="http://schemas.microsoft.com/office/powerpoint/2010/main" val="1876676060"/>
+        <p14:creationId xmlns:p14="http://schemas.microsoft.com/office/powerpoint/2010/main" val="53304888"/>
       </p:ext>
     </p:extLst>
   </p:cSld>
@@ -1920,7 +4138,7 @@
       </p:grpSpPr>
       <p:sp>
         <p:nvSpPr>
-          <p:cNvPr id="2" name="タイトル 1"/>
+          <p:cNvPr id="2" name="Title 1"/>
           <p:cNvSpPr>
             <a:spLocks noGrp="1"/>
           </p:cNvSpPr>
@@ -1928,22 +4146,27 @@
             <p:ph type="title"/>
           </p:nvPr>
         </p:nvSpPr>
-        <p:spPr/>
+        <p:spPr>
+          <a:xfrm>
+            <a:off x="677334" y="609600"/>
+            <a:ext cx="8596668" cy="1320800"/>
+          </a:xfrm>
+        </p:spPr>
         <p:txBody>
           <a:bodyPr/>
           <a:lstStyle/>
           <a:p>
             <a:r>
-              <a:rPr kumimoji="1" lang="ja-JP" altLang="en-US" smtClean="0"/>
+              <a:rPr lang="ja-JP" altLang="en-US" smtClean="0"/>
               <a:t>マスター タイトルの書式設定</a:t>
             </a:r>
-            <a:endParaRPr kumimoji="1" lang="ja-JP" altLang="en-US"/>
-          </a:p>
-        </p:txBody>
-      </p:sp>
-      <p:sp>
-        <p:nvSpPr>
-          <p:cNvPr id="3" name="日付プレースホルダー 2"/>
+            <a:endParaRPr lang="en-US" dirty="0"/>
+          </a:p>
+        </p:txBody>
+      </p:sp>
+      <p:sp>
+        <p:nvSpPr>
+          <p:cNvPr id="3" name="Date Placeholder 2"/>
           <p:cNvSpPr>
             <a:spLocks noGrp="1"/>
           </p:cNvSpPr>
@@ -1966,7 +4189,7 @@
       </p:sp>
       <p:sp>
         <p:nvSpPr>
-          <p:cNvPr id="4" name="フッター プレースホルダー 3"/>
+          <p:cNvPr id="4" name="Footer Placeholder 3"/>
           <p:cNvSpPr>
             <a:spLocks noGrp="1"/>
           </p:cNvSpPr>
@@ -1985,7 +4208,7 @@
       </p:sp>
       <p:sp>
         <p:nvSpPr>
-          <p:cNvPr id="5" name="スライド番号プレースホルダー 4"/>
+          <p:cNvPr id="5" name="Slide Number Placeholder 4"/>
           <p:cNvSpPr>
             <a:spLocks noGrp="1"/>
           </p:cNvSpPr>
@@ -2009,7 +4232,7 @@
     </p:spTree>
     <p:extLst>
       <p:ext uri="{BB962C8B-B14F-4D97-AF65-F5344CB8AC3E}">
-        <p14:creationId xmlns:p14="http://schemas.microsoft.com/office/powerpoint/2010/main" val="1202216931"/>
+        <p14:creationId xmlns:p14="http://schemas.microsoft.com/office/powerpoint/2010/main" val="394571817"/>
       </p:ext>
     </p:extLst>
   </p:cSld>
@@ -2038,7 +4261,7 @@
       </p:grpSpPr>
       <p:sp>
         <p:nvSpPr>
-          <p:cNvPr id="2" name="日付プレースホルダー 1"/>
+          <p:cNvPr id="2" name="Date Placeholder 1"/>
           <p:cNvSpPr>
             <a:spLocks noGrp="1"/>
           </p:cNvSpPr>
@@ -2061,7 +4284,7 @@
       </p:sp>
       <p:sp>
         <p:nvSpPr>
-          <p:cNvPr id="3" name="フッター プレースホルダー 2"/>
+          <p:cNvPr id="3" name="Footer Placeholder 2"/>
           <p:cNvSpPr>
             <a:spLocks noGrp="1"/>
           </p:cNvSpPr>
@@ -2080,7 +4303,7 @@
       </p:sp>
       <p:sp>
         <p:nvSpPr>
-          <p:cNvPr id="4" name="スライド番号プレースホルダー 3"/>
+          <p:cNvPr id="4" name="Slide Number Placeholder 3"/>
           <p:cNvSpPr>
             <a:spLocks noGrp="1"/>
           </p:cNvSpPr>
@@ -2104,7 +4327,7 @@
     </p:spTree>
     <p:extLst>
       <p:ext uri="{BB962C8B-B14F-4D97-AF65-F5344CB8AC3E}">
-        <p14:creationId xmlns:p14="http://schemas.microsoft.com/office/powerpoint/2010/main" val="2133808341"/>
+        <p14:creationId xmlns:p14="http://schemas.microsoft.com/office/powerpoint/2010/main" val="139026383"/>
       </p:ext>
     </p:extLst>
   </p:cSld>
@@ -2133,7 +4356,7 @@
       </p:grpSpPr>
       <p:sp>
         <p:nvSpPr>
-          <p:cNvPr id="2" name="タイトル 1"/>
+          <p:cNvPr id="2" name="Title 1"/>
           <p:cNvSpPr>
             <a:spLocks noGrp="1"/>
           </p:cNvSpPr>
@@ -2143,29 +4366,31 @@
         </p:nvSpPr>
         <p:spPr>
           <a:xfrm>
-            <a:off x="839788" y="457200"/>
-            <a:ext cx="3932237" cy="1600200"/>
+            <a:off x="677334" y="1498604"/>
+            <a:ext cx="3854528" cy="1278466"/>
           </a:xfrm>
         </p:spPr>
         <p:txBody>
-          <a:bodyPr anchor="b"/>
+          <a:bodyPr anchor="b">
+            <a:normAutofit/>
+          </a:bodyPr>
           <a:lstStyle>
             <a:lvl1pPr>
-              <a:defRPr sz="3200"/>
+              <a:defRPr sz="2000"/>
             </a:lvl1pPr>
           </a:lstStyle>
           <a:p>
             <a:r>
-              <a:rPr kumimoji="1" lang="ja-JP" altLang="en-US" smtClean="0"/>
+              <a:rPr lang="ja-JP" altLang="en-US" smtClean="0"/>
               <a:t>マスター タイトルの書式設定</a:t>
             </a:r>
-            <a:endParaRPr kumimoji="1" lang="ja-JP" altLang="en-US"/>
-          </a:p>
-        </p:txBody>
-      </p:sp>
-      <p:sp>
-        <p:nvSpPr>
-          <p:cNvPr id="3" name="コンテンツ プレースホルダー 2"/>
+            <a:endParaRPr lang="en-US" dirty="0"/>
+          </a:p>
+        </p:txBody>
+      </p:sp>
+      <p:sp>
+        <p:nvSpPr>
+          <p:cNvPr id="3" name="Content Placeholder 2"/>
           <p:cNvSpPr>
             <a:spLocks noGrp="1"/>
           </p:cNvSpPr>
@@ -2175,114 +4400,88 @@
         </p:nvSpPr>
         <p:spPr>
           <a:xfrm>
-            <a:off x="5183188" y="987425"/>
-            <a:ext cx="6172200" cy="4873625"/>
+            <a:off x="4760461" y="514924"/>
+            <a:ext cx="4513541" cy="5526437"/>
           </a:xfrm>
         </p:spPr>
         <p:txBody>
-          <a:bodyPr/>
-          <a:lstStyle>
-            <a:lvl1pPr>
-              <a:defRPr sz="3200"/>
-            </a:lvl1pPr>
-            <a:lvl2pPr>
-              <a:defRPr sz="2800"/>
-            </a:lvl2pPr>
-            <a:lvl3pPr>
-              <a:defRPr sz="2400"/>
-            </a:lvl3pPr>
-            <a:lvl4pPr>
-              <a:defRPr sz="2000"/>
-            </a:lvl4pPr>
-            <a:lvl5pPr>
-              <a:defRPr sz="2000"/>
-            </a:lvl5pPr>
-            <a:lvl6pPr>
-              <a:defRPr sz="2000"/>
-            </a:lvl6pPr>
-            <a:lvl7pPr>
-              <a:defRPr sz="2000"/>
-            </a:lvl7pPr>
-            <a:lvl8pPr>
-              <a:defRPr sz="2000"/>
-            </a:lvl8pPr>
-            <a:lvl9pPr>
-              <a:defRPr sz="2000"/>
-            </a:lvl9pPr>
-          </a:lstStyle>
+          <a:bodyPr>
+            <a:normAutofit/>
+          </a:bodyPr>
+          <a:lstStyle/>
           <a:p>
             <a:pPr lvl="0"/>
             <a:r>
-              <a:rPr kumimoji="1" lang="ja-JP" altLang="en-US" smtClean="0"/>
+              <a:rPr lang="ja-JP" altLang="en-US" smtClean="0"/>
               <a:t>マスター テキストの書式設定</a:t>
             </a:r>
           </a:p>
           <a:p>
             <a:pPr lvl="1"/>
             <a:r>
-              <a:rPr kumimoji="1" lang="ja-JP" altLang="en-US" smtClean="0"/>
+              <a:rPr lang="ja-JP" altLang="en-US" smtClean="0"/>
               <a:t>第 </a:t>
             </a:r>
             <a:r>
-              <a:rPr kumimoji="1" lang="en-US" altLang="ja-JP" smtClean="0"/>
+              <a:rPr lang="en-US" altLang="ja-JP" smtClean="0"/>
               <a:t>2 </a:t>
             </a:r>
             <a:r>
-              <a:rPr kumimoji="1" lang="ja-JP" altLang="en-US" smtClean="0"/>
+              <a:rPr lang="ja-JP" altLang="en-US" smtClean="0"/>
               <a:t>レベル</a:t>
             </a:r>
           </a:p>
           <a:p>
             <a:pPr lvl="2"/>
             <a:r>
-              <a:rPr kumimoji="1" lang="ja-JP" altLang="en-US" smtClean="0"/>
+              <a:rPr lang="ja-JP" altLang="en-US" smtClean="0"/>
               <a:t>第 </a:t>
             </a:r>
             <a:r>
-              <a:rPr kumimoji="1" lang="en-US" altLang="ja-JP" smtClean="0"/>
+              <a:rPr lang="en-US" altLang="ja-JP" smtClean="0"/>
               <a:t>3 </a:t>
             </a:r>
             <a:r>
-              <a:rPr kumimoji="1" lang="ja-JP" altLang="en-US" smtClean="0"/>
+              <a:rPr lang="ja-JP" altLang="en-US" smtClean="0"/>
               <a:t>レベル</a:t>
             </a:r>
           </a:p>
           <a:p>
             <a:pPr lvl="3"/>
             <a:r>
-              <a:rPr kumimoji="1" lang="ja-JP" altLang="en-US" smtClean="0"/>
+              <a:rPr lang="ja-JP" altLang="en-US" smtClean="0"/>
               <a:t>第 </a:t>
             </a:r>
             <a:r>
-              <a:rPr kumimoji="1" lang="en-US" altLang="ja-JP" smtClean="0"/>
+              <a:rPr lang="en-US" altLang="ja-JP" smtClean="0"/>
               <a:t>4 </a:t>
             </a:r>
             <a:r>
-              <a:rPr kumimoji="1" lang="ja-JP" altLang="en-US" smtClean="0"/>
+              <a:rPr lang="ja-JP" altLang="en-US" smtClean="0"/>
               <a:t>レベル</a:t>
             </a:r>
           </a:p>
           <a:p>
             <a:pPr lvl="4"/>
             <a:r>
-              <a:rPr kumimoji="1" lang="ja-JP" altLang="en-US" smtClean="0"/>
+              <a:rPr lang="ja-JP" altLang="en-US" smtClean="0"/>
               <a:t>第 </a:t>
             </a:r>
             <a:r>
-              <a:rPr kumimoji="1" lang="en-US" altLang="ja-JP" smtClean="0"/>
+              <a:rPr lang="en-US" altLang="ja-JP" smtClean="0"/>
               <a:t>5 </a:t>
             </a:r>
             <a:r>
-              <a:rPr kumimoji="1" lang="ja-JP" altLang="en-US" smtClean="0"/>
+              <a:rPr lang="ja-JP" altLang="en-US" smtClean="0"/>
               <a:t>レベル</a:t>
             </a:r>
-            <a:endParaRPr kumimoji="1" lang="ja-JP" altLang="en-US"/>
-          </a:p>
-        </p:txBody>
-      </p:sp>
-      <p:sp>
-        <p:nvSpPr>
-          <p:cNvPr id="4" name="テキスト プレースホルダー 3"/>
+            <a:endParaRPr lang="en-US" dirty="0"/>
+          </a:p>
+        </p:txBody>
+      </p:sp>
+      <p:sp>
+        <p:nvSpPr>
+          <p:cNvPr id="4" name="Text Placeholder 3"/>
           <p:cNvSpPr>
             <a:spLocks noGrp="1"/>
           </p:cNvSpPr>
@@ -2292,46 +4491,48 @@
         </p:nvSpPr>
         <p:spPr>
           <a:xfrm>
-            <a:off x="839788" y="2057400"/>
-            <a:ext cx="3932237" cy="3811588"/>
+            <a:off x="677334" y="2777069"/>
+            <a:ext cx="3854528" cy="2584449"/>
           </a:xfrm>
         </p:spPr>
         <p:txBody>
-          <a:bodyPr/>
+          <a:bodyPr>
+            <a:normAutofit/>
+          </a:bodyPr>
           <a:lstStyle>
             <a:lvl1pPr marL="0" indent="0">
               <a:buNone/>
-              <a:defRPr sz="1600"/>
+              <a:defRPr sz="1400"/>
             </a:lvl1pPr>
-            <a:lvl2pPr marL="457200" indent="0">
+            <a:lvl2pPr marL="457063" indent="0">
               <a:buNone/>
               <a:defRPr sz="1400"/>
             </a:lvl2pPr>
-            <a:lvl3pPr marL="914400" indent="0">
+            <a:lvl3pPr marL="914126" indent="0">
               <a:buNone/>
               <a:defRPr sz="1200"/>
             </a:lvl3pPr>
-            <a:lvl4pPr marL="1371600" indent="0">
+            <a:lvl4pPr marL="1371189" indent="0">
               <a:buNone/>
               <a:defRPr sz="1000"/>
             </a:lvl4pPr>
-            <a:lvl5pPr marL="1828800" indent="0">
+            <a:lvl5pPr marL="1828251" indent="0">
               <a:buNone/>
               <a:defRPr sz="1000"/>
             </a:lvl5pPr>
-            <a:lvl6pPr marL="2286000" indent="0">
+            <a:lvl6pPr marL="2285314" indent="0">
               <a:buNone/>
               <a:defRPr sz="1000"/>
             </a:lvl6pPr>
-            <a:lvl7pPr marL="2743200" indent="0">
+            <a:lvl7pPr marL="2742377" indent="0">
               <a:buNone/>
               <a:defRPr sz="1000"/>
             </a:lvl7pPr>
-            <a:lvl8pPr marL="3200400" indent="0">
+            <a:lvl8pPr marL="3199440" indent="0">
               <a:buNone/>
               <a:defRPr sz="1000"/>
             </a:lvl8pPr>
-            <a:lvl9pPr marL="3657600" indent="0">
+            <a:lvl9pPr marL="3656503" indent="0">
               <a:buNone/>
               <a:defRPr sz="1000"/>
             </a:lvl9pPr>
@@ -2339,7 +4540,7 @@
           <a:p>
             <a:pPr lvl="0"/>
             <a:r>
-              <a:rPr kumimoji="1" lang="ja-JP" altLang="en-US" smtClean="0"/>
+              <a:rPr lang="ja-JP" altLang="en-US" smtClean="0"/>
               <a:t>マスター テキストの書式設定</a:t>
             </a:r>
           </a:p>
@@ -2347,7 +4548,7 @@
       </p:sp>
       <p:sp>
         <p:nvSpPr>
-          <p:cNvPr id="5" name="日付プレースホルダー 4"/>
+          <p:cNvPr id="5" name="Date Placeholder 4"/>
           <p:cNvSpPr>
             <a:spLocks noGrp="1"/>
           </p:cNvSpPr>
@@ -2370,7 +4571,7 @@
       </p:sp>
       <p:sp>
         <p:nvSpPr>
-          <p:cNvPr id="6" name="フッター プレースホルダー 5"/>
+          <p:cNvPr id="6" name="Footer Placeholder 5"/>
           <p:cNvSpPr>
             <a:spLocks noGrp="1"/>
           </p:cNvSpPr>
@@ -2389,7 +4590,7 @@
       </p:sp>
       <p:sp>
         <p:nvSpPr>
-          <p:cNvPr id="7" name="スライド番号プレースホルダー 6"/>
+          <p:cNvPr id="7" name="Slide Number Placeholder 6"/>
           <p:cNvSpPr>
             <a:spLocks noGrp="1"/>
           </p:cNvSpPr>
@@ -2413,7 +4614,7 @@
     </p:spTree>
     <p:extLst>
       <p:ext uri="{BB962C8B-B14F-4D97-AF65-F5344CB8AC3E}">
-        <p14:creationId xmlns:p14="http://schemas.microsoft.com/office/powerpoint/2010/main" val="2087365934"/>
+        <p14:creationId xmlns:p14="http://schemas.microsoft.com/office/powerpoint/2010/main" val="154211145"/>
       </p:ext>
     </p:extLst>
   </p:cSld>
@@ -2442,7 +4643,7 @@
       </p:grpSpPr>
       <p:sp>
         <p:nvSpPr>
-          <p:cNvPr id="2" name="タイトル 1"/>
+          <p:cNvPr id="2" name="Title 1"/>
           <p:cNvSpPr>
             <a:spLocks noGrp="1"/>
           </p:cNvSpPr>
@@ -2452,31 +4653,33 @@
         </p:nvSpPr>
         <p:spPr>
           <a:xfrm>
-            <a:off x="839788" y="457200"/>
-            <a:ext cx="3932237" cy="1600200"/>
+            <a:off x="677334" y="4800600"/>
+            <a:ext cx="8596667" cy="566738"/>
           </a:xfrm>
         </p:spPr>
         <p:txBody>
-          <a:bodyPr anchor="b"/>
+          <a:bodyPr anchor="b">
+            <a:normAutofit/>
+          </a:bodyPr>
           <a:lstStyle>
-            <a:lvl1pPr>
-              <a:defRPr sz="3200"/>
+            <a:lvl1pPr algn="l">
+              <a:defRPr sz="2400" b="0"/>
             </a:lvl1pPr>
           </a:lstStyle>
           <a:p>
             <a:r>
-              <a:rPr kumimoji="1" lang="ja-JP" altLang="en-US" smtClean="0"/>
+              <a:rPr lang="ja-JP" altLang="en-US" smtClean="0"/>
               <a:t>マスター タイトルの書式設定</a:t>
             </a:r>
-            <a:endParaRPr kumimoji="1" lang="ja-JP" altLang="en-US"/>
-          </a:p>
-        </p:txBody>
-      </p:sp>
-      <p:sp>
-        <p:nvSpPr>
-          <p:cNvPr id="3" name="図プレースホルダー 2"/>
-          <p:cNvSpPr>
-            <a:spLocks noGrp="1"/>
+            <a:endParaRPr lang="en-US" dirty="0"/>
+          </a:p>
+        </p:txBody>
+      </p:sp>
+      <p:sp>
+        <p:nvSpPr>
+          <p:cNvPr id="3" name="Picture Placeholder 2"/>
+          <p:cNvSpPr>
+            <a:spLocks noGrp="1" noChangeAspect="1"/>
           </p:cNvSpPr>
           <p:nvPr>
             <p:ph type="pic" idx="1"/>
@@ -2484,115 +4687,123 @@
         </p:nvSpPr>
         <p:spPr>
           <a:xfrm>
-            <a:off x="5183188" y="987425"/>
-            <a:ext cx="6172200" cy="4873625"/>
+            <a:off x="677334" y="609600"/>
+            <a:ext cx="8596668" cy="3845718"/>
           </a:xfrm>
         </p:spPr>
         <p:txBody>
-          <a:bodyPr/>
+          <a:bodyPr anchor="t">
+            <a:normAutofit/>
+          </a:bodyPr>
           <a:lstStyle>
-            <a:lvl1pPr marL="0" indent="0">
-              <a:buNone/>
-              <a:defRPr sz="3200"/>
-            </a:lvl1pPr>
-            <a:lvl2pPr marL="457200" indent="0">
-              <a:buNone/>
-              <a:defRPr sz="2800"/>
-            </a:lvl2pPr>
-            <a:lvl3pPr marL="914400" indent="0">
-              <a:buNone/>
-              <a:defRPr sz="2400"/>
-            </a:lvl3pPr>
-            <a:lvl4pPr marL="1371600" indent="0">
-              <a:buNone/>
-              <a:defRPr sz="2000"/>
-            </a:lvl4pPr>
-            <a:lvl5pPr marL="1828800" indent="0">
-              <a:buNone/>
-              <a:defRPr sz="2000"/>
-            </a:lvl5pPr>
-            <a:lvl6pPr marL="2286000" indent="0">
-              <a:buNone/>
-              <a:defRPr sz="2000"/>
-            </a:lvl6pPr>
-            <a:lvl7pPr marL="2743200" indent="0">
-              <a:buNone/>
-              <a:defRPr sz="2000"/>
-            </a:lvl7pPr>
-            <a:lvl8pPr marL="3200400" indent="0">
-              <a:buNone/>
-              <a:defRPr sz="2000"/>
-            </a:lvl8pPr>
-            <a:lvl9pPr marL="3657600" indent="0">
-              <a:buNone/>
-              <a:defRPr sz="2000"/>
-            </a:lvl9pPr>
-          </a:lstStyle>
-          <a:p>
-            <a:endParaRPr kumimoji="1" lang="ja-JP" altLang="en-US"/>
-          </a:p>
-        </p:txBody>
-      </p:sp>
-      <p:sp>
-        <p:nvSpPr>
-          <p:cNvPr id="4" name="テキスト プレースホルダー 3"/>
-          <p:cNvSpPr>
-            <a:spLocks noGrp="1"/>
-          </p:cNvSpPr>
-          <p:nvPr>
-            <p:ph type="body" sz="half" idx="2"/>
-          </p:nvPr>
-        </p:nvSpPr>
-        <p:spPr>
-          <a:xfrm>
-            <a:off x="839788" y="2057400"/>
-            <a:ext cx="3932237" cy="3811588"/>
-          </a:xfrm>
-        </p:spPr>
-        <p:txBody>
-          <a:bodyPr/>
-          <a:lstStyle>
-            <a:lvl1pPr marL="0" indent="0">
+            <a:lvl1pPr marL="0" indent="0" algn="ctr">
               <a:buNone/>
               <a:defRPr sz="1600"/>
             </a:lvl1pPr>
             <a:lvl2pPr marL="457200" indent="0">
               <a:buNone/>
-              <a:defRPr sz="1400"/>
+              <a:defRPr sz="1600"/>
             </a:lvl2pPr>
             <a:lvl3pPr marL="914400" indent="0">
               <a:buNone/>
-              <a:defRPr sz="1200"/>
+              <a:defRPr sz="1600"/>
             </a:lvl3pPr>
             <a:lvl4pPr marL="1371600" indent="0">
               <a:buNone/>
-              <a:defRPr sz="1000"/>
+              <a:defRPr sz="1600"/>
             </a:lvl4pPr>
             <a:lvl5pPr marL="1828800" indent="0">
               <a:buNone/>
-              <a:defRPr sz="1000"/>
+              <a:defRPr sz="1600"/>
             </a:lvl5pPr>
             <a:lvl6pPr marL="2286000" indent="0">
               <a:buNone/>
-              <a:defRPr sz="1000"/>
+              <a:defRPr sz="1600"/>
             </a:lvl6pPr>
             <a:lvl7pPr marL="2743200" indent="0">
               <a:buNone/>
-              <a:defRPr sz="1000"/>
+              <a:defRPr sz="1600"/>
             </a:lvl7pPr>
             <a:lvl8pPr marL="3200400" indent="0">
               <a:buNone/>
-              <a:defRPr sz="1000"/>
+              <a:defRPr sz="1600"/>
             </a:lvl8pPr>
             <a:lvl9pPr marL="3657600" indent="0">
               <a:buNone/>
-              <a:defRPr sz="1000"/>
+              <a:defRPr sz="1600"/>
             </a:lvl9pPr>
           </a:lstStyle>
           <a:p>
+            <a:r>
+              <a:rPr lang="ja-JP" altLang="en-US" smtClean="0"/>
+              <a:t>プレースホルダーまでドラッグするかアイコンをクリックして図を追加</a:t>
+            </a:r>
+            <a:endParaRPr lang="en-US" dirty="0"/>
+          </a:p>
+        </p:txBody>
+      </p:sp>
+      <p:sp>
+        <p:nvSpPr>
+          <p:cNvPr id="4" name="Text Placeholder 3"/>
+          <p:cNvSpPr>
+            <a:spLocks noGrp="1"/>
+          </p:cNvSpPr>
+          <p:nvPr>
+            <p:ph type="body" sz="half" idx="2"/>
+          </p:nvPr>
+        </p:nvSpPr>
+        <p:spPr>
+          <a:xfrm>
+            <a:off x="677334" y="5367338"/>
+            <a:ext cx="8596667" cy="674024"/>
+          </a:xfrm>
+        </p:spPr>
+        <p:txBody>
+          <a:bodyPr>
+            <a:normAutofit/>
+          </a:bodyPr>
+          <a:lstStyle>
+            <a:lvl1pPr marL="0" indent="0">
+              <a:buNone/>
+              <a:defRPr sz="1200"/>
+            </a:lvl1pPr>
+            <a:lvl2pPr marL="457200" indent="0">
+              <a:buNone/>
+              <a:defRPr sz="1200"/>
+            </a:lvl2pPr>
+            <a:lvl3pPr marL="914400" indent="0">
+              <a:buNone/>
+              <a:defRPr sz="1000"/>
+            </a:lvl3pPr>
+            <a:lvl4pPr marL="1371600" indent="0">
+              <a:buNone/>
+              <a:defRPr sz="900"/>
+            </a:lvl4pPr>
+            <a:lvl5pPr marL="1828800" indent="0">
+              <a:buNone/>
+              <a:defRPr sz="900"/>
+            </a:lvl5pPr>
+            <a:lvl6pPr marL="2286000" indent="0">
+              <a:buNone/>
+              <a:defRPr sz="900"/>
+            </a:lvl6pPr>
+            <a:lvl7pPr marL="2743200" indent="0">
+              <a:buNone/>
+              <a:defRPr sz="900"/>
+            </a:lvl7pPr>
+            <a:lvl8pPr marL="3200400" indent="0">
+              <a:buNone/>
+              <a:defRPr sz="900"/>
+            </a:lvl8pPr>
+            <a:lvl9pPr marL="3657600" indent="0">
+              <a:buNone/>
+              <a:defRPr sz="900"/>
+            </a:lvl9pPr>
+          </a:lstStyle>
+          <a:p>
             <a:pPr lvl="0"/>
             <a:r>
-              <a:rPr kumimoji="1" lang="ja-JP" altLang="en-US" smtClean="0"/>
+              <a:rPr lang="ja-JP" altLang="en-US" smtClean="0"/>
               <a:t>マスター テキストの書式設定</a:t>
             </a:r>
           </a:p>
@@ -2600,7 +4811,7 @@
       </p:sp>
       <p:sp>
         <p:nvSpPr>
-          <p:cNvPr id="5" name="日付プレースホルダー 4"/>
+          <p:cNvPr id="5" name="Date Placeholder 4"/>
           <p:cNvSpPr>
             <a:spLocks noGrp="1"/>
           </p:cNvSpPr>
@@ -2623,7 +4834,7 @@
       </p:sp>
       <p:sp>
         <p:nvSpPr>
-          <p:cNvPr id="6" name="フッター プレースホルダー 5"/>
+          <p:cNvPr id="6" name="Footer Placeholder 5"/>
           <p:cNvSpPr>
             <a:spLocks noGrp="1"/>
           </p:cNvSpPr>
@@ -2642,7 +4853,7 @@
       </p:sp>
       <p:sp>
         <p:nvSpPr>
-          <p:cNvPr id="7" name="スライド番号プレースホルダー 6"/>
+          <p:cNvPr id="7" name="Slide Number Placeholder 6"/>
           <p:cNvSpPr>
             <a:spLocks noGrp="1"/>
           </p:cNvSpPr>
@@ -2666,7 +4877,7 @@
     </p:spTree>
     <p:extLst>
       <p:ext uri="{BB962C8B-B14F-4D97-AF65-F5344CB8AC3E}">
-        <p14:creationId xmlns:p14="http://schemas.microsoft.com/office/powerpoint/2010/main" val="1066395346"/>
+        <p14:creationId xmlns:p14="http://schemas.microsoft.com/office/powerpoint/2010/main" val="1961435733"/>
       </p:ext>
     </p:extLst>
   </p:cSld>
@@ -2698,9 +4909,539 @@
           <a:chExt cx="0" cy="0"/>
         </a:xfrm>
       </p:grpSpPr>
-      <p:sp>
-        <p:nvSpPr>
-          <p:cNvPr id="2" name="タイトル プレースホルダー 1"/>
+      <p:grpSp>
+        <p:nvGrpSpPr>
+          <p:cNvPr id="7" name="Group 6"/>
+          <p:cNvGrpSpPr/>
+          <p:nvPr/>
+        </p:nvGrpSpPr>
+        <p:grpSpPr>
+          <a:xfrm>
+            <a:off x="0" y="-8467"/>
+            <a:ext cx="12192000" cy="6866467"/>
+            <a:chOff x="0" y="-8467"/>
+            <a:chExt cx="12192000" cy="6866467"/>
+          </a:xfrm>
+        </p:grpSpPr>
+        <p:cxnSp>
+          <p:nvCxnSpPr>
+            <p:cNvPr id="20" name="Straight Connector 19"/>
+            <p:cNvCxnSpPr/>
+            <p:nvPr/>
+          </p:nvCxnSpPr>
+          <p:spPr>
+            <a:xfrm>
+              <a:off x="9371012" y="0"/>
+              <a:ext cx="1219200" cy="6858000"/>
+            </a:xfrm>
+            <a:prstGeom prst="line">
+              <a:avLst/>
+            </a:prstGeom>
+            <a:ln w="9525">
+              <a:solidFill>
+                <a:schemeClr val="bg1">
+                  <a:lumMod val="75000"/>
+                </a:schemeClr>
+              </a:solidFill>
+            </a:ln>
+          </p:spPr>
+          <p:style>
+            <a:lnRef idx="2">
+              <a:schemeClr val="accent1"/>
+            </a:lnRef>
+            <a:fillRef idx="0">
+              <a:schemeClr val="accent1"/>
+            </a:fillRef>
+            <a:effectRef idx="1">
+              <a:schemeClr val="accent1"/>
+            </a:effectRef>
+            <a:fontRef idx="minor">
+              <a:schemeClr val="tx1"/>
+            </a:fontRef>
+          </p:style>
+        </p:cxnSp>
+        <p:cxnSp>
+          <p:nvCxnSpPr>
+            <p:cNvPr id="21" name="Straight Connector 20"/>
+            <p:cNvCxnSpPr/>
+            <p:nvPr/>
+          </p:nvCxnSpPr>
+          <p:spPr>
+            <a:xfrm flipH="1">
+              <a:off x="7425267" y="3681413"/>
+              <a:ext cx="4763558" cy="3176587"/>
+            </a:xfrm>
+            <a:prstGeom prst="line">
+              <a:avLst/>
+            </a:prstGeom>
+            <a:ln w="9525">
+              <a:solidFill>
+                <a:schemeClr val="bg1">
+                  <a:lumMod val="85000"/>
+                </a:schemeClr>
+              </a:solidFill>
+            </a:ln>
+          </p:spPr>
+          <p:style>
+            <a:lnRef idx="2">
+              <a:schemeClr val="accent1"/>
+            </a:lnRef>
+            <a:fillRef idx="0">
+              <a:schemeClr val="accent1"/>
+            </a:fillRef>
+            <a:effectRef idx="1">
+              <a:schemeClr val="accent1"/>
+            </a:effectRef>
+            <a:fontRef idx="minor">
+              <a:schemeClr val="tx1"/>
+            </a:fontRef>
+          </p:style>
+        </p:cxnSp>
+        <p:sp>
+          <p:nvSpPr>
+            <p:cNvPr id="22" name="Rectangle 23"/>
+            <p:cNvSpPr/>
+            <p:nvPr/>
+          </p:nvSpPr>
+          <p:spPr>
+            <a:xfrm>
+              <a:off x="9181476" y="-8467"/>
+              <a:ext cx="3007349" cy="6866467"/>
+            </a:xfrm>
+            <a:custGeom>
+              <a:avLst/>
+              <a:gdLst/>
+              <a:ahLst/>
+              <a:cxnLst/>
+              <a:rect l="l" t="t" r="r" b="b"/>
+              <a:pathLst>
+                <a:path w="3007349" h="6866467">
+                  <a:moveTo>
+                    <a:pt x="2045532" y="0"/>
+                  </a:moveTo>
+                  <a:lnTo>
+                    <a:pt x="3007349" y="0"/>
+                  </a:lnTo>
+                  <a:lnTo>
+                    <a:pt x="3007349" y="6866467"/>
+                  </a:lnTo>
+                  <a:lnTo>
+                    <a:pt x="0" y="6866467"/>
+                  </a:lnTo>
+                  <a:lnTo>
+                    <a:pt x="2045532" y="0"/>
+                  </a:lnTo>
+                  <a:close/>
+                </a:path>
+              </a:pathLst>
+            </a:custGeom>
+            <a:solidFill>
+              <a:schemeClr val="accent1">
+                <a:alpha val="30000"/>
+              </a:schemeClr>
+            </a:solidFill>
+            <a:ln>
+              <a:noFill/>
+            </a:ln>
+            <a:effectLst/>
+          </p:spPr>
+          <p:style>
+            <a:lnRef idx="1">
+              <a:schemeClr val="accent1"/>
+            </a:lnRef>
+            <a:fillRef idx="3">
+              <a:schemeClr val="accent1"/>
+            </a:fillRef>
+            <a:effectRef idx="2">
+              <a:schemeClr val="accent1"/>
+            </a:effectRef>
+            <a:fontRef idx="minor">
+              <a:schemeClr val="lt1"/>
+            </a:fontRef>
+          </p:style>
+        </p:sp>
+        <p:sp>
+          <p:nvSpPr>
+            <p:cNvPr id="23" name="Rectangle 25"/>
+            <p:cNvSpPr/>
+            <p:nvPr/>
+          </p:nvSpPr>
+          <p:spPr>
+            <a:xfrm>
+              <a:off x="9603442" y="-8467"/>
+              <a:ext cx="2588558" cy="6866467"/>
+            </a:xfrm>
+            <a:custGeom>
+              <a:avLst/>
+              <a:gdLst/>
+              <a:ahLst/>
+              <a:cxnLst/>
+              <a:rect l="l" t="t" r="r" b="b"/>
+              <a:pathLst>
+                <a:path w="2573311" h="6866467">
+                  <a:moveTo>
+                    <a:pt x="0" y="0"/>
+                  </a:moveTo>
+                  <a:lnTo>
+                    <a:pt x="2573311" y="0"/>
+                  </a:lnTo>
+                  <a:lnTo>
+                    <a:pt x="2573311" y="6866467"/>
+                  </a:lnTo>
+                  <a:lnTo>
+                    <a:pt x="1202336" y="6866467"/>
+                  </a:lnTo>
+                  <a:lnTo>
+                    <a:pt x="0" y="0"/>
+                  </a:lnTo>
+                  <a:close/>
+                </a:path>
+              </a:pathLst>
+            </a:custGeom>
+            <a:solidFill>
+              <a:schemeClr val="accent1">
+                <a:alpha val="20000"/>
+              </a:schemeClr>
+            </a:solidFill>
+            <a:ln>
+              <a:noFill/>
+            </a:ln>
+            <a:effectLst/>
+          </p:spPr>
+          <p:style>
+            <a:lnRef idx="1">
+              <a:schemeClr val="accent1"/>
+            </a:lnRef>
+            <a:fillRef idx="3">
+              <a:schemeClr val="accent1"/>
+            </a:fillRef>
+            <a:effectRef idx="2">
+              <a:schemeClr val="accent1"/>
+            </a:effectRef>
+            <a:fontRef idx="minor">
+              <a:schemeClr val="lt1"/>
+            </a:fontRef>
+          </p:style>
+        </p:sp>
+        <p:sp>
+          <p:nvSpPr>
+            <p:cNvPr id="24" name="Isosceles Triangle 23"/>
+            <p:cNvSpPr/>
+            <p:nvPr/>
+          </p:nvSpPr>
+          <p:spPr>
+            <a:xfrm>
+              <a:off x="8932333" y="3048000"/>
+              <a:ext cx="3259667" cy="3810000"/>
+            </a:xfrm>
+            <a:prstGeom prst="triangle">
+              <a:avLst>
+                <a:gd name="adj" fmla="val 100000"/>
+              </a:avLst>
+            </a:prstGeom>
+            <a:solidFill>
+              <a:schemeClr val="accent2">
+                <a:alpha val="72000"/>
+              </a:schemeClr>
+            </a:solidFill>
+            <a:ln>
+              <a:noFill/>
+            </a:ln>
+            <a:effectLst/>
+          </p:spPr>
+          <p:style>
+            <a:lnRef idx="1">
+              <a:schemeClr val="accent1"/>
+            </a:lnRef>
+            <a:fillRef idx="3">
+              <a:schemeClr val="accent1"/>
+            </a:fillRef>
+            <a:effectRef idx="2">
+              <a:schemeClr val="accent1"/>
+            </a:effectRef>
+            <a:fontRef idx="minor">
+              <a:schemeClr val="lt1"/>
+            </a:fontRef>
+          </p:style>
+        </p:sp>
+        <p:sp>
+          <p:nvSpPr>
+            <p:cNvPr id="25" name="Rectangle 27"/>
+            <p:cNvSpPr/>
+            <p:nvPr/>
+          </p:nvSpPr>
+          <p:spPr>
+            <a:xfrm>
+              <a:off x="9334500" y="-8467"/>
+              <a:ext cx="2854326" cy="6866467"/>
+            </a:xfrm>
+            <a:custGeom>
+              <a:avLst/>
+              <a:gdLst/>
+              <a:ahLst/>
+              <a:cxnLst/>
+              <a:rect l="l" t="t" r="r" b="b"/>
+              <a:pathLst>
+                <a:path w="2858013" h="6866467">
+                  <a:moveTo>
+                    <a:pt x="0" y="0"/>
+                  </a:moveTo>
+                  <a:lnTo>
+                    <a:pt x="2858013" y="0"/>
+                  </a:lnTo>
+                  <a:lnTo>
+                    <a:pt x="2858013" y="6866467"/>
+                  </a:lnTo>
+                  <a:lnTo>
+                    <a:pt x="2473942" y="6866467"/>
+                  </a:lnTo>
+                  <a:lnTo>
+                    <a:pt x="0" y="0"/>
+                  </a:lnTo>
+                  <a:close/>
+                </a:path>
+              </a:pathLst>
+            </a:custGeom>
+            <a:solidFill>
+              <a:schemeClr val="accent2">
+                <a:lumMod val="75000"/>
+                <a:alpha val="70000"/>
+              </a:schemeClr>
+            </a:solidFill>
+            <a:ln>
+              <a:noFill/>
+            </a:ln>
+            <a:effectLst/>
+          </p:spPr>
+          <p:style>
+            <a:lnRef idx="1">
+              <a:schemeClr val="accent1"/>
+            </a:lnRef>
+            <a:fillRef idx="3">
+              <a:schemeClr val="accent1"/>
+            </a:fillRef>
+            <a:effectRef idx="2">
+              <a:schemeClr val="accent1"/>
+            </a:effectRef>
+            <a:fontRef idx="minor">
+              <a:schemeClr val="lt1"/>
+            </a:fontRef>
+          </p:style>
+        </p:sp>
+        <p:sp>
+          <p:nvSpPr>
+            <p:cNvPr id="26" name="Rectangle 28"/>
+            <p:cNvSpPr/>
+            <p:nvPr/>
+          </p:nvSpPr>
+          <p:spPr>
+            <a:xfrm>
+              <a:off x="10898730" y="-8467"/>
+              <a:ext cx="1290094" cy="6866467"/>
+            </a:xfrm>
+            <a:custGeom>
+              <a:avLst/>
+              <a:gdLst/>
+              <a:ahLst/>
+              <a:cxnLst/>
+              <a:rect l="l" t="t" r="r" b="b"/>
+              <a:pathLst>
+                <a:path w="1290094" h="6858000">
+                  <a:moveTo>
+                    <a:pt x="1019735" y="0"/>
+                  </a:moveTo>
+                  <a:lnTo>
+                    <a:pt x="1290094" y="0"/>
+                  </a:lnTo>
+                  <a:lnTo>
+                    <a:pt x="1290094" y="6858000"/>
+                  </a:lnTo>
+                  <a:lnTo>
+                    <a:pt x="0" y="6858000"/>
+                  </a:lnTo>
+                  <a:lnTo>
+                    <a:pt x="1019735" y="0"/>
+                  </a:lnTo>
+                  <a:close/>
+                </a:path>
+              </a:pathLst>
+            </a:custGeom>
+            <a:solidFill>
+              <a:schemeClr val="accent1">
+                <a:lumMod val="60000"/>
+                <a:lumOff val="40000"/>
+                <a:alpha val="70000"/>
+              </a:schemeClr>
+            </a:solidFill>
+            <a:ln>
+              <a:noFill/>
+            </a:ln>
+            <a:effectLst/>
+          </p:spPr>
+          <p:style>
+            <a:lnRef idx="1">
+              <a:schemeClr val="accent1"/>
+            </a:lnRef>
+            <a:fillRef idx="3">
+              <a:schemeClr val="accent1"/>
+            </a:fillRef>
+            <a:effectRef idx="2">
+              <a:schemeClr val="accent1"/>
+            </a:effectRef>
+            <a:fontRef idx="minor">
+              <a:schemeClr val="lt1"/>
+            </a:fontRef>
+          </p:style>
+        </p:sp>
+        <p:sp>
+          <p:nvSpPr>
+            <p:cNvPr id="27" name="Rectangle 29"/>
+            <p:cNvSpPr/>
+            <p:nvPr/>
+          </p:nvSpPr>
+          <p:spPr>
+            <a:xfrm>
+              <a:off x="10938999" y="-8467"/>
+              <a:ext cx="1249825" cy="6866467"/>
+            </a:xfrm>
+            <a:custGeom>
+              <a:avLst/>
+              <a:gdLst/>
+              <a:ahLst/>
+              <a:cxnLst/>
+              <a:rect l="l" t="t" r="r" b="b"/>
+              <a:pathLst>
+                <a:path w="1249825" h="6858000">
+                  <a:moveTo>
+                    <a:pt x="0" y="0"/>
+                  </a:moveTo>
+                  <a:lnTo>
+                    <a:pt x="1249825" y="0"/>
+                  </a:lnTo>
+                  <a:lnTo>
+                    <a:pt x="1249825" y="6858000"/>
+                  </a:lnTo>
+                  <a:lnTo>
+                    <a:pt x="1109382" y="6858000"/>
+                  </a:lnTo>
+                  <a:lnTo>
+                    <a:pt x="0" y="0"/>
+                  </a:lnTo>
+                  <a:close/>
+                </a:path>
+              </a:pathLst>
+            </a:custGeom>
+            <a:solidFill>
+              <a:schemeClr val="accent1">
+                <a:alpha val="65000"/>
+              </a:schemeClr>
+            </a:solidFill>
+            <a:ln>
+              <a:noFill/>
+            </a:ln>
+            <a:effectLst/>
+          </p:spPr>
+          <p:style>
+            <a:lnRef idx="1">
+              <a:schemeClr val="accent1"/>
+            </a:lnRef>
+            <a:fillRef idx="3">
+              <a:schemeClr val="accent1"/>
+            </a:fillRef>
+            <a:effectRef idx="2">
+              <a:schemeClr val="accent1"/>
+            </a:effectRef>
+            <a:fontRef idx="minor">
+              <a:schemeClr val="lt1"/>
+            </a:fontRef>
+          </p:style>
+        </p:sp>
+        <p:sp>
+          <p:nvSpPr>
+            <p:cNvPr id="28" name="Isosceles Triangle 27"/>
+            <p:cNvSpPr/>
+            <p:nvPr/>
+          </p:nvSpPr>
+          <p:spPr>
+            <a:xfrm>
+              <a:off x="10371666" y="3589867"/>
+              <a:ext cx="1817159" cy="3268133"/>
+            </a:xfrm>
+            <a:prstGeom prst="triangle">
+              <a:avLst>
+                <a:gd name="adj" fmla="val 100000"/>
+              </a:avLst>
+            </a:prstGeom>
+            <a:solidFill>
+              <a:schemeClr val="accent1">
+                <a:alpha val="80000"/>
+              </a:schemeClr>
+            </a:solidFill>
+            <a:ln>
+              <a:noFill/>
+            </a:ln>
+            <a:effectLst/>
+          </p:spPr>
+          <p:style>
+            <a:lnRef idx="1">
+              <a:schemeClr val="accent1"/>
+            </a:lnRef>
+            <a:fillRef idx="3">
+              <a:schemeClr val="accent1"/>
+            </a:fillRef>
+            <a:effectRef idx="2">
+              <a:schemeClr val="accent1"/>
+            </a:effectRef>
+            <a:fontRef idx="minor">
+              <a:schemeClr val="lt1"/>
+            </a:fontRef>
+          </p:style>
+        </p:sp>
+        <p:sp>
+          <p:nvSpPr>
+            <p:cNvPr id="29" name="Isosceles Triangle 28"/>
+            <p:cNvSpPr/>
+            <p:nvPr/>
+          </p:nvSpPr>
+          <p:spPr>
+            <a:xfrm>
+              <a:off x="0" y="4013200"/>
+              <a:ext cx="448733" cy="2844800"/>
+            </a:xfrm>
+            <a:prstGeom prst="triangle">
+              <a:avLst>
+                <a:gd name="adj" fmla="val 0"/>
+              </a:avLst>
+            </a:prstGeom>
+            <a:solidFill>
+              <a:schemeClr val="accent1">
+                <a:alpha val="85000"/>
+              </a:schemeClr>
+            </a:solidFill>
+            <a:ln>
+              <a:noFill/>
+            </a:ln>
+            <a:effectLst/>
+          </p:spPr>
+          <p:style>
+            <a:lnRef idx="1">
+              <a:schemeClr val="accent1"/>
+            </a:lnRef>
+            <a:fillRef idx="3">
+              <a:schemeClr val="accent1"/>
+            </a:fillRef>
+            <a:effectRef idx="2">
+              <a:schemeClr val="accent1"/>
+            </a:effectRef>
+            <a:fontRef idx="minor">
+              <a:schemeClr val="lt1"/>
+            </a:fontRef>
+          </p:style>
+        </p:sp>
+      </p:grpSp>
+      <p:sp>
+        <p:nvSpPr>
+          <p:cNvPr id="2" name="Title Placeholder 1"/>
           <p:cNvSpPr>
             <a:spLocks noGrp="1"/>
           </p:cNvSpPr>
@@ -2710,30 +5451,30 @@
         </p:nvSpPr>
         <p:spPr>
           <a:xfrm>
-            <a:off x="838200" y="365125"/>
-            <a:ext cx="10515600" cy="1325563"/>
+            <a:off x="677334" y="609600"/>
+            <a:ext cx="8596668" cy="1320800"/>
           </a:xfrm>
           <a:prstGeom prst="rect">
             <a:avLst/>
           </a:prstGeom>
         </p:spPr>
         <p:txBody>
-          <a:bodyPr vert="horz" lIns="91440" tIns="45720" rIns="91440" bIns="45720" rtlCol="0" anchor="ctr">
+          <a:bodyPr vert="horz" lIns="91440" tIns="45720" rIns="91440" bIns="45720" rtlCol="0" anchor="t">
             <a:normAutofit/>
           </a:bodyPr>
           <a:lstStyle/>
           <a:p>
             <a:r>
-              <a:rPr kumimoji="1" lang="ja-JP" altLang="en-US" smtClean="0"/>
+              <a:rPr lang="ja-JP" altLang="en-US" smtClean="0"/>
               <a:t>マスター タイトルの書式設定</a:t>
             </a:r>
-            <a:endParaRPr kumimoji="1" lang="ja-JP" altLang="en-US"/>
-          </a:p>
-        </p:txBody>
-      </p:sp>
-      <p:sp>
-        <p:nvSpPr>
-          <p:cNvPr id="3" name="テキスト プレースホルダー 2"/>
+            <a:endParaRPr lang="en-US" dirty="0"/>
+          </a:p>
+        </p:txBody>
+      </p:sp>
+      <p:sp>
+        <p:nvSpPr>
+          <p:cNvPr id="3" name="Text Placeholder 2"/>
           <p:cNvSpPr>
             <a:spLocks noGrp="1"/>
           </p:cNvSpPr>
@@ -2743,8 +5484,8 @@
         </p:nvSpPr>
         <p:spPr>
           <a:xfrm>
-            <a:off x="838200" y="1825625"/>
-            <a:ext cx="10515600" cy="4351338"/>
+            <a:off x="677334" y="2160589"/>
+            <a:ext cx="8596668" cy="3880773"/>
           </a:xfrm>
           <a:prstGeom prst="rect">
             <a:avLst/>
@@ -2758,76 +5499,76 @@
           <a:p>
             <a:pPr lvl="0"/>
             <a:r>
-              <a:rPr kumimoji="1" lang="ja-JP" altLang="en-US" smtClean="0"/>
+              <a:rPr lang="ja-JP" altLang="en-US" smtClean="0"/>
               <a:t>マスター テキストの書式設定</a:t>
             </a:r>
           </a:p>
           <a:p>
             <a:pPr lvl="1"/>
             <a:r>
-              <a:rPr kumimoji="1" lang="ja-JP" altLang="en-US" smtClean="0"/>
+              <a:rPr lang="ja-JP" altLang="en-US" smtClean="0"/>
               <a:t>第 </a:t>
             </a:r>
             <a:r>
-              <a:rPr kumimoji="1" lang="en-US" altLang="ja-JP" smtClean="0"/>
+              <a:rPr lang="en-US" altLang="ja-JP" smtClean="0"/>
               <a:t>2 </a:t>
             </a:r>
             <a:r>
-              <a:rPr kumimoji="1" lang="ja-JP" altLang="en-US" smtClean="0"/>
+              <a:rPr lang="ja-JP" altLang="en-US" smtClean="0"/>
               <a:t>レベル</a:t>
             </a:r>
           </a:p>
           <a:p>
             <a:pPr lvl="2"/>
             <a:r>
-              <a:rPr kumimoji="1" lang="ja-JP" altLang="en-US" smtClean="0"/>
+              <a:rPr lang="ja-JP" altLang="en-US" smtClean="0"/>
               <a:t>第 </a:t>
             </a:r>
             <a:r>
-              <a:rPr kumimoji="1" lang="en-US" altLang="ja-JP" smtClean="0"/>
+              <a:rPr lang="en-US" altLang="ja-JP" smtClean="0"/>
               <a:t>3 </a:t>
             </a:r>
             <a:r>
-              <a:rPr kumimoji="1" lang="ja-JP" altLang="en-US" smtClean="0"/>
+              <a:rPr lang="ja-JP" altLang="en-US" smtClean="0"/>
               <a:t>レベル</a:t>
             </a:r>
           </a:p>
           <a:p>
             <a:pPr lvl="3"/>
             <a:r>
-              <a:rPr kumimoji="1" lang="ja-JP" altLang="en-US" smtClean="0"/>
+              <a:rPr lang="ja-JP" altLang="en-US" smtClean="0"/>
               <a:t>第 </a:t>
             </a:r>
             <a:r>
-              <a:rPr kumimoji="1" lang="en-US" altLang="ja-JP" smtClean="0"/>
+              <a:rPr lang="en-US" altLang="ja-JP" smtClean="0"/>
               <a:t>4 </a:t>
             </a:r>
             <a:r>
-              <a:rPr kumimoji="1" lang="ja-JP" altLang="en-US" smtClean="0"/>
+              <a:rPr lang="ja-JP" altLang="en-US" smtClean="0"/>
               <a:t>レベル</a:t>
             </a:r>
           </a:p>
           <a:p>
             <a:pPr lvl="4"/>
             <a:r>
-              <a:rPr kumimoji="1" lang="ja-JP" altLang="en-US" smtClean="0"/>
+              <a:rPr lang="ja-JP" altLang="en-US" smtClean="0"/>
               <a:t>第 </a:t>
             </a:r>
             <a:r>
-              <a:rPr kumimoji="1" lang="en-US" altLang="ja-JP" smtClean="0"/>
+              <a:rPr lang="en-US" altLang="ja-JP" smtClean="0"/>
               <a:t>5 </a:t>
             </a:r>
             <a:r>
-              <a:rPr kumimoji="1" lang="ja-JP" altLang="en-US" smtClean="0"/>
+              <a:rPr lang="ja-JP" altLang="en-US" smtClean="0"/>
               <a:t>レベル</a:t>
             </a:r>
-            <a:endParaRPr kumimoji="1" lang="ja-JP" altLang="en-US"/>
-          </a:p>
-        </p:txBody>
-      </p:sp>
-      <p:sp>
-        <p:nvSpPr>
-          <p:cNvPr id="4" name="日付プレースホルダー 3"/>
+            <a:endParaRPr lang="en-US" dirty="0"/>
+          </a:p>
+        </p:txBody>
+      </p:sp>
+      <p:sp>
+        <p:nvSpPr>
+          <p:cNvPr id="4" name="Date Placeholder 3"/>
           <p:cNvSpPr>
             <a:spLocks noGrp="1"/>
           </p:cNvSpPr>
@@ -2837,8 +5578,8 @@
         </p:nvSpPr>
         <p:spPr>
           <a:xfrm>
-            <a:off x="838200" y="6356350"/>
-            <a:ext cx="2743200" cy="365125"/>
+            <a:off x="7205133" y="6041362"/>
+            <a:ext cx="911939" cy="365125"/>
           </a:xfrm>
           <a:prstGeom prst="rect">
             <a:avLst/>
@@ -2847,8 +5588,8 @@
         <p:txBody>
           <a:bodyPr vert="horz" lIns="91440" tIns="45720" rIns="91440" bIns="45720" rtlCol="0" anchor="ctr"/>
           <a:lstStyle>
-            <a:lvl1pPr algn="l">
-              <a:defRPr sz="1200">
+            <a:lvl1pPr algn="r">
+              <a:defRPr sz="900">
                 <a:solidFill>
                   <a:schemeClr val="tx1">
                     <a:tint val="75000"/>
@@ -2868,7 +5609,7 @@
       </p:sp>
       <p:sp>
         <p:nvSpPr>
-          <p:cNvPr id="5" name="フッター プレースホルダー 4"/>
+          <p:cNvPr id="5" name="Footer Placeholder 4"/>
           <p:cNvSpPr>
             <a:spLocks noGrp="1"/>
           </p:cNvSpPr>
@@ -2878,8 +5619,8 @@
         </p:nvSpPr>
         <p:spPr>
           <a:xfrm>
-            <a:off x="4038600" y="6356350"/>
-            <a:ext cx="4114800" cy="365125"/>
+            <a:off x="677334" y="6041362"/>
+            <a:ext cx="6297612" cy="365125"/>
           </a:xfrm>
           <a:prstGeom prst="rect">
             <a:avLst/>
@@ -2888,8 +5629,8 @@
         <p:txBody>
           <a:bodyPr vert="horz" lIns="91440" tIns="45720" rIns="91440" bIns="45720" rtlCol="0" anchor="ctr"/>
           <a:lstStyle>
-            <a:lvl1pPr algn="ctr">
-              <a:defRPr sz="1200">
+            <a:lvl1pPr algn="l">
+              <a:defRPr sz="900">
                 <a:solidFill>
                   <a:schemeClr val="tx1">
                     <a:tint val="75000"/>
@@ -2905,7 +5646,7 @@
       </p:sp>
       <p:sp>
         <p:nvSpPr>
-          <p:cNvPr id="6" name="スライド番号プレースホルダー 5"/>
+          <p:cNvPr id="6" name="Slide Number Placeholder 5"/>
           <p:cNvSpPr>
             <a:spLocks noGrp="1"/>
           </p:cNvSpPr>
@@ -2915,8 +5656,8 @@
         </p:nvSpPr>
         <p:spPr>
           <a:xfrm>
-            <a:off x="8610600" y="6356350"/>
-            <a:ext cx="2743200" cy="365125"/>
+            <a:off x="8590663" y="6041362"/>
+            <a:ext cx="683339" cy="365125"/>
           </a:xfrm>
           <a:prstGeom prst="rect">
             <a:avLst/>
@@ -2926,11 +5667,9 @@
           <a:bodyPr vert="horz" lIns="91440" tIns="45720" rIns="91440" bIns="45720" rtlCol="0" anchor="ctr"/>
           <a:lstStyle>
             <a:lvl1pPr algn="r">
-              <a:defRPr sz="1200">
+              <a:defRPr sz="900">
                 <a:solidFill>
-                  <a:schemeClr val="tx1">
-                    <a:tint val="75000"/>
-                  </a:schemeClr>
+                  <a:schemeClr val="accent1"/>
                 </a:solidFill>
               </a:defRPr>
             </a:lvl1pPr>
@@ -2947,55 +5686,335 @@
     </p:spTree>
     <p:extLst>
       <p:ext uri="{BB962C8B-B14F-4D97-AF65-F5344CB8AC3E}">
-        <p14:creationId xmlns:p14="http://schemas.microsoft.com/office/powerpoint/2010/main" val="1715961088"/>
+        <p14:creationId xmlns:p14="http://schemas.microsoft.com/office/powerpoint/2010/main" val="574040246"/>
       </p:ext>
     </p:extLst>
   </p:cSld>
   <p:clrMap bg1="lt1" tx1="dk1" bg2="lt2" tx2="dk2" accent1="accent1" accent2="accent2" accent3="accent3" accent4="accent4" accent5="accent5" accent6="accent6" hlink="hlink" folHlink="folHlink"/>
   <p:sldLayoutIdLst>
-    <p:sldLayoutId id="2147483649" r:id="rId1"/>
-    <p:sldLayoutId id="2147483650" r:id="rId2"/>
-    <p:sldLayoutId id="2147483651" r:id="rId3"/>
-    <p:sldLayoutId id="2147483652" r:id="rId4"/>
-    <p:sldLayoutId id="2147483653" r:id="rId5"/>
-    <p:sldLayoutId id="2147483654" r:id="rId6"/>
-    <p:sldLayoutId id="2147483655" r:id="rId7"/>
-    <p:sldLayoutId id="2147483656" r:id="rId8"/>
-    <p:sldLayoutId id="2147483657" r:id="rId9"/>
-    <p:sldLayoutId id="2147483658" r:id="rId10"/>
-    <p:sldLayoutId id="2147483659" r:id="rId11"/>
+    <p:sldLayoutId id="2147483661" r:id="rId1"/>
+    <p:sldLayoutId id="2147483662" r:id="rId2"/>
+    <p:sldLayoutId id="2147483663" r:id="rId3"/>
+    <p:sldLayoutId id="2147483664" r:id="rId4"/>
+    <p:sldLayoutId id="2147483665" r:id="rId5"/>
+    <p:sldLayoutId id="2147483666" r:id="rId6"/>
+    <p:sldLayoutId id="2147483667" r:id="rId7"/>
+    <p:sldLayoutId id="2147483668" r:id="rId8"/>
+    <p:sldLayoutId id="2147483669" r:id="rId9"/>
+    <p:sldLayoutId id="2147483670" r:id="rId10"/>
+    <p:sldLayoutId id="2147483671" r:id="rId11"/>
+    <p:sldLayoutId id="2147483672" r:id="rId12"/>
+    <p:sldLayoutId id="2147483673" r:id="rId13"/>
+    <p:sldLayoutId id="2147483674" r:id="rId14"/>
+    <p:sldLayoutId id="2147483675" r:id="rId15"/>
+    <p:sldLayoutId id="2147483676" r:id="rId16"/>
   </p:sldLayoutIdLst>
   <p:txStyles>
     <p:titleStyle>
-      <a:lvl1pPr algn="l" defTabSz="914400" rtl="0" eaLnBrk="1" latinLnBrk="0" hangingPunct="1">
-        <a:lnSpc>
-          <a:spcPct val="90000"/>
-        </a:lnSpc>
+      <a:lvl1pPr algn="l" defTabSz="457200" rtl="0" eaLnBrk="1" latinLnBrk="0" hangingPunct="1">
         <a:spcBef>
           <a:spcPct val="0"/>
         </a:spcBef>
         <a:buNone/>
-        <a:defRPr kumimoji="1" sz="4400" kern="1200">
+        <a:defRPr kumimoji="1" sz="3600" kern="1200">
           <a:solidFill>
-            <a:schemeClr val="tx1"/>
+            <a:schemeClr val="accent1"/>
           </a:solidFill>
           <a:latin typeface="+mj-lt"/>
           <a:ea typeface="+mj-ea"/>
           <a:cs typeface="+mj-cs"/>
         </a:defRPr>
       </a:lvl1pPr>
+      <a:lvl2pPr eaLnBrk="1" hangingPunct="1">
+        <a:defRPr kumimoji="1">
+          <a:solidFill>
+            <a:schemeClr val="tx2"/>
+          </a:solidFill>
+        </a:defRPr>
+      </a:lvl2pPr>
+      <a:lvl3pPr eaLnBrk="1" hangingPunct="1">
+        <a:defRPr kumimoji="1">
+          <a:solidFill>
+            <a:schemeClr val="tx2"/>
+          </a:solidFill>
+        </a:defRPr>
+      </a:lvl3pPr>
+      <a:lvl4pPr eaLnBrk="1" hangingPunct="1">
+        <a:defRPr kumimoji="1">
+          <a:solidFill>
+            <a:schemeClr val="tx2"/>
+          </a:solidFill>
+        </a:defRPr>
+      </a:lvl4pPr>
+      <a:lvl5pPr eaLnBrk="1" hangingPunct="1">
+        <a:defRPr kumimoji="1">
+          <a:solidFill>
+            <a:schemeClr val="tx2"/>
+          </a:solidFill>
+        </a:defRPr>
+      </a:lvl5pPr>
+      <a:lvl6pPr eaLnBrk="1" hangingPunct="1">
+        <a:defRPr kumimoji="1">
+          <a:solidFill>
+            <a:schemeClr val="tx2"/>
+          </a:solidFill>
+        </a:defRPr>
+      </a:lvl6pPr>
+      <a:lvl7pPr eaLnBrk="1" hangingPunct="1">
+        <a:defRPr kumimoji="1">
+          <a:solidFill>
+            <a:schemeClr val="tx2"/>
+          </a:solidFill>
+        </a:defRPr>
+      </a:lvl7pPr>
+      <a:lvl8pPr eaLnBrk="1" hangingPunct="1">
+        <a:defRPr kumimoji="1">
+          <a:solidFill>
+            <a:schemeClr val="tx2"/>
+          </a:solidFill>
+        </a:defRPr>
+      </a:lvl8pPr>
+      <a:lvl9pPr eaLnBrk="1" hangingPunct="1">
+        <a:defRPr kumimoji="1">
+          <a:solidFill>
+            <a:schemeClr val="tx2"/>
+          </a:solidFill>
+        </a:defRPr>
+      </a:lvl9pPr>
     </p:titleStyle>
     <p:bodyStyle>
-      <a:lvl1pPr marL="228600" indent="-228600" algn="l" defTabSz="914400" rtl="0" eaLnBrk="1" latinLnBrk="0" hangingPunct="1">
-        <a:lnSpc>
-          <a:spcPct val="90000"/>
-        </a:lnSpc>
+      <a:lvl1pPr marL="342900" indent="-342900" algn="l" defTabSz="457200" rtl="0" eaLnBrk="1" latinLnBrk="0" hangingPunct="1">
         <a:spcBef>
           <a:spcPts val="1000"/>
         </a:spcBef>
-        <a:buFont typeface="Arial"/>
-        <a:buChar char="•"/>
-        <a:defRPr kumimoji="1" sz="2800" kern="1200">
+        <a:spcAft>
+          <a:spcPts val="0"/>
+        </a:spcAft>
+        <a:buClr>
+          <a:schemeClr val="accent1"/>
+        </a:buClr>
+        <a:buSzPct val="80000"/>
+        <a:buFont typeface="Wingdings 3" charset="2"/>
+        <a:buChar char=""/>
+        <a:defRPr kumimoji="1" sz="1800" kern="1200">
+          <a:solidFill>
+            <a:schemeClr val="tx1">
+              <a:lumMod val="75000"/>
+              <a:lumOff val="25000"/>
+            </a:schemeClr>
+          </a:solidFill>
+          <a:latin typeface="+mn-lt"/>
+          <a:ea typeface="+mn-ea"/>
+          <a:cs typeface="+mn-cs"/>
+        </a:defRPr>
+      </a:lvl1pPr>
+      <a:lvl2pPr marL="742950" indent="-285750" algn="l" defTabSz="457200" rtl="0" eaLnBrk="1" latinLnBrk="0" hangingPunct="1">
+        <a:spcBef>
+          <a:spcPts val="1000"/>
+        </a:spcBef>
+        <a:spcAft>
+          <a:spcPts val="0"/>
+        </a:spcAft>
+        <a:buClr>
+          <a:schemeClr val="accent1"/>
+        </a:buClr>
+        <a:buSzPct val="80000"/>
+        <a:buFont typeface="Wingdings 3" charset="2"/>
+        <a:buChar char=""/>
+        <a:defRPr kumimoji="1" sz="1600" kern="1200">
+          <a:solidFill>
+            <a:schemeClr val="tx1">
+              <a:lumMod val="75000"/>
+              <a:lumOff val="25000"/>
+            </a:schemeClr>
+          </a:solidFill>
+          <a:latin typeface="+mn-lt"/>
+          <a:ea typeface="+mn-ea"/>
+          <a:cs typeface="+mn-cs"/>
+        </a:defRPr>
+      </a:lvl2pPr>
+      <a:lvl3pPr marL="1143000" indent="-228600" algn="l" defTabSz="457200" rtl="0" eaLnBrk="1" latinLnBrk="0" hangingPunct="1">
+        <a:spcBef>
+          <a:spcPts val="1000"/>
+        </a:spcBef>
+        <a:spcAft>
+          <a:spcPts val="0"/>
+        </a:spcAft>
+        <a:buClr>
+          <a:schemeClr val="accent1"/>
+        </a:buClr>
+        <a:buSzPct val="80000"/>
+        <a:buFont typeface="Wingdings 3" charset="2"/>
+        <a:buChar char=""/>
+        <a:defRPr kumimoji="1" sz="1400" kern="1200">
+          <a:solidFill>
+            <a:schemeClr val="tx1">
+              <a:lumMod val="75000"/>
+              <a:lumOff val="25000"/>
+            </a:schemeClr>
+          </a:solidFill>
+          <a:latin typeface="+mn-lt"/>
+          <a:ea typeface="+mn-ea"/>
+          <a:cs typeface="+mn-cs"/>
+        </a:defRPr>
+      </a:lvl3pPr>
+      <a:lvl4pPr marL="1600200" indent="-228600" algn="l" defTabSz="457200" rtl="0" eaLnBrk="1" latinLnBrk="0" hangingPunct="1">
+        <a:spcBef>
+          <a:spcPts val="1000"/>
+        </a:spcBef>
+        <a:spcAft>
+          <a:spcPts val="0"/>
+        </a:spcAft>
+        <a:buClr>
+          <a:schemeClr val="accent1"/>
+        </a:buClr>
+        <a:buSzPct val="80000"/>
+        <a:buFont typeface="Wingdings 3" charset="2"/>
+        <a:buChar char=""/>
+        <a:defRPr kumimoji="1" sz="1200" kern="1200">
+          <a:solidFill>
+            <a:schemeClr val="tx1">
+              <a:lumMod val="75000"/>
+              <a:lumOff val="25000"/>
+            </a:schemeClr>
+          </a:solidFill>
+          <a:latin typeface="+mn-lt"/>
+          <a:ea typeface="+mn-ea"/>
+          <a:cs typeface="+mn-cs"/>
+        </a:defRPr>
+      </a:lvl4pPr>
+      <a:lvl5pPr marL="2057400" indent="-228600" algn="l" defTabSz="457200" rtl="0" eaLnBrk="1" latinLnBrk="0" hangingPunct="1">
+        <a:spcBef>
+          <a:spcPts val="1000"/>
+        </a:spcBef>
+        <a:spcAft>
+          <a:spcPts val="0"/>
+        </a:spcAft>
+        <a:buClr>
+          <a:schemeClr val="accent1"/>
+        </a:buClr>
+        <a:buSzPct val="80000"/>
+        <a:buFont typeface="Wingdings 3" charset="2"/>
+        <a:buChar char=""/>
+        <a:defRPr kumimoji="1" sz="1200" kern="1200">
+          <a:solidFill>
+            <a:schemeClr val="tx1">
+              <a:lumMod val="75000"/>
+              <a:lumOff val="25000"/>
+            </a:schemeClr>
+          </a:solidFill>
+          <a:latin typeface="+mn-lt"/>
+          <a:ea typeface="+mn-ea"/>
+          <a:cs typeface="+mn-cs"/>
+        </a:defRPr>
+      </a:lvl5pPr>
+      <a:lvl6pPr marL="2514600" indent="-228600" algn="l" defTabSz="457200" rtl="0" eaLnBrk="1" latinLnBrk="0" hangingPunct="1">
+        <a:spcBef>
+          <a:spcPts val="1000"/>
+        </a:spcBef>
+        <a:spcAft>
+          <a:spcPts val="0"/>
+        </a:spcAft>
+        <a:buClr>
+          <a:schemeClr val="accent1"/>
+        </a:buClr>
+        <a:buSzPct val="80000"/>
+        <a:buFont typeface="Wingdings 3" charset="2"/>
+        <a:buChar char=""/>
+        <a:defRPr kumimoji="1" sz="1200" kern="1200">
+          <a:solidFill>
+            <a:schemeClr val="tx1">
+              <a:lumMod val="75000"/>
+              <a:lumOff val="25000"/>
+            </a:schemeClr>
+          </a:solidFill>
+          <a:latin typeface="+mn-lt"/>
+          <a:ea typeface="+mn-ea"/>
+          <a:cs typeface="+mn-cs"/>
+        </a:defRPr>
+      </a:lvl6pPr>
+      <a:lvl7pPr marL="2971800" indent="-228600" algn="l" defTabSz="457200" rtl="0" eaLnBrk="1" latinLnBrk="0" hangingPunct="1">
+        <a:spcBef>
+          <a:spcPts val="1000"/>
+        </a:spcBef>
+        <a:spcAft>
+          <a:spcPts val="0"/>
+        </a:spcAft>
+        <a:buClr>
+          <a:schemeClr val="accent1"/>
+        </a:buClr>
+        <a:buSzPct val="80000"/>
+        <a:buFont typeface="Wingdings 3" charset="2"/>
+        <a:buChar char=""/>
+        <a:defRPr kumimoji="1" sz="1200" kern="1200">
+          <a:solidFill>
+            <a:schemeClr val="tx1">
+              <a:lumMod val="75000"/>
+              <a:lumOff val="25000"/>
+            </a:schemeClr>
+          </a:solidFill>
+          <a:latin typeface="+mn-lt"/>
+          <a:ea typeface="+mn-ea"/>
+          <a:cs typeface="+mn-cs"/>
+        </a:defRPr>
+      </a:lvl7pPr>
+      <a:lvl8pPr marL="3429000" indent="-228600" algn="l" defTabSz="457200" rtl="0" eaLnBrk="1" latinLnBrk="0" hangingPunct="1">
+        <a:spcBef>
+          <a:spcPts val="1000"/>
+        </a:spcBef>
+        <a:spcAft>
+          <a:spcPts val="0"/>
+        </a:spcAft>
+        <a:buClr>
+          <a:schemeClr val="accent1"/>
+        </a:buClr>
+        <a:buSzPct val="80000"/>
+        <a:buFont typeface="Wingdings 3" charset="2"/>
+        <a:buChar char=""/>
+        <a:defRPr kumimoji="1" sz="1200" kern="1200">
+          <a:solidFill>
+            <a:schemeClr val="tx1">
+              <a:lumMod val="75000"/>
+              <a:lumOff val="25000"/>
+            </a:schemeClr>
+          </a:solidFill>
+          <a:latin typeface="+mn-lt"/>
+          <a:ea typeface="+mn-ea"/>
+          <a:cs typeface="+mn-cs"/>
+        </a:defRPr>
+      </a:lvl8pPr>
+      <a:lvl9pPr marL="3886200" indent="-228600" algn="l" defTabSz="457200" rtl="0" eaLnBrk="1" latinLnBrk="0" hangingPunct="1">
+        <a:spcBef>
+          <a:spcPts val="1000"/>
+        </a:spcBef>
+        <a:spcAft>
+          <a:spcPts val="0"/>
+        </a:spcAft>
+        <a:buClr>
+          <a:schemeClr val="accent1"/>
+        </a:buClr>
+        <a:buSzPct val="80000"/>
+        <a:buFont typeface="Wingdings 3" charset="2"/>
+        <a:buChar char=""/>
+        <a:defRPr kumimoji="1" sz="1200" kern="1200">
+          <a:solidFill>
+            <a:schemeClr val="tx1">
+              <a:lumMod val="75000"/>
+              <a:lumOff val="25000"/>
+            </a:schemeClr>
+          </a:solidFill>
+          <a:latin typeface="+mn-lt"/>
+          <a:ea typeface="+mn-ea"/>
+          <a:cs typeface="+mn-cs"/>
+        </a:defRPr>
+      </a:lvl9pPr>
+    </p:bodyStyle>
+    <p:otherStyle>
+      <a:defPPr>
+        <a:defRPr lang="en-US"/>
+      </a:defPPr>
+      <a:lvl1pPr marL="0" algn="l" defTabSz="457200" rtl="0" eaLnBrk="1" latinLnBrk="0" hangingPunct="1">
+        <a:defRPr kumimoji="1" sz="1800" kern="1200">
           <a:solidFill>
             <a:schemeClr val="tx1"/>
           </a:solidFill>
@@ -3004,16 +6023,8 @@
           <a:cs typeface="+mn-cs"/>
         </a:defRPr>
       </a:lvl1pPr>
-      <a:lvl2pPr marL="685800" indent="-228600" algn="l" defTabSz="914400" rtl="0" eaLnBrk="1" latinLnBrk="0" hangingPunct="1">
-        <a:lnSpc>
-          <a:spcPct val="90000"/>
-        </a:lnSpc>
-        <a:spcBef>
-          <a:spcPts val="500"/>
-        </a:spcBef>
-        <a:buFont typeface="Arial"/>
-        <a:buChar char="•"/>
-        <a:defRPr kumimoji="1" sz="2400" kern="1200">
+      <a:lvl2pPr marL="457200" algn="l" defTabSz="457200" rtl="0" eaLnBrk="1" latinLnBrk="0" hangingPunct="1">
+        <a:defRPr kumimoji="1" sz="1800" kern="1200">
           <a:solidFill>
             <a:schemeClr val="tx1"/>
           </a:solidFill>
@@ -3022,16 +6033,8 @@
           <a:cs typeface="+mn-cs"/>
         </a:defRPr>
       </a:lvl2pPr>
-      <a:lvl3pPr marL="1143000" indent="-228600" algn="l" defTabSz="914400" rtl="0" eaLnBrk="1" latinLnBrk="0" hangingPunct="1">
-        <a:lnSpc>
-          <a:spcPct val="90000"/>
-        </a:lnSpc>
-        <a:spcBef>
-          <a:spcPts val="500"/>
-        </a:spcBef>
-        <a:buFont typeface="Arial"/>
-        <a:buChar char="•"/>
-        <a:defRPr kumimoji="1" sz="2000" kern="1200">
+      <a:lvl3pPr marL="914400" algn="l" defTabSz="457200" rtl="0" eaLnBrk="1" latinLnBrk="0" hangingPunct="1">
+        <a:defRPr kumimoji="1" sz="1800" kern="1200">
           <a:solidFill>
             <a:schemeClr val="tx1"/>
           </a:solidFill>
@@ -3040,15 +6043,7 @@
           <a:cs typeface="+mn-cs"/>
         </a:defRPr>
       </a:lvl3pPr>
-      <a:lvl4pPr marL="1600200" indent="-228600" algn="l" defTabSz="914400" rtl="0" eaLnBrk="1" latinLnBrk="0" hangingPunct="1">
-        <a:lnSpc>
-          <a:spcPct val="90000"/>
-        </a:lnSpc>
-        <a:spcBef>
-          <a:spcPts val="500"/>
-        </a:spcBef>
-        <a:buFont typeface="Arial"/>
-        <a:buChar char="•"/>
+      <a:lvl4pPr marL="1371600" algn="l" defTabSz="457200" rtl="0" eaLnBrk="1" latinLnBrk="0" hangingPunct="1">
         <a:defRPr kumimoji="1" sz="1800" kern="1200">
           <a:solidFill>
             <a:schemeClr val="tx1"/>
@@ -3058,15 +6053,7 @@
           <a:cs typeface="+mn-cs"/>
         </a:defRPr>
       </a:lvl4pPr>
-      <a:lvl5pPr marL="2057400" indent="-228600" algn="l" defTabSz="914400" rtl="0" eaLnBrk="1" latinLnBrk="0" hangingPunct="1">
-        <a:lnSpc>
-          <a:spcPct val="90000"/>
-        </a:lnSpc>
-        <a:spcBef>
-          <a:spcPts val="500"/>
-        </a:spcBef>
-        <a:buFont typeface="Arial"/>
-        <a:buChar char="•"/>
+      <a:lvl5pPr marL="1828800" algn="l" defTabSz="457200" rtl="0" eaLnBrk="1" latinLnBrk="0" hangingPunct="1">
         <a:defRPr kumimoji="1" sz="1800" kern="1200">
           <a:solidFill>
             <a:schemeClr val="tx1"/>
@@ -3076,15 +6063,7 @@
           <a:cs typeface="+mn-cs"/>
         </a:defRPr>
       </a:lvl5pPr>
-      <a:lvl6pPr marL="2514600" indent="-228600" algn="l" defTabSz="914400" rtl="0" eaLnBrk="1" latinLnBrk="0" hangingPunct="1">
-        <a:lnSpc>
-          <a:spcPct val="90000"/>
-        </a:lnSpc>
-        <a:spcBef>
-          <a:spcPts val="500"/>
-        </a:spcBef>
-        <a:buFont typeface="Arial"/>
-        <a:buChar char="•"/>
+      <a:lvl6pPr marL="2286000" algn="l" defTabSz="457200" rtl="0" eaLnBrk="1" latinLnBrk="0" hangingPunct="1">
         <a:defRPr kumimoji="1" sz="1800" kern="1200">
           <a:solidFill>
             <a:schemeClr val="tx1"/>
@@ -3094,15 +6073,7 @@
           <a:cs typeface="+mn-cs"/>
         </a:defRPr>
       </a:lvl6pPr>
-      <a:lvl7pPr marL="2971800" indent="-228600" algn="l" defTabSz="914400" rtl="0" eaLnBrk="1" latinLnBrk="0" hangingPunct="1">
-        <a:lnSpc>
-          <a:spcPct val="90000"/>
-        </a:lnSpc>
-        <a:spcBef>
-          <a:spcPts val="500"/>
-        </a:spcBef>
-        <a:buFont typeface="Arial"/>
-        <a:buChar char="•"/>
+      <a:lvl7pPr marL="2743200" algn="l" defTabSz="457200" rtl="0" eaLnBrk="1" latinLnBrk="0" hangingPunct="1">
         <a:defRPr kumimoji="1" sz="1800" kern="1200">
           <a:solidFill>
             <a:schemeClr val="tx1"/>
@@ -3112,15 +6083,7 @@
           <a:cs typeface="+mn-cs"/>
         </a:defRPr>
       </a:lvl7pPr>
-      <a:lvl8pPr marL="3429000" indent="-228600" algn="l" defTabSz="914400" rtl="0" eaLnBrk="1" latinLnBrk="0" hangingPunct="1">
-        <a:lnSpc>
-          <a:spcPct val="90000"/>
-        </a:lnSpc>
-        <a:spcBef>
-          <a:spcPts val="500"/>
-        </a:spcBef>
-        <a:buFont typeface="Arial"/>
-        <a:buChar char="•"/>
+      <a:lvl8pPr marL="3200400" algn="l" defTabSz="457200" rtl="0" eaLnBrk="1" latinLnBrk="0" hangingPunct="1">
         <a:defRPr kumimoji="1" sz="1800" kern="1200">
           <a:solidFill>
             <a:schemeClr val="tx1"/>
@@ -3130,110 +6093,7 @@
           <a:cs typeface="+mn-cs"/>
         </a:defRPr>
       </a:lvl8pPr>
-      <a:lvl9pPr marL="3886200" indent="-228600" algn="l" defTabSz="914400" rtl="0" eaLnBrk="1" latinLnBrk="0" hangingPunct="1">
-        <a:lnSpc>
-          <a:spcPct val="90000"/>
-        </a:lnSpc>
-        <a:spcBef>
-          <a:spcPts val="500"/>
-        </a:spcBef>
-        <a:buFont typeface="Arial"/>
-        <a:buChar char="•"/>
-        <a:defRPr kumimoji="1" sz="1800" kern="1200">
-          <a:solidFill>
-            <a:schemeClr val="tx1"/>
-          </a:solidFill>
-          <a:latin typeface="+mn-lt"/>
-          <a:ea typeface="+mn-ea"/>
-          <a:cs typeface="+mn-cs"/>
-        </a:defRPr>
-      </a:lvl9pPr>
-    </p:bodyStyle>
-    <p:otherStyle>
-      <a:defPPr>
-        <a:defRPr lang="ja-JP"/>
-      </a:defPPr>
-      <a:lvl1pPr marL="0" algn="l" defTabSz="914400" rtl="0" eaLnBrk="1" latinLnBrk="0" hangingPunct="1">
-        <a:defRPr kumimoji="1" sz="1800" kern="1200">
-          <a:solidFill>
-            <a:schemeClr val="tx1"/>
-          </a:solidFill>
-          <a:latin typeface="+mn-lt"/>
-          <a:ea typeface="+mn-ea"/>
-          <a:cs typeface="+mn-cs"/>
-        </a:defRPr>
-      </a:lvl1pPr>
-      <a:lvl2pPr marL="457200" algn="l" defTabSz="914400" rtl="0" eaLnBrk="1" latinLnBrk="0" hangingPunct="1">
-        <a:defRPr kumimoji="1" sz="1800" kern="1200">
-          <a:solidFill>
-            <a:schemeClr val="tx1"/>
-          </a:solidFill>
-          <a:latin typeface="+mn-lt"/>
-          <a:ea typeface="+mn-ea"/>
-          <a:cs typeface="+mn-cs"/>
-        </a:defRPr>
-      </a:lvl2pPr>
-      <a:lvl3pPr marL="914400" algn="l" defTabSz="914400" rtl="0" eaLnBrk="1" latinLnBrk="0" hangingPunct="1">
-        <a:defRPr kumimoji="1" sz="1800" kern="1200">
-          <a:solidFill>
-            <a:schemeClr val="tx1"/>
-          </a:solidFill>
-          <a:latin typeface="+mn-lt"/>
-          <a:ea typeface="+mn-ea"/>
-          <a:cs typeface="+mn-cs"/>
-        </a:defRPr>
-      </a:lvl3pPr>
-      <a:lvl4pPr marL="1371600" algn="l" defTabSz="914400" rtl="0" eaLnBrk="1" latinLnBrk="0" hangingPunct="1">
-        <a:defRPr kumimoji="1" sz="1800" kern="1200">
-          <a:solidFill>
-            <a:schemeClr val="tx1"/>
-          </a:solidFill>
-          <a:latin typeface="+mn-lt"/>
-          <a:ea typeface="+mn-ea"/>
-          <a:cs typeface="+mn-cs"/>
-        </a:defRPr>
-      </a:lvl4pPr>
-      <a:lvl5pPr marL="1828800" algn="l" defTabSz="914400" rtl="0" eaLnBrk="1" latinLnBrk="0" hangingPunct="1">
-        <a:defRPr kumimoji="1" sz="1800" kern="1200">
-          <a:solidFill>
-            <a:schemeClr val="tx1"/>
-          </a:solidFill>
-          <a:latin typeface="+mn-lt"/>
-          <a:ea typeface="+mn-ea"/>
-          <a:cs typeface="+mn-cs"/>
-        </a:defRPr>
-      </a:lvl5pPr>
-      <a:lvl6pPr marL="2286000" algn="l" defTabSz="914400" rtl="0" eaLnBrk="1" latinLnBrk="0" hangingPunct="1">
-        <a:defRPr kumimoji="1" sz="1800" kern="1200">
-          <a:solidFill>
-            <a:schemeClr val="tx1"/>
-          </a:solidFill>
-          <a:latin typeface="+mn-lt"/>
-          <a:ea typeface="+mn-ea"/>
-          <a:cs typeface="+mn-cs"/>
-        </a:defRPr>
-      </a:lvl6pPr>
-      <a:lvl7pPr marL="2743200" algn="l" defTabSz="914400" rtl="0" eaLnBrk="1" latinLnBrk="0" hangingPunct="1">
-        <a:defRPr kumimoji="1" sz="1800" kern="1200">
-          <a:solidFill>
-            <a:schemeClr val="tx1"/>
-          </a:solidFill>
-          <a:latin typeface="+mn-lt"/>
-          <a:ea typeface="+mn-ea"/>
-          <a:cs typeface="+mn-cs"/>
-        </a:defRPr>
-      </a:lvl7pPr>
-      <a:lvl8pPr marL="3200400" algn="l" defTabSz="914400" rtl="0" eaLnBrk="1" latinLnBrk="0" hangingPunct="1">
-        <a:defRPr kumimoji="1" sz="1800" kern="1200">
-          <a:solidFill>
-            <a:schemeClr val="tx1"/>
-          </a:solidFill>
-          <a:latin typeface="+mn-lt"/>
-          <a:ea typeface="+mn-ea"/>
-          <a:cs typeface="+mn-cs"/>
-        </a:defRPr>
-      </a:lvl8pPr>
-      <a:lvl9pPr marL="3657600" algn="l" defTabSz="914400" rtl="0" eaLnBrk="1" latinLnBrk="0" hangingPunct="1">
+      <a:lvl9pPr marL="3657600" algn="l" defTabSz="457200" rtl="0" eaLnBrk="1" latinLnBrk="0" hangingPunct="1">
         <a:defRPr kumimoji="1" sz="1800" kern="1200">
           <a:solidFill>
             <a:schemeClr val="tx1"/>
@@ -3280,18 +6140,19 @@
           <a:bodyPr/>
           <a:lstStyle/>
           <a:p>
-            <a:r>
-              <a:rPr kumimoji="1" lang="en-US" altLang="ja-JP" dirty="0" err="1" smtClean="0">
-                <a:latin typeface="Hiragino Kaku Gothic Pro W3" charset="-128"/>
-                <a:ea typeface="Hiragino Kaku Gothic Pro W3" charset="-128"/>
-                <a:cs typeface="Hiragino Kaku Gothic Pro W3" charset="-128"/>
+            <a:pPr algn="ctr"/>
+            <a:r>
+              <a:rPr kumimoji="1" lang="en-US" altLang="ja-JP" b="1" dirty="0" err="1" smtClean="0">
+                <a:latin typeface="Hiragino Kaku Gothic Pro W6" charset="-128"/>
+                <a:ea typeface="Hiragino Kaku Gothic Pro W6" charset="-128"/>
+                <a:cs typeface="Hiragino Kaku Gothic Pro W6" charset="-128"/>
               </a:rPr>
               <a:t>MyCanvas</a:t>
             </a:r>
-            <a:endParaRPr kumimoji="1" lang="ja-JP" altLang="en-US" dirty="0">
-              <a:latin typeface="Hiragino Kaku Gothic Pro W3" charset="-128"/>
-              <a:ea typeface="Hiragino Kaku Gothic Pro W3" charset="-128"/>
-              <a:cs typeface="Hiragino Kaku Gothic Pro W3" charset="-128"/>
+            <a:endParaRPr kumimoji="1" lang="ja-JP" altLang="en-US" b="1" dirty="0">
+              <a:latin typeface="Hiragino Kaku Gothic Pro W6" charset="-128"/>
+              <a:ea typeface="Hiragino Kaku Gothic Pro W6" charset="-128"/>
+              <a:cs typeface="Hiragino Kaku Gothic Pro W6" charset="-128"/>
             </a:endParaRPr>
           </a:p>
         </p:txBody>
@@ -3308,11 +6169,14 @@
         </p:nvSpPr>
         <p:spPr/>
         <p:txBody>
-          <a:bodyPr/>
-          <a:lstStyle/>
-          <a:p>
-            <a:r>
-              <a:rPr kumimoji="1" lang="en-US" altLang="ja-JP" dirty="0" smtClean="0">
+          <a:bodyPr>
+            <a:noAutofit/>
+          </a:bodyPr>
+          <a:lstStyle/>
+          <a:p>
+            <a:pPr algn="ctr"/>
+            <a:r>
+              <a:rPr kumimoji="1" lang="en-US" altLang="ja-JP" sz="2400" dirty="0" smtClean="0">
                 <a:latin typeface="Hiragino Kaku Gothic Pro W3" charset="-128"/>
                 <a:ea typeface="Hiragino Kaku Gothic Pro W3" charset="-128"/>
                 <a:cs typeface="Hiragino Kaku Gothic Pro W3" charset="-128"/>
@@ -3320,7 +6184,7 @@
               <a:t>Team</a:t>
             </a:r>
             <a:r>
-              <a:rPr kumimoji="1" lang="ja-JP" altLang="en-US" dirty="0" smtClean="0">
+              <a:rPr kumimoji="1" lang="ja-JP" altLang="en-US" sz="2400" dirty="0" smtClean="0">
                 <a:latin typeface="Hiragino Kaku Gothic Pro W3" charset="-128"/>
                 <a:ea typeface="Hiragino Kaku Gothic Pro W3" charset="-128"/>
                 <a:cs typeface="Hiragino Kaku Gothic Pro W3" charset="-128"/>
@@ -3328,7 +6192,7 @@
               <a:t> </a:t>
             </a:r>
             <a:r>
-              <a:rPr kumimoji="1" lang="en-US" altLang="ja-JP" dirty="0" smtClean="0">
+              <a:rPr kumimoji="1" lang="en-US" altLang="ja-JP" sz="2400" dirty="0" smtClean="0">
                 <a:latin typeface="Hiragino Kaku Gothic Pro W3" charset="-128"/>
                 <a:ea typeface="Hiragino Kaku Gothic Pro W3" charset="-128"/>
                 <a:cs typeface="Hiragino Kaku Gothic Pro W3" charset="-128"/>
@@ -3337,15 +6201,25 @@
             </a:r>
           </a:p>
           <a:p>
-            <a:r>
-              <a:rPr lang="ja-JP" altLang="en-US" dirty="0" smtClean="0"/>
+            <a:pPr algn="ctr"/>
+            <a:r>
+              <a:rPr lang="ja-JP" altLang="en-US" sz="2400" dirty="0" smtClean="0">
+                <a:latin typeface="Hiragino Kaku Gothic Pro W3" charset="-128"/>
+                <a:ea typeface="Hiragino Kaku Gothic Pro W3" charset="-128"/>
+                <a:cs typeface="Hiragino Kaku Gothic Pro W3" charset="-128"/>
+              </a:rPr>
               <a:t>メンバー</a:t>
             </a:r>
-            <a:endParaRPr lang="en-US" altLang="ja-JP" dirty="0" smtClean="0"/>
-          </a:p>
-          <a:p>
-            <a:r>
-              <a:rPr kumimoji="1" lang="ja-JP" altLang="en-US" dirty="0" smtClean="0">
+            <a:endParaRPr lang="en-US" altLang="ja-JP" sz="2400" dirty="0" smtClean="0">
+              <a:latin typeface="Hiragino Kaku Gothic Pro W3" charset="-128"/>
+              <a:ea typeface="Hiragino Kaku Gothic Pro W3" charset="-128"/>
+              <a:cs typeface="Hiragino Kaku Gothic Pro W3" charset="-128"/>
+            </a:endParaRPr>
+          </a:p>
+          <a:p>
+            <a:pPr algn="ctr"/>
+            <a:r>
+              <a:rPr kumimoji="1" lang="ja-JP" altLang="en-US" sz="2400" dirty="0" smtClean="0">
                 <a:latin typeface="Hiragino Kaku Gothic Pro W3" charset="-128"/>
                 <a:ea typeface="Hiragino Kaku Gothic Pro W3" charset="-128"/>
                 <a:cs typeface="Hiragino Kaku Gothic Pro W3" charset="-128"/>
@@ -3353,7 +6227,7 @@
               <a:t>海野</a:t>
             </a:r>
             <a:r>
-              <a:rPr kumimoji="1" lang="en-US" altLang="ja-JP" dirty="0" smtClean="0">
+              <a:rPr kumimoji="1" lang="en-US" altLang="ja-JP" sz="2400" dirty="0" smtClean="0">
                 <a:latin typeface="Hiragino Kaku Gothic Pro W3" charset="-128"/>
                 <a:ea typeface="Hiragino Kaku Gothic Pro W3" charset="-128"/>
                 <a:cs typeface="Hiragino Kaku Gothic Pro W3" charset="-128"/>
@@ -3361,7 +6235,7 @@
               <a:t> </a:t>
             </a:r>
             <a:r>
-              <a:rPr kumimoji="1" lang="ja-JP" altLang="en-US" dirty="0" smtClean="0">
+              <a:rPr kumimoji="1" lang="ja-JP" altLang="en-US" sz="2400" dirty="0" smtClean="0">
                 <a:latin typeface="Hiragino Kaku Gothic Pro W3" charset="-128"/>
                 <a:ea typeface="Hiragino Kaku Gothic Pro W3" charset="-128"/>
                 <a:cs typeface="Hiragino Kaku Gothic Pro W3" charset="-128"/>
@@ -3369,7 +6243,7 @@
               <a:t>竜也</a:t>
             </a:r>
             <a:r>
-              <a:rPr lang="ja-JP" altLang="en-US" dirty="0">
+              <a:rPr lang="ja-JP" altLang="en-US" sz="2400" dirty="0">
                 <a:latin typeface="Hiragino Kaku Gothic Pro W3" charset="-128"/>
                 <a:ea typeface="Hiragino Kaku Gothic Pro W3" charset="-128"/>
                 <a:cs typeface="Hiragino Kaku Gothic Pro W3" charset="-128"/>
@@ -3377,7 +6251,7 @@
               <a:t>　</a:t>
             </a:r>
             <a:r>
-              <a:rPr lang="ja-JP" altLang="en-US" dirty="0" smtClean="0">
+              <a:rPr lang="ja-JP" altLang="en-US" sz="2400" dirty="0" smtClean="0">
                 <a:latin typeface="Hiragino Kaku Gothic Pro W3" charset="-128"/>
                 <a:ea typeface="Hiragino Kaku Gothic Pro W3" charset="-128"/>
                 <a:cs typeface="Hiragino Kaku Gothic Pro W3" charset="-128"/>
@@ -3385,7 +6259,7 @@
               <a:t>奥寺</a:t>
             </a:r>
             <a:r>
-              <a:rPr lang="en-US" altLang="ja-JP" dirty="0" smtClean="0">
+              <a:rPr lang="en-US" altLang="ja-JP" sz="2400" dirty="0" smtClean="0">
                 <a:latin typeface="Hiragino Kaku Gothic Pro W3" charset="-128"/>
                 <a:ea typeface="Hiragino Kaku Gothic Pro W3" charset="-128"/>
                 <a:cs typeface="Hiragino Kaku Gothic Pro W3" charset="-128"/>
@@ -3393,7 +6267,7 @@
               <a:t> </a:t>
             </a:r>
             <a:r>
-              <a:rPr lang="ja-JP" altLang="en-US" dirty="0" smtClean="0">
+              <a:rPr lang="ja-JP" altLang="en-US" sz="2400" dirty="0" smtClean="0">
                 <a:latin typeface="Hiragino Kaku Gothic Pro W3" charset="-128"/>
                 <a:ea typeface="Hiragino Kaku Gothic Pro W3" charset="-128"/>
                 <a:cs typeface="Hiragino Kaku Gothic Pro W3" charset="-128"/>
@@ -3401,7 +6275,7 @@
               <a:t>政貴　桃井</a:t>
             </a:r>
             <a:r>
-              <a:rPr lang="en-US" altLang="ja-JP" dirty="0" smtClean="0">
+              <a:rPr lang="en-US" altLang="ja-JP" sz="2400" dirty="0" smtClean="0">
                 <a:latin typeface="Hiragino Kaku Gothic Pro W3" charset="-128"/>
                 <a:ea typeface="Hiragino Kaku Gothic Pro W3" charset="-128"/>
                 <a:cs typeface="Hiragino Kaku Gothic Pro W3" charset="-128"/>
@@ -3409,14 +6283,14 @@
               <a:t> </a:t>
             </a:r>
             <a:r>
-              <a:rPr lang="ja-JP" altLang="en-US" dirty="0" smtClean="0">
+              <a:rPr lang="ja-JP" altLang="en-US" sz="2400" dirty="0" smtClean="0">
                 <a:latin typeface="Hiragino Kaku Gothic Pro W3" charset="-128"/>
                 <a:ea typeface="Hiragino Kaku Gothic Pro W3" charset="-128"/>
                 <a:cs typeface="Hiragino Kaku Gothic Pro W3" charset="-128"/>
               </a:rPr>
               <a:t>裕二</a:t>
             </a:r>
-            <a:endParaRPr kumimoji="1" lang="en-US" altLang="ja-JP" dirty="0" smtClean="0">
+            <a:endParaRPr kumimoji="1" lang="en-US" altLang="ja-JP" sz="2400" dirty="0" smtClean="0">
               <a:latin typeface="Hiragino Kaku Gothic Pro W3" charset="-128"/>
               <a:ea typeface="Hiragino Kaku Gothic Pro W3" charset="-128"/>
               <a:cs typeface="Hiragino Kaku Gothic Pro W3" charset="-128"/>
@@ -3496,37 +6370,96 @@
           <a:lstStyle/>
           <a:p>
             <a:r>
-              <a:rPr kumimoji="1" lang="ja-JP" altLang="en-US" dirty="0" smtClean="0">
+              <a:rPr kumimoji="1" lang="ja-JP" altLang="en-US" b="1" dirty="0" smtClean="0">
+                <a:latin typeface="Hiragino Kaku Gothic Pro W6" charset="-128"/>
+                <a:ea typeface="Hiragino Kaku Gothic Pro W6" charset="-128"/>
+                <a:cs typeface="Hiragino Kaku Gothic Pro W6" charset="-128"/>
+              </a:rPr>
+              <a:t>企画背景</a:t>
+            </a:r>
+            <a:endParaRPr kumimoji="1" lang="ja-JP" altLang="en-US" b="1" dirty="0">
+              <a:latin typeface="Hiragino Kaku Gothic Pro W6" charset="-128"/>
+              <a:ea typeface="Hiragino Kaku Gothic Pro W6" charset="-128"/>
+              <a:cs typeface="Hiragino Kaku Gothic Pro W6" charset="-128"/>
+            </a:endParaRPr>
+          </a:p>
+        </p:txBody>
+      </p:sp>
+      <p:sp>
+        <p:nvSpPr>
+          <p:cNvPr id="3" name="コンテンツ プレースホルダー 2"/>
+          <p:cNvSpPr>
+            <a:spLocks noGrp="1"/>
+          </p:cNvSpPr>
+          <p:nvPr>
+            <p:ph idx="1"/>
+          </p:nvPr>
+        </p:nvSpPr>
+        <p:spPr/>
+        <p:txBody>
+          <a:bodyPr>
+            <a:normAutofit/>
+          </a:bodyPr>
+          <a:lstStyle/>
+          <a:p>
+            <a:pPr>
+              <a:lnSpc>
+                <a:spcPct val="150000"/>
+              </a:lnSpc>
+            </a:pPr>
+            <a:r>
+              <a:rPr lang="ja-JP" altLang="en-US" sz="2400" dirty="0">
                 <a:latin typeface="Hiragino Kaku Gothic Pro W3" charset="-128"/>
                 <a:ea typeface="Hiragino Kaku Gothic Pro W3" charset="-128"/>
                 <a:cs typeface="Hiragino Kaku Gothic Pro W3" charset="-128"/>
               </a:rPr>
-              <a:t>企画背景</a:t>
-            </a:r>
-            <a:endParaRPr kumimoji="1" lang="ja-JP" altLang="en-US" dirty="0">
+              <a:t>実用的なものを</a:t>
+            </a:r>
+            <a:r>
+              <a:rPr lang="ja-JP" altLang="en-US" sz="2400" dirty="0" smtClean="0">
+                <a:latin typeface="Hiragino Kaku Gothic Pro W3" charset="-128"/>
+                <a:ea typeface="Hiragino Kaku Gothic Pro W3" charset="-128"/>
+                <a:cs typeface="Hiragino Kaku Gothic Pro W3" charset="-128"/>
+              </a:rPr>
+              <a:t>作りたい</a:t>
+            </a:r>
+            <a:endParaRPr lang="en-US" altLang="ja-JP" sz="2400" dirty="0">
               <a:latin typeface="Hiragino Kaku Gothic Pro W3" charset="-128"/>
               <a:ea typeface="Hiragino Kaku Gothic Pro W3" charset="-128"/>
               <a:cs typeface="Hiragino Kaku Gothic Pro W3" charset="-128"/>
             </a:endParaRPr>
           </a:p>
-        </p:txBody>
-      </p:sp>
-      <p:sp>
-        <p:nvSpPr>
-          <p:cNvPr id="3" name="コンテンツ プレースホルダー 2"/>
-          <p:cNvSpPr>
-            <a:spLocks noGrp="1"/>
-          </p:cNvSpPr>
-          <p:nvPr>
-            <p:ph idx="1"/>
-          </p:nvPr>
-        </p:nvSpPr>
-        <p:spPr/>
-        <p:txBody>
-          <a:bodyPr/>
-          <a:lstStyle/>
-          <a:p>
-            <a:endParaRPr kumimoji="1" lang="ja-JP" altLang="en-US" dirty="0">
+          <a:p>
+            <a:pPr>
+              <a:lnSpc>
+                <a:spcPct val="150000"/>
+              </a:lnSpc>
+            </a:pPr>
+            <a:r>
+              <a:rPr lang="en-US" altLang="ja-JP" sz="2400" dirty="0">
+                <a:latin typeface="Hiragino Kaku Gothic Pro W3" charset="-128"/>
+                <a:ea typeface="Hiragino Kaku Gothic Pro W3" charset="-128"/>
+                <a:cs typeface="Hiragino Kaku Gothic Pro W3" charset="-128"/>
+              </a:rPr>
+              <a:t>web</a:t>
+            </a:r>
+            <a:r>
+              <a:rPr lang="ja-JP" altLang="en-US" sz="2400" dirty="0">
+                <a:latin typeface="Hiragino Kaku Gothic Pro W3" charset="-128"/>
+                <a:ea typeface="Hiragino Kaku Gothic Pro W3" charset="-128"/>
+                <a:cs typeface="Hiragino Kaku Gothic Pro W3" charset="-128"/>
+              </a:rPr>
+              <a:t>上で手軽に配色を試せるサービスがあると</a:t>
+            </a:r>
+            <a:r>
+              <a:rPr lang="ja-JP" altLang="en-US" sz="2400" dirty="0" smtClean="0">
+                <a:latin typeface="Hiragino Kaku Gothic Pro W3" charset="-128"/>
+                <a:ea typeface="Hiragino Kaku Gothic Pro W3" charset="-128"/>
+                <a:cs typeface="Hiragino Kaku Gothic Pro W3" charset="-128"/>
+              </a:rPr>
+              <a:t>便利</a:t>
+            </a:r>
+            <a:endParaRPr lang="ja-JP" altLang="en-US" sz="2400" dirty="0">
               <a:latin typeface="Hiragino Kaku Gothic Pro W3" charset="-128"/>
               <a:ea typeface="Hiragino Kaku Gothic Pro W3" charset="-128"/>
               <a:cs typeface="Hiragino Kaku Gothic Pro W3" charset="-128"/>
@@ -3580,17 +6513,17 @@
           <a:lstStyle/>
           <a:p>
             <a:r>
-              <a:rPr kumimoji="1" lang="ja-JP" altLang="en-US" dirty="0" smtClean="0">
-                <a:latin typeface="Hiragino Kaku Gothic Pro W3" charset="-128"/>
-                <a:ea typeface="Hiragino Kaku Gothic Pro W3" charset="-128"/>
-                <a:cs typeface="Hiragino Kaku Gothic Pro W3" charset="-128"/>
+              <a:rPr kumimoji="1" lang="ja-JP" altLang="en-US" b="1" dirty="0" smtClean="0">
+                <a:latin typeface="Hiragino Kaku Gothic Pro W6" charset="-128"/>
+                <a:ea typeface="Hiragino Kaku Gothic Pro W6" charset="-128"/>
+                <a:cs typeface="Hiragino Kaku Gothic Pro W6" charset="-128"/>
               </a:rPr>
               <a:t>ターゲット</a:t>
             </a:r>
-            <a:endParaRPr kumimoji="1" lang="ja-JP" altLang="en-US" dirty="0">
-              <a:latin typeface="Hiragino Kaku Gothic Pro W3" charset="-128"/>
-              <a:ea typeface="Hiragino Kaku Gothic Pro W3" charset="-128"/>
-              <a:cs typeface="Hiragino Kaku Gothic Pro W3" charset="-128"/>
+            <a:endParaRPr kumimoji="1" lang="ja-JP" altLang="en-US" b="1" dirty="0">
+              <a:latin typeface="Hiragino Kaku Gothic Pro W6" charset="-128"/>
+              <a:ea typeface="Hiragino Kaku Gothic Pro W6" charset="-128"/>
+              <a:cs typeface="Hiragino Kaku Gothic Pro W6" charset="-128"/>
             </a:endParaRPr>
           </a:p>
         </p:txBody>
@@ -3607,11 +6540,18 @@
         </p:nvSpPr>
         <p:spPr/>
         <p:txBody>
-          <a:bodyPr/>
-          <a:lstStyle/>
-          <a:p>
-            <a:r>
-              <a:rPr kumimoji="1" lang="en-US" altLang="ja-JP" dirty="0" smtClean="0">
+          <a:bodyPr>
+            <a:normAutofit/>
+          </a:bodyPr>
+          <a:lstStyle/>
+          <a:p>
+            <a:pPr>
+              <a:lnSpc>
+                <a:spcPct val="150000"/>
+              </a:lnSpc>
+            </a:pPr>
+            <a:r>
+              <a:rPr kumimoji="1" lang="en-US" altLang="ja-JP" sz="2400" dirty="0" smtClean="0">
                 <a:latin typeface="Hiragino Kaku Gothic Pro W3" charset="-128"/>
                 <a:ea typeface="Hiragino Kaku Gothic Pro W3" charset="-128"/>
                 <a:cs typeface="Hiragino Kaku Gothic Pro W3" charset="-128"/>
@@ -3619,29 +6559,42 @@
               <a:t>Web</a:t>
             </a:r>
             <a:r>
-              <a:rPr kumimoji="1" lang="ja-JP" altLang="en-US" dirty="0" smtClean="0">
+              <a:rPr kumimoji="1" lang="ja-JP" altLang="en-US" sz="2400" dirty="0" smtClean="0">
                 <a:latin typeface="Hiragino Kaku Gothic Pro W3" charset="-128"/>
                 <a:ea typeface="Hiragino Kaku Gothic Pro W3" charset="-128"/>
                 <a:cs typeface="Hiragino Kaku Gothic Pro W3" charset="-128"/>
               </a:rPr>
-              <a:t>のデザインが苦手なエンジニアやクリエイター</a:t>
-            </a:r>
-            <a:endParaRPr kumimoji="1" lang="en-US" altLang="ja-JP" dirty="0" smtClean="0">
+              <a:t>のデザインが苦手なエンジニアや</a:t>
+            </a:r>
+            <a:r>
+              <a:rPr kumimoji="1" lang="ja-JP" altLang="en-US" sz="2400" dirty="0" smtClean="0">
+                <a:latin typeface="Hiragino Kaku Gothic Pro W3" charset="-128"/>
+                <a:ea typeface="Hiragino Kaku Gothic Pro W3" charset="-128"/>
+                <a:cs typeface="Hiragino Kaku Gothic Pro W3" charset="-128"/>
+              </a:rPr>
+              <a:t>クリエイター</a:t>
+            </a:r>
+            <a:endParaRPr kumimoji="1" lang="en-US" altLang="ja-JP" sz="2400" dirty="0" smtClean="0">
               <a:latin typeface="Hiragino Kaku Gothic Pro W3" charset="-128"/>
               <a:ea typeface="Hiragino Kaku Gothic Pro W3" charset="-128"/>
               <a:cs typeface="Hiragino Kaku Gothic Pro W3" charset="-128"/>
             </a:endParaRPr>
           </a:p>
           <a:p>
-            <a:r>
-              <a:rPr kumimoji="1" lang="ja-JP" altLang="en-US" dirty="0" smtClean="0">
+            <a:pPr>
+              <a:lnSpc>
+                <a:spcPct val="150000"/>
+              </a:lnSpc>
+            </a:pPr>
+            <a:r>
+              <a:rPr kumimoji="1" lang="ja-JP" altLang="en-US" sz="2400" dirty="0" smtClean="0">
                 <a:latin typeface="Hiragino Kaku Gothic Pro W3" charset="-128"/>
                 <a:ea typeface="Hiragino Kaku Gothic Pro W3" charset="-128"/>
                 <a:cs typeface="Hiragino Kaku Gothic Pro W3" charset="-128"/>
               </a:rPr>
               <a:t>どんなデザインがあるのか気になる人</a:t>
             </a:r>
-            <a:endParaRPr kumimoji="1" lang="ja-JP" altLang="en-US" dirty="0">
+            <a:endParaRPr kumimoji="1" lang="ja-JP" altLang="en-US" sz="2400" dirty="0">
               <a:latin typeface="Hiragino Kaku Gothic Pro W3" charset="-128"/>
               <a:ea typeface="Hiragino Kaku Gothic Pro W3" charset="-128"/>
               <a:cs typeface="Hiragino Kaku Gothic Pro W3" charset="-128"/>
@@ -3695,17 +6648,17 @@
           <a:lstStyle/>
           <a:p>
             <a:r>
-              <a:rPr kumimoji="1" lang="ja-JP" altLang="en-US" dirty="0" smtClean="0">
-                <a:latin typeface="Hiragino Kaku Gothic Pro W3" charset="-128"/>
-                <a:ea typeface="Hiragino Kaku Gothic Pro W3" charset="-128"/>
-                <a:cs typeface="Hiragino Kaku Gothic Pro W3" charset="-128"/>
+              <a:rPr kumimoji="1" lang="ja-JP" altLang="en-US" b="1" dirty="0" smtClean="0">
+                <a:latin typeface="Hiragino Kaku Gothic Pro W6" charset="-128"/>
+                <a:ea typeface="Hiragino Kaku Gothic Pro W6" charset="-128"/>
+                <a:cs typeface="Hiragino Kaku Gothic Pro W6" charset="-128"/>
               </a:rPr>
               <a:t>コンセプト</a:t>
             </a:r>
-            <a:endParaRPr kumimoji="1" lang="ja-JP" altLang="en-US" dirty="0">
-              <a:latin typeface="Hiragino Kaku Gothic Pro W3" charset="-128"/>
-              <a:ea typeface="Hiragino Kaku Gothic Pro W3" charset="-128"/>
-              <a:cs typeface="Hiragino Kaku Gothic Pro W3" charset="-128"/>
+            <a:endParaRPr kumimoji="1" lang="ja-JP" altLang="en-US" b="1" dirty="0">
+              <a:latin typeface="Hiragino Kaku Gothic Pro W6" charset="-128"/>
+              <a:ea typeface="Hiragino Kaku Gothic Pro W6" charset="-128"/>
+              <a:cs typeface="Hiragino Kaku Gothic Pro W6" charset="-128"/>
             </a:endParaRPr>
           </a:p>
         </p:txBody>
@@ -3722,11 +6675,18 @@
         </p:nvSpPr>
         <p:spPr/>
         <p:txBody>
-          <a:bodyPr/>
-          <a:lstStyle/>
-          <a:p>
-            <a:r>
-              <a:rPr lang="en-US" altLang="ja-JP" dirty="0" smtClean="0">
+          <a:bodyPr>
+            <a:normAutofit/>
+          </a:bodyPr>
+          <a:lstStyle/>
+          <a:p>
+            <a:pPr>
+              <a:lnSpc>
+                <a:spcPct val="150000"/>
+              </a:lnSpc>
+            </a:pPr>
+            <a:r>
+              <a:rPr lang="en-US" altLang="ja-JP" sz="2400" dirty="0" smtClean="0">
                 <a:latin typeface="Hiragino Kaku Gothic Pro W3" charset="-128"/>
                 <a:ea typeface="Hiragino Kaku Gothic Pro W3" charset="-128"/>
                 <a:cs typeface="Hiragino Kaku Gothic Pro W3" charset="-128"/>
@@ -3734,7 +6694,7 @@
               <a:t>WEB</a:t>
             </a:r>
             <a:r>
-              <a:rPr lang="ja-JP" altLang="en-US" dirty="0">
+              <a:rPr lang="ja-JP" altLang="en-US" sz="2400" dirty="0">
                 <a:latin typeface="Hiragino Kaku Gothic Pro W3" charset="-128"/>
                 <a:ea typeface="Hiragino Kaku Gothic Pro W3" charset="-128"/>
                 <a:cs typeface="Hiragino Kaku Gothic Pro W3" charset="-128"/>
@@ -3742,22 +6702,35 @@
               <a:t>デザインをサポートするための</a:t>
             </a:r>
             <a:r>
-              <a:rPr lang="ja-JP" altLang="en-US" dirty="0" smtClean="0">
+              <a:rPr lang="ja-JP" altLang="en-US" sz="2400" dirty="0" smtClean="0">
                 <a:latin typeface="Hiragino Kaku Gothic Pro W3" charset="-128"/>
                 <a:ea typeface="Hiragino Kaku Gothic Pro W3" charset="-128"/>
                 <a:cs typeface="Hiragino Kaku Gothic Pro W3" charset="-128"/>
               </a:rPr>
-              <a:t>サービス。</a:t>
-            </a:r>
-            <a:endParaRPr lang="ja-JP" altLang="en-US" dirty="0">
+              <a:t>サービス</a:t>
+            </a:r>
+            <a:r>
+              <a:rPr lang="ja-JP" altLang="en-US" sz="2400" dirty="0" smtClean="0">
+                <a:latin typeface="Hiragino Kaku Gothic Pro W3" charset="-128"/>
+                <a:ea typeface="Hiragino Kaku Gothic Pro W3" charset="-128"/>
+                <a:cs typeface="Hiragino Kaku Gothic Pro W3" charset="-128"/>
+              </a:rPr>
+              <a:t>。</a:t>
+            </a:r>
+            <a:endParaRPr lang="ja-JP" altLang="en-US" sz="2400" dirty="0">
               <a:latin typeface="Hiragino Kaku Gothic Pro W3" charset="-128"/>
               <a:ea typeface="Hiragino Kaku Gothic Pro W3" charset="-128"/>
               <a:cs typeface="Hiragino Kaku Gothic Pro W3" charset="-128"/>
             </a:endParaRPr>
           </a:p>
           <a:p>
-            <a:r>
-              <a:rPr lang="en-US" altLang="ja-JP" dirty="0" smtClean="0">
+            <a:pPr>
+              <a:lnSpc>
+                <a:spcPct val="150000"/>
+              </a:lnSpc>
+            </a:pPr>
+            <a:r>
+              <a:rPr lang="en-US" altLang="ja-JP" sz="2400" dirty="0" smtClean="0">
                 <a:latin typeface="Hiragino Kaku Gothic Pro W3" charset="-128"/>
                 <a:ea typeface="Hiragino Kaku Gothic Pro W3" charset="-128"/>
                 <a:cs typeface="Hiragino Kaku Gothic Pro W3" charset="-128"/>
@@ -3765,7 +6738,7 @@
               <a:t>HTML</a:t>
             </a:r>
             <a:r>
-              <a:rPr lang="ja-JP" altLang="en-US" dirty="0" smtClean="0">
+              <a:rPr lang="ja-JP" altLang="en-US" sz="2400" dirty="0" smtClean="0">
                 <a:latin typeface="Hiragino Kaku Gothic Pro W3" charset="-128"/>
                 <a:ea typeface="Hiragino Kaku Gothic Pro W3" charset="-128"/>
                 <a:cs typeface="Hiragino Kaku Gothic Pro W3" charset="-128"/>
@@ -3773,7 +6746,7 @@
               <a:t>に対してデザインをしてダウンロードしたり、デザインした</a:t>
             </a:r>
             <a:r>
-              <a:rPr lang="en-US" altLang="ja-JP" dirty="0" smtClean="0">
+              <a:rPr lang="en-US" altLang="ja-JP" sz="2400" dirty="0" smtClean="0">
                 <a:latin typeface="Hiragino Kaku Gothic Pro W3" charset="-128"/>
                 <a:ea typeface="Hiragino Kaku Gothic Pro W3" charset="-128"/>
                 <a:cs typeface="Hiragino Kaku Gothic Pro W3" charset="-128"/>
@@ -3781,7 +6754,7 @@
               <a:t>HTML</a:t>
             </a:r>
             <a:r>
-              <a:rPr lang="ja-JP" altLang="en-US" dirty="0" smtClean="0">
+              <a:rPr lang="ja-JP" altLang="en-US" sz="2400" dirty="0" smtClean="0">
                 <a:latin typeface="Hiragino Kaku Gothic Pro W3" charset="-128"/>
                 <a:ea typeface="Hiragino Kaku Gothic Pro W3" charset="-128"/>
                 <a:cs typeface="Hiragino Kaku Gothic Pro W3" charset="-128"/>
@@ -3789,7 +6762,7 @@
               <a:t>を公開したり。他の人が公開した</a:t>
             </a:r>
             <a:r>
-              <a:rPr lang="en-US" altLang="ja-JP" dirty="0" smtClean="0">
+              <a:rPr lang="en-US" altLang="ja-JP" sz="2400" dirty="0" smtClean="0">
                 <a:latin typeface="Hiragino Kaku Gothic Pro W3" charset="-128"/>
                 <a:ea typeface="Hiragino Kaku Gothic Pro W3" charset="-128"/>
                 <a:cs typeface="Hiragino Kaku Gothic Pro W3" charset="-128"/>
@@ -3797,14 +6770,14 @@
               <a:t>HTML</a:t>
             </a:r>
             <a:r>
-              <a:rPr lang="ja-JP" altLang="en-US" dirty="0" smtClean="0">
+              <a:rPr lang="ja-JP" altLang="en-US" sz="2400" dirty="0" smtClean="0">
                 <a:latin typeface="Hiragino Kaku Gothic Pro W3" charset="-128"/>
                 <a:ea typeface="Hiragino Kaku Gothic Pro W3" charset="-128"/>
                 <a:cs typeface="Hiragino Kaku Gothic Pro W3" charset="-128"/>
               </a:rPr>
               <a:t>を編集したり、ダウンロードすることができる。</a:t>
             </a:r>
-            <a:endParaRPr kumimoji="1" lang="ja-JP" altLang="en-US" dirty="0">
+            <a:endParaRPr kumimoji="1" lang="ja-JP" altLang="en-US" sz="2400" dirty="0">
               <a:latin typeface="Hiragino Kaku Gothic Pro W3" charset="-128"/>
               <a:ea typeface="Hiragino Kaku Gothic Pro W3" charset="-128"/>
               <a:cs typeface="Hiragino Kaku Gothic Pro W3" charset="-128"/>
@@ -3858,33 +6831,33 @@
           <a:lstStyle/>
           <a:p>
             <a:r>
-              <a:rPr kumimoji="1" lang="ja-JP" altLang="en-US" dirty="0" smtClean="0">
-                <a:latin typeface="Hiragino Kaku Gothic Pro W3" charset="-128"/>
-                <a:ea typeface="Hiragino Kaku Gothic Pro W3" charset="-128"/>
-                <a:cs typeface="Hiragino Kaku Gothic Pro W3" charset="-128"/>
+              <a:rPr kumimoji="1" lang="ja-JP" altLang="en-US" b="1" dirty="0" smtClean="0">
+                <a:latin typeface="Hiragino Kaku Gothic Pro W6" charset="-128"/>
+                <a:ea typeface="Hiragino Kaku Gothic Pro W6" charset="-128"/>
+                <a:cs typeface="Hiragino Kaku Gothic Pro W6" charset="-128"/>
               </a:rPr>
               <a:t>この</a:t>
             </a:r>
             <a:r>
-              <a:rPr kumimoji="1" lang="en-US" altLang="ja-JP" dirty="0" smtClean="0">
-                <a:latin typeface="Hiragino Kaku Gothic Pro W3" charset="-128"/>
-                <a:ea typeface="Hiragino Kaku Gothic Pro W3" charset="-128"/>
-                <a:cs typeface="Hiragino Kaku Gothic Pro W3" charset="-128"/>
+              <a:rPr kumimoji="1" lang="en-US" altLang="ja-JP" b="1" dirty="0" smtClean="0">
+                <a:latin typeface="Hiragino Kaku Gothic Pro W6" charset="-128"/>
+                <a:ea typeface="Hiragino Kaku Gothic Pro W6" charset="-128"/>
+                <a:cs typeface="Hiragino Kaku Gothic Pro W6" charset="-128"/>
               </a:rPr>
               <a:t>WEB</a:t>
             </a:r>
             <a:r>
-              <a:rPr kumimoji="1" lang="ja-JP" altLang="en-US" dirty="0" smtClean="0">
-                <a:latin typeface="Hiragino Kaku Gothic Pro W3" charset="-128"/>
-                <a:ea typeface="Hiragino Kaku Gothic Pro W3" charset="-128"/>
-                <a:cs typeface="Hiragino Kaku Gothic Pro W3" charset="-128"/>
+              <a:rPr kumimoji="1" lang="ja-JP" altLang="en-US" b="1" dirty="0" smtClean="0">
+                <a:latin typeface="Hiragino Kaku Gothic Pro W6" charset="-128"/>
+                <a:ea typeface="Hiragino Kaku Gothic Pro W6" charset="-128"/>
+                <a:cs typeface="Hiragino Kaku Gothic Pro W6" charset="-128"/>
               </a:rPr>
               <a:t>アプリで出来ること</a:t>
             </a:r>
-            <a:endParaRPr kumimoji="1" lang="ja-JP" altLang="en-US" dirty="0">
-              <a:latin typeface="Hiragino Kaku Gothic Pro W3" charset="-128"/>
-              <a:ea typeface="Hiragino Kaku Gothic Pro W3" charset="-128"/>
-              <a:cs typeface="Hiragino Kaku Gothic Pro W3" charset="-128"/>
+            <a:endParaRPr kumimoji="1" lang="ja-JP" altLang="en-US" b="1" dirty="0">
+              <a:latin typeface="Hiragino Kaku Gothic Pro W6" charset="-128"/>
+              <a:ea typeface="Hiragino Kaku Gothic Pro W6" charset="-128"/>
+              <a:cs typeface="Hiragino Kaku Gothic Pro W6" charset="-128"/>
             </a:endParaRPr>
           </a:p>
         </p:txBody>
@@ -3901,21 +6874,23 @@
         </p:nvSpPr>
         <p:spPr/>
         <p:txBody>
-          <a:bodyPr/>
+          <a:bodyPr>
+            <a:normAutofit/>
+          </a:bodyPr>
           <a:lstStyle/>
           <a:p>
             <a:pPr marL="0" indent="0">
               <a:buNone/>
             </a:pPr>
             <a:r>
-              <a:rPr lang="en-US" altLang="ja-JP" dirty="0" smtClean="0">
+              <a:rPr lang="en-US" altLang="ja-JP" sz="2400" dirty="0" smtClean="0">
                 <a:latin typeface="Hiragino Kaku Gothic Pro W3" charset="-128"/>
                 <a:ea typeface="Hiragino Kaku Gothic Pro W3" charset="-128"/>
                 <a:cs typeface="Hiragino Kaku Gothic Pro W3" charset="-128"/>
               </a:rPr>
               <a:t>HTML</a:t>
             </a:r>
-            <a:endParaRPr lang="en-US" altLang="ja-JP" dirty="0">
+            <a:endParaRPr lang="en-US" altLang="ja-JP" sz="2400" dirty="0">
               <a:latin typeface="Hiragino Kaku Gothic Pro W3" charset="-128"/>
               <a:ea typeface="Hiragino Kaku Gothic Pro W3" charset="-128"/>
               <a:cs typeface="Hiragino Kaku Gothic Pro W3" charset="-128"/>
@@ -3926,7 +6901,7 @@
               <a:buNone/>
             </a:pPr>
             <a:r>
-              <a:rPr lang="en-US" altLang="ja-JP" dirty="0" smtClean="0">
+              <a:rPr lang="en-US" altLang="ja-JP" sz="2400" dirty="0" smtClean="0">
                 <a:latin typeface="Hiragino Kaku Gothic Pro W3" charset="-128"/>
                 <a:ea typeface="Hiragino Kaku Gothic Pro W3" charset="-128"/>
                 <a:cs typeface="Hiragino Kaku Gothic Pro W3" charset="-128"/>
@@ -3934,14 +6909,14 @@
               <a:t>	</a:t>
             </a:r>
             <a:r>
-              <a:rPr lang="ja-JP" altLang="en-US" dirty="0" smtClean="0">
+              <a:rPr lang="ja-JP" altLang="en-US" sz="2400" dirty="0" smtClean="0">
                 <a:latin typeface="Hiragino Kaku Gothic Pro W3" charset="-128"/>
                 <a:ea typeface="Hiragino Kaku Gothic Pro W3" charset="-128"/>
                 <a:cs typeface="Hiragino Kaku Gothic Pro W3" charset="-128"/>
               </a:rPr>
               <a:t>アップロード</a:t>
             </a:r>
-            <a:endParaRPr lang="en-US" altLang="ja-JP" dirty="0">
+            <a:endParaRPr lang="en-US" altLang="ja-JP" sz="2400" dirty="0">
               <a:latin typeface="Hiragino Kaku Gothic Pro W3" charset="-128"/>
               <a:ea typeface="Hiragino Kaku Gothic Pro W3" charset="-128"/>
               <a:cs typeface="Hiragino Kaku Gothic Pro W3" charset="-128"/>
@@ -3952,7 +6927,7 @@
               <a:buNone/>
             </a:pPr>
             <a:r>
-              <a:rPr lang="en-US" altLang="ja-JP" dirty="0" smtClean="0">
+              <a:rPr lang="en-US" altLang="ja-JP" sz="2400" dirty="0" smtClean="0">
                 <a:latin typeface="Hiragino Kaku Gothic Pro W3" charset="-128"/>
                 <a:ea typeface="Hiragino Kaku Gothic Pro W3" charset="-128"/>
                 <a:cs typeface="Hiragino Kaku Gothic Pro W3" charset="-128"/>
@@ -3960,14 +6935,14 @@
               <a:t>	</a:t>
             </a:r>
             <a:r>
-              <a:rPr lang="ja-JP" altLang="en-US" dirty="0" smtClean="0">
+              <a:rPr lang="ja-JP" altLang="en-US" sz="2400" dirty="0" smtClean="0">
                 <a:latin typeface="Hiragino Kaku Gothic Pro W3" charset="-128"/>
                 <a:ea typeface="Hiragino Kaku Gothic Pro W3" charset="-128"/>
                 <a:cs typeface="Hiragino Kaku Gothic Pro W3" charset="-128"/>
               </a:rPr>
               <a:t>デザイン</a:t>
             </a:r>
-            <a:endParaRPr lang="en-US" altLang="ja-JP" dirty="0">
+            <a:endParaRPr lang="en-US" altLang="ja-JP" sz="2400" dirty="0">
               <a:latin typeface="Hiragino Kaku Gothic Pro W3" charset="-128"/>
               <a:ea typeface="Hiragino Kaku Gothic Pro W3" charset="-128"/>
               <a:cs typeface="Hiragino Kaku Gothic Pro W3" charset="-128"/>
@@ -3978,7 +6953,7 @@
               <a:buNone/>
             </a:pPr>
             <a:r>
-              <a:rPr lang="en-US" altLang="ja-JP" dirty="0" smtClean="0">
+              <a:rPr lang="en-US" altLang="ja-JP" sz="2400" dirty="0" smtClean="0">
                 <a:latin typeface="Hiragino Kaku Gothic Pro W3" charset="-128"/>
                 <a:ea typeface="Hiragino Kaku Gothic Pro W3" charset="-128"/>
                 <a:cs typeface="Hiragino Kaku Gothic Pro W3" charset="-128"/>
@@ -3986,14 +6961,14 @@
               <a:t>	</a:t>
             </a:r>
             <a:r>
-              <a:rPr lang="ja-JP" altLang="en-US" dirty="0" smtClean="0">
+              <a:rPr lang="ja-JP" altLang="en-US" sz="2400" dirty="0" smtClean="0">
                 <a:latin typeface="Hiragino Kaku Gothic Pro W3" charset="-128"/>
                 <a:ea typeface="Hiragino Kaku Gothic Pro W3" charset="-128"/>
                 <a:cs typeface="Hiragino Kaku Gothic Pro W3" charset="-128"/>
               </a:rPr>
               <a:t>保存</a:t>
             </a:r>
-            <a:endParaRPr lang="en-US" altLang="ja-JP" dirty="0">
+            <a:endParaRPr lang="en-US" altLang="ja-JP" sz="2400" dirty="0">
               <a:latin typeface="Hiragino Kaku Gothic Pro W3" charset="-128"/>
               <a:ea typeface="Hiragino Kaku Gothic Pro W3" charset="-128"/>
               <a:cs typeface="Hiragino Kaku Gothic Pro W3" charset="-128"/>
@@ -4004,7 +6979,7 @@
               <a:buNone/>
             </a:pPr>
             <a:r>
-              <a:rPr lang="en-US" altLang="ja-JP" dirty="0" smtClean="0">
+              <a:rPr lang="en-US" altLang="ja-JP" sz="2400" dirty="0" smtClean="0">
                 <a:latin typeface="Hiragino Kaku Gothic Pro W3" charset="-128"/>
                 <a:ea typeface="Hiragino Kaku Gothic Pro W3" charset="-128"/>
                 <a:cs typeface="Hiragino Kaku Gothic Pro W3" charset="-128"/>
@@ -4012,14 +6987,14 @@
               <a:t>	</a:t>
             </a:r>
             <a:r>
-              <a:rPr lang="ja-JP" altLang="en-US" dirty="0" smtClean="0">
+              <a:rPr lang="ja-JP" altLang="en-US" sz="2400" dirty="0" smtClean="0">
                 <a:latin typeface="Hiragino Kaku Gothic Pro W3" charset="-128"/>
                 <a:ea typeface="Hiragino Kaku Gothic Pro W3" charset="-128"/>
                 <a:cs typeface="Hiragino Kaku Gothic Pro W3" charset="-128"/>
               </a:rPr>
               <a:t>ダウンロード</a:t>
             </a:r>
-            <a:endParaRPr lang="en-US" altLang="ja-JP" dirty="0">
+            <a:endParaRPr lang="en-US" altLang="ja-JP" sz="2400" dirty="0">
               <a:latin typeface="Hiragino Kaku Gothic Pro W3" charset="-128"/>
               <a:ea typeface="Hiragino Kaku Gothic Pro W3" charset="-128"/>
               <a:cs typeface="Hiragino Kaku Gothic Pro W3" charset="-128"/>
@@ -4029,7 +7004,7 @@
             <a:pPr marL="0" indent="0">
               <a:buNone/>
             </a:pPr>
-            <a:endParaRPr kumimoji="1" lang="en-US" altLang="ja-JP" dirty="0" smtClean="0">
+            <a:endParaRPr kumimoji="1" lang="en-US" altLang="ja-JP" sz="2400" dirty="0" smtClean="0">
               <a:latin typeface="Hiragino Kaku Gothic Pro W3" charset="-128"/>
               <a:ea typeface="Hiragino Kaku Gothic Pro W3" charset="-128"/>
               <a:cs typeface="Hiragino Kaku Gothic Pro W3" charset="-128"/>
@@ -4040,14 +7015,14 @@
               <a:buNone/>
             </a:pPr>
             <a:r>
-              <a:rPr kumimoji="1" lang="ja-JP" altLang="en-US" dirty="0" smtClean="0">
+              <a:rPr kumimoji="1" lang="ja-JP" altLang="en-US" sz="2400" dirty="0" smtClean="0">
                 <a:latin typeface="Hiragino Kaku Gothic Pro W3" charset="-128"/>
                 <a:ea typeface="Hiragino Kaku Gothic Pro W3" charset="-128"/>
                 <a:cs typeface="Hiragino Kaku Gothic Pro W3" charset="-128"/>
               </a:rPr>
               <a:t>会員登録することで画像が保存でき、編集時に使用可能に</a:t>
             </a:r>
-            <a:endParaRPr kumimoji="1" lang="ja-JP" altLang="en-US" dirty="0">
+            <a:endParaRPr kumimoji="1" lang="ja-JP" altLang="en-US" sz="2400" dirty="0">
               <a:latin typeface="Hiragino Kaku Gothic Pro W3" charset="-128"/>
               <a:ea typeface="Hiragino Kaku Gothic Pro W3" charset="-128"/>
               <a:cs typeface="Hiragino Kaku Gothic Pro W3" charset="-128"/>
@@ -4101,17 +7076,17 @@
           <a:lstStyle/>
           <a:p>
             <a:r>
-              <a:rPr kumimoji="1" lang="ja-JP" altLang="en-US" dirty="0" smtClean="0">
-                <a:latin typeface="Hiragino Kaku Gothic Pro W3" charset="-128"/>
-                <a:ea typeface="Hiragino Kaku Gothic Pro W3" charset="-128"/>
-                <a:cs typeface="Hiragino Kaku Gothic Pro W3" charset="-128"/>
+              <a:rPr kumimoji="1" lang="ja-JP" altLang="en-US" b="1" dirty="0" smtClean="0">
+                <a:latin typeface="Hiragino Kaku Gothic Pro W6" charset="-128"/>
+                <a:ea typeface="Hiragino Kaku Gothic Pro W6" charset="-128"/>
+                <a:cs typeface="Hiragino Kaku Gothic Pro W6" charset="-128"/>
               </a:rPr>
               <a:t>担当箇所</a:t>
             </a:r>
-            <a:endParaRPr kumimoji="1" lang="ja-JP" altLang="en-US" dirty="0">
-              <a:latin typeface="Hiragino Kaku Gothic Pro W3" charset="-128"/>
-              <a:ea typeface="Hiragino Kaku Gothic Pro W3" charset="-128"/>
-              <a:cs typeface="Hiragino Kaku Gothic Pro W3" charset="-128"/>
+            <a:endParaRPr kumimoji="1" lang="ja-JP" altLang="en-US" b="1" dirty="0">
+              <a:latin typeface="Hiragino Kaku Gothic Pro W6" charset="-128"/>
+              <a:ea typeface="Hiragino Kaku Gothic Pro W6" charset="-128"/>
+              <a:cs typeface="Hiragino Kaku Gothic Pro W6" charset="-128"/>
             </a:endParaRPr>
           </a:p>
         </p:txBody>
@@ -4128,11 +7103,18 @@
         </p:nvSpPr>
         <p:spPr/>
         <p:txBody>
-          <a:bodyPr/>
-          <a:lstStyle/>
-          <a:p>
-            <a:r>
-              <a:rPr kumimoji="1" lang="ja-JP" altLang="en-US" dirty="0" smtClean="0">
+          <a:bodyPr>
+            <a:normAutofit/>
+          </a:bodyPr>
+          <a:lstStyle/>
+          <a:p>
+            <a:pPr>
+              <a:lnSpc>
+                <a:spcPct val="150000"/>
+              </a:lnSpc>
+            </a:pPr>
+            <a:r>
+              <a:rPr kumimoji="1" lang="ja-JP" altLang="en-US" sz="2400" dirty="0" smtClean="0">
                 <a:latin typeface="Hiragino Kaku Gothic Pro W3" charset="-128"/>
                 <a:ea typeface="Hiragino Kaku Gothic Pro W3" charset="-128"/>
                 <a:cs typeface="Hiragino Kaku Gothic Pro W3" charset="-128"/>
@@ -4140,7 +7122,7 @@
               <a:t>海野</a:t>
             </a:r>
             <a:r>
-              <a:rPr kumimoji="1" lang="en-US" altLang="ja-JP" dirty="0" smtClean="0">
+              <a:rPr kumimoji="1" lang="en-US" altLang="ja-JP" sz="2400" dirty="0" smtClean="0">
                 <a:latin typeface="Hiragino Kaku Gothic Pro W3" charset="-128"/>
                 <a:ea typeface="Hiragino Kaku Gothic Pro W3" charset="-128"/>
                 <a:cs typeface="Hiragino Kaku Gothic Pro W3" charset="-128"/>
@@ -4148,22 +7130,27 @@
               <a:t> -</a:t>
             </a:r>
             <a:r>
-              <a:rPr kumimoji="1" lang="ja-JP" altLang="en-US" dirty="0" smtClean="0">
+              <a:rPr kumimoji="1" lang="ja-JP" altLang="en-US" sz="2400" dirty="0" smtClean="0">
                 <a:latin typeface="Hiragino Kaku Gothic Pro W3" charset="-128"/>
                 <a:ea typeface="Hiragino Kaku Gothic Pro W3" charset="-128"/>
                 <a:cs typeface="Hiragino Kaku Gothic Pro W3" charset="-128"/>
               </a:rPr>
               <a:t>フロントサイド</a:t>
             </a:r>
-            <a:endParaRPr lang="en-US" altLang="ja-JP" dirty="0">
+            <a:endParaRPr lang="en-US" altLang="ja-JP" sz="2400" dirty="0">
               <a:latin typeface="Hiragino Kaku Gothic Pro W3" charset="-128"/>
               <a:ea typeface="Hiragino Kaku Gothic Pro W3" charset="-128"/>
               <a:cs typeface="Hiragino Kaku Gothic Pro W3" charset="-128"/>
             </a:endParaRPr>
           </a:p>
           <a:p>
-            <a:r>
-              <a:rPr kumimoji="1" lang="ja-JP" altLang="en-US" dirty="0" smtClean="0">
+            <a:pPr>
+              <a:lnSpc>
+                <a:spcPct val="150000"/>
+              </a:lnSpc>
+            </a:pPr>
+            <a:r>
+              <a:rPr kumimoji="1" lang="ja-JP" altLang="en-US" sz="2400" dirty="0" smtClean="0">
                 <a:latin typeface="Hiragino Kaku Gothic Pro W3" charset="-128"/>
                 <a:ea typeface="Hiragino Kaku Gothic Pro W3" charset="-128"/>
                 <a:cs typeface="Hiragino Kaku Gothic Pro W3" charset="-128"/>
@@ -4171,7 +7158,7 @@
               <a:t>奥寺</a:t>
             </a:r>
             <a:r>
-              <a:rPr lang="en-US" altLang="ja-JP" dirty="0">
+              <a:rPr lang="en-US" altLang="ja-JP" sz="2400" dirty="0">
                 <a:latin typeface="Hiragino Kaku Gothic Pro W3" charset="-128"/>
                 <a:ea typeface="Hiragino Kaku Gothic Pro W3" charset="-128"/>
                 <a:cs typeface="Hiragino Kaku Gothic Pro W3" charset="-128"/>
@@ -4179,7 +7166,7 @@
               <a:t> </a:t>
             </a:r>
             <a:r>
-              <a:rPr lang="en-US" altLang="ja-JP" dirty="0" smtClean="0">
+              <a:rPr lang="en-US" altLang="ja-JP" sz="2400" dirty="0" smtClean="0">
                 <a:latin typeface="Hiragino Kaku Gothic Pro W3" charset="-128"/>
                 <a:ea typeface="Hiragino Kaku Gothic Pro W3" charset="-128"/>
                 <a:cs typeface="Hiragino Kaku Gothic Pro W3" charset="-128"/>
@@ -4187,22 +7174,27 @@
               <a:t>-</a:t>
             </a:r>
             <a:r>
-              <a:rPr lang="ja-JP" altLang="en-US" dirty="0" smtClean="0">
+              <a:rPr lang="ja-JP" altLang="en-US" sz="2400" dirty="0" smtClean="0">
                 <a:latin typeface="Hiragino Kaku Gothic Pro W3" charset="-128"/>
                 <a:ea typeface="Hiragino Kaku Gothic Pro W3" charset="-128"/>
                 <a:cs typeface="Hiragino Kaku Gothic Pro W3" charset="-128"/>
               </a:rPr>
               <a:t>サーバーサイド</a:t>
             </a:r>
-            <a:endParaRPr lang="en-US" altLang="ja-JP" dirty="0" smtClean="0">
+            <a:endParaRPr lang="en-US" altLang="ja-JP" sz="2400" dirty="0" smtClean="0">
               <a:latin typeface="Hiragino Kaku Gothic Pro W3" charset="-128"/>
               <a:ea typeface="Hiragino Kaku Gothic Pro W3" charset="-128"/>
               <a:cs typeface="Hiragino Kaku Gothic Pro W3" charset="-128"/>
             </a:endParaRPr>
           </a:p>
           <a:p>
-            <a:r>
-              <a:rPr kumimoji="1" lang="ja-JP" altLang="en-US" dirty="0" smtClean="0">
+            <a:pPr>
+              <a:lnSpc>
+                <a:spcPct val="150000"/>
+              </a:lnSpc>
+            </a:pPr>
+            <a:r>
+              <a:rPr kumimoji="1" lang="ja-JP" altLang="en-US" sz="2400" dirty="0" smtClean="0">
                 <a:latin typeface="Hiragino Kaku Gothic Pro W3" charset="-128"/>
                 <a:ea typeface="Hiragino Kaku Gothic Pro W3" charset="-128"/>
                 <a:cs typeface="Hiragino Kaku Gothic Pro W3" charset="-128"/>
@@ -4210,7 +7202,7 @@
               <a:t>桃井</a:t>
             </a:r>
             <a:r>
-              <a:rPr kumimoji="1" lang="en-US" altLang="ja-JP" dirty="0" smtClean="0">
+              <a:rPr kumimoji="1" lang="en-US" altLang="ja-JP" sz="2400" dirty="0" smtClean="0">
                 <a:latin typeface="Hiragino Kaku Gothic Pro W3" charset="-128"/>
                 <a:ea typeface="Hiragino Kaku Gothic Pro W3" charset="-128"/>
                 <a:cs typeface="Hiragino Kaku Gothic Pro W3" charset="-128"/>
@@ -4218,14 +7210,14 @@
               <a:t> -</a:t>
             </a:r>
             <a:r>
-              <a:rPr kumimoji="1" lang="ja-JP" altLang="en-US" dirty="0" smtClean="0">
+              <a:rPr kumimoji="1" lang="ja-JP" altLang="en-US" sz="2400" dirty="0" smtClean="0">
                 <a:latin typeface="Hiragino Kaku Gothic Pro W3" charset="-128"/>
                 <a:ea typeface="Hiragino Kaku Gothic Pro W3" charset="-128"/>
                 <a:cs typeface="Hiragino Kaku Gothic Pro W3" charset="-128"/>
               </a:rPr>
               <a:t>フロントサイド</a:t>
             </a:r>
-            <a:endParaRPr kumimoji="1" lang="en-US" altLang="ja-JP" dirty="0" smtClean="0">
+            <a:endParaRPr kumimoji="1" lang="en-US" altLang="ja-JP" sz="2400" dirty="0" smtClean="0">
               <a:latin typeface="Hiragino Kaku Gothic Pro W3" charset="-128"/>
               <a:ea typeface="Hiragino Kaku Gothic Pro W3" charset="-128"/>
               <a:cs typeface="Hiragino Kaku Gothic Pro W3" charset="-128"/>
@@ -4284,17 +7276,17 @@
           <a:lstStyle/>
           <a:p>
             <a:r>
-              <a:rPr kumimoji="1" lang="ja-JP" altLang="en-US" dirty="0" smtClean="0">
-                <a:latin typeface="Hiragino Kaku Gothic Pro W3" charset="-128"/>
-                <a:ea typeface="Hiragino Kaku Gothic Pro W3" charset="-128"/>
-                <a:cs typeface="Hiragino Kaku Gothic Pro W3" charset="-128"/>
+              <a:rPr kumimoji="1" lang="ja-JP" altLang="en-US" b="1" dirty="0" smtClean="0">
+                <a:latin typeface="Hiragino Kaku Gothic Pro W6" charset="-128"/>
+                <a:ea typeface="Hiragino Kaku Gothic Pro W6" charset="-128"/>
+                <a:cs typeface="Hiragino Kaku Gothic Pro W6" charset="-128"/>
               </a:rPr>
               <a:t>開発するにあたって苦労した点</a:t>
             </a:r>
-            <a:endParaRPr kumimoji="1" lang="ja-JP" altLang="en-US" dirty="0">
-              <a:latin typeface="Hiragino Kaku Gothic Pro W3" charset="-128"/>
-              <a:ea typeface="Hiragino Kaku Gothic Pro W3" charset="-128"/>
-              <a:cs typeface="Hiragino Kaku Gothic Pro W3" charset="-128"/>
+            <a:endParaRPr kumimoji="1" lang="ja-JP" altLang="en-US" b="1" dirty="0">
+              <a:latin typeface="Hiragino Kaku Gothic Pro W6" charset="-128"/>
+              <a:ea typeface="Hiragino Kaku Gothic Pro W6" charset="-128"/>
+              <a:cs typeface="Hiragino Kaku Gothic Pro W6" charset="-128"/>
             </a:endParaRPr>
           </a:p>
         </p:txBody>
@@ -4322,28 +7314,28 @@
           <a:lstStyle/>
           <a:p>
             <a:r>
-              <a:rPr kumimoji="1" lang="ja-JP" altLang="en-US" dirty="0" smtClean="0">
+              <a:rPr kumimoji="1" lang="ja-JP" altLang="en-US" sz="2400" dirty="0" smtClean="0">
                 <a:latin typeface="Hiragino Kaku Gothic Pro W3" charset="-128"/>
                 <a:ea typeface="Hiragino Kaku Gothic Pro W3" charset="-128"/>
                 <a:cs typeface="Hiragino Kaku Gothic Pro W3" charset="-128"/>
               </a:rPr>
               <a:t>海野</a:t>
             </a:r>
-            <a:endParaRPr lang="en-US" altLang="ja-JP" dirty="0">
+            <a:endParaRPr lang="en-US" altLang="ja-JP" sz="2400" dirty="0">
               <a:latin typeface="Hiragino Kaku Gothic Pro W3" charset="-128"/>
               <a:ea typeface="Hiragino Kaku Gothic Pro W3" charset="-128"/>
               <a:cs typeface="Hiragino Kaku Gothic Pro W3" charset="-128"/>
             </a:endParaRPr>
           </a:p>
           <a:p>
-            <a:endParaRPr kumimoji="1" lang="en-US" altLang="ja-JP" dirty="0" smtClean="0">
+            <a:endParaRPr kumimoji="1" lang="en-US" altLang="ja-JP" sz="2400" dirty="0" smtClean="0">
               <a:latin typeface="Hiragino Kaku Gothic Pro W3" charset="-128"/>
               <a:ea typeface="Hiragino Kaku Gothic Pro W3" charset="-128"/>
               <a:cs typeface="Hiragino Kaku Gothic Pro W3" charset="-128"/>
             </a:endParaRPr>
           </a:p>
           <a:p>
-            <a:endParaRPr lang="en-US" altLang="ja-JP" dirty="0">
+            <a:endParaRPr lang="en-US" altLang="ja-JP" sz="2400" dirty="0">
               <a:latin typeface="Hiragino Kaku Gothic Pro W3" charset="-128"/>
               <a:ea typeface="Hiragino Kaku Gothic Pro W3" charset="-128"/>
               <a:cs typeface="Hiragino Kaku Gothic Pro W3" charset="-128"/>
@@ -4351,28 +7343,28 @@
           </a:p>
           <a:p>
             <a:r>
-              <a:rPr kumimoji="1" lang="ja-JP" altLang="en-US" dirty="0" smtClean="0">
+              <a:rPr kumimoji="1" lang="ja-JP" altLang="en-US" sz="2400" dirty="0" smtClean="0">
                 <a:latin typeface="Hiragino Kaku Gothic Pro W3" charset="-128"/>
                 <a:ea typeface="Hiragino Kaku Gothic Pro W3" charset="-128"/>
                 <a:cs typeface="Hiragino Kaku Gothic Pro W3" charset="-128"/>
               </a:rPr>
               <a:t>奥寺</a:t>
             </a:r>
-            <a:endParaRPr kumimoji="1" lang="en-US" altLang="ja-JP" dirty="0" smtClean="0">
+            <a:endParaRPr kumimoji="1" lang="en-US" altLang="ja-JP" sz="2400" dirty="0" smtClean="0">
               <a:latin typeface="Hiragino Kaku Gothic Pro W3" charset="-128"/>
               <a:ea typeface="Hiragino Kaku Gothic Pro W3" charset="-128"/>
               <a:cs typeface="Hiragino Kaku Gothic Pro W3" charset="-128"/>
             </a:endParaRPr>
           </a:p>
           <a:p>
-            <a:endParaRPr lang="en-US" altLang="ja-JP" dirty="0">
+            <a:endParaRPr lang="en-US" altLang="ja-JP" sz="2400" dirty="0">
               <a:latin typeface="Hiragino Kaku Gothic Pro W3" charset="-128"/>
               <a:ea typeface="Hiragino Kaku Gothic Pro W3" charset="-128"/>
               <a:cs typeface="Hiragino Kaku Gothic Pro W3" charset="-128"/>
             </a:endParaRPr>
           </a:p>
           <a:p>
-            <a:endParaRPr kumimoji="1" lang="en-US" altLang="ja-JP" dirty="0" smtClean="0">
+            <a:endParaRPr kumimoji="1" lang="en-US" altLang="ja-JP" sz="2400" dirty="0" smtClean="0">
               <a:latin typeface="Hiragino Kaku Gothic Pro W3" charset="-128"/>
               <a:ea typeface="Hiragino Kaku Gothic Pro W3" charset="-128"/>
               <a:cs typeface="Hiragino Kaku Gothic Pro W3" charset="-128"/>
@@ -4380,14 +7372,14 @@
           </a:p>
           <a:p>
             <a:r>
-              <a:rPr lang="ja-JP" altLang="en-US" dirty="0" smtClean="0">
+              <a:rPr lang="ja-JP" altLang="en-US" sz="2400" dirty="0" smtClean="0">
                 <a:latin typeface="Hiragino Kaku Gothic Pro W3" charset="-128"/>
                 <a:ea typeface="Hiragino Kaku Gothic Pro W3" charset="-128"/>
                 <a:cs typeface="Hiragino Kaku Gothic Pro W3" charset="-128"/>
               </a:rPr>
               <a:t>桃井</a:t>
             </a:r>
-            <a:endParaRPr lang="en-US" altLang="ja-JP" dirty="0" smtClean="0">
+            <a:endParaRPr lang="en-US" altLang="ja-JP" sz="2400" dirty="0" smtClean="0">
               <a:latin typeface="Hiragino Kaku Gothic Pro W3" charset="-128"/>
               <a:ea typeface="Hiragino Kaku Gothic Pro W3" charset="-128"/>
               <a:cs typeface="Hiragino Kaku Gothic Pro W3" charset="-128"/>
@@ -4398,7 +7390,7 @@
               <a:buNone/>
             </a:pPr>
             <a:r>
-              <a:rPr lang="en-US" altLang="ja-JP" sz="2100" dirty="0" smtClean="0">
+              <a:rPr lang="en-US" altLang="ja-JP" sz="2400" dirty="0" smtClean="0">
                 <a:latin typeface="Hiragino Kaku Gothic Pro W3" charset="-128"/>
                 <a:ea typeface="Hiragino Kaku Gothic Pro W3" charset="-128"/>
                 <a:cs typeface="Hiragino Kaku Gothic Pro W3" charset="-128"/>
@@ -4406,14 +7398,14 @@
               <a:t>	</a:t>
             </a:r>
             <a:r>
-              <a:rPr lang="ja-JP" altLang="en-US" sz="2100" dirty="0" smtClean="0">
+              <a:rPr lang="ja-JP" altLang="en-US" sz="2400" dirty="0" smtClean="0">
                 <a:latin typeface="Hiragino Kaku Gothic Pro W3" charset="-128"/>
                 <a:ea typeface="Hiragino Kaku Gothic Pro W3" charset="-128"/>
                 <a:cs typeface="Hiragino Kaku Gothic Pro W3" charset="-128"/>
               </a:rPr>
               <a:t>メイン機能の仕様変更の回数が多く書き直しに時間を取られてた事。</a:t>
             </a:r>
-            <a:endParaRPr lang="en-US" altLang="ja-JP" sz="2100" dirty="0" smtClean="0">
+            <a:endParaRPr lang="en-US" altLang="ja-JP" sz="2400" dirty="0" smtClean="0">
               <a:latin typeface="Hiragino Kaku Gothic Pro W3" charset="-128"/>
               <a:ea typeface="Hiragino Kaku Gothic Pro W3" charset="-128"/>
               <a:cs typeface="Hiragino Kaku Gothic Pro W3" charset="-128"/>
@@ -4481,17 +7473,17 @@
           <a:lstStyle/>
           <a:p>
             <a:r>
-              <a:rPr kumimoji="1" lang="ja-JP" altLang="en-US" dirty="0" smtClean="0">
-                <a:latin typeface="Hiragino Kaku Gothic Pro W3" charset="-128"/>
-                <a:ea typeface="Hiragino Kaku Gothic Pro W3" charset="-128"/>
-                <a:cs typeface="Hiragino Kaku Gothic Pro W3" charset="-128"/>
+              <a:rPr kumimoji="1" lang="ja-JP" altLang="en-US" b="1" dirty="0" smtClean="0">
+                <a:latin typeface="Hiragino Kaku Gothic Pro W6" charset="-128"/>
+                <a:ea typeface="Hiragino Kaku Gothic Pro W6" charset="-128"/>
+                <a:cs typeface="Hiragino Kaku Gothic Pro W6" charset="-128"/>
               </a:rPr>
               <a:t>開発で工夫した点</a:t>
             </a:r>
-            <a:endParaRPr kumimoji="1" lang="ja-JP" altLang="en-US" dirty="0">
-              <a:latin typeface="Hiragino Kaku Gothic Pro W3" charset="-128"/>
-              <a:ea typeface="Hiragino Kaku Gothic Pro W3" charset="-128"/>
-              <a:cs typeface="Hiragino Kaku Gothic Pro W3" charset="-128"/>
+            <a:endParaRPr kumimoji="1" lang="ja-JP" altLang="en-US" b="1" dirty="0">
+              <a:latin typeface="Hiragino Kaku Gothic Pro W6" charset="-128"/>
+              <a:ea typeface="Hiragino Kaku Gothic Pro W6" charset="-128"/>
+              <a:cs typeface="Hiragino Kaku Gothic Pro W6" charset="-128"/>
             </a:endParaRPr>
           </a:p>
         </p:txBody>
@@ -4508,18 +7500,20 @@
         </p:nvSpPr>
         <p:spPr/>
         <p:txBody>
-          <a:bodyPr/>
-          <a:lstStyle/>
-          <a:p>
-            <a:r>
-              <a:rPr kumimoji="1" lang="ja-JP" altLang="en-US" dirty="0" smtClean="0">
+          <a:bodyPr>
+            <a:normAutofit/>
+          </a:bodyPr>
+          <a:lstStyle/>
+          <a:p>
+            <a:r>
+              <a:rPr kumimoji="1" lang="ja-JP" altLang="en-US" sz="2400" dirty="0" smtClean="0">
                 <a:latin typeface="Hiragino Kaku Gothic Pro W3" charset="-128"/>
                 <a:ea typeface="Hiragino Kaku Gothic Pro W3" charset="-128"/>
                 <a:cs typeface="Hiragino Kaku Gothic Pro W3" charset="-128"/>
               </a:rPr>
               <a:t>開発コストが足りなくなる事が予測できたので開発予定期間の前から開発に着手していた。</a:t>
             </a:r>
-            <a:endParaRPr kumimoji="1" lang="ja-JP" altLang="en-US" dirty="0">
+            <a:endParaRPr kumimoji="1" lang="ja-JP" altLang="en-US" sz="2400" dirty="0">
               <a:latin typeface="Hiragino Kaku Gothic Pro W3" charset="-128"/>
               <a:ea typeface="Hiragino Kaku Gothic Pro W3" charset="-128"/>
               <a:cs typeface="Hiragino Kaku Gothic Pro W3" charset="-128"/>
@@ -4573,17 +7567,17 @@
           <a:lstStyle/>
           <a:p>
             <a:r>
-              <a:rPr kumimoji="1" lang="ja-JP" altLang="en-US" dirty="0" smtClean="0">
-                <a:latin typeface="Hiragino Kaku Gothic Pro W3" charset="-128"/>
-                <a:ea typeface="Hiragino Kaku Gothic Pro W3" charset="-128"/>
-                <a:cs typeface="Hiragino Kaku Gothic Pro W3" charset="-128"/>
+              <a:rPr kumimoji="1" lang="ja-JP" altLang="en-US" b="1" dirty="0" smtClean="0">
+                <a:latin typeface="Hiragino Kaku Gothic Pro W6" charset="-128"/>
+                <a:ea typeface="Hiragino Kaku Gothic Pro W6" charset="-128"/>
+                <a:cs typeface="Hiragino Kaku Gothic Pro W6" charset="-128"/>
               </a:rPr>
               <a:t>今後の展望</a:t>
             </a:r>
-            <a:endParaRPr kumimoji="1" lang="ja-JP" altLang="en-US" dirty="0">
-              <a:latin typeface="Hiragino Kaku Gothic Pro W3" charset="-128"/>
-              <a:ea typeface="Hiragino Kaku Gothic Pro W3" charset="-128"/>
-              <a:cs typeface="Hiragino Kaku Gothic Pro W3" charset="-128"/>
+            <a:endParaRPr kumimoji="1" lang="ja-JP" altLang="en-US" b="1" dirty="0">
+              <a:latin typeface="Hiragino Kaku Gothic Pro W6" charset="-128"/>
+              <a:ea typeface="Hiragino Kaku Gothic Pro W6" charset="-128"/>
+              <a:cs typeface="Hiragino Kaku Gothic Pro W6" charset="-128"/>
             </a:endParaRPr>
           </a:p>
         </p:txBody>
@@ -4600,10 +7594,12 @@
         </p:nvSpPr>
         <p:spPr/>
         <p:txBody>
-          <a:bodyPr/>
-          <a:lstStyle/>
-          <a:p>
-            <a:endParaRPr kumimoji="1" lang="ja-JP" altLang="en-US" dirty="0">
+          <a:bodyPr>
+            <a:normAutofit/>
+          </a:bodyPr>
+          <a:lstStyle/>
+          <a:p>
+            <a:endParaRPr kumimoji="1" lang="ja-JP" altLang="en-US" sz="2400" dirty="0">
               <a:latin typeface="Hiragino Kaku Gothic Pro W3" charset="-128"/>
               <a:ea typeface="Hiragino Kaku Gothic Pro W3" charset="-128"/>
               <a:cs typeface="Hiragino Kaku Gothic Pro W3" charset="-128"/>
@@ -4625,9 +7621,9 @@
 </file>
 
 <file path=ppt/theme/theme1.xml><?xml version="1.0" encoding="utf-8"?>
-<a:theme xmlns:a="http://schemas.openxmlformats.org/drawingml/2006/main" name="ホワイト">
+<a:theme xmlns:a="http://schemas.openxmlformats.org/drawingml/2006/main" name="ファセット">
   <a:themeElements>
-    <a:clrScheme name="Office">
+    <a:clrScheme name="ファセット">
       <a:dk1>
         <a:sysClr val="windowText" lastClr="000000"/>
       </a:dk1>
@@ -4635,52 +7631,52 @@
         <a:sysClr val="window" lastClr="FFFFFF"/>
       </a:lt1>
       <a:dk2>
-        <a:srgbClr val="44546A"/>
+        <a:srgbClr val="2C3C43"/>
       </a:dk2>
       <a:lt2>
-        <a:srgbClr val="E7E6E6"/>
+        <a:srgbClr val="EBEBEB"/>
       </a:lt2>
       <a:accent1>
-        <a:srgbClr val="5B9BD5"/>
+        <a:srgbClr val="90C226"/>
       </a:accent1>
       <a:accent2>
-        <a:srgbClr val="ED7D31"/>
+        <a:srgbClr val="54A021"/>
       </a:accent2>
       <a:accent3>
-        <a:srgbClr val="A5A5A5"/>
+        <a:srgbClr val="E6B91E"/>
       </a:accent3>
       <a:accent4>
-        <a:srgbClr val="FFC000"/>
+        <a:srgbClr val="E76618"/>
       </a:accent4>
       <a:accent5>
-        <a:srgbClr val="4472C4"/>
+        <a:srgbClr val="C42F1A"/>
       </a:accent5>
       <a:accent6>
-        <a:srgbClr val="70AD47"/>
+        <a:srgbClr val="918655"/>
       </a:accent6>
       <a:hlink>
-        <a:srgbClr val="0563C1"/>
+        <a:srgbClr val="99CA3C"/>
       </a:hlink>
       <a:folHlink>
-        <a:srgbClr val="954F72"/>
+        <a:srgbClr val="B9D181"/>
       </a:folHlink>
     </a:clrScheme>
-    <a:fontScheme name="Office">
+    <a:fontScheme name="ファセット">
       <a:majorFont>
-        <a:latin typeface="Yu Gothic Light" panose="020F0302020204030204"/>
+        <a:latin typeface="Trebuchet MS" panose="020B0603020202020204"/>
         <a:ea typeface=""/>
         <a:cs typeface=""/>
-        <a:font script="Jpan" typeface="Yu Gothic Light"/>
+        <a:font script="Jpan" typeface="メイリオ"/>
         <a:font script="Hang" typeface="맑은 고딕"/>
-        <a:font script="Hans" typeface="DengXian Light"/>
-        <a:font script="Hant" typeface="新細明體"/>
-        <a:font script="Arab" typeface="Times New Roman"/>
-        <a:font script="Hebr" typeface="Times New Roman"/>
-        <a:font script="Thai" typeface="Angsana New"/>
+        <a:font script="Hans" typeface="方正姚体"/>
+        <a:font script="Hant" typeface="微軟正黑體"/>
+        <a:font script="Arab" typeface="Tahoma"/>
+        <a:font script="Hebr" typeface="Arial"/>
+        <a:font script="Thai" typeface="Cordia New"/>
         <a:font script="Ethi" typeface="Nyala"/>
         <a:font script="Beng" typeface="Vrinda"/>
         <a:font script="Gujr" typeface="Shruti"/>
-        <a:font script="Khmr" typeface="MoolBoran"/>
+        <a:font script="Khmr" typeface="DaunPenh"/>
         <a:font script="Knda" typeface="Tunga"/>
         <a:font script="Guru" typeface="Raavi"/>
         <a:font script="Cans" typeface="Euphemia"/>
@@ -4697,21 +7693,21 @@
         <a:font script="Laoo" typeface="DokChampa"/>
         <a:font script="Sinh" typeface="Iskoola Pota"/>
         <a:font script="Mong" typeface="Mongolian Baiti"/>
-        <a:font script="Viet" typeface="Times New Roman"/>
+        <a:font script="Viet" typeface="Tahoma"/>
         <a:font script="Uigh" typeface="Microsoft Uighur"/>
         <a:font script="Geor" typeface="Sylfaen"/>
       </a:majorFont>
       <a:minorFont>
-        <a:latin typeface="Yu Gothic" panose="020F0502020204030204"/>
+        <a:latin typeface="Trebuchet MS" panose="020B0603020202020204"/>
         <a:ea typeface=""/>
         <a:cs typeface=""/>
-        <a:font script="Jpan" typeface="Yu Gothic"/>
-        <a:font script="Hang" typeface="맑은 고딕"/>
-        <a:font script="Hans" typeface="DengXian"/>
-        <a:font script="Hant" typeface="新細明體"/>
-        <a:font script="Arab" typeface="Arial"/>
-        <a:font script="Hebr" typeface="Arial"/>
-        <a:font script="Thai" typeface="Cordia New"/>
+        <a:font script="Jpan" typeface="メイリオ"/>
+        <a:font script="Hang" typeface="HY그래픽M"/>
+        <a:font script="Hans" typeface="华文新魏"/>
+        <a:font script="Hant" typeface="微軟正黑體"/>
+        <a:font script="Arab" typeface="Tahoma"/>
+        <a:font script="Hebr" typeface="Gisha"/>
+        <a:font script="Thai" typeface="IrisUPC"/>
         <a:font script="Ethi" typeface="Nyala"/>
         <a:font script="Beng" typeface="Vrinda"/>
         <a:font script="Gujr" typeface="Shruti"/>
@@ -4737,7 +7733,7 @@
         <a:font script="Geor" typeface="Sylfaen"/>
       </a:minorFont>
     </a:fontScheme>
-    <a:fmtScheme name="Office">
+    <a:fmtScheme name="ファセット">
       <a:fillStyleLst>
         <a:solidFill>
           <a:schemeClr val="phClr"/>
@@ -4746,23 +7742,13 @@
           <a:gsLst>
             <a:gs pos="0">
               <a:schemeClr val="phClr">
+                <a:tint val="65000"/>
                 <a:lumMod val="110000"/>
-                <a:satMod val="105000"/>
-                <a:tint val="67000"/>
               </a:schemeClr>
             </a:gs>
-            <a:gs pos="50000">
+            <a:gs pos="88000">
               <a:schemeClr val="phClr">
-                <a:lumMod val="105000"/>
-                <a:satMod val="103000"/>
-                <a:tint val="73000"/>
-              </a:schemeClr>
-            </a:gs>
-            <a:gs pos="100000">
-              <a:schemeClr val="phClr">
-                <a:lumMod val="105000"/>
-                <a:satMod val="109000"/>
-                <a:tint val="81000"/>
+                <a:tint val="90000"/>
               </a:schemeClr>
             </a:gs>
           </a:gsLst>
@@ -4772,23 +7758,14 @@
           <a:gsLst>
             <a:gs pos="0">
               <a:schemeClr val="phClr">
-                <a:satMod val="103000"/>
-                <a:lumMod val="102000"/>
-                <a:tint val="94000"/>
+                <a:tint val="96000"/>
+                <a:lumMod val="100000"/>
               </a:schemeClr>
             </a:gs>
-            <a:gs pos="50000">
+            <a:gs pos="78000">
               <a:schemeClr val="phClr">
-                <a:satMod val="110000"/>
-                <a:lumMod val="100000"/>
-                <a:shade val="100000"/>
-              </a:schemeClr>
-            </a:gs>
-            <a:gs pos="100000">
-              <a:schemeClr val="phClr">
-                <a:lumMod val="99000"/>
-                <a:satMod val="120000"/>
-                <a:shade val="78000"/>
+                <a:shade val="94000"/>
+                <a:lumMod val="94000"/>
               </a:schemeClr>
             </a:gs>
           </a:gsLst>
@@ -4796,26 +7773,23 @@
         </a:gradFill>
       </a:fillStyleLst>
       <a:lnStyleLst>
-        <a:ln w="6350" cap="flat" cmpd="sng" algn="ctr">
+        <a:ln w="12700" cap="rnd" cmpd="sng" algn="ctr">
           <a:solidFill>
             <a:schemeClr val="phClr"/>
           </a:solidFill>
           <a:prstDash val="solid"/>
-          <a:miter lim="800000"/>
         </a:ln>
-        <a:ln w="12700" cap="flat" cmpd="sng" algn="ctr">
+        <a:ln w="19050" cap="rnd" cmpd="sng" algn="ctr">
           <a:solidFill>
             <a:schemeClr val="phClr"/>
           </a:solidFill>
           <a:prstDash val="solid"/>
-          <a:miter lim="800000"/>
         </a:ln>
-        <a:ln w="19050" cap="flat" cmpd="sng" algn="ctr">
+        <a:ln w="25400" cap="rnd" cmpd="sng" algn="ctr">
           <a:solidFill>
             <a:schemeClr val="phClr"/>
           </a:solidFill>
           <a:prstDash val="solid"/>
-          <a:miter lim="800000"/>
         </a:ln>
       </a:lnStyleLst>
       <a:effectStyleLst>
@@ -4823,54 +7797,72 @@
           <a:effectLst/>
         </a:effectStyle>
         <a:effectStyle>
-          <a:effectLst/>
+          <a:effectLst>
+            <a:outerShdw blurRad="38100" dist="25400" dir="5400000" rotWithShape="0">
+              <a:srgbClr val="000000">
+                <a:alpha val="35000"/>
+              </a:srgbClr>
+            </a:outerShdw>
+          </a:effectLst>
         </a:effectStyle>
         <a:effectStyle>
           <a:effectLst>
-            <a:outerShdw blurRad="57150" dist="19050" dir="5400000" algn="ctr" rotWithShape="0">
+            <a:outerShdw blurRad="50800" dist="38100" dir="5400000" rotWithShape="0">
               <a:srgbClr val="000000">
-                <a:alpha val="63000"/>
+                <a:alpha val="35000"/>
               </a:srgbClr>
             </a:outerShdw>
           </a:effectLst>
+          <a:scene3d>
+            <a:camera prst="orthographicFront">
+              <a:rot lat="0" lon="0" rev="0"/>
+            </a:camera>
+            <a:lightRig rig="threePt" dir="tl"/>
+          </a:scene3d>
+          <a:sp3d prstMaterial="plastic">
+            <a:bevelT w="0" h="0"/>
+          </a:sp3d>
         </a:effectStyle>
       </a:effectStyleLst>
       <a:bgFillStyleLst>
         <a:solidFill>
           <a:schemeClr val="phClr"/>
         </a:solidFill>
-        <a:solidFill>
-          <a:schemeClr val="phClr">
-            <a:tint val="95000"/>
-            <a:satMod val="170000"/>
-          </a:schemeClr>
-        </a:solidFill>
         <a:gradFill rotWithShape="1">
           <a:gsLst>
             <a:gs pos="0">
               <a:schemeClr val="phClr">
-                <a:tint val="93000"/>
-                <a:satMod val="150000"/>
-                <a:shade val="98000"/>
-                <a:lumMod val="102000"/>
+                <a:tint val="90000"/>
+                <a:lumMod val="104000"/>
               </a:schemeClr>
             </a:gs>
-            <a:gs pos="50000">
+            <a:gs pos="94000">
               <a:schemeClr val="phClr">
-                <a:tint val="98000"/>
-                <a:satMod val="130000"/>
-                <a:shade val="90000"/>
-                <a:lumMod val="103000"/>
+                <a:shade val="96000"/>
+                <a:lumMod val="82000"/>
+              </a:schemeClr>
+            </a:gs>
+          </a:gsLst>
+          <a:lin ang="5400000" scaled="0"/>
+        </a:gradFill>
+        <a:gradFill rotWithShape="1">
+          <a:gsLst>
+            <a:gs pos="0">
+              <a:schemeClr val="phClr">
+                <a:tint val="90000"/>
+                <a:lumMod val="110000"/>
               </a:schemeClr>
             </a:gs>
             <a:gs pos="100000">
               <a:schemeClr val="phClr">
-                <a:shade val="63000"/>
-                <a:satMod val="120000"/>
+                <a:shade val="94000"/>
+                <a:lumMod val="96000"/>
               </a:schemeClr>
             </a:gs>
           </a:gsLst>
-          <a:lin ang="5400000" scaled="0"/>
+          <a:path path="circle">
+            <a:fillToRect l="50000" t="50000" r="100000" b="100000"/>
+          </a:path>
         </a:gradFill>
       </a:bgFillStyleLst>
     </a:fmtScheme>
@@ -4879,7 +7871,7 @@
   <a:extraClrSchemeLst/>
   <a:extLst>
     <a:ext uri="{05A4C25C-085E-4340-85A3-A5531E510DB2}">
-      <thm15:themeFamily xmlns:thm15="http://schemas.microsoft.com/office/thememl/2012/main" name="Office Theme" id="{62F939B6-93AF-4DB8-9C6B-D6C7DFDC589F}" vid="{4A3C46E8-61CC-4603-A589-7422A47A8E4A}"/>
+      <thm15:themeFamily xmlns:thm15="http://schemas.microsoft.com/office/thememl/2012/main" name="Facet" id="{C0C680CD-088A-49FC-A102-D699147F32B2}" vid="{CFBC31BA-B70F-4F30-BCAA-4F3011E16C4D}"/>
     </a:ext>
   </a:extLst>
 </a:theme>

--- a/CSS_プレゼン資料.pptx
+++ b/CSS_プレゼン資料.pptx
@@ -6334,6 +6334,13 @@
   <p:clrMapOvr>
     <a:masterClrMapping/>
   </p:clrMapOvr>
+  <p:timing>
+    <p:tnLst>
+      <p:par>
+        <p:cTn id="1" dur="indefinite" restart="never" nodeType="tmRoot"/>
+      </p:par>
+    </p:tnLst>
+  </p:timing>
 </p:sld>
 </file>
 
@@ -6477,6 +6484,13 @@
   <p:clrMapOvr>
     <a:masterClrMapping/>
   </p:clrMapOvr>
+  <p:timing>
+    <p:tnLst>
+      <p:par>
+        <p:cTn id="1" dur="indefinite" restart="never" nodeType="tmRoot"/>
+      </p:par>
+    </p:tnLst>
+  </p:timing>
 </p:sld>
 </file>
 
@@ -6564,15 +6578,7 @@
                 <a:ea typeface="Hiragino Kaku Gothic Pro W3" charset="-128"/>
                 <a:cs typeface="Hiragino Kaku Gothic Pro W3" charset="-128"/>
               </a:rPr>
-              <a:t>のデザインが苦手なエンジニアや</a:t>
-            </a:r>
-            <a:r>
-              <a:rPr kumimoji="1" lang="ja-JP" altLang="en-US" sz="2400" dirty="0" smtClean="0">
-                <a:latin typeface="Hiragino Kaku Gothic Pro W3" charset="-128"/>
-                <a:ea typeface="Hiragino Kaku Gothic Pro W3" charset="-128"/>
-                <a:cs typeface="Hiragino Kaku Gothic Pro W3" charset="-128"/>
-              </a:rPr>
-              <a:t>クリエイター</a:t>
+              <a:t>のデザインが苦手なエンジニアやクリエイター</a:t>
             </a:r>
             <a:endParaRPr kumimoji="1" lang="en-US" altLang="ja-JP" sz="2400" dirty="0" smtClean="0">
               <a:latin typeface="Hiragino Kaku Gothic Pro W3" charset="-128"/>
@@ -6612,6 +6618,13 @@
   <p:clrMapOvr>
     <a:masterClrMapping/>
   </p:clrMapOvr>
+  <p:timing>
+    <p:tnLst>
+      <p:par>
+        <p:cTn id="1" dur="indefinite" restart="never" nodeType="tmRoot"/>
+      </p:par>
+    </p:tnLst>
+  </p:timing>
 </p:sld>
 </file>
 
@@ -6707,15 +6720,7 @@
                 <a:ea typeface="Hiragino Kaku Gothic Pro W3" charset="-128"/>
                 <a:cs typeface="Hiragino Kaku Gothic Pro W3" charset="-128"/>
               </a:rPr>
-              <a:t>サービス</a:t>
-            </a:r>
-            <a:r>
-              <a:rPr lang="ja-JP" altLang="en-US" sz="2400" dirty="0" smtClean="0">
-                <a:latin typeface="Hiragino Kaku Gothic Pro W3" charset="-128"/>
-                <a:ea typeface="Hiragino Kaku Gothic Pro W3" charset="-128"/>
-                <a:cs typeface="Hiragino Kaku Gothic Pro W3" charset="-128"/>
-              </a:rPr>
-              <a:t>。</a:t>
+              <a:t>サービス。</a:t>
             </a:r>
             <a:endParaRPr lang="ja-JP" altLang="en-US" sz="2400" dirty="0">
               <a:latin typeface="Hiragino Kaku Gothic Pro W3" charset="-128"/>
@@ -6795,6 +6800,13 @@
   <p:clrMapOvr>
     <a:masterClrMapping/>
   </p:clrMapOvr>
+  <p:timing>
+    <p:tnLst>
+      <p:par>
+        <p:cTn id="1" dur="indefinite" restart="never" nodeType="tmRoot"/>
+      </p:par>
+    </p:tnLst>
+  </p:timing>
 </p:sld>
 </file>
 
@@ -7040,6 +7052,13 @@
   <p:clrMapOvr>
     <a:masterClrMapping/>
   </p:clrMapOvr>
+  <p:timing>
+    <p:tnLst>
+      <p:par>
+        <p:cTn id="1" dur="indefinite" restart="never" nodeType="tmRoot"/>
+      </p:par>
+    </p:tnLst>
+  </p:timing>
 </p:sld>
 </file>
 
@@ -7235,6 +7254,13 @@
   <p:clrMapOvr>
     <a:masterClrMapping/>
   </p:clrMapOvr>
+  <p:timing>
+    <p:tnLst>
+      <p:par>
+        <p:cTn id="1" dur="indefinite" restart="never" nodeType="tmRoot"/>
+      </p:par>
+    </p:tnLst>
+  </p:timing>
 </p:sld>
 </file>
 
@@ -7437,6 +7463,13 @@
   <p:clrMapOvr>
     <a:masterClrMapping/>
   </p:clrMapOvr>
+  <p:timing>
+    <p:tnLst>
+      <p:par>
+        <p:cTn id="1" dur="indefinite" restart="never" nodeType="tmRoot"/>
+      </p:par>
+    </p:tnLst>
+  </p:timing>
 </p:sld>
 </file>
 
@@ -7531,6 +7564,13 @@
   <p:clrMapOvr>
     <a:masterClrMapping/>
   </p:clrMapOvr>
+  <p:timing>
+    <p:tnLst>
+      <p:par>
+        <p:cTn id="1" dur="indefinite" restart="never" nodeType="tmRoot"/>
+      </p:par>
+    </p:tnLst>
+  </p:timing>
 </p:sld>
 </file>
 
@@ -7617,6 +7657,13 @@
   <p:clrMapOvr>
     <a:masterClrMapping/>
   </p:clrMapOvr>
+  <p:timing>
+    <p:tnLst>
+      <p:par>
+        <p:cTn id="1" dur="indefinite" restart="never" nodeType="tmRoot"/>
+      </p:par>
+    </p:tnLst>
+  </p:timing>
 </p:sld>
 </file>
 

--- a/CSS_プレゼン資料.pptx
+++ b/CSS_プレゼン資料.pptx
@@ -7293,8 +7293,8 @@
         </p:nvSpPr>
         <p:spPr>
           <a:xfrm>
-            <a:off x="838200" y="176504"/>
-            <a:ext cx="10515600" cy="1325563"/>
+            <a:off x="641251" y="598538"/>
+            <a:ext cx="10515600" cy="836369"/>
           </a:xfrm>
         </p:spPr>
         <p:txBody>
@@ -7329,7 +7329,7 @@
         </p:nvSpPr>
         <p:spPr>
           <a:xfrm>
-            <a:off x="838200" y="1502067"/>
+            <a:off x="838200" y="1783421"/>
             <a:ext cx="10515600" cy="4687717"/>
           </a:xfrm>
         </p:spPr>

--- a/CSS_プレゼン資料.pptx
+++ b/CSS_プレゼン資料.pptx
@@ -7429,7 +7429,41 @@
                 <a:ea typeface="Hiragino Kaku Gothic Pro W3" charset="-128"/>
                 <a:cs typeface="Hiragino Kaku Gothic Pro W3" charset="-128"/>
               </a:rPr>
-              <a:t>メイン機能の仕様変更の回数が多く書き直しに時間を取られてた事。</a:t>
+              <a:t>メイン機能の仕様変更の回数が多く書き直しに時間を取られてた事</a:t>
+            </a:r>
+            <a:r>
+              <a:rPr lang="ja-JP" altLang="en-US" sz="2400" dirty="0" smtClean="0">
+                <a:latin typeface="Hiragino Kaku Gothic Pro W3" charset="-128"/>
+                <a:ea typeface="Hiragino Kaku Gothic Pro W3" charset="-128"/>
+                <a:cs typeface="Hiragino Kaku Gothic Pro W3" charset="-128"/>
+              </a:rPr>
+              <a:t>。</a:t>
+            </a:r>
+            <a:endParaRPr lang="en-US" altLang="ja-JP" sz="2400" dirty="0" smtClean="0">
+              <a:latin typeface="Hiragino Kaku Gothic Pro W3" charset="-128"/>
+              <a:ea typeface="Hiragino Kaku Gothic Pro W3" charset="-128"/>
+              <a:cs typeface="Hiragino Kaku Gothic Pro W3" charset="-128"/>
+            </a:endParaRPr>
+          </a:p>
+          <a:p>
+            <a:pPr marL="0" indent="0">
+              <a:buNone/>
+            </a:pPr>
+            <a:r>
+              <a:rPr lang="en-US" altLang="ja-JP" sz="2400" dirty="0">
+                <a:latin typeface="Hiragino Kaku Gothic Pro W3" charset="-128"/>
+                <a:ea typeface="Hiragino Kaku Gothic Pro W3" charset="-128"/>
+                <a:cs typeface="Hiragino Kaku Gothic Pro W3" charset="-128"/>
+              </a:rPr>
+              <a:t>	</a:t>
+            </a:r>
+            <a:r>
+              <a:rPr lang="ja-JP" altLang="en-US" sz="2400" dirty="0" smtClean="0">
+                <a:latin typeface="Hiragino Kaku Gothic Pro W3" charset="-128"/>
+                <a:ea typeface="Hiragino Kaku Gothic Pro W3" charset="-128"/>
+                <a:cs typeface="Hiragino Kaku Gothic Pro W3" charset="-128"/>
+              </a:rPr>
+              <a:t>ログ出力をクリップしたメソッドを作らなかった事。</a:t>
             </a:r>
             <a:endParaRPr lang="en-US" altLang="ja-JP" sz="2400" dirty="0" smtClean="0">
               <a:latin typeface="Hiragino Kaku Gothic Pro W3" charset="-128"/>

--- a/CSS_プレゼン資料.pptx
+++ b/CSS_プレゼン資料.pptx
@@ -9,11 +9,12 @@
     <p:sldId id="258" r:id="rId3"/>
     <p:sldId id="259" r:id="rId4"/>
     <p:sldId id="257" r:id="rId5"/>
-    <p:sldId id="264" r:id="rId6"/>
-    <p:sldId id="261" r:id="rId7"/>
-    <p:sldId id="260" r:id="rId8"/>
-    <p:sldId id="262" r:id="rId9"/>
-    <p:sldId id="263" r:id="rId10"/>
+    <p:sldId id="265" r:id="rId6"/>
+    <p:sldId id="264" r:id="rId7"/>
+    <p:sldId id="261" r:id="rId8"/>
+    <p:sldId id="260" r:id="rId9"/>
+    <p:sldId id="262" r:id="rId10"/>
+    <p:sldId id="263" r:id="rId11"/>
   </p:sldIdLst>
   <p:sldSz cx="12192000" cy="6858000"/>
   <p:notesSz cx="6858000" cy="9144000"/>
@@ -842,7 +843,7 @@
           <a:p>
             <a:fld id="{21A8CBF7-404D-F54F-A93F-289B36D1F088}" type="datetimeFigureOut">
               <a:rPr kumimoji="1" lang="ja-JP" altLang="en-US" smtClean="0"/>
-              <a:t>2016/6/28</a:t>
+              <a:t>2016/6/29</a:t>
             </a:fld>
             <a:endParaRPr kumimoji="1" lang="ja-JP" altLang="en-US"/>
           </a:p>
@@ -1093,7 +1094,7 @@
           <a:p>
             <a:fld id="{21A8CBF7-404D-F54F-A93F-289B36D1F088}" type="datetimeFigureOut">
               <a:rPr kumimoji="1" lang="ja-JP" altLang="en-US" smtClean="0"/>
-              <a:t>2016/6/28</a:t>
+              <a:t>2016/6/29</a:t>
             </a:fld>
             <a:endParaRPr kumimoji="1" lang="ja-JP" altLang="en-US"/>
           </a:p>
@@ -1407,7 +1408,7 @@
           <a:p>
             <a:fld id="{21A8CBF7-404D-F54F-A93F-289B36D1F088}" type="datetimeFigureOut">
               <a:rPr kumimoji="1" lang="ja-JP" altLang="en-US" smtClean="0"/>
-              <a:t>2016/6/28</a:t>
+              <a:t>2016/6/29</a:t>
             </a:fld>
             <a:endParaRPr kumimoji="1" lang="ja-JP" altLang="en-US"/>
           </a:p>
@@ -1748,7 +1749,7 @@
           <a:p>
             <a:fld id="{21A8CBF7-404D-F54F-A93F-289B36D1F088}" type="datetimeFigureOut">
               <a:rPr kumimoji="1" lang="ja-JP" altLang="en-US" smtClean="0"/>
-              <a:t>2016/6/28</a:t>
+              <a:t>2016/6/29</a:t>
             </a:fld>
             <a:endParaRPr kumimoji="1" lang="ja-JP" altLang="en-US"/>
           </a:p>
@@ -2062,7 +2063,7 @@
           <a:p>
             <a:fld id="{21A8CBF7-404D-F54F-A93F-289B36D1F088}" type="datetimeFigureOut">
               <a:rPr kumimoji="1" lang="ja-JP" altLang="en-US" smtClean="0"/>
-              <a:t>2016/6/28</a:t>
+              <a:t>2016/6/29</a:t>
             </a:fld>
             <a:endParaRPr kumimoji="1" lang="ja-JP" altLang="en-US"/>
           </a:p>
@@ -2455,7 +2456,7 @@
           <a:p>
             <a:fld id="{21A8CBF7-404D-F54F-A93F-289B36D1F088}" type="datetimeFigureOut">
               <a:rPr kumimoji="1" lang="ja-JP" altLang="en-US" smtClean="0"/>
-              <a:t>2016/6/28</a:t>
+              <a:t>2016/6/29</a:t>
             </a:fld>
             <a:endParaRPr kumimoji="1" lang="ja-JP" altLang="en-US"/>
           </a:p>
@@ -2657,7 +2658,7 @@
           <a:p>
             <a:fld id="{21A8CBF7-404D-F54F-A93F-289B36D1F088}" type="datetimeFigureOut">
               <a:rPr kumimoji="1" lang="ja-JP" altLang="en-US" smtClean="0"/>
-              <a:t>2016/6/28</a:t>
+              <a:t>2016/6/29</a:t>
             </a:fld>
             <a:endParaRPr kumimoji="1" lang="ja-JP" altLang="en-US"/>
           </a:p>
@@ -2869,7 +2870,7 @@
           <a:p>
             <a:fld id="{21A8CBF7-404D-F54F-A93F-289B36D1F088}" type="datetimeFigureOut">
               <a:rPr kumimoji="1" lang="ja-JP" altLang="en-US" smtClean="0"/>
-              <a:t>2016/6/28</a:t>
+              <a:t>2016/6/29</a:t>
             </a:fld>
             <a:endParaRPr kumimoji="1" lang="ja-JP" altLang="en-US"/>
           </a:p>
@@ -3077,7 +3078,7 @@
           <a:p>
             <a:fld id="{21A8CBF7-404D-F54F-A93F-289B36D1F088}" type="datetimeFigureOut">
               <a:rPr kumimoji="1" lang="ja-JP" altLang="en-US" smtClean="0"/>
-              <a:t>2016/6/28</a:t>
+              <a:t>2016/6/29</a:t>
             </a:fld>
             <a:endParaRPr kumimoji="1" lang="ja-JP" altLang="en-US"/>
           </a:p>
@@ -3324,7 +3325,7 @@
           <a:p>
             <a:fld id="{21A8CBF7-404D-F54F-A93F-289B36D1F088}" type="datetimeFigureOut">
               <a:rPr kumimoji="1" lang="ja-JP" altLang="en-US" smtClean="0"/>
-              <a:t>2016/6/28</a:t>
+              <a:t>2016/6/29</a:t>
             </a:fld>
             <a:endParaRPr kumimoji="1" lang="ja-JP" altLang="en-US"/>
           </a:p>
@@ -3620,7 +3621,7 @@
           <a:p>
             <a:fld id="{21A8CBF7-404D-F54F-A93F-289B36D1F088}" type="datetimeFigureOut">
               <a:rPr kumimoji="1" lang="ja-JP" altLang="en-US" smtClean="0"/>
-              <a:t>2016/6/28</a:t>
+              <a:t>2016/6/29</a:t>
             </a:fld>
             <a:endParaRPr kumimoji="1" lang="ja-JP" altLang="en-US"/>
           </a:p>
@@ -4058,7 +4059,7 @@
           <a:p>
             <a:fld id="{21A8CBF7-404D-F54F-A93F-289B36D1F088}" type="datetimeFigureOut">
               <a:rPr kumimoji="1" lang="ja-JP" altLang="en-US" smtClean="0"/>
-              <a:t>2016/6/28</a:t>
+              <a:t>2016/6/29</a:t>
             </a:fld>
             <a:endParaRPr kumimoji="1" lang="ja-JP" altLang="en-US"/>
           </a:p>
@@ -4181,7 +4182,7 @@
           <a:p>
             <a:fld id="{21A8CBF7-404D-F54F-A93F-289B36D1F088}" type="datetimeFigureOut">
               <a:rPr kumimoji="1" lang="ja-JP" altLang="en-US" smtClean="0"/>
-              <a:t>2016/6/28</a:t>
+              <a:t>2016/6/29</a:t>
             </a:fld>
             <a:endParaRPr kumimoji="1" lang="ja-JP" altLang="en-US"/>
           </a:p>
@@ -4276,7 +4277,7 @@
           <a:p>
             <a:fld id="{21A8CBF7-404D-F54F-A93F-289B36D1F088}" type="datetimeFigureOut">
               <a:rPr kumimoji="1" lang="ja-JP" altLang="en-US" smtClean="0"/>
-              <a:t>2016/6/28</a:t>
+              <a:t>2016/6/29</a:t>
             </a:fld>
             <a:endParaRPr kumimoji="1" lang="ja-JP" altLang="en-US"/>
           </a:p>
@@ -4563,7 +4564,7 @@
           <a:p>
             <a:fld id="{21A8CBF7-404D-F54F-A93F-289B36D1F088}" type="datetimeFigureOut">
               <a:rPr kumimoji="1" lang="ja-JP" altLang="en-US" smtClean="0"/>
-              <a:t>2016/6/28</a:t>
+              <a:t>2016/6/29</a:t>
             </a:fld>
             <a:endParaRPr kumimoji="1" lang="ja-JP" altLang="en-US"/>
           </a:p>
@@ -4826,7 +4827,7 @@
           <a:p>
             <a:fld id="{21A8CBF7-404D-F54F-A93F-289B36D1F088}" type="datetimeFigureOut">
               <a:rPr kumimoji="1" lang="ja-JP" altLang="en-US" smtClean="0"/>
-              <a:t>2016/6/28</a:t>
+              <a:t>2016/6/29</a:t>
             </a:fld>
             <a:endParaRPr kumimoji="1" lang="ja-JP" altLang="en-US"/>
           </a:p>
@@ -5601,7 +5602,7 @@
           <a:p>
             <a:fld id="{21A8CBF7-404D-F54F-A93F-289B36D1F088}" type="datetimeFigureOut">
               <a:rPr kumimoji="1" lang="ja-JP" altLang="en-US" smtClean="0"/>
-              <a:t>2016/6/28</a:t>
+              <a:t>2016/6/29</a:t>
             </a:fld>
             <a:endParaRPr kumimoji="1" lang="ja-JP" altLang="en-US"/>
           </a:p>
@@ -6344,6 +6345,99 @@
 </p:sld>
 </file>
 
+<file path=ppt/slides/slide10.xml><?xml version="1.0" encoding="utf-8"?>
+<p:sld xmlns:a="http://schemas.openxmlformats.org/drawingml/2006/main" xmlns:r="http://schemas.openxmlformats.org/officeDocument/2006/relationships" xmlns:p="http://schemas.openxmlformats.org/presentationml/2006/main">
+  <p:cSld>
+    <p:spTree>
+      <p:nvGrpSpPr>
+        <p:cNvPr id="1" name=""/>
+        <p:cNvGrpSpPr/>
+        <p:nvPr/>
+      </p:nvGrpSpPr>
+      <p:grpSpPr>
+        <a:xfrm>
+          <a:off x="0" y="0"/>
+          <a:ext cx="0" cy="0"/>
+          <a:chOff x="0" y="0"/>
+          <a:chExt cx="0" cy="0"/>
+        </a:xfrm>
+      </p:grpSpPr>
+      <p:sp>
+        <p:nvSpPr>
+          <p:cNvPr id="2" name="タイトル 1"/>
+          <p:cNvSpPr>
+            <a:spLocks noGrp="1"/>
+          </p:cNvSpPr>
+          <p:nvPr>
+            <p:ph type="title"/>
+          </p:nvPr>
+        </p:nvSpPr>
+        <p:spPr/>
+        <p:txBody>
+          <a:bodyPr/>
+          <a:lstStyle/>
+          <a:p>
+            <a:r>
+              <a:rPr kumimoji="1" lang="ja-JP" altLang="en-US" b="1" dirty="0" smtClean="0">
+                <a:latin typeface="Hiragino Kaku Gothic Pro W6" charset="-128"/>
+                <a:ea typeface="Hiragino Kaku Gothic Pro W6" charset="-128"/>
+                <a:cs typeface="Hiragino Kaku Gothic Pro W6" charset="-128"/>
+              </a:rPr>
+              <a:t>今後の展望</a:t>
+            </a:r>
+            <a:endParaRPr kumimoji="1" lang="ja-JP" altLang="en-US" b="1" dirty="0">
+              <a:latin typeface="Hiragino Kaku Gothic Pro W6" charset="-128"/>
+              <a:ea typeface="Hiragino Kaku Gothic Pro W6" charset="-128"/>
+              <a:cs typeface="Hiragino Kaku Gothic Pro W6" charset="-128"/>
+            </a:endParaRPr>
+          </a:p>
+        </p:txBody>
+      </p:sp>
+      <p:sp>
+        <p:nvSpPr>
+          <p:cNvPr id="3" name="コンテンツ プレースホルダー 2"/>
+          <p:cNvSpPr>
+            <a:spLocks noGrp="1"/>
+          </p:cNvSpPr>
+          <p:nvPr>
+            <p:ph idx="1"/>
+          </p:nvPr>
+        </p:nvSpPr>
+        <p:spPr/>
+        <p:txBody>
+          <a:bodyPr>
+            <a:normAutofit/>
+          </a:bodyPr>
+          <a:lstStyle/>
+          <a:p>
+            <a:endParaRPr kumimoji="1" lang="ja-JP" altLang="en-US" sz="2400" dirty="0">
+              <a:latin typeface="Hiragino Kaku Gothic Pro W3" charset="-128"/>
+              <a:ea typeface="Hiragino Kaku Gothic Pro W3" charset="-128"/>
+              <a:cs typeface="Hiragino Kaku Gothic Pro W3" charset="-128"/>
+            </a:endParaRPr>
+          </a:p>
+        </p:txBody>
+      </p:sp>
+    </p:spTree>
+    <p:extLst>
+      <p:ext uri="{BB962C8B-B14F-4D97-AF65-F5344CB8AC3E}">
+        <p14:creationId xmlns:p14="http://schemas.microsoft.com/office/powerpoint/2010/main" val="1450074479"/>
+      </p:ext>
+    </p:extLst>
+  </p:cSld>
+  <p:clrMapOvr>
+    <a:masterClrMapping/>
+  </p:clrMapOvr>
+  <p:timing>
+    <p:tnLst>
+      <p:par>
+        <p:cTn id="1" dur="indefinite" restart="never" nodeType="tmRoot"/>
+      </p:par>
+    </p:tnLst>
+  </p:timing>
+</p:sld>
+</file>
+
 <file path=ppt/slides/slide2.xml><?xml version="1.0" encoding="utf-8"?>
 <p:sld xmlns:a="http://schemas.openxmlformats.org/drawingml/2006/main" xmlns:r="http://schemas.openxmlformats.org/officeDocument/2006/relationships" xmlns:p="http://schemas.openxmlformats.org/presentationml/2006/main">
   <p:cSld>
@@ -6843,222 +6937,160 @@
           <a:lstStyle/>
           <a:p>
             <a:r>
-              <a:rPr kumimoji="1" lang="ja-JP" altLang="en-US" b="1" dirty="0" smtClean="0">
-                <a:latin typeface="Hiragino Kaku Gothic Pro W6" charset="-128"/>
-                <a:ea typeface="Hiragino Kaku Gothic Pro W6" charset="-128"/>
-                <a:cs typeface="Hiragino Kaku Gothic Pro W6" charset="-128"/>
-              </a:rPr>
-              <a:t>この</a:t>
-            </a:r>
-            <a:r>
-              <a:rPr kumimoji="1" lang="en-US" altLang="ja-JP" b="1" dirty="0" smtClean="0">
-                <a:latin typeface="Hiragino Kaku Gothic Pro W6" charset="-128"/>
-                <a:ea typeface="Hiragino Kaku Gothic Pro W6" charset="-128"/>
-                <a:cs typeface="Hiragino Kaku Gothic Pro W6" charset="-128"/>
-              </a:rPr>
+              <a:rPr kumimoji="1" lang="ja-JP" altLang="en-US" dirty="0" smtClean="0"/>
+              <a:t>使用した技術</a:t>
+            </a:r>
+            <a:endParaRPr kumimoji="1" lang="ja-JP" altLang="en-US" dirty="0"/>
+          </a:p>
+        </p:txBody>
+      </p:sp>
+      <p:sp>
+        <p:nvSpPr>
+          <p:cNvPr id="3" name="コンテンツ プレースホルダー 2"/>
+          <p:cNvSpPr>
+            <a:spLocks noGrp="1"/>
+          </p:cNvSpPr>
+          <p:nvPr>
+            <p:ph idx="1"/>
+          </p:nvPr>
+        </p:nvSpPr>
+        <p:spPr/>
+        <p:txBody>
+          <a:bodyPr/>
+          <a:lstStyle/>
+          <a:p>
+            <a:r>
+              <a:rPr lang="ja-JP" altLang="en-US" dirty="0" smtClean="0"/>
+              <a:t>言語</a:t>
+            </a:r>
+            <a:r>
+              <a:rPr lang="en-US" altLang="ja-JP" dirty="0"/>
+              <a:t> </a:t>
+            </a:r>
+            <a:r>
+              <a:rPr lang="en-US" altLang="ja-JP" dirty="0" smtClean="0"/>
+              <a:t>: Java</a:t>
+            </a:r>
+          </a:p>
+          <a:p>
+            <a:r>
+              <a:rPr kumimoji="1" lang="en-US" altLang="ja-JP" dirty="0" smtClean="0"/>
               <a:t>WEB</a:t>
             </a:r>
             <a:r>
-              <a:rPr kumimoji="1" lang="ja-JP" altLang="en-US" b="1" dirty="0" smtClean="0">
-                <a:latin typeface="Hiragino Kaku Gothic Pro W6" charset="-128"/>
-                <a:ea typeface="Hiragino Kaku Gothic Pro W6" charset="-128"/>
-                <a:cs typeface="Hiragino Kaku Gothic Pro W6" charset="-128"/>
-              </a:rPr>
-              <a:t>アプリで出来ること</a:t>
-            </a:r>
-            <a:endParaRPr kumimoji="1" lang="ja-JP" altLang="en-US" b="1" dirty="0">
-              <a:latin typeface="Hiragino Kaku Gothic Pro W6" charset="-128"/>
-              <a:ea typeface="Hiragino Kaku Gothic Pro W6" charset="-128"/>
-              <a:cs typeface="Hiragino Kaku Gothic Pro W6" charset="-128"/>
-            </a:endParaRPr>
-          </a:p>
-        </p:txBody>
-      </p:sp>
-      <p:sp>
-        <p:nvSpPr>
-          <p:cNvPr id="3" name="コンテンツ プレースホルダー 2"/>
-          <p:cNvSpPr>
-            <a:spLocks noGrp="1"/>
-          </p:cNvSpPr>
-          <p:nvPr>
-            <p:ph idx="1"/>
-          </p:nvPr>
-        </p:nvSpPr>
-        <p:spPr/>
-        <p:txBody>
-          <a:bodyPr>
-            <a:normAutofit/>
-          </a:bodyPr>
-          <a:lstStyle/>
-          <a:p>
-            <a:pPr marL="0" indent="0">
-              <a:buNone/>
-            </a:pPr>
-            <a:r>
-              <a:rPr lang="en-US" altLang="ja-JP" sz="2400" dirty="0" smtClean="0">
-                <a:latin typeface="Hiragino Kaku Gothic Pro W3" charset="-128"/>
-                <a:ea typeface="Hiragino Kaku Gothic Pro W3" charset="-128"/>
-                <a:cs typeface="Hiragino Kaku Gothic Pro W3" charset="-128"/>
-              </a:rPr>
-              <a:t>HTML</a:t>
-            </a:r>
-            <a:endParaRPr lang="en-US" altLang="ja-JP" sz="2400" dirty="0">
-              <a:latin typeface="Hiragino Kaku Gothic Pro W3" charset="-128"/>
-              <a:ea typeface="Hiragino Kaku Gothic Pro W3" charset="-128"/>
-              <a:cs typeface="Hiragino Kaku Gothic Pro W3" charset="-128"/>
-            </a:endParaRPr>
-          </a:p>
-          <a:p>
-            <a:pPr marL="0" indent="0">
-              <a:buNone/>
-            </a:pPr>
-            <a:r>
-              <a:rPr lang="en-US" altLang="ja-JP" sz="2400" dirty="0" smtClean="0">
-                <a:latin typeface="Hiragino Kaku Gothic Pro W3" charset="-128"/>
-                <a:ea typeface="Hiragino Kaku Gothic Pro W3" charset="-128"/>
-                <a:cs typeface="Hiragino Kaku Gothic Pro W3" charset="-128"/>
-              </a:rPr>
-              <a:t>	</a:t>
-            </a:r>
-            <a:r>
-              <a:rPr lang="ja-JP" altLang="en-US" sz="2400" dirty="0" smtClean="0">
-                <a:latin typeface="Hiragino Kaku Gothic Pro W3" charset="-128"/>
-                <a:ea typeface="Hiragino Kaku Gothic Pro W3" charset="-128"/>
-                <a:cs typeface="Hiragino Kaku Gothic Pro W3" charset="-128"/>
-              </a:rPr>
-              <a:t>アップロード</a:t>
-            </a:r>
-            <a:endParaRPr lang="en-US" altLang="ja-JP" sz="2400" dirty="0">
-              <a:latin typeface="Hiragino Kaku Gothic Pro W3" charset="-128"/>
-              <a:ea typeface="Hiragino Kaku Gothic Pro W3" charset="-128"/>
-              <a:cs typeface="Hiragino Kaku Gothic Pro W3" charset="-128"/>
-            </a:endParaRPr>
-          </a:p>
-          <a:p>
-            <a:pPr marL="0" indent="0">
-              <a:buNone/>
-            </a:pPr>
-            <a:r>
-              <a:rPr lang="en-US" altLang="ja-JP" sz="2400" dirty="0" smtClean="0">
-                <a:latin typeface="Hiragino Kaku Gothic Pro W3" charset="-128"/>
-                <a:ea typeface="Hiragino Kaku Gothic Pro W3" charset="-128"/>
-                <a:cs typeface="Hiragino Kaku Gothic Pro W3" charset="-128"/>
-              </a:rPr>
-              <a:t>	</a:t>
-            </a:r>
-            <a:r>
-              <a:rPr lang="ja-JP" altLang="en-US" sz="2400" dirty="0" smtClean="0">
-                <a:latin typeface="Hiragino Kaku Gothic Pro W3" charset="-128"/>
-                <a:ea typeface="Hiragino Kaku Gothic Pro W3" charset="-128"/>
-                <a:cs typeface="Hiragino Kaku Gothic Pro W3" charset="-128"/>
-              </a:rPr>
-              <a:t>デザイン</a:t>
-            </a:r>
-            <a:endParaRPr lang="en-US" altLang="ja-JP" sz="2400" dirty="0">
-              <a:latin typeface="Hiragino Kaku Gothic Pro W3" charset="-128"/>
-              <a:ea typeface="Hiragino Kaku Gothic Pro W3" charset="-128"/>
-              <a:cs typeface="Hiragino Kaku Gothic Pro W3" charset="-128"/>
-            </a:endParaRPr>
-          </a:p>
-          <a:p>
-            <a:pPr marL="0" indent="0">
-              <a:buNone/>
-            </a:pPr>
-            <a:r>
-              <a:rPr lang="en-US" altLang="ja-JP" sz="2400" dirty="0" smtClean="0">
-                <a:latin typeface="Hiragino Kaku Gothic Pro W3" charset="-128"/>
-                <a:ea typeface="Hiragino Kaku Gothic Pro W3" charset="-128"/>
-                <a:cs typeface="Hiragino Kaku Gothic Pro W3" charset="-128"/>
-              </a:rPr>
-              <a:t>	</a:t>
-            </a:r>
-            <a:r>
-              <a:rPr lang="ja-JP" altLang="en-US" sz="2400" dirty="0" smtClean="0">
-                <a:latin typeface="Hiragino Kaku Gothic Pro W3" charset="-128"/>
-                <a:ea typeface="Hiragino Kaku Gothic Pro W3" charset="-128"/>
-                <a:cs typeface="Hiragino Kaku Gothic Pro W3" charset="-128"/>
-              </a:rPr>
-              <a:t>保存</a:t>
-            </a:r>
-            <a:endParaRPr lang="en-US" altLang="ja-JP" sz="2400" dirty="0">
-              <a:latin typeface="Hiragino Kaku Gothic Pro W3" charset="-128"/>
-              <a:ea typeface="Hiragino Kaku Gothic Pro W3" charset="-128"/>
-              <a:cs typeface="Hiragino Kaku Gothic Pro W3" charset="-128"/>
-            </a:endParaRPr>
-          </a:p>
-          <a:p>
-            <a:pPr marL="0" indent="0">
-              <a:buNone/>
-            </a:pPr>
-            <a:r>
-              <a:rPr lang="en-US" altLang="ja-JP" sz="2400" dirty="0" smtClean="0">
-                <a:latin typeface="Hiragino Kaku Gothic Pro W3" charset="-128"/>
-                <a:ea typeface="Hiragino Kaku Gothic Pro W3" charset="-128"/>
-                <a:cs typeface="Hiragino Kaku Gothic Pro W3" charset="-128"/>
-              </a:rPr>
-              <a:t>	</a:t>
-            </a:r>
-            <a:r>
-              <a:rPr lang="ja-JP" altLang="en-US" sz="2400" dirty="0" smtClean="0">
-                <a:latin typeface="Hiragino Kaku Gothic Pro W3" charset="-128"/>
-                <a:ea typeface="Hiragino Kaku Gothic Pro W3" charset="-128"/>
-                <a:cs typeface="Hiragino Kaku Gothic Pro W3" charset="-128"/>
-              </a:rPr>
-              <a:t>ダウンロード</a:t>
-            </a:r>
-            <a:endParaRPr lang="en-US" altLang="ja-JP" sz="2400" dirty="0">
-              <a:latin typeface="Hiragino Kaku Gothic Pro W3" charset="-128"/>
-              <a:ea typeface="Hiragino Kaku Gothic Pro W3" charset="-128"/>
-              <a:cs typeface="Hiragino Kaku Gothic Pro W3" charset="-128"/>
-            </a:endParaRPr>
-          </a:p>
-          <a:p>
-            <a:pPr marL="0" indent="0">
-              <a:buNone/>
-            </a:pPr>
-            <a:endParaRPr kumimoji="1" lang="en-US" altLang="ja-JP" sz="2400" dirty="0" smtClean="0">
-              <a:latin typeface="Hiragino Kaku Gothic Pro W3" charset="-128"/>
-              <a:ea typeface="Hiragino Kaku Gothic Pro W3" charset="-128"/>
-              <a:cs typeface="Hiragino Kaku Gothic Pro W3" charset="-128"/>
-            </a:endParaRPr>
-          </a:p>
-          <a:p>
-            <a:pPr marL="0" indent="0">
-              <a:buNone/>
-            </a:pPr>
-            <a:r>
-              <a:rPr kumimoji="1" lang="ja-JP" altLang="en-US" sz="2400" dirty="0" smtClean="0">
-                <a:latin typeface="Hiragino Kaku Gothic Pro W3" charset="-128"/>
-                <a:ea typeface="Hiragino Kaku Gothic Pro W3" charset="-128"/>
-                <a:cs typeface="Hiragino Kaku Gothic Pro W3" charset="-128"/>
-              </a:rPr>
-              <a:t>会員登録することで画像が保存でき、編集時に使用可能に</a:t>
-            </a:r>
-            <a:endParaRPr kumimoji="1" lang="ja-JP" altLang="en-US" sz="2400" dirty="0">
-              <a:latin typeface="Hiragino Kaku Gothic Pro W3" charset="-128"/>
-              <a:ea typeface="Hiragino Kaku Gothic Pro W3" charset="-128"/>
-              <a:cs typeface="Hiragino Kaku Gothic Pro W3" charset="-128"/>
-            </a:endParaRPr>
+              <a:rPr kumimoji="1" lang="ja-JP" altLang="en-US" dirty="0" smtClean="0"/>
+              <a:t>フレームワーク</a:t>
+            </a:r>
+            <a:r>
+              <a:rPr lang="en-US" altLang="ja-JP" dirty="0"/>
+              <a:t> </a:t>
+            </a:r>
+            <a:r>
+              <a:rPr lang="en-US" altLang="ja-JP" dirty="0" smtClean="0"/>
+              <a:t>: Play Framework 2.2</a:t>
+            </a:r>
+          </a:p>
+          <a:p>
+            <a:r>
+              <a:rPr kumimoji="1" lang="en-US" altLang="ja-JP" dirty="0" smtClean="0"/>
+              <a:t>DB : MySQL5.6 (AWS</a:t>
+            </a:r>
+            <a:r>
+              <a:rPr kumimoji="1" lang="ja-JP" altLang="en-US" dirty="0" smtClean="0"/>
+              <a:t>の</a:t>
+            </a:r>
+            <a:r>
+              <a:rPr lang="en-US" altLang="ja-JP" dirty="0" smtClean="0"/>
+              <a:t>RDS</a:t>
+            </a:r>
+            <a:r>
+              <a:rPr kumimoji="1" lang="en-US" altLang="ja-JP" dirty="0" smtClean="0"/>
+              <a:t>)</a:t>
+            </a:r>
+          </a:p>
+          <a:p>
+            <a:r>
+              <a:rPr lang="en-US" altLang="ja-JP" dirty="0" smtClean="0"/>
+              <a:t>WEB</a:t>
+            </a:r>
+            <a:r>
+              <a:rPr lang="ja-JP" altLang="en-US" dirty="0" smtClean="0"/>
+              <a:t>サーバー</a:t>
+            </a:r>
+            <a:r>
+              <a:rPr lang="en-US" altLang="ja-JP" dirty="0"/>
+              <a:t> </a:t>
+            </a:r>
+            <a:r>
+              <a:rPr lang="en-US" altLang="ja-JP" dirty="0" smtClean="0"/>
+              <a:t>: Play Framework</a:t>
+            </a:r>
+            <a:r>
+              <a:rPr lang="ja-JP" altLang="en-US" dirty="0" smtClean="0"/>
+              <a:t>の内蔵サーバー</a:t>
+            </a:r>
+            <a:endParaRPr lang="en-US" altLang="ja-JP" dirty="0"/>
+          </a:p>
+          <a:p>
+            <a:r>
+              <a:rPr kumimoji="1" lang="ja-JP" altLang="en-US" dirty="0" smtClean="0"/>
+              <a:t>ファイルサーバー</a:t>
+            </a:r>
+            <a:r>
+              <a:rPr lang="en-US" altLang="ja-JP" dirty="0"/>
+              <a:t> </a:t>
+            </a:r>
+            <a:r>
+              <a:rPr lang="en-US" altLang="ja-JP" dirty="0" smtClean="0"/>
+              <a:t>: </a:t>
+            </a:r>
+            <a:r>
+              <a:rPr lang="en-US" altLang="ja-JP" dirty="0" err="1" smtClean="0"/>
+              <a:t>nginx</a:t>
+            </a:r>
+            <a:endParaRPr lang="en-US" altLang="ja-JP" dirty="0" smtClean="0"/>
+          </a:p>
+          <a:p>
+            <a:r>
+              <a:rPr kumimoji="1" lang="ja-JP" altLang="en-US" dirty="0" smtClean="0"/>
+              <a:t>サーバー</a:t>
+            </a:r>
+            <a:r>
+              <a:rPr lang="en-US" altLang="ja-JP" dirty="0"/>
+              <a:t> </a:t>
+            </a:r>
+            <a:r>
+              <a:rPr lang="en-US" altLang="ja-JP" dirty="0" smtClean="0"/>
+              <a:t>: AWS</a:t>
+            </a:r>
+          </a:p>
+          <a:p>
+            <a:r>
+              <a:rPr lang="ja-JP" altLang="en-US" dirty="0" smtClean="0"/>
+              <a:t>キャプチャ</a:t>
+            </a:r>
+            <a:r>
+              <a:rPr lang="en-US" altLang="ja-JP" dirty="0" smtClean="0"/>
+              <a:t>API </a:t>
+            </a:r>
+            <a:r>
+              <a:rPr lang="en-US" altLang="ja-JP" smtClean="0"/>
+              <a:t>Node.js</a:t>
+            </a:r>
+            <a:endParaRPr lang="en-US" altLang="ja-JP" dirty="0" smtClean="0"/>
           </a:p>
         </p:txBody>
       </p:sp>
     </p:spTree>
     <p:extLst>
       <p:ext uri="{BB962C8B-B14F-4D97-AF65-F5344CB8AC3E}">
-        <p14:creationId xmlns:p14="http://schemas.microsoft.com/office/powerpoint/2010/main" val="700388344"/>
+        <p14:creationId xmlns:p14="http://schemas.microsoft.com/office/powerpoint/2010/main" val="1514274994"/>
       </p:ext>
     </p:extLst>
   </p:cSld>
   <p:clrMapOvr>
     <a:masterClrMapping/>
   </p:clrMapOvr>
-  <p:timing>
-    <p:tnLst>
-      <p:par>
-        <p:cTn id="1" dur="indefinite" restart="never" nodeType="tmRoot"/>
-      </p:par>
-    </p:tnLst>
-  </p:timing>
 </p:sld>
 </file>
 
@@ -7100,7 +7132,23 @@
                 <a:ea typeface="Hiragino Kaku Gothic Pro W6" charset="-128"/>
                 <a:cs typeface="Hiragino Kaku Gothic Pro W6" charset="-128"/>
               </a:rPr>
-              <a:t>担当箇所</a:t>
+              <a:t>この</a:t>
+            </a:r>
+            <a:r>
+              <a:rPr kumimoji="1" lang="en-US" altLang="ja-JP" b="1" dirty="0" smtClean="0">
+                <a:latin typeface="Hiragino Kaku Gothic Pro W6" charset="-128"/>
+                <a:ea typeface="Hiragino Kaku Gothic Pro W6" charset="-128"/>
+                <a:cs typeface="Hiragino Kaku Gothic Pro W6" charset="-128"/>
+              </a:rPr>
+              <a:t>WEB</a:t>
+            </a:r>
+            <a:r>
+              <a:rPr kumimoji="1" lang="ja-JP" altLang="en-US" b="1" dirty="0" smtClean="0">
+                <a:latin typeface="Hiragino Kaku Gothic Pro W6" charset="-128"/>
+                <a:ea typeface="Hiragino Kaku Gothic Pro W6" charset="-128"/>
+                <a:cs typeface="Hiragino Kaku Gothic Pro W6" charset="-128"/>
+              </a:rPr>
+              <a:t>アプリで出来ること</a:t>
             </a:r>
             <a:endParaRPr kumimoji="1" lang="ja-JP" altLang="en-US" b="1" dirty="0">
               <a:latin typeface="Hiragino Kaku Gothic Pro W6" charset="-128"/>
@@ -7127,10 +7175,140 @@
           </a:bodyPr>
           <a:lstStyle/>
           <a:p>
-            <a:pPr>
-              <a:lnSpc>
-                <a:spcPct val="150000"/>
-              </a:lnSpc>
+            <a:pPr marL="0" indent="0">
+              <a:buNone/>
+            </a:pPr>
+            <a:r>
+              <a:rPr lang="en-US" altLang="ja-JP" sz="2400" dirty="0" smtClean="0">
+                <a:latin typeface="Hiragino Kaku Gothic Pro W3" charset="-128"/>
+                <a:ea typeface="Hiragino Kaku Gothic Pro W3" charset="-128"/>
+                <a:cs typeface="Hiragino Kaku Gothic Pro W3" charset="-128"/>
+              </a:rPr>
+              <a:t>HTML</a:t>
+            </a:r>
+            <a:endParaRPr lang="en-US" altLang="ja-JP" sz="2400" dirty="0">
+              <a:latin typeface="Hiragino Kaku Gothic Pro W3" charset="-128"/>
+              <a:ea typeface="Hiragino Kaku Gothic Pro W3" charset="-128"/>
+              <a:cs typeface="Hiragino Kaku Gothic Pro W3" charset="-128"/>
+            </a:endParaRPr>
+          </a:p>
+          <a:p>
+            <a:pPr marL="0" indent="0">
+              <a:buNone/>
+            </a:pPr>
+            <a:r>
+              <a:rPr lang="en-US" altLang="ja-JP" sz="2400" dirty="0" smtClean="0">
+                <a:latin typeface="Hiragino Kaku Gothic Pro W3" charset="-128"/>
+                <a:ea typeface="Hiragino Kaku Gothic Pro W3" charset="-128"/>
+                <a:cs typeface="Hiragino Kaku Gothic Pro W3" charset="-128"/>
+              </a:rPr>
+              <a:t>	</a:t>
+            </a:r>
+            <a:r>
+              <a:rPr lang="ja-JP" altLang="en-US" sz="2400" dirty="0" smtClean="0">
+                <a:latin typeface="Hiragino Kaku Gothic Pro W3" charset="-128"/>
+                <a:ea typeface="Hiragino Kaku Gothic Pro W3" charset="-128"/>
+                <a:cs typeface="Hiragino Kaku Gothic Pro W3" charset="-128"/>
+              </a:rPr>
+              <a:t>アップロード</a:t>
+            </a:r>
+            <a:endParaRPr lang="en-US" altLang="ja-JP" sz="2400" dirty="0">
+              <a:latin typeface="Hiragino Kaku Gothic Pro W3" charset="-128"/>
+              <a:ea typeface="Hiragino Kaku Gothic Pro W3" charset="-128"/>
+              <a:cs typeface="Hiragino Kaku Gothic Pro W3" charset="-128"/>
+            </a:endParaRPr>
+          </a:p>
+          <a:p>
+            <a:pPr marL="0" indent="0">
+              <a:buNone/>
+            </a:pPr>
+            <a:r>
+              <a:rPr lang="en-US" altLang="ja-JP" sz="2400" dirty="0" smtClean="0">
+                <a:latin typeface="Hiragino Kaku Gothic Pro W3" charset="-128"/>
+                <a:ea typeface="Hiragino Kaku Gothic Pro W3" charset="-128"/>
+                <a:cs typeface="Hiragino Kaku Gothic Pro W3" charset="-128"/>
+              </a:rPr>
+              <a:t>	</a:t>
+            </a:r>
+            <a:r>
+              <a:rPr lang="ja-JP" altLang="en-US" sz="2400" dirty="0" smtClean="0">
+                <a:latin typeface="Hiragino Kaku Gothic Pro W3" charset="-128"/>
+                <a:ea typeface="Hiragino Kaku Gothic Pro W3" charset="-128"/>
+                <a:cs typeface="Hiragino Kaku Gothic Pro W3" charset="-128"/>
+              </a:rPr>
+              <a:t>デザイン</a:t>
+            </a:r>
+            <a:endParaRPr lang="en-US" altLang="ja-JP" sz="2400" dirty="0">
+              <a:latin typeface="Hiragino Kaku Gothic Pro W3" charset="-128"/>
+              <a:ea typeface="Hiragino Kaku Gothic Pro W3" charset="-128"/>
+              <a:cs typeface="Hiragino Kaku Gothic Pro W3" charset="-128"/>
+            </a:endParaRPr>
+          </a:p>
+          <a:p>
+            <a:pPr marL="0" indent="0">
+              <a:buNone/>
+            </a:pPr>
+            <a:r>
+              <a:rPr lang="en-US" altLang="ja-JP" sz="2400" dirty="0" smtClean="0">
+                <a:latin typeface="Hiragino Kaku Gothic Pro W3" charset="-128"/>
+                <a:ea typeface="Hiragino Kaku Gothic Pro W3" charset="-128"/>
+                <a:cs typeface="Hiragino Kaku Gothic Pro W3" charset="-128"/>
+              </a:rPr>
+              <a:t>	</a:t>
+            </a:r>
+            <a:r>
+              <a:rPr lang="ja-JP" altLang="en-US" sz="2400" dirty="0" smtClean="0">
+                <a:latin typeface="Hiragino Kaku Gothic Pro W3" charset="-128"/>
+                <a:ea typeface="Hiragino Kaku Gothic Pro W3" charset="-128"/>
+                <a:cs typeface="Hiragino Kaku Gothic Pro W3" charset="-128"/>
+              </a:rPr>
+              <a:t>保存</a:t>
+            </a:r>
+            <a:endParaRPr lang="en-US" altLang="ja-JP" sz="2400" dirty="0">
+              <a:latin typeface="Hiragino Kaku Gothic Pro W3" charset="-128"/>
+              <a:ea typeface="Hiragino Kaku Gothic Pro W3" charset="-128"/>
+              <a:cs typeface="Hiragino Kaku Gothic Pro W3" charset="-128"/>
+            </a:endParaRPr>
+          </a:p>
+          <a:p>
+            <a:pPr marL="0" indent="0">
+              <a:buNone/>
+            </a:pPr>
+            <a:r>
+              <a:rPr lang="en-US" altLang="ja-JP" sz="2400" dirty="0" smtClean="0">
+                <a:latin typeface="Hiragino Kaku Gothic Pro W3" charset="-128"/>
+                <a:ea typeface="Hiragino Kaku Gothic Pro W3" charset="-128"/>
+                <a:cs typeface="Hiragino Kaku Gothic Pro W3" charset="-128"/>
+              </a:rPr>
+              <a:t>	</a:t>
+            </a:r>
+            <a:r>
+              <a:rPr lang="ja-JP" altLang="en-US" sz="2400" dirty="0" smtClean="0">
+                <a:latin typeface="Hiragino Kaku Gothic Pro W3" charset="-128"/>
+                <a:ea typeface="Hiragino Kaku Gothic Pro W3" charset="-128"/>
+                <a:cs typeface="Hiragino Kaku Gothic Pro W3" charset="-128"/>
+              </a:rPr>
+              <a:t>ダウンロード</a:t>
+            </a:r>
+            <a:endParaRPr lang="en-US" altLang="ja-JP" sz="2400" dirty="0">
+              <a:latin typeface="Hiragino Kaku Gothic Pro W3" charset="-128"/>
+              <a:ea typeface="Hiragino Kaku Gothic Pro W3" charset="-128"/>
+              <a:cs typeface="Hiragino Kaku Gothic Pro W3" charset="-128"/>
+            </a:endParaRPr>
+          </a:p>
+          <a:p>
+            <a:pPr marL="0" indent="0">
+              <a:buNone/>
+            </a:pPr>
+            <a:endParaRPr kumimoji="1" lang="en-US" altLang="ja-JP" sz="2400" dirty="0" smtClean="0">
+              <a:latin typeface="Hiragino Kaku Gothic Pro W3" charset="-128"/>
+              <a:ea typeface="Hiragino Kaku Gothic Pro W3" charset="-128"/>
+              <a:cs typeface="Hiragino Kaku Gothic Pro W3" charset="-128"/>
+            </a:endParaRPr>
+          </a:p>
+          <a:p>
+            <a:pPr marL="0" indent="0">
+              <a:buNone/>
             </a:pPr>
             <a:r>
               <a:rPr kumimoji="1" lang="ja-JP" altLang="en-US" sz="2400" dirty="0" smtClean="0">
@@ -7138,116 +7316,20 @@
                 <a:ea typeface="Hiragino Kaku Gothic Pro W3" charset="-128"/>
                 <a:cs typeface="Hiragino Kaku Gothic Pro W3" charset="-128"/>
               </a:rPr>
-              <a:t>海野</a:t>
-            </a:r>
-            <a:r>
-              <a:rPr kumimoji="1" lang="en-US" altLang="ja-JP" sz="2400" dirty="0" smtClean="0">
-                <a:latin typeface="Hiragino Kaku Gothic Pro W3" charset="-128"/>
-                <a:ea typeface="Hiragino Kaku Gothic Pro W3" charset="-128"/>
-                <a:cs typeface="Hiragino Kaku Gothic Pro W3" charset="-128"/>
-              </a:rPr>
-              <a:t> -</a:t>
-            </a:r>
-            <a:r>
-              <a:rPr kumimoji="1" lang="ja-JP" altLang="en-US" sz="2400" dirty="0" smtClean="0">
-                <a:latin typeface="Hiragino Kaku Gothic Pro W3" charset="-128"/>
-                <a:ea typeface="Hiragino Kaku Gothic Pro W3" charset="-128"/>
-                <a:cs typeface="Hiragino Kaku Gothic Pro W3" charset="-128"/>
-              </a:rPr>
-              <a:t>フロントサイド</a:t>
-            </a:r>
-            <a:endParaRPr lang="en-US" altLang="ja-JP" sz="2400" dirty="0">
+              <a:t>会員登録することで画像が保存でき、編集時に使用可能に</a:t>
+            </a:r>
+            <a:endParaRPr kumimoji="1" lang="ja-JP" altLang="en-US" sz="2400" dirty="0">
               <a:latin typeface="Hiragino Kaku Gothic Pro W3" charset="-128"/>
               <a:ea typeface="Hiragino Kaku Gothic Pro W3" charset="-128"/>
               <a:cs typeface="Hiragino Kaku Gothic Pro W3" charset="-128"/>
             </a:endParaRPr>
           </a:p>
-          <a:p>
-            <a:pPr>
-              <a:lnSpc>
-                <a:spcPct val="150000"/>
-              </a:lnSpc>
-            </a:pPr>
-            <a:r>
-              <a:rPr kumimoji="1" lang="ja-JP" altLang="en-US" sz="2400" dirty="0" smtClean="0">
-                <a:latin typeface="Hiragino Kaku Gothic Pro W3" charset="-128"/>
-                <a:ea typeface="Hiragino Kaku Gothic Pro W3" charset="-128"/>
-                <a:cs typeface="Hiragino Kaku Gothic Pro W3" charset="-128"/>
-              </a:rPr>
-              <a:t>奥寺</a:t>
-            </a:r>
-            <a:r>
-              <a:rPr lang="en-US" altLang="ja-JP" sz="2400" dirty="0">
-                <a:latin typeface="Hiragino Kaku Gothic Pro W3" charset="-128"/>
-                <a:ea typeface="Hiragino Kaku Gothic Pro W3" charset="-128"/>
-                <a:cs typeface="Hiragino Kaku Gothic Pro W3" charset="-128"/>
-              </a:rPr>
-              <a:t> </a:t>
-            </a:r>
-            <a:r>
-              <a:rPr lang="en-US" altLang="ja-JP" sz="2400" dirty="0" smtClean="0">
-                <a:latin typeface="Hiragino Kaku Gothic Pro W3" charset="-128"/>
-                <a:ea typeface="Hiragino Kaku Gothic Pro W3" charset="-128"/>
-                <a:cs typeface="Hiragino Kaku Gothic Pro W3" charset="-128"/>
-              </a:rPr>
-              <a:t>-</a:t>
-            </a:r>
-            <a:r>
-              <a:rPr lang="ja-JP" altLang="en-US" sz="2400" dirty="0" smtClean="0">
-                <a:latin typeface="Hiragino Kaku Gothic Pro W3" charset="-128"/>
-                <a:ea typeface="Hiragino Kaku Gothic Pro W3" charset="-128"/>
-                <a:cs typeface="Hiragino Kaku Gothic Pro W3" charset="-128"/>
-              </a:rPr>
-              <a:t>サーバーサイド</a:t>
-            </a:r>
-            <a:endParaRPr lang="en-US" altLang="ja-JP" sz="2400" dirty="0" smtClean="0">
-              <a:latin typeface="Hiragino Kaku Gothic Pro W3" charset="-128"/>
-              <a:ea typeface="Hiragino Kaku Gothic Pro W3" charset="-128"/>
-              <a:cs typeface="Hiragino Kaku Gothic Pro W3" charset="-128"/>
-            </a:endParaRPr>
-          </a:p>
-          <a:p>
-            <a:pPr>
-              <a:lnSpc>
-                <a:spcPct val="150000"/>
-              </a:lnSpc>
-            </a:pPr>
-            <a:r>
-              <a:rPr kumimoji="1" lang="ja-JP" altLang="en-US" sz="2400" dirty="0" smtClean="0">
-                <a:latin typeface="Hiragino Kaku Gothic Pro W3" charset="-128"/>
-                <a:ea typeface="Hiragino Kaku Gothic Pro W3" charset="-128"/>
-                <a:cs typeface="Hiragino Kaku Gothic Pro W3" charset="-128"/>
-              </a:rPr>
-              <a:t>桃井</a:t>
-            </a:r>
-            <a:r>
-              <a:rPr kumimoji="1" lang="en-US" altLang="ja-JP" sz="2400" dirty="0" smtClean="0">
-                <a:latin typeface="Hiragino Kaku Gothic Pro W3" charset="-128"/>
-                <a:ea typeface="Hiragino Kaku Gothic Pro W3" charset="-128"/>
-                <a:cs typeface="Hiragino Kaku Gothic Pro W3" charset="-128"/>
-              </a:rPr>
-              <a:t> -</a:t>
-            </a:r>
-            <a:r>
-              <a:rPr kumimoji="1" lang="ja-JP" altLang="en-US" sz="2400" dirty="0" smtClean="0">
-                <a:latin typeface="Hiragino Kaku Gothic Pro W3" charset="-128"/>
-                <a:ea typeface="Hiragino Kaku Gothic Pro W3" charset="-128"/>
-                <a:cs typeface="Hiragino Kaku Gothic Pro W3" charset="-128"/>
-              </a:rPr>
-              <a:t>フロントサイド</a:t>
-            </a:r>
-            <a:endParaRPr kumimoji="1" lang="en-US" altLang="ja-JP" sz="2400" dirty="0" smtClean="0">
-              <a:latin typeface="Hiragino Kaku Gothic Pro W3" charset="-128"/>
-              <a:ea typeface="Hiragino Kaku Gothic Pro W3" charset="-128"/>
-              <a:cs typeface="Hiragino Kaku Gothic Pro W3" charset="-128"/>
-            </a:endParaRPr>
-          </a:p>
         </p:txBody>
       </p:sp>
     </p:spTree>
     <p:extLst>
       <p:ext uri="{BB962C8B-B14F-4D97-AF65-F5344CB8AC3E}">
-        <p14:creationId xmlns:p14="http://schemas.microsoft.com/office/powerpoint/2010/main" val="927007403"/>
+        <p14:creationId xmlns:p14="http://schemas.microsoft.com/office/powerpoint/2010/main" val="700388344"/>
       </p:ext>
     </p:extLst>
   </p:cSld>
@@ -7291,12 +7373,7 @@
             <p:ph type="title"/>
           </p:nvPr>
         </p:nvSpPr>
-        <p:spPr>
-          <a:xfrm>
-            <a:off x="641251" y="598538"/>
-            <a:ext cx="10515600" cy="836369"/>
-          </a:xfrm>
-        </p:spPr>
+        <p:spPr/>
         <p:txBody>
           <a:bodyPr/>
           <a:lstStyle/>
@@ -7307,7 +7384,7 @@
                 <a:ea typeface="Hiragino Kaku Gothic Pro W6" charset="-128"/>
                 <a:cs typeface="Hiragino Kaku Gothic Pro W6" charset="-128"/>
               </a:rPr>
-              <a:t>開発するにあたって苦労した点</a:t>
+              <a:t>担当箇所</a:t>
             </a:r>
             <a:endParaRPr kumimoji="1" lang="ja-JP" altLang="en-US" b="1" dirty="0">
               <a:latin typeface="Hiragino Kaku Gothic Pro W6" charset="-128"/>
@@ -7327,18 +7404,18 @@
             <p:ph idx="1"/>
           </p:nvPr>
         </p:nvSpPr>
-        <p:spPr>
-          <a:xfrm>
-            <a:off x="838200" y="1783421"/>
-            <a:ext cx="10515600" cy="4687717"/>
-          </a:xfrm>
-        </p:spPr>
+        <p:spPr/>
         <p:txBody>
           <a:bodyPr>
             <a:normAutofit/>
           </a:bodyPr>
           <a:lstStyle/>
           <a:p>
+            <a:pPr>
+              <a:lnSpc>
+                <a:spcPct val="150000"/>
+              </a:lnSpc>
+            </a:pPr>
             <a:r>
               <a:rPr kumimoji="1" lang="ja-JP" altLang="en-US" sz="2400" dirty="0" smtClean="0">
                 <a:latin typeface="Hiragino Kaku Gothic Pro W3" charset="-128"/>
@@ -7347,6 +7424,22 @@
               </a:rPr>
               <a:t>海野</a:t>
             </a:r>
+            <a:r>
+              <a:rPr kumimoji="1" lang="en-US" altLang="ja-JP" sz="2400" dirty="0" smtClean="0">
+                <a:latin typeface="Hiragino Kaku Gothic Pro W3" charset="-128"/>
+                <a:ea typeface="Hiragino Kaku Gothic Pro W3" charset="-128"/>
+                <a:cs typeface="Hiragino Kaku Gothic Pro W3" charset="-128"/>
+              </a:rPr>
+              <a:t> -</a:t>
+            </a:r>
+            <a:r>
+              <a:rPr kumimoji="1" lang="ja-JP" altLang="en-US" sz="2400" dirty="0" smtClean="0">
+                <a:latin typeface="Hiragino Kaku Gothic Pro W3" charset="-128"/>
+                <a:ea typeface="Hiragino Kaku Gothic Pro W3" charset="-128"/>
+                <a:cs typeface="Hiragino Kaku Gothic Pro W3" charset="-128"/>
+              </a:rPr>
+              <a:t>フロントサイド</a:t>
+            </a:r>
             <a:endParaRPr lang="en-US" altLang="ja-JP" sz="2400" dirty="0">
               <a:latin typeface="Hiragino Kaku Gothic Pro W3" charset="-128"/>
               <a:ea typeface="Hiragino Kaku Gothic Pro W3" charset="-128"/>
@@ -7354,20 +7447,11 @@
             </a:endParaRPr>
           </a:p>
           <a:p>
-            <a:endParaRPr kumimoji="1" lang="en-US" altLang="ja-JP" sz="2400" dirty="0" smtClean="0">
-              <a:latin typeface="Hiragino Kaku Gothic Pro W3" charset="-128"/>
-              <a:ea typeface="Hiragino Kaku Gothic Pro W3" charset="-128"/>
-              <a:cs typeface="Hiragino Kaku Gothic Pro W3" charset="-128"/>
-            </a:endParaRPr>
-          </a:p>
-          <a:p>
-            <a:endParaRPr lang="en-US" altLang="ja-JP" sz="2400" dirty="0">
-              <a:latin typeface="Hiragino Kaku Gothic Pro W3" charset="-128"/>
-              <a:ea typeface="Hiragino Kaku Gothic Pro W3" charset="-128"/>
-              <a:cs typeface="Hiragino Kaku Gothic Pro W3" charset="-128"/>
-            </a:endParaRPr>
-          </a:p>
-          <a:p>
+            <a:pPr>
+              <a:lnSpc>
+                <a:spcPct val="150000"/>
+              </a:lnSpc>
+            </a:pPr>
             <a:r>
               <a:rPr kumimoji="1" lang="ja-JP" altLang="en-US" sz="2400" dirty="0" smtClean="0">
                 <a:latin typeface="Hiragino Kaku Gothic Pro W3" charset="-128"/>
@@ -7376,121 +7460,78 @@
               </a:rPr>
               <a:t>奥寺</a:t>
             </a:r>
+            <a:r>
+              <a:rPr lang="en-US" altLang="ja-JP" sz="2400" dirty="0">
+                <a:latin typeface="Hiragino Kaku Gothic Pro W3" charset="-128"/>
+                <a:ea typeface="Hiragino Kaku Gothic Pro W3" charset="-128"/>
+                <a:cs typeface="Hiragino Kaku Gothic Pro W3" charset="-128"/>
+              </a:rPr>
+              <a:t> </a:t>
+            </a:r>
+            <a:r>
+              <a:rPr lang="en-US" altLang="ja-JP" sz="2400" dirty="0" smtClean="0">
+                <a:latin typeface="Hiragino Kaku Gothic Pro W3" charset="-128"/>
+                <a:ea typeface="Hiragino Kaku Gothic Pro W3" charset="-128"/>
+                <a:cs typeface="Hiragino Kaku Gothic Pro W3" charset="-128"/>
+              </a:rPr>
+              <a:t>-</a:t>
+            </a:r>
+            <a:r>
+              <a:rPr lang="ja-JP" altLang="en-US" sz="2400" dirty="0" smtClean="0">
+                <a:latin typeface="Hiragino Kaku Gothic Pro W3" charset="-128"/>
+                <a:ea typeface="Hiragino Kaku Gothic Pro W3" charset="-128"/>
+                <a:cs typeface="Hiragino Kaku Gothic Pro W3" charset="-128"/>
+              </a:rPr>
+              <a:t>サーバーサイド</a:t>
+            </a:r>
+            <a:endParaRPr lang="en-US" altLang="ja-JP" sz="2400" dirty="0" smtClean="0">
+              <a:latin typeface="Hiragino Kaku Gothic Pro W3" charset="-128"/>
+              <a:ea typeface="Hiragino Kaku Gothic Pro W3" charset="-128"/>
+              <a:cs typeface="Hiragino Kaku Gothic Pro W3" charset="-128"/>
+            </a:endParaRPr>
+          </a:p>
+          <a:p>
+            <a:pPr>
+              <a:lnSpc>
+                <a:spcPct val="150000"/>
+              </a:lnSpc>
+            </a:pPr>
+            <a:r>
+              <a:rPr kumimoji="1" lang="ja-JP" altLang="en-US" sz="2400" dirty="0" smtClean="0">
+                <a:latin typeface="Hiragino Kaku Gothic Pro W3" charset="-128"/>
+                <a:ea typeface="Hiragino Kaku Gothic Pro W3" charset="-128"/>
+                <a:cs typeface="Hiragino Kaku Gothic Pro W3" charset="-128"/>
+              </a:rPr>
+              <a:t>桃井</a:t>
+            </a:r>
+            <a:r>
+              <a:rPr kumimoji="1" lang="en-US" altLang="ja-JP" sz="2400" dirty="0" smtClean="0">
+                <a:latin typeface="Hiragino Kaku Gothic Pro W3" charset="-128"/>
+                <a:ea typeface="Hiragino Kaku Gothic Pro W3" charset="-128"/>
+                <a:cs typeface="Hiragino Kaku Gothic Pro W3" charset="-128"/>
+              </a:rPr>
+              <a:t> -</a:t>
+            </a:r>
+            <a:r>
+              <a:rPr kumimoji="1" lang="ja-JP" altLang="en-US" sz="2400" dirty="0" smtClean="0">
+                <a:latin typeface="Hiragino Kaku Gothic Pro W3" charset="-128"/>
+                <a:ea typeface="Hiragino Kaku Gothic Pro W3" charset="-128"/>
+                <a:cs typeface="Hiragino Kaku Gothic Pro W3" charset="-128"/>
+              </a:rPr>
+              <a:t>フロントサイド</a:t>
+            </a:r>
             <a:endParaRPr kumimoji="1" lang="en-US" altLang="ja-JP" sz="2400" dirty="0" smtClean="0">
               <a:latin typeface="Hiragino Kaku Gothic Pro W3" charset="-128"/>
               <a:ea typeface="Hiragino Kaku Gothic Pro W3" charset="-128"/>
               <a:cs typeface="Hiragino Kaku Gothic Pro W3" charset="-128"/>
             </a:endParaRPr>
           </a:p>
-          <a:p>
-            <a:endParaRPr lang="en-US" altLang="ja-JP" sz="2400" dirty="0">
-              <a:latin typeface="Hiragino Kaku Gothic Pro W3" charset="-128"/>
-              <a:ea typeface="Hiragino Kaku Gothic Pro W3" charset="-128"/>
-              <a:cs typeface="Hiragino Kaku Gothic Pro W3" charset="-128"/>
-            </a:endParaRPr>
-          </a:p>
-          <a:p>
-            <a:endParaRPr kumimoji="1" lang="en-US" altLang="ja-JP" sz="2400" dirty="0" smtClean="0">
-              <a:latin typeface="Hiragino Kaku Gothic Pro W3" charset="-128"/>
-              <a:ea typeface="Hiragino Kaku Gothic Pro W3" charset="-128"/>
-              <a:cs typeface="Hiragino Kaku Gothic Pro W3" charset="-128"/>
-            </a:endParaRPr>
-          </a:p>
-          <a:p>
-            <a:r>
-              <a:rPr lang="ja-JP" altLang="en-US" sz="2400" dirty="0" smtClean="0">
-                <a:latin typeface="Hiragino Kaku Gothic Pro W3" charset="-128"/>
-                <a:ea typeface="Hiragino Kaku Gothic Pro W3" charset="-128"/>
-                <a:cs typeface="Hiragino Kaku Gothic Pro W3" charset="-128"/>
-              </a:rPr>
-              <a:t>桃井</a:t>
-            </a:r>
-            <a:endParaRPr lang="en-US" altLang="ja-JP" sz="2400" dirty="0" smtClean="0">
-              <a:latin typeface="Hiragino Kaku Gothic Pro W3" charset="-128"/>
-              <a:ea typeface="Hiragino Kaku Gothic Pro W3" charset="-128"/>
-              <a:cs typeface="Hiragino Kaku Gothic Pro W3" charset="-128"/>
-            </a:endParaRPr>
-          </a:p>
-          <a:p>
-            <a:pPr marL="0" indent="0">
-              <a:buNone/>
-            </a:pPr>
-            <a:r>
-              <a:rPr lang="en-US" altLang="ja-JP" sz="2400" dirty="0" smtClean="0">
-                <a:latin typeface="Hiragino Kaku Gothic Pro W3" charset="-128"/>
-                <a:ea typeface="Hiragino Kaku Gothic Pro W3" charset="-128"/>
-                <a:cs typeface="Hiragino Kaku Gothic Pro W3" charset="-128"/>
-              </a:rPr>
-              <a:t>	</a:t>
-            </a:r>
-            <a:r>
-              <a:rPr lang="ja-JP" altLang="en-US" sz="2400" dirty="0" smtClean="0">
-                <a:latin typeface="Hiragino Kaku Gothic Pro W3" charset="-128"/>
-                <a:ea typeface="Hiragino Kaku Gothic Pro W3" charset="-128"/>
-                <a:cs typeface="Hiragino Kaku Gothic Pro W3" charset="-128"/>
-              </a:rPr>
-              <a:t>メイン機能の仕様変更の回数が多く書き直しに時間を取られてた事</a:t>
-            </a:r>
-            <a:r>
-              <a:rPr lang="ja-JP" altLang="en-US" sz="2400" dirty="0" smtClean="0">
-                <a:latin typeface="Hiragino Kaku Gothic Pro W3" charset="-128"/>
-                <a:ea typeface="Hiragino Kaku Gothic Pro W3" charset="-128"/>
-                <a:cs typeface="Hiragino Kaku Gothic Pro W3" charset="-128"/>
-              </a:rPr>
-              <a:t>。</a:t>
-            </a:r>
-            <a:endParaRPr lang="en-US" altLang="ja-JP" sz="2400" dirty="0" smtClean="0">
-              <a:latin typeface="Hiragino Kaku Gothic Pro W3" charset="-128"/>
-              <a:ea typeface="Hiragino Kaku Gothic Pro W3" charset="-128"/>
-              <a:cs typeface="Hiragino Kaku Gothic Pro W3" charset="-128"/>
-            </a:endParaRPr>
-          </a:p>
-          <a:p>
-            <a:pPr marL="0" indent="0">
-              <a:buNone/>
-            </a:pPr>
-            <a:r>
-              <a:rPr lang="en-US" altLang="ja-JP" sz="2400" dirty="0">
-                <a:latin typeface="Hiragino Kaku Gothic Pro W3" charset="-128"/>
-                <a:ea typeface="Hiragino Kaku Gothic Pro W3" charset="-128"/>
-                <a:cs typeface="Hiragino Kaku Gothic Pro W3" charset="-128"/>
-              </a:rPr>
-              <a:t>	</a:t>
-            </a:r>
-            <a:r>
-              <a:rPr lang="ja-JP" altLang="en-US" sz="2400" dirty="0" smtClean="0">
-                <a:latin typeface="Hiragino Kaku Gothic Pro W3" charset="-128"/>
-                <a:ea typeface="Hiragino Kaku Gothic Pro W3" charset="-128"/>
-                <a:cs typeface="Hiragino Kaku Gothic Pro W3" charset="-128"/>
-              </a:rPr>
-              <a:t>ログ出力をクリップしたメソッドを作らなかった事。</a:t>
-            </a:r>
-            <a:endParaRPr lang="en-US" altLang="ja-JP" sz="2400" dirty="0" smtClean="0">
-              <a:latin typeface="Hiragino Kaku Gothic Pro W3" charset="-128"/>
-              <a:ea typeface="Hiragino Kaku Gothic Pro W3" charset="-128"/>
-              <a:cs typeface="Hiragino Kaku Gothic Pro W3" charset="-128"/>
-            </a:endParaRPr>
-          </a:p>
-          <a:p>
-            <a:endParaRPr kumimoji="1" lang="en-US" altLang="ja-JP" dirty="0">
-              <a:latin typeface="Hiragino Kaku Gothic Pro W3" charset="-128"/>
-              <a:ea typeface="Hiragino Kaku Gothic Pro W3" charset="-128"/>
-              <a:cs typeface="Hiragino Kaku Gothic Pro W3" charset="-128"/>
-            </a:endParaRPr>
-          </a:p>
-          <a:p>
-            <a:endParaRPr kumimoji="1" lang="ja-JP" altLang="en-US" dirty="0">
-              <a:latin typeface="Hiragino Kaku Gothic Pro W3" charset="-128"/>
-              <a:ea typeface="Hiragino Kaku Gothic Pro W3" charset="-128"/>
-              <a:cs typeface="Hiragino Kaku Gothic Pro W3" charset="-128"/>
-            </a:endParaRPr>
-          </a:p>
         </p:txBody>
       </p:sp>
     </p:spTree>
     <p:extLst>
       <p:ext uri="{BB962C8B-B14F-4D97-AF65-F5344CB8AC3E}">
-        <p14:creationId xmlns:p14="http://schemas.microsoft.com/office/powerpoint/2010/main" val="1426999527"/>
+        <p14:creationId xmlns:p14="http://schemas.microsoft.com/office/powerpoint/2010/main" val="927007403"/>
       </p:ext>
     </p:extLst>
   </p:cSld>
@@ -7534,7 +7575,12 @@
             <p:ph type="title"/>
           </p:nvPr>
         </p:nvSpPr>
-        <p:spPr/>
+        <p:spPr>
+          <a:xfrm>
+            <a:off x="641251" y="598538"/>
+            <a:ext cx="10515600" cy="836369"/>
+          </a:xfrm>
+        </p:spPr>
         <p:txBody>
           <a:bodyPr/>
           <a:lstStyle/>
@@ -7545,7 +7591,7 @@
                 <a:ea typeface="Hiragino Kaku Gothic Pro W6" charset="-128"/>
                 <a:cs typeface="Hiragino Kaku Gothic Pro W6" charset="-128"/>
               </a:rPr>
-              <a:t>開発で工夫した点</a:t>
+              <a:t>開発するにあたって苦労した点</a:t>
             </a:r>
             <a:endParaRPr kumimoji="1" lang="ja-JP" altLang="en-US" b="1" dirty="0">
               <a:latin typeface="Hiragino Kaku Gothic Pro W6" charset="-128"/>
@@ -7565,10 +7611,15 @@
             <p:ph idx="1"/>
           </p:nvPr>
         </p:nvSpPr>
-        <p:spPr/>
+        <p:spPr>
+          <a:xfrm>
+            <a:off x="838200" y="1783421"/>
+            <a:ext cx="10515600" cy="4687717"/>
+          </a:xfrm>
+        </p:spPr>
         <p:txBody>
           <a:bodyPr>
-            <a:normAutofit/>
+            <a:normAutofit lnSpcReduction="10000"/>
           </a:bodyPr>
           <a:lstStyle/>
           <a:p>
@@ -7578,20 +7629,221 @@
                 <a:ea typeface="Hiragino Kaku Gothic Pro W3" charset="-128"/>
                 <a:cs typeface="Hiragino Kaku Gothic Pro W3" charset="-128"/>
               </a:rPr>
-              <a:t>開発コストが足りなくなる事が予測できたので開発予定期間の前から開発に着手していた。</a:t>
-            </a:r>
-            <a:endParaRPr kumimoji="1" lang="ja-JP" altLang="en-US" sz="2400" dirty="0">
+              <a:t>海野</a:t>
+            </a:r>
+            <a:endParaRPr lang="en-US" altLang="ja-JP" sz="2400" dirty="0">
               <a:latin typeface="Hiragino Kaku Gothic Pro W3" charset="-128"/>
               <a:ea typeface="Hiragino Kaku Gothic Pro W3" charset="-128"/>
               <a:cs typeface="Hiragino Kaku Gothic Pro W3" charset="-128"/>
             </a:endParaRPr>
           </a:p>
+          <a:p>
+            <a:endParaRPr kumimoji="1" lang="en-US" altLang="ja-JP" sz="2400" dirty="0" smtClean="0">
+              <a:latin typeface="Hiragino Kaku Gothic Pro W3" charset="-128"/>
+              <a:ea typeface="Hiragino Kaku Gothic Pro W3" charset="-128"/>
+              <a:cs typeface="Hiragino Kaku Gothic Pro W3" charset="-128"/>
+            </a:endParaRPr>
+          </a:p>
+          <a:p>
+            <a:endParaRPr lang="en-US" altLang="ja-JP" sz="2400" dirty="0">
+              <a:latin typeface="Hiragino Kaku Gothic Pro W3" charset="-128"/>
+              <a:ea typeface="Hiragino Kaku Gothic Pro W3" charset="-128"/>
+              <a:cs typeface="Hiragino Kaku Gothic Pro W3" charset="-128"/>
+            </a:endParaRPr>
+          </a:p>
+          <a:p>
+            <a:r>
+              <a:rPr kumimoji="1" lang="ja-JP" altLang="en-US" sz="2400" dirty="0" smtClean="0">
+                <a:latin typeface="Hiragino Kaku Gothic Pro W3" charset="-128"/>
+                <a:ea typeface="Hiragino Kaku Gothic Pro W3" charset="-128"/>
+                <a:cs typeface="Hiragino Kaku Gothic Pro W3" charset="-128"/>
+              </a:rPr>
+              <a:t>奥寺</a:t>
+            </a:r>
+            <a:endParaRPr kumimoji="1" lang="en-US" altLang="ja-JP" sz="2400" dirty="0" smtClean="0">
+              <a:latin typeface="Hiragino Kaku Gothic Pro W3" charset="-128"/>
+              <a:ea typeface="Hiragino Kaku Gothic Pro W3" charset="-128"/>
+              <a:cs typeface="Hiragino Kaku Gothic Pro W3" charset="-128"/>
+            </a:endParaRPr>
+          </a:p>
+          <a:p>
+            <a:pPr marL="0" indent="0">
+              <a:buNone/>
+            </a:pPr>
+            <a:r>
+              <a:rPr lang="en-US" altLang="ja-JP" sz="2400" dirty="0" smtClean="0">
+                <a:latin typeface="Hiragino Kaku Gothic Pro W3" charset="-128"/>
+                <a:ea typeface="Hiragino Kaku Gothic Pro W3" charset="-128"/>
+                <a:cs typeface="Hiragino Kaku Gothic Pro W3" charset="-128"/>
+              </a:rPr>
+              <a:t>   </a:t>
+            </a:r>
+            <a:r>
+              <a:rPr lang="ja-JP" altLang="en-US" sz="2400" dirty="0" smtClean="0">
+                <a:latin typeface="Hiragino Kaku Gothic Pro W3" charset="-128"/>
+                <a:ea typeface="Hiragino Kaku Gothic Pro W3" charset="-128"/>
+                <a:cs typeface="Hiragino Kaku Gothic Pro W3" charset="-128"/>
+              </a:rPr>
+              <a:t>外部サイトの分析機能の実装</a:t>
+            </a:r>
+            <a:endParaRPr lang="en-US" altLang="ja-JP" sz="2400" dirty="0" smtClean="0">
+              <a:latin typeface="Hiragino Kaku Gothic Pro W3" charset="-128"/>
+              <a:ea typeface="Hiragino Kaku Gothic Pro W3" charset="-128"/>
+              <a:cs typeface="Hiragino Kaku Gothic Pro W3" charset="-128"/>
+            </a:endParaRPr>
+          </a:p>
+          <a:p>
+            <a:pPr marL="0" indent="0">
+              <a:buNone/>
+            </a:pPr>
+            <a:r>
+              <a:rPr lang="ja-JP" altLang="en-US" sz="2400" dirty="0" smtClean="0">
+                <a:latin typeface="Hiragino Kaku Gothic Pro W3" charset="-128"/>
+                <a:ea typeface="Hiragino Kaku Gothic Pro W3" charset="-128"/>
+                <a:cs typeface="Hiragino Kaku Gothic Pro W3" charset="-128"/>
+              </a:rPr>
+              <a:t>　</a:t>
+            </a:r>
+            <a:r>
+              <a:rPr lang="en-US" altLang="ja-JP" sz="2400" dirty="0" smtClean="0">
+                <a:latin typeface="Hiragino Kaku Gothic Pro W3" charset="-128"/>
+                <a:ea typeface="Hiragino Kaku Gothic Pro W3" charset="-128"/>
+                <a:cs typeface="Hiragino Kaku Gothic Pro W3" charset="-128"/>
+              </a:rPr>
+              <a:t>DB</a:t>
+            </a:r>
+            <a:r>
+              <a:rPr lang="ja-JP" altLang="en-US" sz="2400" dirty="0" smtClean="0">
+                <a:latin typeface="Hiragino Kaku Gothic Pro W3" charset="-128"/>
+                <a:ea typeface="Hiragino Kaku Gothic Pro W3" charset="-128"/>
+                <a:cs typeface="Hiragino Kaku Gothic Pro W3" charset="-128"/>
+              </a:rPr>
+              <a:t>にバイナリで画像を保存しておくべきだったか</a:t>
+            </a:r>
+            <a:r>
+              <a:rPr lang="en-US" altLang="ja-JP" sz="2400" dirty="0" smtClean="0">
+                <a:latin typeface="Hiragino Kaku Gothic Pro W3" charset="-128"/>
+                <a:ea typeface="Hiragino Kaku Gothic Pro W3" charset="-128"/>
+                <a:cs typeface="Hiragino Kaku Gothic Pro W3" charset="-128"/>
+              </a:rPr>
+              <a:t>(</a:t>
+            </a:r>
+            <a:r>
+              <a:rPr lang="ja-JP" altLang="en-US" sz="2400" dirty="0" smtClean="0">
+                <a:latin typeface="Hiragino Kaku Gothic Pro W3" charset="-128"/>
+                <a:ea typeface="Hiragino Kaku Gothic Pro W3" charset="-128"/>
+                <a:cs typeface="Hiragino Kaku Gothic Pro W3" charset="-128"/>
+              </a:rPr>
+              <a:t>設計のミス</a:t>
+            </a:r>
+            <a:r>
+              <a:rPr lang="en-US" altLang="ja-JP" sz="2400" dirty="0" smtClean="0">
+                <a:latin typeface="Hiragino Kaku Gothic Pro W3" charset="-128"/>
+                <a:ea typeface="Hiragino Kaku Gothic Pro W3" charset="-128"/>
+                <a:cs typeface="Hiragino Kaku Gothic Pro W3" charset="-128"/>
+              </a:rPr>
+              <a:t>)</a:t>
+            </a:r>
+            <a:endParaRPr lang="en-US" altLang="ja-JP" sz="2400" dirty="0">
+              <a:latin typeface="Hiragino Kaku Gothic Pro W3" charset="-128"/>
+              <a:ea typeface="Hiragino Kaku Gothic Pro W3" charset="-128"/>
+              <a:cs typeface="Hiragino Kaku Gothic Pro W3" charset="-128"/>
+            </a:endParaRPr>
+          </a:p>
+          <a:p>
+            <a:endParaRPr kumimoji="1" lang="en-US" altLang="ja-JP" sz="2400" dirty="0" smtClean="0">
+              <a:latin typeface="Hiragino Kaku Gothic Pro W3" charset="-128"/>
+              <a:ea typeface="Hiragino Kaku Gothic Pro W3" charset="-128"/>
+              <a:cs typeface="Hiragino Kaku Gothic Pro W3" charset="-128"/>
+            </a:endParaRPr>
+          </a:p>
+          <a:p>
+            <a:r>
+              <a:rPr lang="ja-JP" altLang="en-US" sz="2400" dirty="0" smtClean="0">
+                <a:latin typeface="Hiragino Kaku Gothic Pro W3" charset="-128"/>
+                <a:ea typeface="Hiragino Kaku Gothic Pro W3" charset="-128"/>
+                <a:cs typeface="Hiragino Kaku Gothic Pro W3" charset="-128"/>
+              </a:rPr>
+              <a:t>桃井</a:t>
+            </a:r>
+            <a:endParaRPr lang="en-US" altLang="ja-JP" sz="2400" dirty="0" smtClean="0">
+              <a:latin typeface="Hiragino Kaku Gothic Pro W3" charset="-128"/>
+              <a:ea typeface="Hiragino Kaku Gothic Pro W3" charset="-128"/>
+              <a:cs typeface="Hiragino Kaku Gothic Pro W3" charset="-128"/>
+            </a:endParaRPr>
+          </a:p>
+          <a:p>
+            <a:pPr marL="0" indent="0">
+              <a:buNone/>
+            </a:pPr>
+            <a:r>
+              <a:rPr lang="en-US" altLang="ja-JP" sz="2400" dirty="0" smtClean="0">
+                <a:latin typeface="Hiragino Kaku Gothic Pro W3" charset="-128"/>
+                <a:ea typeface="Hiragino Kaku Gothic Pro W3" charset="-128"/>
+                <a:cs typeface="Hiragino Kaku Gothic Pro W3" charset="-128"/>
+              </a:rPr>
+              <a:t>	</a:t>
+            </a:r>
+            <a:r>
+              <a:rPr lang="ja-JP" altLang="en-US" sz="2400" dirty="0" smtClean="0">
+                <a:latin typeface="Hiragino Kaku Gothic Pro W3" charset="-128"/>
+                <a:ea typeface="Hiragino Kaku Gothic Pro W3" charset="-128"/>
+                <a:cs typeface="Hiragino Kaku Gothic Pro W3" charset="-128"/>
+              </a:rPr>
+              <a:t>メイン機能の仕様変更の回数が多く書き直しに時間を取られてた事。</a:t>
+            </a:r>
+            <a:endParaRPr lang="en-US" altLang="ja-JP" sz="2400" dirty="0" smtClean="0">
+              <a:latin typeface="Hiragino Kaku Gothic Pro W3" charset="-128"/>
+              <a:ea typeface="Hiragino Kaku Gothic Pro W3" charset="-128"/>
+              <a:cs typeface="Hiragino Kaku Gothic Pro W3" charset="-128"/>
+            </a:endParaRPr>
+          </a:p>
+          <a:p>
+            <a:pPr marL="0" indent="0">
+              <a:buNone/>
+            </a:pPr>
+            <a:r>
+              <a:rPr lang="en-US" altLang="ja-JP" sz="2400" dirty="0">
+                <a:latin typeface="Hiragino Kaku Gothic Pro W3" charset="-128"/>
+                <a:ea typeface="Hiragino Kaku Gothic Pro W3" charset="-128"/>
+                <a:cs typeface="Hiragino Kaku Gothic Pro W3" charset="-128"/>
+              </a:rPr>
+              <a:t>	</a:t>
+            </a:r>
+            <a:r>
+              <a:rPr lang="ja-JP" altLang="en-US" sz="2400" dirty="0" smtClean="0">
+                <a:latin typeface="Hiragino Kaku Gothic Pro W3" charset="-128"/>
+                <a:ea typeface="Hiragino Kaku Gothic Pro W3" charset="-128"/>
+                <a:cs typeface="Hiragino Kaku Gothic Pro W3" charset="-128"/>
+              </a:rPr>
+              <a:t>ログ出力をクリップしたメソッドを作らなかった事。</a:t>
+            </a:r>
+            <a:endParaRPr lang="en-US" altLang="ja-JP" sz="2400" dirty="0" smtClean="0">
+              <a:latin typeface="Hiragino Kaku Gothic Pro W3" charset="-128"/>
+              <a:ea typeface="Hiragino Kaku Gothic Pro W3" charset="-128"/>
+              <a:cs typeface="Hiragino Kaku Gothic Pro W3" charset="-128"/>
+            </a:endParaRPr>
+          </a:p>
+          <a:p>
+            <a:endParaRPr kumimoji="1" lang="en-US" altLang="ja-JP" dirty="0">
+              <a:latin typeface="Hiragino Kaku Gothic Pro W3" charset="-128"/>
+              <a:ea typeface="Hiragino Kaku Gothic Pro W3" charset="-128"/>
+              <a:cs typeface="Hiragino Kaku Gothic Pro W3" charset="-128"/>
+            </a:endParaRPr>
+          </a:p>
+          <a:p>
+            <a:endParaRPr kumimoji="1" lang="ja-JP" altLang="en-US" dirty="0">
+              <a:latin typeface="Hiragino Kaku Gothic Pro W3" charset="-128"/>
+              <a:ea typeface="Hiragino Kaku Gothic Pro W3" charset="-128"/>
+              <a:cs typeface="Hiragino Kaku Gothic Pro W3" charset="-128"/>
+            </a:endParaRPr>
+          </a:p>
         </p:txBody>
       </p:sp>
     </p:spTree>
     <p:extLst>
       <p:ext uri="{BB962C8B-B14F-4D97-AF65-F5344CB8AC3E}">
-        <p14:creationId xmlns:p14="http://schemas.microsoft.com/office/powerpoint/2010/main" val="684258252"/>
+        <p14:creationId xmlns:p14="http://schemas.microsoft.com/office/powerpoint/2010/main" val="1426999527"/>
       </p:ext>
     </p:extLst>
   </p:cSld>
@@ -7646,7 +7898,7 @@
                 <a:ea typeface="Hiragino Kaku Gothic Pro W6" charset="-128"/>
                 <a:cs typeface="Hiragino Kaku Gothic Pro W6" charset="-128"/>
               </a:rPr>
-              <a:t>今後の展望</a:t>
+              <a:t>開発で工夫した点</a:t>
             </a:r>
             <a:endParaRPr kumimoji="1" lang="ja-JP" altLang="en-US" b="1" dirty="0">
               <a:latin typeface="Hiragino Kaku Gothic Pro W6" charset="-128"/>
@@ -7673,6 +7925,14 @@
           </a:bodyPr>
           <a:lstStyle/>
           <a:p>
+            <a:r>
+              <a:rPr kumimoji="1" lang="ja-JP" altLang="en-US" sz="2400" dirty="0" smtClean="0">
+                <a:latin typeface="Hiragino Kaku Gothic Pro W3" charset="-128"/>
+                <a:ea typeface="Hiragino Kaku Gothic Pro W3" charset="-128"/>
+                <a:cs typeface="Hiragino Kaku Gothic Pro W3" charset="-128"/>
+              </a:rPr>
+              <a:t>開発コストが足りなくなる事が予測できたので開発予定期間の前から開発に着手していた。</a:t>
+            </a:r>
             <a:endParaRPr kumimoji="1" lang="ja-JP" altLang="en-US" sz="2400" dirty="0">
               <a:latin typeface="Hiragino Kaku Gothic Pro W3" charset="-128"/>
               <a:ea typeface="Hiragino Kaku Gothic Pro W3" charset="-128"/>
@@ -7684,7 +7944,7 @@
     </p:spTree>
     <p:extLst>
       <p:ext uri="{BB962C8B-B14F-4D97-AF65-F5344CB8AC3E}">
-        <p14:creationId xmlns:p14="http://schemas.microsoft.com/office/powerpoint/2010/main" val="1450074479"/>
+        <p14:creationId xmlns:p14="http://schemas.microsoft.com/office/powerpoint/2010/main" val="684258252"/>
       </p:ext>
     </p:extLst>
   </p:cSld>
